--- a/cs semina/졸업 논문 심사.pptx
+++ b/cs semina/졸업 논문 심사.pptx
@@ -11,10 +11,10 @@
     <p:sldId id="256" r:id="rId2"/>
     <p:sldId id="257" r:id="rId3"/>
     <p:sldId id="258" r:id="rId4"/>
-    <p:sldId id="259" r:id="rId5"/>
-    <p:sldId id="260" r:id="rId6"/>
-    <p:sldId id="261" r:id="rId7"/>
-    <p:sldId id="262" r:id="rId8"/>
+    <p:sldId id="260" r:id="rId5"/>
+    <p:sldId id="261" r:id="rId6"/>
+    <p:sldId id="262" r:id="rId7"/>
+    <p:sldId id="259" r:id="rId8"/>
     <p:sldId id="263" r:id="rId9"/>
     <p:sldId id="264" r:id="rId10"/>
     <p:sldId id="265" r:id="rId11"/>
@@ -277,7 +277,7 @@
           <a:p>
             <a:fld id="{57764B8E-7EC0-4B59-8DA5-E04CAE3DB5F2}" type="datetimeFigureOut">
               <a:rPr lang="ko-KR" altLang="en-US" smtClean="0"/>
-              <a:t>2024-11-04</a:t>
+              <a:t>2024. 11. 5.</a:t>
             </a:fld>
             <a:endParaRPr lang="ko-KR" altLang="en-US"/>
           </a:p>
@@ -4439,11 +4439,11 @@
           <a:lstStyle/>
           <a:p>
             <a:r>
-              <a:rPr lang="en-US" altLang="ko-KR" dirty="0"/>
+              <a:rPr lang="en-US" altLang="ko-KR" sz="3200" dirty="0"/>
               <a:t>Fashion-MNIST </a:t>
             </a:r>
             <a:r>
-              <a:rPr lang="ko-KR" altLang="en-US" dirty="0"/>
+              <a:rPr lang="ko-KR" altLang="en-US" sz="3200" dirty="0"/>
               <a:t>데이터 세트 성능 분석</a:t>
             </a:r>
           </a:p>
@@ -4451,10 +4451,10 @@
       </p:sp>
       <p:sp>
         <p:nvSpPr>
-          <p:cNvPr id="3" name="내용 개체 틀 2">
+          <p:cNvPr id="8" name="내용 개체 틀 7">
             <a:extLst>
               <a:ext uri="{FF2B5EF4-FFF2-40B4-BE49-F238E27FC236}">
-                <a16:creationId xmlns:a16="http://schemas.microsoft.com/office/drawing/2014/main" id="{92048AA1-9EB4-1501-65BA-3E74773A7067}"/>
+                <a16:creationId xmlns:a16="http://schemas.microsoft.com/office/drawing/2014/main" id="{28D51850-AF32-8082-77CF-616A87E7F0C4}"/>
               </a:ext>
             </a:extLst>
           </p:cNvPr>
@@ -4470,10 +4470,97 @@
           <a:bodyPr/>
           <a:lstStyle/>
           <a:p>
-            <a:endParaRPr lang="ko-KR" altLang="en-US"/>
-          </a:p>
-        </p:txBody>
-      </p:sp>
+            <a:r>
+              <a:rPr lang="en-US" altLang="ko-KR" dirty="0"/>
+              <a:t>10</a:t>
+            </a:r>
+            <a:r>
+              <a:rPr lang="ko-KR" altLang="en-US" dirty="0"/>
+              <a:t>가지 옷</a:t>
+            </a:r>
+            <a:r>
+              <a:rPr lang="en-US" altLang="ko-KR" dirty="0"/>
+              <a:t>,</a:t>
+            </a:r>
+            <a:r>
+              <a:rPr lang="ko-KR" altLang="en-US" dirty="0"/>
+              <a:t> 신발 종류의 이미지 데이터를 가짐</a:t>
+            </a:r>
+          </a:p>
+        </p:txBody>
+      </p:sp>
+      <p:pic>
+        <p:nvPicPr>
+          <p:cNvPr id="12" name="그림 11" descr="라인, 그래프, 도표, 텍스트이(가) 표시된 사진&#10;&#10;자동 생성된 설명">
+            <a:extLst>
+              <a:ext uri="{FF2B5EF4-FFF2-40B4-BE49-F238E27FC236}">
+                <a16:creationId xmlns:a16="http://schemas.microsoft.com/office/drawing/2014/main" id="{F8B4DD1D-6A4D-B4FA-5FF8-74DDD101DEED}"/>
+              </a:ext>
+            </a:extLst>
+          </p:cNvPr>
+          <p:cNvPicPr>
+            <a:picLocks noChangeAspect="1"/>
+          </p:cNvPicPr>
+          <p:nvPr/>
+        </p:nvPicPr>
+        <p:blipFill>
+          <a:blip r:embed="rId2">
+            <a:extLst>
+              <a:ext uri="{28A0092B-C50C-407E-A947-70E740481C1C}">
+                <a14:useLocalDpi xmlns:a14="http://schemas.microsoft.com/office/drawing/2010/main" val="0"/>
+              </a:ext>
+            </a:extLst>
+          </a:blip>
+          <a:stretch>
+            <a:fillRect/>
+          </a:stretch>
+        </p:blipFill>
+        <p:spPr>
+          <a:xfrm>
+            <a:off x="755650" y="1628800"/>
+            <a:ext cx="4357475" cy="3216232"/>
+          </a:xfrm>
+          <a:prstGeom prst="rect">
+            <a:avLst/>
+          </a:prstGeom>
+        </p:spPr>
+      </p:pic>
+      <p:pic>
+        <p:nvPicPr>
+          <p:cNvPr id="13" name="그림 12" descr="텍스트, 폰트, 라인, 영수증이(가) 표시된 사진&#10;&#10;자동 생성된 설명">
+            <a:extLst>
+              <a:ext uri="{FF2B5EF4-FFF2-40B4-BE49-F238E27FC236}">
+                <a16:creationId xmlns:a16="http://schemas.microsoft.com/office/drawing/2014/main" id="{208BB8AE-9186-9AE2-9630-85D832F40E67}"/>
+              </a:ext>
+            </a:extLst>
+          </p:cNvPr>
+          <p:cNvPicPr>
+            <a:picLocks noChangeAspect="1"/>
+          </p:cNvPicPr>
+          <p:nvPr/>
+        </p:nvPicPr>
+        <p:blipFill>
+          <a:blip r:embed="rId3">
+            <a:extLst>
+              <a:ext uri="{28A0092B-C50C-407E-A947-70E740481C1C}">
+                <a14:useLocalDpi xmlns:a14="http://schemas.microsoft.com/office/drawing/2010/main" val="0"/>
+              </a:ext>
+            </a:extLst>
+          </a:blip>
+          <a:stretch>
+            <a:fillRect/>
+          </a:stretch>
+        </p:blipFill>
+        <p:spPr>
+          <a:xfrm>
+            <a:off x="738443" y="5025395"/>
+            <a:ext cx="6273800" cy="1676400"/>
+          </a:xfrm>
+          <a:prstGeom prst="rect">
+            <a:avLst/>
+          </a:prstGeom>
+        </p:spPr>
+      </p:pic>
     </p:spTree>
     <p:extLst>
       <p:ext uri="{BB962C8B-B14F-4D97-AF65-F5344CB8AC3E}">
@@ -4557,10 +4644,105 @@
           <a:bodyPr/>
           <a:lstStyle/>
           <a:p>
-            <a:endParaRPr lang="ko-KR" altLang="en-US"/>
-          </a:p>
-        </p:txBody>
-      </p:sp>
+            <a:r>
+              <a:rPr lang="ko-KR" altLang="en-US" dirty="0"/>
+              <a:t>남성과 여성이 </a:t>
+            </a:r>
+            <a:r>
+              <a:rPr lang="en-US" altLang="ko-KR" dirty="0"/>
+              <a:t>0~9</a:t>
+            </a:r>
+            <a:r>
+              <a:rPr lang="ko-KR" altLang="en-US" dirty="0" err="1"/>
+              <a:t>를</a:t>
+            </a:r>
+            <a:r>
+              <a:rPr lang="ko-KR" altLang="en-US" dirty="0"/>
+              <a:t> 발음하는 음성 데이터로 총 </a:t>
+            </a:r>
+            <a:r>
+              <a:rPr lang="en-US" altLang="ko-KR" dirty="0"/>
+              <a:t>20</a:t>
+            </a:r>
+            <a:r>
+              <a:rPr lang="ko-KR" altLang="en-US" dirty="0"/>
+              <a:t>개의 음성을 구분함</a:t>
+            </a:r>
+          </a:p>
+        </p:txBody>
+      </p:sp>
+      <p:pic>
+        <p:nvPicPr>
+          <p:cNvPr id="5" name="그림 4" descr="라인, 텍스트, 도표, 그래프이(가) 표시된 사진&#10;&#10;자동 생성된 설명">
+            <a:extLst>
+              <a:ext uri="{FF2B5EF4-FFF2-40B4-BE49-F238E27FC236}">
+                <a16:creationId xmlns:a16="http://schemas.microsoft.com/office/drawing/2014/main" id="{8E27DDE5-54B7-C077-1C3F-7FDCDF178C10}"/>
+              </a:ext>
+            </a:extLst>
+          </p:cNvPr>
+          <p:cNvPicPr>
+            <a:picLocks noChangeAspect="1"/>
+          </p:cNvPicPr>
+          <p:nvPr/>
+        </p:nvPicPr>
+        <p:blipFill>
+          <a:blip r:embed="rId2">
+            <a:extLst>
+              <a:ext uri="{28A0092B-C50C-407E-A947-70E740481C1C}">
+                <a14:useLocalDpi xmlns:a14="http://schemas.microsoft.com/office/drawing/2010/main" val="0"/>
+              </a:ext>
+            </a:extLst>
+          </a:blip>
+          <a:stretch>
+            <a:fillRect/>
+          </a:stretch>
+        </p:blipFill>
+        <p:spPr>
+          <a:xfrm>
+            <a:off x="828675" y="2025780"/>
+            <a:ext cx="3882102" cy="3168352"/>
+          </a:xfrm>
+          <a:prstGeom prst="rect">
+            <a:avLst/>
+          </a:prstGeom>
+        </p:spPr>
+      </p:pic>
+      <p:pic>
+        <p:nvPicPr>
+          <p:cNvPr id="7" name="그림 6" descr="텍스트, 폰트, 스크린샷, 라인이(가) 표시된 사진&#10;&#10;자동 생성된 설명">
+            <a:extLst>
+              <a:ext uri="{FF2B5EF4-FFF2-40B4-BE49-F238E27FC236}">
+                <a16:creationId xmlns:a16="http://schemas.microsoft.com/office/drawing/2014/main" id="{02ED219D-4F92-38F0-3B79-9BC3D93CA14A}"/>
+              </a:ext>
+            </a:extLst>
+          </p:cNvPr>
+          <p:cNvPicPr>
+            <a:picLocks noChangeAspect="1"/>
+          </p:cNvPicPr>
+          <p:nvPr/>
+        </p:nvPicPr>
+        <p:blipFill>
+          <a:blip r:embed="rId3">
+            <a:extLst>
+              <a:ext uri="{28A0092B-C50C-407E-A947-70E740481C1C}">
+                <a14:useLocalDpi xmlns:a14="http://schemas.microsoft.com/office/drawing/2010/main" val="0"/>
+              </a:ext>
+            </a:extLst>
+          </a:blip>
+          <a:stretch>
+            <a:fillRect/>
+          </a:stretch>
+        </p:blipFill>
+        <p:spPr>
+          <a:xfrm>
+            <a:off x="755650" y="5194132"/>
+            <a:ext cx="5553720" cy="1663868"/>
+          </a:xfrm>
+          <a:prstGeom prst="rect">
+            <a:avLst/>
+          </a:prstGeom>
+        </p:spPr>
+      </p:pic>
     </p:spTree>
     <p:extLst>
       <p:ext uri="{BB962C8B-B14F-4D97-AF65-F5344CB8AC3E}">
@@ -4644,10 +4826,161 @@
           <a:bodyPr/>
           <a:lstStyle/>
           <a:p>
-            <a:endParaRPr lang="ko-KR" altLang="en-US"/>
-          </a:p>
-        </p:txBody>
-      </p:sp>
+            <a:r>
+              <a:rPr lang="ko-KR" altLang="en-US" dirty="0"/>
+              <a:t>점자 위를 센서로 측정한 센서 데이터</a:t>
+            </a:r>
+            <a:endParaRPr lang="en-US" altLang="ko-KR" dirty="0"/>
+          </a:p>
+          <a:p>
+            <a:endParaRPr lang="ko-KR" altLang="en-US" dirty="0"/>
+          </a:p>
+        </p:txBody>
+      </p:sp>
+      <p:pic>
+        <p:nvPicPr>
+          <p:cNvPr id="8" name="그림 7" descr="원, 스크린샷, 디자인, 패턴이(가) 표시된 사진&#10;&#10;자동 생성된 설명">
+            <a:extLst>
+              <a:ext uri="{FF2B5EF4-FFF2-40B4-BE49-F238E27FC236}">
+                <a16:creationId xmlns:a16="http://schemas.microsoft.com/office/drawing/2014/main" id="{D0396B8A-59E8-34B8-676C-C656F6BDFD1A}"/>
+              </a:ext>
+            </a:extLst>
+          </p:cNvPr>
+          <p:cNvPicPr>
+            <a:picLocks noChangeAspect="1"/>
+          </p:cNvPicPr>
+          <p:nvPr/>
+        </p:nvPicPr>
+        <p:blipFill>
+          <a:blip r:embed="rId2">
+            <a:extLst>
+              <a:ext uri="{28A0092B-C50C-407E-A947-70E740481C1C}">
+                <a14:useLocalDpi xmlns:a14="http://schemas.microsoft.com/office/drawing/2010/main" val="0"/>
+              </a:ext>
+            </a:extLst>
+          </a:blip>
+          <a:stretch>
+            <a:fillRect/>
+          </a:stretch>
+        </p:blipFill>
+        <p:spPr>
+          <a:xfrm>
+            <a:off x="755650" y="1628800"/>
+            <a:ext cx="3024336" cy="2016224"/>
+          </a:xfrm>
+          <a:prstGeom prst="rect">
+            <a:avLst/>
+          </a:prstGeom>
+        </p:spPr>
+      </p:pic>
+      <p:pic>
+        <p:nvPicPr>
+          <p:cNvPr id="10" name="그림 9" descr="텍스트, 라인, 도표, 그래프이(가) 표시된 사진&#10;&#10;자동 생성된 설명">
+            <a:extLst>
+              <a:ext uri="{FF2B5EF4-FFF2-40B4-BE49-F238E27FC236}">
+                <a16:creationId xmlns:a16="http://schemas.microsoft.com/office/drawing/2014/main" id="{7F21C63E-954D-49A0-6E1F-EA554F44F038}"/>
+              </a:ext>
+            </a:extLst>
+          </p:cNvPr>
+          <p:cNvPicPr>
+            <a:picLocks noChangeAspect="1"/>
+          </p:cNvPicPr>
+          <p:nvPr/>
+        </p:nvPicPr>
+        <p:blipFill>
+          <a:blip r:embed="rId3">
+            <a:extLst>
+              <a:ext uri="{28A0092B-C50C-407E-A947-70E740481C1C}">
+                <a14:useLocalDpi xmlns:a14="http://schemas.microsoft.com/office/drawing/2010/main" val="0"/>
+              </a:ext>
+            </a:extLst>
+          </a:blip>
+          <a:stretch>
+            <a:fillRect/>
+          </a:stretch>
+        </p:blipFill>
+        <p:spPr>
+          <a:xfrm>
+            <a:off x="611560" y="3676449"/>
+            <a:ext cx="3619872" cy="2854130"/>
+          </a:xfrm>
+          <a:prstGeom prst="rect">
+            <a:avLst/>
+          </a:prstGeom>
+        </p:spPr>
+      </p:pic>
+      <p:pic>
+        <p:nvPicPr>
+          <p:cNvPr id="12" name="그림 11" descr="라인, 도표, 그래프, 텍스트이(가) 표시된 사진&#10;&#10;자동 생성된 설명">
+            <a:extLst>
+              <a:ext uri="{FF2B5EF4-FFF2-40B4-BE49-F238E27FC236}">
+                <a16:creationId xmlns:a16="http://schemas.microsoft.com/office/drawing/2014/main" id="{2D91B9F8-BDCA-10CC-69B0-645F7EA21B59}"/>
+              </a:ext>
+            </a:extLst>
+          </p:cNvPr>
+          <p:cNvPicPr>
+            <a:picLocks noChangeAspect="1"/>
+          </p:cNvPicPr>
+          <p:nvPr/>
+        </p:nvPicPr>
+        <p:blipFill>
+          <a:blip r:embed="rId4">
+            <a:extLst>
+              <a:ext uri="{28A0092B-C50C-407E-A947-70E740481C1C}">
+                <a14:useLocalDpi xmlns:a14="http://schemas.microsoft.com/office/drawing/2010/main" val="0"/>
+              </a:ext>
+            </a:extLst>
+          </a:blip>
+          <a:stretch>
+            <a:fillRect/>
+          </a:stretch>
+        </p:blipFill>
+        <p:spPr>
+          <a:xfrm>
+            <a:off x="4231432" y="3675613"/>
+            <a:ext cx="3529159" cy="2869429"/>
+          </a:xfrm>
+          <a:prstGeom prst="rect">
+            <a:avLst/>
+          </a:prstGeom>
+        </p:spPr>
+      </p:pic>
+      <p:pic>
+        <p:nvPicPr>
+          <p:cNvPr id="14" name="그림 13" descr="텍스트, 폰트, 라인, 영수증이(가) 표시된 사진&#10;&#10;자동 생성된 설명">
+            <a:extLst>
+              <a:ext uri="{FF2B5EF4-FFF2-40B4-BE49-F238E27FC236}">
+                <a16:creationId xmlns:a16="http://schemas.microsoft.com/office/drawing/2014/main" id="{19FBEF4F-E8B6-6E70-9401-249F80F11F62}"/>
+              </a:ext>
+            </a:extLst>
+          </p:cNvPr>
+          <p:cNvPicPr>
+            <a:picLocks noChangeAspect="1"/>
+          </p:cNvPicPr>
+          <p:nvPr/>
+        </p:nvPicPr>
+        <p:blipFill>
+          <a:blip r:embed="rId5">
+            <a:extLst>
+              <a:ext uri="{28A0092B-C50C-407E-A947-70E740481C1C}">
+                <a14:useLocalDpi xmlns:a14="http://schemas.microsoft.com/office/drawing/2010/main" val="0"/>
+              </a:ext>
+            </a:extLst>
+          </a:blip>
+          <a:stretch>
+            <a:fillRect/>
+          </a:stretch>
+        </p:blipFill>
+        <p:spPr>
+          <a:xfrm>
+            <a:off x="3853011" y="1703115"/>
+            <a:ext cx="5040164" cy="1357372"/>
+          </a:xfrm>
+          <a:prstGeom prst="rect">
+            <a:avLst/>
+          </a:prstGeom>
+        </p:spPr>
+      </p:pic>
     </p:spTree>
     <p:extLst>
       <p:ext uri="{BB962C8B-B14F-4D97-AF65-F5344CB8AC3E}">
@@ -4752,19 +5085,90 @@
             <p:ph idx="1"/>
           </p:nvPr>
         </p:nvSpPr>
-        <p:spPr/>
-        <p:txBody>
-          <a:bodyPr/>
+        <p:spPr>
+          <a:xfrm>
+            <a:off x="828676" y="1052513"/>
+            <a:ext cx="8064500" cy="5272087"/>
+          </a:xfrm>
+        </p:spPr>
+        <p:txBody>
+          <a:bodyPr>
+            <a:normAutofit lnSpcReduction="10000"/>
+          </a:bodyPr>
           <a:lstStyle/>
           <a:p>
             <a:r>
               <a:rPr lang="ko-KR" altLang="en-US" dirty="0"/>
-              <a:t>스파이크 신경망 모델 배경</a:t>
+              <a:t>인간 뇌의 특성을 모방한 인공신경망 모델 </a:t>
+            </a:r>
+            <a:br>
+              <a:rPr lang="en-US" altLang="ko-KR" dirty="0"/>
+            </a:br>
+            <a:r>
+              <a:rPr lang="ko-KR" altLang="en-US" dirty="0"/>
+              <a:t>등장</a:t>
             </a:r>
             <a:endParaRPr lang="en-US" altLang="ko-KR" dirty="0"/>
           </a:p>
           <a:p>
-            <a:endParaRPr lang="ko-KR" altLang="en-US" dirty="0"/>
+            <a:endParaRPr lang="en-US" altLang="ko-KR" dirty="0"/>
+          </a:p>
+          <a:p>
+            <a:r>
+              <a:rPr lang="ko-KR" altLang="en-US" dirty="0"/>
+              <a:t>생물학적 뉴런의 정보 전달 방식 그대로 </a:t>
+            </a:r>
+            <a:br>
+              <a:rPr lang="en-US" altLang="ko-KR" dirty="0"/>
+            </a:br>
+            <a:r>
+              <a:rPr lang="ko-KR" altLang="en-US" dirty="0"/>
+              <a:t>모방한 스파이크 신경망</a:t>
+            </a:r>
+            <a:r>
+              <a:rPr lang="en-US" altLang="ko-KR" dirty="0"/>
+              <a:t>(Spiking Neural Network)</a:t>
+            </a:r>
+            <a:r>
+              <a:rPr lang="ko-KR" altLang="en-US" dirty="0"/>
+              <a:t>이 개발됨</a:t>
+            </a:r>
+            <a:endParaRPr lang="en-US" altLang="ko-KR" dirty="0"/>
+          </a:p>
+          <a:p>
+            <a:endParaRPr lang="en-US" altLang="ko-KR" dirty="0"/>
+          </a:p>
+          <a:p>
+            <a:r>
+              <a:rPr lang="ko-KR" altLang="en-US" dirty="0"/>
+              <a:t>스파이크 신경망은 실제 인간 뇌의 학습 </a:t>
+            </a:r>
+            <a:br>
+              <a:rPr lang="en-US" altLang="ko-KR" dirty="0"/>
+            </a:br>
+            <a:r>
+              <a:rPr lang="ko-KR" altLang="en-US" dirty="0"/>
+              <a:t>방법을 연구하는 분야로 확장될 수 있음</a:t>
+            </a:r>
+            <a:endParaRPr lang="en-US" altLang="ko-KR" dirty="0"/>
+          </a:p>
+          <a:p>
+            <a:endParaRPr lang="en-US" altLang="ko-KR" dirty="0"/>
+          </a:p>
+          <a:p>
+            <a:r>
+              <a:rPr lang="ko-KR" altLang="en-US" dirty="0"/>
+              <a:t>스파이크 신경망은 </a:t>
+            </a:r>
+            <a:r>
+              <a:rPr lang="en-US" altLang="ko-KR" dirty="0"/>
+              <a:t>LIF(Leaky Integrate and Fire)</a:t>
+            </a:r>
+            <a:r>
+              <a:rPr lang="ko-KR" altLang="en-US" dirty="0"/>
+              <a:t> 모델을 기반으로 구현함</a:t>
+            </a:r>
+            <a:endParaRPr lang="en-US" altLang="ko-KR" dirty="0"/>
           </a:p>
         </p:txBody>
       </p:sp>
@@ -4854,43 +5258,109 @@
             <p:ph idx="1"/>
           </p:nvPr>
         </p:nvSpPr>
-        <p:spPr/>
-        <p:txBody>
-          <a:bodyPr/>
+        <p:spPr>
+          <a:xfrm>
+            <a:off x="828675" y="1052513"/>
+            <a:ext cx="7991475" cy="5646667"/>
+          </a:xfrm>
+        </p:spPr>
+        <p:txBody>
+          <a:bodyPr>
+            <a:normAutofit lnSpcReduction="10000"/>
+          </a:bodyPr>
           <a:lstStyle/>
           <a:p>
             <a:r>
               <a:rPr lang="ko-KR" altLang="en-US" dirty="0"/>
-              <a:t>막 전위 변화량 계산</a:t>
+              <a:t>스파이크 전달</a:t>
             </a:r>
             <a:endParaRPr lang="en-US" altLang="ko-KR" dirty="0"/>
           </a:p>
           <a:p>
-            <a:r>
-              <a:rPr lang="ko-KR" altLang="en-US" dirty="0"/>
-              <a:t>누수에 의한 </a:t>
-            </a:r>
-            <a:r>
-              <a:rPr lang="ko-KR" altLang="en-US" dirty="0" err="1"/>
-              <a:t>막전위</a:t>
-            </a:r>
-            <a:r>
-              <a:rPr lang="ko-KR" altLang="en-US" dirty="0"/>
-              <a:t> 감소 계산</a:t>
+            <a:pPr lvl="1"/>
+            <a:r>
+              <a:rPr lang="ko-KR" altLang="en-US" dirty="0"/>
+              <a:t>이전 시냅스 뉴런이 스파이크를 생성하여 다음 </a:t>
+            </a:r>
+            <a:br>
+              <a:rPr lang="en-US" altLang="ko-KR" dirty="0"/>
+            </a:br>
+            <a:r>
+              <a:rPr lang="ko-KR" altLang="en-US" dirty="0"/>
+              <a:t>시냅스 뉴런에 스파이크 전달</a:t>
             </a:r>
             <a:endParaRPr lang="en-US" altLang="ko-KR" dirty="0"/>
           </a:p>
           <a:p>
-            <a:r>
-              <a:rPr lang="ko-KR" altLang="en-US" dirty="0"/>
-              <a:t>스파이크 발생 총합 계산</a:t>
-            </a:r>
+            <a:pPr lvl="1"/>
             <a:endParaRPr lang="en-US" altLang="ko-KR" dirty="0"/>
           </a:p>
           <a:p>
             <a:r>
               <a:rPr lang="ko-KR" altLang="en-US" dirty="0"/>
-              <a:t>스파이크 전달</a:t>
+              <a:t>막 전위 전하 저장</a:t>
+            </a:r>
+            <a:endParaRPr lang="en-US" altLang="ko-KR" dirty="0"/>
+          </a:p>
+          <a:p>
+            <a:pPr lvl="1"/>
+            <a:r>
+              <a:rPr lang="ko-KR" altLang="en-US" dirty="0"/>
+              <a:t>이전 시냅스 뉴런에 전달된 이온을 뉴런에 저장</a:t>
+            </a:r>
+            <a:endParaRPr lang="en-US" altLang="ko-KR" dirty="0"/>
+          </a:p>
+          <a:p>
+            <a:pPr lvl="1"/>
+            <a:endParaRPr lang="en-US" altLang="ko-KR" dirty="0"/>
+          </a:p>
+          <a:p>
+            <a:r>
+              <a:rPr lang="ko-KR" altLang="en-US" dirty="0"/>
+              <a:t>임계 전위와 스파이크</a:t>
+            </a:r>
+            <a:endParaRPr lang="en-US" altLang="ko-KR" dirty="0"/>
+          </a:p>
+          <a:p>
+            <a:pPr lvl="1"/>
+            <a:r>
+              <a:rPr lang="ko-KR" altLang="en-US" dirty="0"/>
+              <a:t>막 전위에 따른 활동 전위 증가</a:t>
+            </a:r>
+            <a:endParaRPr lang="en-US" altLang="ko-KR" dirty="0"/>
+          </a:p>
+          <a:p>
+            <a:pPr lvl="1"/>
+            <a:r>
+              <a:rPr lang="ko-KR" altLang="en-US" dirty="0"/>
+              <a:t>임계 전위를 넘겼을 때</a:t>
+            </a:r>
+            <a:r>
+              <a:rPr lang="en-US" altLang="ko-KR" dirty="0"/>
+              <a:t>,</a:t>
+            </a:r>
+            <a:r>
+              <a:rPr lang="ko-KR" altLang="en-US" dirty="0"/>
+              <a:t> 스파이크 발생</a:t>
+            </a:r>
+            <a:endParaRPr lang="en-US" altLang="ko-KR" dirty="0"/>
+          </a:p>
+          <a:p>
+            <a:pPr lvl="1"/>
+            <a:endParaRPr lang="en-US" altLang="ko-KR" dirty="0"/>
+          </a:p>
+          <a:p>
+            <a:r>
+              <a:rPr lang="ko-KR" altLang="en-US" dirty="0"/>
+              <a:t>누수에 의한 막 전위 감소</a:t>
+            </a:r>
+            <a:endParaRPr lang="en-US" altLang="ko-KR" dirty="0"/>
+          </a:p>
+          <a:p>
+            <a:pPr lvl="1"/>
+            <a:r>
+              <a:rPr lang="ko-KR" altLang="en-US" dirty="0"/>
+              <a:t>막 전위는 시간이 지날수록 감소</a:t>
             </a:r>
           </a:p>
         </p:txBody>
@@ -4930,7 +5400,7 @@
           <p:cNvPr id="2" name="제목 1">
             <a:extLst>
               <a:ext uri="{FF2B5EF4-FFF2-40B4-BE49-F238E27FC236}">
-                <a16:creationId xmlns:a16="http://schemas.microsoft.com/office/drawing/2014/main" id="{35BE76C1-621C-DBD5-4F47-B62946C92F8C}"/>
+                <a16:creationId xmlns:a16="http://schemas.microsoft.com/office/drawing/2014/main" id="{4632007D-CAE7-48F4-2280-C04DD667B703}"/>
               </a:ext>
             </a:extLst>
           </p:cNvPr>
@@ -4948,44 +5418,370 @@
           <a:p>
             <a:r>
               <a:rPr lang="en-US" altLang="ko-KR" dirty="0"/>
-              <a:t>TTFS </a:t>
-            </a:r>
-            <a:r>
-              <a:rPr lang="ko-KR" altLang="en-US" dirty="0"/>
-              <a:t>알고리즘</a:t>
-            </a:r>
-          </a:p>
-        </p:txBody>
-      </p:sp>
+              <a:t>LIF </a:t>
+            </a:r>
+            <a:r>
+              <a:rPr lang="ko-KR" altLang="en-US" dirty="0"/>
+              <a:t>모델을 </a:t>
+            </a:r>
+            <a:r>
+              <a:rPr lang="en-US" altLang="ko-KR" dirty="0"/>
+              <a:t>RNN</a:t>
+            </a:r>
+            <a:r>
+              <a:rPr lang="ko-KR" altLang="en-US" dirty="0"/>
+              <a:t>에 대응</a:t>
+            </a:r>
+          </a:p>
+        </p:txBody>
+      </p:sp>
+      <p:pic>
+        <p:nvPicPr>
+          <p:cNvPr id="5" name="내용 개체 틀 4" descr="텍스트, 폰트, 화이트, 영수증이(가) 표시된 사진&#10;&#10;자동 생성된 설명">
+            <a:extLst>
+              <a:ext uri="{FF2B5EF4-FFF2-40B4-BE49-F238E27FC236}">
+                <a16:creationId xmlns:a16="http://schemas.microsoft.com/office/drawing/2014/main" id="{7663BEFC-2B9C-B177-98D6-5FAFC4D07F38}"/>
+              </a:ext>
+            </a:extLst>
+          </p:cNvPr>
+          <p:cNvPicPr>
+            <a:picLocks noGrp="1" noChangeAspect="1"/>
+          </p:cNvPicPr>
+          <p:nvPr>
+            <p:ph idx="1"/>
+          </p:nvPr>
+        </p:nvPicPr>
+        <p:blipFill>
+          <a:blip r:embed="rId2">
+            <a:extLst>
+              <a:ext uri="{28A0092B-C50C-407E-A947-70E740481C1C}">
+                <a14:useLocalDpi xmlns:a14="http://schemas.microsoft.com/office/drawing/2010/main" val="0"/>
+              </a:ext>
+            </a:extLst>
+          </a:blip>
+          <a:stretch>
+            <a:fillRect/>
+          </a:stretch>
+        </p:blipFill>
+        <p:spPr>
+          <a:xfrm>
+            <a:off x="934290" y="1028358"/>
+            <a:ext cx="6718300" cy="1206500"/>
+          </a:xfrm>
+        </p:spPr>
+      </p:pic>
+      <p:pic>
+        <p:nvPicPr>
+          <p:cNvPr id="7" name="그림 6" descr="텍스트, 폰트, 친필, 화이트이(가) 표시된 사진&#10;&#10;자동 생성된 설명">
+            <a:extLst>
+              <a:ext uri="{FF2B5EF4-FFF2-40B4-BE49-F238E27FC236}">
+                <a16:creationId xmlns:a16="http://schemas.microsoft.com/office/drawing/2014/main" id="{35A5DD51-B0B2-B85C-B706-62C67583DD68}"/>
+              </a:ext>
+            </a:extLst>
+          </p:cNvPr>
+          <p:cNvPicPr>
+            <a:picLocks noChangeAspect="1"/>
+          </p:cNvPicPr>
+          <p:nvPr/>
+        </p:nvPicPr>
+        <p:blipFill>
+          <a:blip r:embed="rId3">
+            <a:extLst>
+              <a:ext uri="{28A0092B-C50C-407E-A947-70E740481C1C}">
+                <a14:useLocalDpi xmlns:a14="http://schemas.microsoft.com/office/drawing/2010/main" val="0"/>
+              </a:ext>
+            </a:extLst>
+          </a:blip>
+          <a:stretch>
+            <a:fillRect/>
+          </a:stretch>
+        </p:blipFill>
+        <p:spPr>
+          <a:xfrm>
+            <a:off x="934290" y="2347228"/>
+            <a:ext cx="6781800" cy="1104900"/>
+          </a:xfrm>
+          <a:prstGeom prst="rect">
+            <a:avLst/>
+          </a:prstGeom>
+        </p:spPr>
+      </p:pic>
+      <p:pic>
+        <p:nvPicPr>
+          <p:cNvPr id="9" name="그림 8" descr="텍스트, 폰트, 친필, 화이트이(가) 표시된 사진&#10;&#10;자동 생성된 설명">
+            <a:extLst>
+              <a:ext uri="{FF2B5EF4-FFF2-40B4-BE49-F238E27FC236}">
+                <a16:creationId xmlns:a16="http://schemas.microsoft.com/office/drawing/2014/main" id="{62D44417-B4A1-EC33-581A-21CA0C85BB7B}"/>
+              </a:ext>
+            </a:extLst>
+          </p:cNvPr>
+          <p:cNvPicPr>
+            <a:picLocks noChangeAspect="1"/>
+          </p:cNvPicPr>
+          <p:nvPr/>
+        </p:nvPicPr>
+        <p:blipFill>
+          <a:blip r:embed="rId4">
+            <a:extLst>
+              <a:ext uri="{28A0092B-C50C-407E-A947-70E740481C1C}">
+                <a14:useLocalDpi xmlns:a14="http://schemas.microsoft.com/office/drawing/2010/main" val="0"/>
+              </a:ext>
+            </a:extLst>
+          </a:blip>
+          <a:stretch>
+            <a:fillRect/>
+          </a:stretch>
+        </p:blipFill>
+        <p:spPr>
+          <a:xfrm>
+            <a:off x="934290" y="3559408"/>
+            <a:ext cx="6781800" cy="1282700"/>
+          </a:xfrm>
+          <a:prstGeom prst="rect">
+            <a:avLst/>
+          </a:prstGeom>
+        </p:spPr>
+      </p:pic>
+      <p:pic>
+        <p:nvPicPr>
+          <p:cNvPr id="11" name="그림 10">
+            <a:extLst>
+              <a:ext uri="{FF2B5EF4-FFF2-40B4-BE49-F238E27FC236}">
+                <a16:creationId xmlns:a16="http://schemas.microsoft.com/office/drawing/2014/main" id="{6114A400-FEF8-FE36-D2F0-26E76CAF81FD}"/>
+              </a:ext>
+            </a:extLst>
+          </p:cNvPr>
+          <p:cNvPicPr>
+            <a:picLocks noChangeAspect="1"/>
+          </p:cNvPicPr>
+          <p:nvPr/>
+        </p:nvPicPr>
+        <p:blipFill>
+          <a:blip r:embed="rId5">
+            <a:extLst>
+              <a:ext uri="{28A0092B-C50C-407E-A947-70E740481C1C}">
+                <a14:useLocalDpi xmlns:a14="http://schemas.microsoft.com/office/drawing/2010/main" val="0"/>
+              </a:ext>
+            </a:extLst>
+          </a:blip>
+          <a:stretch>
+            <a:fillRect/>
+          </a:stretch>
+        </p:blipFill>
+        <p:spPr>
+          <a:xfrm>
+            <a:off x="2195512" y="5714619"/>
+            <a:ext cx="5257800" cy="584200"/>
+          </a:xfrm>
+          <a:prstGeom prst="rect">
+            <a:avLst/>
+          </a:prstGeom>
+        </p:spPr>
+      </p:pic>
       <p:sp>
         <p:nvSpPr>
           <p:cNvPr id="3" name="내용 개체 틀 2">
             <a:extLst>
               <a:ext uri="{FF2B5EF4-FFF2-40B4-BE49-F238E27FC236}">
-                <a16:creationId xmlns:a16="http://schemas.microsoft.com/office/drawing/2014/main" id="{28DDCCDA-6CC0-6798-3D15-62A669F17FC2}"/>
+                <a16:creationId xmlns:a16="http://schemas.microsoft.com/office/drawing/2014/main" id="{979DD6AF-BCE9-AEEB-3664-607C4896E28F}"/>
               </a:ext>
             </a:extLst>
           </p:cNvPr>
-          <p:cNvSpPr>
-            <a:spLocks noGrp="1"/>
-          </p:cNvSpPr>
-          <p:nvPr>
-            <p:ph idx="1"/>
-          </p:nvPr>
-        </p:nvSpPr>
-        <p:spPr/>
-        <p:txBody>
-          <a:bodyPr/>
-          <a:lstStyle/>
-          <a:p>
-            <a:endParaRPr lang="ko-KR" altLang="en-US"/>
+          <p:cNvSpPr txBox="1">
+            <a:spLocks/>
+          </p:cNvSpPr>
+          <p:nvPr/>
+        </p:nvSpPr>
+        <p:spPr>
+          <a:xfrm>
+            <a:off x="683568" y="5245442"/>
+            <a:ext cx="7991475" cy="584200"/>
+          </a:xfrm>
+          <a:prstGeom prst="rect">
+            <a:avLst/>
+          </a:prstGeom>
+          <a:noFill/>
+          <a:ln w="9525">
+            <a:noFill/>
+            <a:miter/>
+          </a:ln>
+        </p:spPr>
+        <p:txBody>
+          <a:bodyPr vert="horz" wrap="square" lIns="91440" tIns="45720" rIns="91440" bIns="45720" anchor="t" anchorCtr="0">
+            <a:normAutofit/>
+          </a:bodyPr>
+          <a:lstStyle>
+            <a:lvl1pPr marL="342900" indent="-342900" algn="l" rtl="0" eaLnBrk="1" fontAlgn="base" latinLnBrk="1" hangingPunct="1">
+              <a:spcBef>
+                <a:spcPct val="20000"/>
+              </a:spcBef>
+              <a:spcAft>
+                <a:spcPct val="0"/>
+              </a:spcAft>
+              <a:buSzPct val="80000"/>
+              <a:buFont typeface="Wingdings"/>
+              <a:buChar char="u"/>
+              <a:defRPr kumimoji="1" sz="2800" b="0">
+                <a:solidFill>
+                  <a:schemeClr val="tx1"/>
+                </a:solidFill>
+                <a:latin typeface="+mn-lt"/>
+                <a:ea typeface="+mn-ea"/>
+                <a:cs typeface="+mn-cs"/>
+              </a:defRPr>
+            </a:lvl1pPr>
+            <a:lvl2pPr marL="742950" indent="-285750" algn="l" rtl="0" eaLnBrk="1" fontAlgn="base" latinLnBrk="1" hangingPunct="1">
+              <a:spcBef>
+                <a:spcPct val="20000"/>
+              </a:spcBef>
+              <a:spcAft>
+                <a:spcPct val="0"/>
+              </a:spcAft>
+              <a:buSzPct val="110000"/>
+              <a:buFont typeface="Wingdings"/>
+              <a:buChar char="ü"/>
+              <a:defRPr kumimoji="1" sz="2400">
+                <a:solidFill>
+                  <a:schemeClr val="tx1"/>
+                </a:solidFill>
+                <a:latin typeface="+mn-lt"/>
+                <a:ea typeface="+mn-ea"/>
+              </a:defRPr>
+            </a:lvl2pPr>
+            <a:lvl3pPr marL="1143000" indent="-228600" algn="l" rtl="0" eaLnBrk="1" fontAlgn="base" latinLnBrk="1" hangingPunct="1">
+              <a:spcBef>
+                <a:spcPct val="20000"/>
+              </a:spcBef>
+              <a:spcAft>
+                <a:spcPct val="0"/>
+              </a:spcAft>
+              <a:buFont typeface="Wingdings"/>
+              <a:buChar char="Ø"/>
+              <a:defRPr kumimoji="1" sz="2000">
+                <a:solidFill>
+                  <a:schemeClr val="tx1"/>
+                </a:solidFill>
+                <a:latin typeface="+mn-lt"/>
+                <a:ea typeface="+mn-ea"/>
+              </a:defRPr>
+            </a:lvl3pPr>
+            <a:lvl4pPr marL="1600200" indent="-228600" algn="l" rtl="0" eaLnBrk="1" fontAlgn="base" latinLnBrk="1" hangingPunct="1">
+              <a:spcBef>
+                <a:spcPct val="20000"/>
+              </a:spcBef>
+              <a:spcAft>
+                <a:spcPct val="0"/>
+              </a:spcAft>
+              <a:buChar char="•"/>
+              <a:defRPr kumimoji="1" sz="2000">
+                <a:solidFill>
+                  <a:schemeClr val="tx1"/>
+                </a:solidFill>
+                <a:latin typeface="+mn-lt"/>
+                <a:ea typeface="+mn-ea"/>
+              </a:defRPr>
+            </a:lvl4pPr>
+            <a:lvl5pPr marL="2057400" indent="-228600" algn="l" rtl="0" eaLnBrk="1" fontAlgn="base" latinLnBrk="1" hangingPunct="1">
+              <a:spcBef>
+                <a:spcPct val="20000"/>
+              </a:spcBef>
+              <a:spcAft>
+                <a:spcPct val="0"/>
+              </a:spcAft>
+              <a:buChar char="»"/>
+              <a:defRPr kumimoji="1" sz="2000">
+                <a:solidFill>
+                  <a:schemeClr val="tx1"/>
+                </a:solidFill>
+                <a:latin typeface="+mn-lt"/>
+                <a:ea typeface="+mn-ea"/>
+              </a:defRPr>
+            </a:lvl5pPr>
+            <a:lvl6pPr marL="2514600" indent="-228600" algn="l" rtl="0" eaLnBrk="1" fontAlgn="base" latinLnBrk="1" hangingPunct="1">
+              <a:spcBef>
+                <a:spcPct val="20000"/>
+              </a:spcBef>
+              <a:spcAft>
+                <a:spcPct val="0"/>
+              </a:spcAft>
+              <a:buChar char="»"/>
+              <a:defRPr kumimoji="1">
+                <a:solidFill>
+                  <a:schemeClr val="tx1"/>
+                </a:solidFill>
+                <a:latin typeface="+mn-lt"/>
+                <a:ea typeface="+mn-ea"/>
+              </a:defRPr>
+            </a:lvl6pPr>
+            <a:lvl7pPr marL="2971800" indent="-228600" algn="l" rtl="0" eaLnBrk="1" fontAlgn="base" latinLnBrk="1" hangingPunct="1">
+              <a:spcBef>
+                <a:spcPct val="20000"/>
+              </a:spcBef>
+              <a:spcAft>
+                <a:spcPct val="0"/>
+              </a:spcAft>
+              <a:buChar char="»"/>
+              <a:defRPr kumimoji="1">
+                <a:solidFill>
+                  <a:schemeClr val="tx1"/>
+                </a:solidFill>
+                <a:latin typeface="+mn-lt"/>
+                <a:ea typeface="+mn-ea"/>
+              </a:defRPr>
+            </a:lvl7pPr>
+            <a:lvl8pPr marL="3429000" indent="-228600" algn="l" rtl="0" eaLnBrk="1" fontAlgn="base" latinLnBrk="1" hangingPunct="1">
+              <a:spcBef>
+                <a:spcPct val="20000"/>
+              </a:spcBef>
+              <a:spcAft>
+                <a:spcPct val="0"/>
+              </a:spcAft>
+              <a:buChar char="»"/>
+              <a:defRPr kumimoji="1">
+                <a:solidFill>
+                  <a:schemeClr val="tx1"/>
+                </a:solidFill>
+                <a:latin typeface="+mn-lt"/>
+                <a:ea typeface="+mn-ea"/>
+              </a:defRPr>
+            </a:lvl8pPr>
+            <a:lvl9pPr marL="3886200" indent="-228600" algn="l" rtl="0" eaLnBrk="1" fontAlgn="base" latinLnBrk="1" hangingPunct="1">
+              <a:spcBef>
+                <a:spcPct val="20000"/>
+              </a:spcBef>
+              <a:spcAft>
+                <a:spcPct val="0"/>
+              </a:spcAft>
+              <a:buChar char="»"/>
+              <a:defRPr kumimoji="1">
+                <a:solidFill>
+                  <a:schemeClr val="tx1"/>
+                </a:solidFill>
+                <a:latin typeface="+mn-lt"/>
+                <a:ea typeface="+mn-ea"/>
+              </a:defRPr>
+            </a:lvl9pPr>
+          </a:lstStyle>
+          <a:p>
+            <a:r>
+              <a:rPr lang="ko-KR" altLang="en-US" kern="0" dirty="0"/>
+              <a:t>시간 단위에 따른 </a:t>
+            </a:r>
+            <a:r>
+              <a:rPr lang="ko-KR" altLang="en-US" kern="0" dirty="0" err="1"/>
+              <a:t>막전위</a:t>
+            </a:r>
+            <a:r>
+              <a:rPr lang="ko-KR" altLang="en-US" kern="0" dirty="0"/>
+              <a:t> 변화량 추적 가능</a:t>
+            </a:r>
           </a:p>
         </p:txBody>
       </p:sp>
     </p:spTree>
     <p:extLst>
       <p:ext uri="{BB962C8B-B14F-4D97-AF65-F5344CB8AC3E}">
-        <p14:creationId xmlns:p14="http://schemas.microsoft.com/office/powerpoint/2010/main" val="80513611"/>
+        <p14:creationId xmlns:p14="http://schemas.microsoft.com/office/powerpoint/2010/main" val="1341432145"/>
       </p:ext>
     </p:extLst>
   </p:cSld>
@@ -5017,7 +5813,7 @@
           <p:cNvPr id="2" name="제목 1">
             <a:extLst>
               <a:ext uri="{FF2B5EF4-FFF2-40B4-BE49-F238E27FC236}">
-                <a16:creationId xmlns:a16="http://schemas.microsoft.com/office/drawing/2014/main" id="{4632007D-CAE7-48F4-2280-C04DD667B703}"/>
+                <a16:creationId xmlns:a16="http://schemas.microsoft.com/office/drawing/2014/main" id="{6EA4F9A3-2835-5F9A-71AF-2EDF4DDDCF8D}"/>
               </a:ext>
             </a:extLst>
           </p:cNvPr>
@@ -5034,20 +5830,8 @@
           <a:lstStyle/>
           <a:p>
             <a:r>
-              <a:rPr lang="en-US" altLang="ko-KR" dirty="0"/>
-              <a:t>LIF </a:t>
-            </a:r>
-            <a:r>
-              <a:rPr lang="ko-KR" altLang="en-US" dirty="0"/>
-              <a:t>모델을 </a:t>
-            </a:r>
-            <a:r>
-              <a:rPr lang="en-US" altLang="ko-KR" dirty="0"/>
-              <a:t>RNN</a:t>
-            </a:r>
-            <a:r>
-              <a:rPr lang="ko-KR" altLang="en-US" dirty="0"/>
-              <a:t>에 대응</a:t>
+              <a:rPr lang="ko-KR" altLang="en-US" sz="3600" dirty="0"/>
+              <a:t>스파이크 신경망의 기울기 소실 문제</a:t>
             </a:r>
           </a:p>
         </p:txBody>
@@ -5057,7 +5841,7 @@
           <p:cNvPr id="3" name="내용 개체 틀 2">
             <a:extLst>
               <a:ext uri="{FF2B5EF4-FFF2-40B4-BE49-F238E27FC236}">
-                <a16:creationId xmlns:a16="http://schemas.microsoft.com/office/drawing/2014/main" id="{130559FA-FDBC-F92C-78A3-420BFA304EE5}"/>
+                <a16:creationId xmlns:a16="http://schemas.microsoft.com/office/drawing/2014/main" id="{AEAEAF94-D843-E0B7-05A0-DEC7CE66EF9E}"/>
               </a:ext>
             </a:extLst>
           </p:cNvPr>
@@ -5073,14 +5857,86 @@
           <a:bodyPr/>
           <a:lstStyle/>
           <a:p>
-            <a:endParaRPr lang="ko-KR" altLang="en-US"/>
+            <a:r>
+              <a:rPr lang="ko-KR" altLang="en-US" dirty="0"/>
+              <a:t>스파이크는 이진 형식 데이터 사용</a:t>
+            </a:r>
+            <a:endParaRPr lang="en-US" altLang="ko-KR" dirty="0"/>
+          </a:p>
+          <a:p>
+            <a:endParaRPr lang="en-US" altLang="ko-KR" dirty="0"/>
+          </a:p>
+          <a:p>
+            <a:r>
+              <a:rPr lang="ko-KR" altLang="en-US" dirty="0"/>
+              <a:t>이진 형식 데이터는 비선형적 특징을 가짐</a:t>
+            </a:r>
+            <a:endParaRPr lang="en-US" altLang="ko-KR" dirty="0"/>
+          </a:p>
+          <a:p>
+            <a:endParaRPr lang="en-US" altLang="ko-KR" dirty="0"/>
+          </a:p>
+          <a:p>
+            <a:r>
+              <a:rPr lang="ko-KR" altLang="en-US" dirty="0"/>
+              <a:t>가중치 업데이트를 위해 미분 시 </a:t>
+            </a:r>
+            <a:r>
+              <a:rPr lang="en-US" altLang="ko-KR" dirty="0"/>
+              <a:t>1</a:t>
+            </a:r>
+            <a:r>
+              <a:rPr lang="ko-KR" altLang="en-US" dirty="0"/>
+              <a:t> 또는 </a:t>
+            </a:r>
+            <a:r>
+              <a:rPr lang="en-US" altLang="ko-KR" dirty="0"/>
+              <a:t>0</a:t>
+            </a:r>
+            <a:r>
+              <a:rPr lang="ko-KR" altLang="en-US" dirty="0"/>
+              <a:t>의 </a:t>
+            </a:r>
+            <a:br>
+              <a:rPr lang="en-US" altLang="ko-KR" dirty="0"/>
+            </a:br>
+            <a:r>
+              <a:rPr lang="ko-KR" altLang="en-US" dirty="0"/>
+              <a:t>기울기를 가짐</a:t>
+            </a:r>
+            <a:endParaRPr lang="en-US" altLang="ko-KR" dirty="0"/>
+          </a:p>
+          <a:p>
+            <a:endParaRPr lang="en-US" altLang="ko-KR" dirty="0"/>
+          </a:p>
+          <a:p>
+            <a:r>
+              <a:rPr lang="ko-KR" altLang="en-US" dirty="0"/>
+              <a:t>기울기가 </a:t>
+            </a:r>
+            <a:r>
+              <a:rPr lang="en-US" altLang="ko-KR" dirty="0"/>
+              <a:t>0</a:t>
+            </a:r>
+            <a:r>
+              <a:rPr lang="ko-KR" altLang="en-US" dirty="0"/>
+              <a:t>일 때</a:t>
+            </a:r>
+            <a:r>
+              <a:rPr lang="en-US" altLang="ko-KR" dirty="0"/>
+              <a:t>,</a:t>
+            </a:r>
+            <a:r>
+              <a:rPr lang="ko-KR" altLang="en-US" dirty="0"/>
+              <a:t> 기울기 소실 문제가 발생하며 가중치가 업데이트 되지 않음</a:t>
+            </a:r>
           </a:p>
         </p:txBody>
       </p:sp>
     </p:spTree>
     <p:extLst>
       <p:ext uri="{BB962C8B-B14F-4D97-AF65-F5344CB8AC3E}">
-        <p14:creationId xmlns:p14="http://schemas.microsoft.com/office/powerpoint/2010/main" val="1341432145"/>
+        <p14:creationId xmlns:p14="http://schemas.microsoft.com/office/powerpoint/2010/main" val="44619991"/>
       </p:ext>
     </p:extLst>
   </p:cSld>
@@ -5112,7 +5968,7 @@
           <p:cNvPr id="2" name="제목 1">
             <a:extLst>
               <a:ext uri="{FF2B5EF4-FFF2-40B4-BE49-F238E27FC236}">
-                <a16:creationId xmlns:a16="http://schemas.microsoft.com/office/drawing/2014/main" id="{6EA4F9A3-2835-5F9A-71AF-2EDF4DDDCF8D}"/>
+                <a16:creationId xmlns:a16="http://schemas.microsoft.com/office/drawing/2014/main" id="{0B7EAC04-DAA4-EC1A-33AE-74E163745FA8}"/>
               </a:ext>
             </a:extLst>
           </p:cNvPr>
@@ -5129,8 +5985,12 @@
           <a:lstStyle/>
           <a:p>
             <a:r>
-              <a:rPr lang="ko-KR" altLang="en-US" dirty="0"/>
-              <a:t>스파이크 신경망의 기울기 소실 문제</a:t>
+              <a:rPr lang="ko-KR" altLang="en-US" dirty="0" err="1"/>
+              <a:t>서로게이트</a:t>
+            </a:r>
+            <a:r>
+              <a:rPr lang="ko-KR" altLang="en-US" dirty="0"/>
+              <a:t> 기울기 도입</a:t>
             </a:r>
           </a:p>
         </p:txBody>
@@ -5140,7 +6000,7 @@
           <p:cNvPr id="3" name="내용 개체 틀 2">
             <a:extLst>
               <a:ext uri="{FF2B5EF4-FFF2-40B4-BE49-F238E27FC236}">
-                <a16:creationId xmlns:a16="http://schemas.microsoft.com/office/drawing/2014/main" id="{AEAEAF94-D843-E0B7-05A0-DEC7CE66EF9E}"/>
+                <a16:creationId xmlns:a16="http://schemas.microsoft.com/office/drawing/2014/main" id="{944BC0BE-DAA0-C61C-48E1-D4E0A5D0EDCD}"/>
               </a:ext>
             </a:extLst>
           </p:cNvPr>
@@ -5151,19 +6011,180 @@
             <p:ph idx="1"/>
           </p:nvPr>
         </p:nvSpPr>
-        <p:spPr/>
-        <p:txBody>
-          <a:bodyPr/>
+        <p:spPr>
+          <a:xfrm>
+            <a:off x="828675" y="2348880"/>
+            <a:ext cx="7991475" cy="4350300"/>
+          </a:xfrm>
+        </p:spPr>
+        <p:txBody>
+          <a:bodyPr>
+            <a:normAutofit fontScale="92500" lnSpcReduction="10000"/>
+          </a:bodyPr>
           <a:lstStyle/>
           <a:p>
-            <a:endParaRPr lang="ko-KR" altLang="en-US"/>
-          </a:p>
-        </p:txBody>
-      </p:sp>
+            <a:r>
+              <a:rPr lang="en-US" altLang="ko-KR" dirty="0"/>
+              <a:t>scale: </a:t>
+            </a:r>
+            <a:r>
+              <a:rPr lang="ko-KR" altLang="en-US" dirty="0" err="1"/>
+              <a:t>서로게이트</a:t>
+            </a:r>
+            <a:r>
+              <a:rPr lang="ko-KR" altLang="en-US" dirty="0"/>
+              <a:t> 기울기의 경사 값</a:t>
+            </a:r>
+            <a:br>
+              <a:rPr lang="en-US" altLang="ko-KR" dirty="0"/>
+            </a:br>
+            <a:r>
+              <a:rPr lang="ko-KR" altLang="en-US" dirty="0"/>
+              <a:t>파라미터로 사용됨</a:t>
+            </a:r>
+            <a:br>
+              <a:rPr lang="en-US" altLang="ko-KR" dirty="0"/>
+            </a:br>
+            <a:r>
+              <a:rPr lang="en-US" altLang="ko-KR" dirty="0" err="1"/>
+              <a:t>grad_input</a:t>
+            </a:r>
+            <a:r>
+              <a:rPr lang="en-US" altLang="ko-KR" dirty="0"/>
+              <a:t>: </a:t>
+            </a:r>
+            <a:r>
+              <a:rPr lang="ko-KR" altLang="en-US" dirty="0"/>
+              <a:t>입력 또는 다음층에 전달 될 기울기</a:t>
+            </a:r>
+            <a:endParaRPr lang="en-US" altLang="ko-KR" dirty="0"/>
+          </a:p>
+          <a:p>
+            <a:endParaRPr lang="en-US" altLang="ko-KR" dirty="0"/>
+          </a:p>
+          <a:p>
+            <a:r>
+              <a:rPr lang="ko-KR" altLang="en-US" dirty="0" err="1"/>
+              <a:t>서로게이트</a:t>
+            </a:r>
+            <a:r>
+              <a:rPr lang="ko-KR" altLang="en-US" dirty="0"/>
+              <a:t> 기울기 도입으로 기울기 계산을 </a:t>
+            </a:r>
+            <a:br>
+              <a:rPr lang="en-US" altLang="ko-KR" dirty="0"/>
+            </a:br>
+            <a:r>
+              <a:rPr lang="ko-KR" altLang="en-US" dirty="0"/>
+              <a:t>달리하여 기울기 소실 문제 해결</a:t>
+            </a:r>
+            <a:endParaRPr lang="en-US" altLang="ko-KR" dirty="0"/>
+          </a:p>
+          <a:p>
+            <a:endParaRPr lang="en-US" altLang="ko-KR" dirty="0"/>
+          </a:p>
+          <a:p>
+            <a:pPr marL="0" indent="0">
+              <a:buNone/>
+            </a:pPr>
+            <a:endParaRPr lang="en-US" altLang="ko-KR" sz="1600" dirty="0"/>
+          </a:p>
+          <a:p>
+            <a:pPr marL="0" indent="0">
+              <a:buNone/>
+            </a:pPr>
+            <a:endParaRPr lang="en-US" altLang="ko-KR" sz="1600" dirty="0"/>
+          </a:p>
+          <a:p>
+            <a:pPr marL="0" indent="0">
+              <a:buNone/>
+            </a:pPr>
+            <a:endParaRPr lang="en-US" altLang="ko-KR" sz="1600" dirty="0"/>
+          </a:p>
+          <a:p>
+            <a:pPr marL="0" indent="0">
+              <a:buNone/>
+            </a:pPr>
+            <a:r>
+              <a:rPr lang="en-US" altLang="ko-KR" sz="1600" dirty="0"/>
+              <a:t>[</a:t>
+            </a:r>
+            <a:r>
+              <a:rPr lang="ko-KR" altLang="en-US" sz="1600" dirty="0"/>
+              <a:t>참고자료</a:t>
+            </a:r>
+            <a:r>
+              <a:rPr lang="en-US" altLang="ko-KR" sz="1600" dirty="0"/>
+              <a:t>]</a:t>
+            </a:r>
+            <a:r>
+              <a:rPr lang="ko-KR" altLang="en-US" sz="1600" dirty="0"/>
+              <a:t> </a:t>
+            </a:r>
+            <a:r>
+              <a:rPr lang="en-US" altLang="ko-KR" sz="1600" dirty="0"/>
+              <a:t>Emre O, </a:t>
+            </a:r>
+            <a:r>
+              <a:rPr lang="en-US" altLang="ko-KR" sz="1600" dirty="0" err="1"/>
+              <a:t>Neftci</a:t>
+            </a:r>
+            <a:r>
+              <a:rPr lang="en-US" altLang="ko-KR" sz="1600" dirty="0"/>
+              <a:t>, Mostafa, </a:t>
+            </a:r>
+            <a:r>
+              <a:rPr lang="en-US" altLang="ko-KR" sz="1600" dirty="0" err="1"/>
+              <a:t>Zenke</a:t>
+            </a:r>
+            <a:r>
+              <a:rPr lang="en-US" altLang="ko-KR" sz="1600" dirty="0"/>
+              <a:t>. Surrogate Gradient Learning in Spiking Neural Networks. 2019.</a:t>
+            </a:r>
+            <a:endParaRPr lang="ko-KR" altLang="en-US" sz="1600" dirty="0"/>
+          </a:p>
+        </p:txBody>
+      </p:sp>
+      <p:pic>
+        <p:nvPicPr>
+          <p:cNvPr id="7" name="그림 6" descr="텍스트, 폰트, 화이트, 라인이(가) 표시된 사진&#10;&#10;자동 생성된 설명">
+            <a:extLst>
+              <a:ext uri="{FF2B5EF4-FFF2-40B4-BE49-F238E27FC236}">
+                <a16:creationId xmlns:a16="http://schemas.microsoft.com/office/drawing/2014/main" id="{6A3C64A4-FEDD-4607-6B66-672AB16003E9}"/>
+              </a:ext>
+            </a:extLst>
+          </p:cNvPr>
+          <p:cNvPicPr>
+            <a:picLocks noChangeAspect="1"/>
+          </p:cNvPicPr>
+          <p:nvPr/>
+        </p:nvPicPr>
+        <p:blipFill>
+          <a:blip r:embed="rId2">
+            <a:extLst>
+              <a:ext uri="{28A0092B-C50C-407E-A947-70E740481C1C}">
+                <a14:useLocalDpi xmlns:a14="http://schemas.microsoft.com/office/drawing/2010/main" val="0"/>
+              </a:ext>
+            </a:extLst>
+          </a:blip>
+          <a:stretch>
+            <a:fillRect/>
+          </a:stretch>
+        </p:blipFill>
+        <p:spPr>
+          <a:xfrm>
+            <a:off x="539551" y="1052736"/>
+            <a:ext cx="8194975" cy="1296144"/>
+          </a:xfrm>
+          <a:prstGeom prst="rect">
+            <a:avLst/>
+          </a:prstGeom>
+        </p:spPr>
+      </p:pic>
     </p:spTree>
     <p:extLst>
       <p:ext uri="{BB962C8B-B14F-4D97-AF65-F5344CB8AC3E}">
-        <p14:creationId xmlns:p14="http://schemas.microsoft.com/office/powerpoint/2010/main" val="44619991"/>
+        <p14:creationId xmlns:p14="http://schemas.microsoft.com/office/powerpoint/2010/main" val="2920527889"/>
       </p:ext>
     </p:extLst>
   </p:cSld>
@@ -5195,7 +6216,7 @@
           <p:cNvPr id="2" name="제목 1">
             <a:extLst>
               <a:ext uri="{FF2B5EF4-FFF2-40B4-BE49-F238E27FC236}">
-                <a16:creationId xmlns:a16="http://schemas.microsoft.com/office/drawing/2014/main" id="{0B7EAC04-DAA4-EC1A-33AE-74E163745FA8}"/>
+                <a16:creationId xmlns:a16="http://schemas.microsoft.com/office/drawing/2014/main" id="{35BE76C1-621C-DBD5-4F47-B62946C92F8C}"/>
               </a:ext>
             </a:extLst>
           </p:cNvPr>
@@ -5212,12 +6233,12 @@
           <a:lstStyle/>
           <a:p>
             <a:r>
-              <a:rPr lang="ko-KR" altLang="en-US" dirty="0" err="1"/>
-              <a:t>서로게이트</a:t>
-            </a:r>
-            <a:r>
-              <a:rPr lang="ko-KR" altLang="en-US" dirty="0"/>
-              <a:t> 기울기 도입</a:t>
+              <a:rPr lang="en-US" altLang="ko-KR" dirty="0"/>
+              <a:t>TTFS </a:t>
+            </a:r>
+            <a:r>
+              <a:rPr lang="ko-KR" altLang="en-US" dirty="0"/>
+              <a:t>알고리즘</a:t>
             </a:r>
           </a:p>
         </p:txBody>
@@ -5227,7 +6248,7 @@
           <p:cNvPr id="3" name="내용 개체 틀 2">
             <a:extLst>
               <a:ext uri="{FF2B5EF4-FFF2-40B4-BE49-F238E27FC236}">
-                <a16:creationId xmlns:a16="http://schemas.microsoft.com/office/drawing/2014/main" id="{944BC0BE-DAA0-C61C-48E1-D4E0A5D0EDCD}"/>
+                <a16:creationId xmlns:a16="http://schemas.microsoft.com/office/drawing/2014/main" id="{28DDCCDA-6CC0-6798-3D15-62A669F17FC2}"/>
               </a:ext>
             </a:extLst>
           </p:cNvPr>
@@ -5240,17 +6261,201 @@
         </p:nvSpPr>
         <p:spPr/>
         <p:txBody>
-          <a:bodyPr/>
+          <a:bodyPr>
+            <a:normAutofit lnSpcReduction="10000"/>
+          </a:bodyPr>
           <a:lstStyle/>
           <a:p>
-            <a:endParaRPr lang="ko-KR" altLang="en-US"/>
-          </a:p>
-        </p:txBody>
-      </p:sp>
+            <a:r>
+              <a:rPr lang="ko-KR" altLang="en-US" dirty="0"/>
+              <a:t>스파이크 신경망에 사용되는 데이터는 이진 </a:t>
+            </a:r>
+            <a:br>
+              <a:rPr lang="en-US" altLang="ko-KR" dirty="0"/>
+            </a:br>
+            <a:r>
+              <a:rPr lang="ko-KR" altLang="en-US" dirty="0"/>
+              <a:t>형식</a:t>
+            </a:r>
+            <a:r>
+              <a:rPr lang="en-US" altLang="ko-KR" dirty="0"/>
+              <a:t>(</a:t>
+            </a:r>
+            <a:r>
+              <a:rPr lang="ko-KR" altLang="en-US" dirty="0"/>
+              <a:t>스파이크 발생 또는 </a:t>
+            </a:r>
+            <a:r>
+              <a:rPr lang="ko-KR" altLang="en-US" dirty="0" err="1"/>
+              <a:t>미발생</a:t>
+            </a:r>
+            <a:r>
+              <a:rPr lang="en-US" altLang="ko-KR" dirty="0"/>
+              <a:t>)</a:t>
+            </a:r>
+            <a:r>
+              <a:rPr lang="ko-KR" altLang="en-US" dirty="0" err="1"/>
+              <a:t>으로</a:t>
+            </a:r>
+            <a:r>
+              <a:rPr lang="ko-KR" altLang="en-US" dirty="0"/>
+              <a:t> 표현</a:t>
+            </a:r>
+            <a:endParaRPr lang="en-US" altLang="ko-KR" dirty="0"/>
+          </a:p>
+          <a:p>
+            <a:endParaRPr lang="en-US" altLang="ko-KR" dirty="0"/>
+          </a:p>
+          <a:p>
+            <a:r>
+              <a:rPr lang="ko-KR" altLang="en-US" dirty="0"/>
+              <a:t>데이터는 스파이크 함수를 통해 이진 형식으로 </a:t>
+            </a:r>
+            <a:r>
+              <a:rPr lang="ko-KR" altLang="en-US" dirty="0" err="1"/>
+              <a:t>전처리</a:t>
+            </a:r>
+            <a:endParaRPr lang="en-US" altLang="ko-KR" dirty="0"/>
+          </a:p>
+          <a:p>
+            <a:endParaRPr lang="en-US" altLang="ko-KR" dirty="0"/>
+          </a:p>
+          <a:p>
+            <a:r>
+              <a:rPr lang="ko-KR" altLang="en-US" dirty="0" err="1"/>
+              <a:t>전처리</a:t>
+            </a:r>
+            <a:r>
+              <a:rPr lang="ko-KR" altLang="en-US" dirty="0"/>
+              <a:t> 방식으로 </a:t>
+            </a:r>
+            <a:r>
+              <a:rPr lang="en-US" altLang="ko-KR" dirty="0"/>
+              <a:t>TTFS(Time To First Spike)</a:t>
+            </a:r>
+            <a:r>
+              <a:rPr lang="ko-KR" altLang="en-US" dirty="0"/>
+              <a:t> </a:t>
+            </a:r>
+            <a:br>
+              <a:rPr lang="en-US" altLang="ko-KR" dirty="0"/>
+            </a:br>
+            <a:r>
+              <a:rPr lang="ko-KR" altLang="en-US" dirty="0"/>
+              <a:t>알고리즘 사용</a:t>
+            </a:r>
+            <a:endParaRPr lang="en-US" altLang="ko-KR" dirty="0"/>
+          </a:p>
+          <a:p>
+            <a:endParaRPr lang="en-US" altLang="ko-KR" dirty="0"/>
+          </a:p>
+          <a:p>
+            <a:r>
+              <a:rPr lang="en-US" altLang="ko-KR" dirty="0"/>
+              <a:t>TTFS</a:t>
+            </a:r>
+            <a:r>
+              <a:rPr lang="ko-KR" altLang="en-US" dirty="0"/>
+              <a:t>는 뉴런의 입력 강도에 </a:t>
+            </a:r>
+            <a:br>
+              <a:rPr lang="en-US" altLang="ko-KR" dirty="0"/>
+            </a:br>
+            <a:r>
+              <a:rPr lang="ko-KR" altLang="en-US" dirty="0"/>
+              <a:t>따라 스파이크를 발생시키는 </a:t>
+            </a:r>
+            <a:br>
+              <a:rPr lang="en-US" altLang="ko-KR" dirty="0"/>
+            </a:br>
+            <a:r>
+              <a:rPr lang="ko-KR" altLang="en-US" dirty="0"/>
+              <a:t>시간 결정</a:t>
+            </a:r>
+          </a:p>
+        </p:txBody>
+      </p:sp>
+      <p:sp>
+        <p:nvSpPr>
+          <p:cNvPr id="5" name="TextBox 4">
+            <a:extLst>
+              <a:ext uri="{FF2B5EF4-FFF2-40B4-BE49-F238E27FC236}">
+                <a16:creationId xmlns:a16="http://schemas.microsoft.com/office/drawing/2014/main" id="{4216F53B-5293-17EF-6BBC-FEF1FFEFF1F4}"/>
+              </a:ext>
+            </a:extLst>
+          </p:cNvPr>
+          <p:cNvSpPr txBox="1"/>
+          <p:nvPr/>
+        </p:nvSpPr>
+        <p:spPr>
+          <a:xfrm>
+            <a:off x="2266406" y="3200345"/>
+            <a:ext cx="4585062" cy="461665"/>
+          </a:xfrm>
+          <a:prstGeom prst="rect">
+            <a:avLst/>
+          </a:prstGeom>
+          <a:noFill/>
+        </p:spPr>
+        <p:txBody>
+          <a:bodyPr wrap="square">
+            <a:spAutoFit/>
+          </a:bodyPr>
+          <a:lstStyle/>
+          <a:p>
+            <a:r>
+              <a:rPr lang="ko-KR" altLang="en-US" dirty="0">
+                <a:solidFill>
+                  <a:srgbClr val="000000"/>
+                </a:solidFill>
+                <a:effectLst/>
+                <a:latin typeface="Helvetica" pitchFamily="2" charset="0"/>
+              </a:rPr>
+              <a:t> </a:t>
+            </a:r>
+          </a:p>
+        </p:txBody>
+      </p:sp>
+      <p:pic>
+        <p:nvPicPr>
+          <p:cNvPr id="7" name="그림 6" descr="라인, 도표, 텍스트, 그래프이(가) 표시된 사진&#10;&#10;자동 생성된 설명">
+            <a:extLst>
+              <a:ext uri="{FF2B5EF4-FFF2-40B4-BE49-F238E27FC236}">
+                <a16:creationId xmlns:a16="http://schemas.microsoft.com/office/drawing/2014/main" id="{E493A82D-C7F9-05ED-5C0F-2D1C5DABD5A4}"/>
+              </a:ext>
+            </a:extLst>
+          </p:cNvPr>
+          <p:cNvPicPr>
+            <a:picLocks noChangeAspect="1"/>
+          </p:cNvPicPr>
+          <p:nvPr/>
+        </p:nvPicPr>
+        <p:blipFill>
+          <a:blip r:embed="rId2">
+            <a:extLst>
+              <a:ext uri="{28A0092B-C50C-407E-A947-70E740481C1C}">
+                <a14:useLocalDpi xmlns:a14="http://schemas.microsoft.com/office/drawing/2010/main" val="0"/>
+              </a:ext>
+            </a:extLst>
+          </a:blip>
+          <a:stretch>
+            <a:fillRect/>
+          </a:stretch>
+        </p:blipFill>
+        <p:spPr>
+          <a:xfrm>
+            <a:off x="5796136" y="4164409"/>
+            <a:ext cx="3323159" cy="2693591"/>
+          </a:xfrm>
+          <a:prstGeom prst="rect">
+            <a:avLst/>
+          </a:prstGeom>
+        </p:spPr>
+      </p:pic>
     </p:spTree>
     <p:extLst>
       <p:ext uri="{BB962C8B-B14F-4D97-AF65-F5344CB8AC3E}">
-        <p14:creationId xmlns:p14="http://schemas.microsoft.com/office/powerpoint/2010/main" val="2920527889"/>
+        <p14:creationId xmlns:p14="http://schemas.microsoft.com/office/powerpoint/2010/main" val="80513611"/>
       </p:ext>
     </p:extLst>
   </p:cSld>
@@ -5331,10 +6536,180 @@
           <a:bodyPr/>
           <a:lstStyle/>
           <a:p>
-            <a:endParaRPr lang="ko-KR" altLang="en-US"/>
-          </a:p>
-        </p:txBody>
-      </p:sp>
+            <a:r>
+              <a:rPr lang="en-US" altLang="ko-KR" dirty="0"/>
+              <a:t>TTFS</a:t>
+            </a:r>
+            <a:r>
+              <a:rPr lang="ko-KR" altLang="en-US" dirty="0"/>
+              <a:t> 알고리즘으로 전 처리</a:t>
+            </a:r>
+            <a:endParaRPr lang="en-US" altLang="ko-KR" dirty="0"/>
+          </a:p>
+          <a:p>
+            <a:endParaRPr lang="en-US" altLang="ko-KR" dirty="0"/>
+          </a:p>
+          <a:p>
+            <a:endParaRPr lang="en-US" altLang="ko-KR" dirty="0"/>
+          </a:p>
+          <a:p>
+            <a:endParaRPr lang="en-US" altLang="ko-KR" dirty="0"/>
+          </a:p>
+          <a:p>
+            <a:endParaRPr lang="en-US" altLang="ko-KR" dirty="0"/>
+          </a:p>
+          <a:p>
+            <a:r>
+              <a:rPr lang="ko-KR" altLang="en-US" dirty="0"/>
+              <a:t>희소행렬로 전 처리 후 입력 데이터로 사용</a:t>
+            </a:r>
+          </a:p>
+        </p:txBody>
+      </p:sp>
+      <p:pic>
+        <p:nvPicPr>
+          <p:cNvPr id="4" name="그림 3" descr="라인, 도표, 텍스트, 그래프이(가) 표시된 사진&#10;&#10;자동 생성된 설명">
+            <a:extLst>
+              <a:ext uri="{FF2B5EF4-FFF2-40B4-BE49-F238E27FC236}">
+                <a16:creationId xmlns:a16="http://schemas.microsoft.com/office/drawing/2014/main" id="{387C00AC-1A69-02AC-DF6A-B3DD0F71C3EF}"/>
+              </a:ext>
+            </a:extLst>
+          </p:cNvPr>
+          <p:cNvPicPr>
+            <a:picLocks noChangeAspect="1"/>
+          </p:cNvPicPr>
+          <p:nvPr/>
+        </p:nvPicPr>
+        <p:blipFill>
+          <a:blip r:embed="rId2">
+            <a:extLst>
+              <a:ext uri="{28A0092B-C50C-407E-A947-70E740481C1C}">
+                <a14:useLocalDpi xmlns:a14="http://schemas.microsoft.com/office/drawing/2010/main" val="0"/>
+              </a:ext>
+            </a:extLst>
+          </a:blip>
+          <a:stretch>
+            <a:fillRect/>
+          </a:stretch>
+        </p:blipFill>
+        <p:spPr>
+          <a:xfrm>
+            <a:off x="5724128" y="994965"/>
+            <a:ext cx="3323159" cy="2693591"/>
+          </a:xfrm>
+          <a:prstGeom prst="rect">
+            <a:avLst/>
+          </a:prstGeom>
+        </p:spPr>
+      </p:pic>
+      <p:pic>
+        <p:nvPicPr>
+          <p:cNvPr id="6" name="그림 5" descr="텍스트, 스크린샷, 번호, 도표이(가) 표시된 사진&#10;&#10;자동 생성된 설명">
+            <a:extLst>
+              <a:ext uri="{FF2B5EF4-FFF2-40B4-BE49-F238E27FC236}">
+                <a16:creationId xmlns:a16="http://schemas.microsoft.com/office/drawing/2014/main" id="{6331CC35-3013-3E0B-F45B-3265668CD1EB}"/>
+              </a:ext>
+            </a:extLst>
+          </p:cNvPr>
+          <p:cNvPicPr>
+            <a:picLocks noChangeAspect="1"/>
+          </p:cNvPicPr>
+          <p:nvPr/>
+        </p:nvPicPr>
+        <p:blipFill>
+          <a:blip r:embed="rId3">
+            <a:extLst>
+              <a:ext uri="{28A0092B-C50C-407E-A947-70E740481C1C}">
+                <a14:useLocalDpi xmlns:a14="http://schemas.microsoft.com/office/drawing/2010/main" val="0"/>
+              </a:ext>
+            </a:extLst>
+          </a:blip>
+          <a:stretch>
+            <a:fillRect/>
+          </a:stretch>
+        </p:blipFill>
+        <p:spPr>
+          <a:xfrm>
+            <a:off x="828675" y="4199002"/>
+            <a:ext cx="3383285" cy="2495313"/>
+          </a:xfrm>
+          <a:prstGeom prst="rect">
+            <a:avLst/>
+          </a:prstGeom>
+        </p:spPr>
+      </p:pic>
+      <p:pic>
+        <p:nvPicPr>
+          <p:cNvPr id="8" name="그림 7" descr="텍스트, 스크린샷, 번호, 폰트이(가) 표시된 사진&#10;&#10;자동 생성된 설명">
+            <a:extLst>
+              <a:ext uri="{FF2B5EF4-FFF2-40B4-BE49-F238E27FC236}">
+                <a16:creationId xmlns:a16="http://schemas.microsoft.com/office/drawing/2014/main" id="{338D6089-CD88-DABE-8884-1723479633B0}"/>
+              </a:ext>
+            </a:extLst>
+          </p:cNvPr>
+          <p:cNvPicPr>
+            <a:picLocks noChangeAspect="1"/>
+          </p:cNvPicPr>
+          <p:nvPr/>
+        </p:nvPicPr>
+        <p:blipFill>
+          <a:blip r:embed="rId4">
+            <a:extLst>
+              <a:ext uri="{28A0092B-C50C-407E-A947-70E740481C1C}">
+                <a14:useLocalDpi xmlns:a14="http://schemas.microsoft.com/office/drawing/2010/main" val="0"/>
+              </a:ext>
+            </a:extLst>
+          </a:blip>
+          <a:stretch>
+            <a:fillRect/>
+          </a:stretch>
+        </p:blipFill>
+        <p:spPr>
+          <a:xfrm>
+            <a:off x="4355976" y="4357487"/>
+            <a:ext cx="4119438" cy="2178342"/>
+          </a:xfrm>
+          <a:prstGeom prst="rect">
+            <a:avLst/>
+          </a:prstGeom>
+        </p:spPr>
+      </p:pic>
+      <p:pic>
+        <p:nvPicPr>
+          <p:cNvPr id="10" name="그림 9" descr="텍스트, 폰트, 라인, 스크린샷이(가) 표시된 사진&#10;&#10;자동 생성된 설명">
+            <a:extLst>
+              <a:ext uri="{FF2B5EF4-FFF2-40B4-BE49-F238E27FC236}">
+                <a16:creationId xmlns:a16="http://schemas.microsoft.com/office/drawing/2014/main" id="{6BAFD8C0-107C-362E-B24C-4500E97A5D7F}"/>
+              </a:ext>
+            </a:extLst>
+          </p:cNvPr>
+          <p:cNvPicPr>
+            <a:picLocks noChangeAspect="1"/>
+          </p:cNvPicPr>
+          <p:nvPr/>
+        </p:nvPicPr>
+        <p:blipFill>
+          <a:blip r:embed="rId5">
+            <a:extLst>
+              <a:ext uri="{28A0092B-C50C-407E-A947-70E740481C1C}">
+                <a14:useLocalDpi xmlns:a14="http://schemas.microsoft.com/office/drawing/2010/main" val="0"/>
+              </a:ext>
+            </a:extLst>
+          </a:blip>
+          <a:stretch>
+            <a:fillRect/>
+          </a:stretch>
+        </p:blipFill>
+        <p:spPr>
+          <a:xfrm>
+            <a:off x="965241" y="1641907"/>
+            <a:ext cx="4909263" cy="1399706"/>
+          </a:xfrm>
+          <a:prstGeom prst="rect">
+            <a:avLst/>
+          </a:prstGeom>
+        </p:spPr>
+      </p:pic>
     </p:spTree>
     <p:extLst>
       <p:ext uri="{BB962C8B-B14F-4D97-AF65-F5344CB8AC3E}">
@@ -5387,7 +6762,7 @@
           <a:lstStyle/>
           <a:p>
             <a:r>
-              <a:rPr lang="ko-KR" altLang="en-US" dirty="0"/>
+              <a:rPr lang="ko-KR" altLang="en-US" sz="3600" dirty="0"/>
               <a:t>스파이크 신경망 모델의 정규화 손실</a:t>
             </a:r>
           </a:p>
@@ -5414,10 +6789,160 @@
           <a:bodyPr/>
           <a:lstStyle/>
           <a:p>
-            <a:endParaRPr lang="ko-KR" altLang="en-US"/>
-          </a:p>
-        </p:txBody>
-      </p:sp>
+            <a:r>
+              <a:rPr lang="ko-KR" altLang="en-US" dirty="0"/>
+              <a:t>스파이크가 발생할 수록 </a:t>
+            </a:r>
+            <a:r>
+              <a:rPr lang="ko-KR" altLang="en-US" dirty="0" err="1"/>
+              <a:t>연산량이</a:t>
+            </a:r>
+            <a:r>
+              <a:rPr lang="ko-KR" altLang="en-US" dirty="0"/>
+              <a:t> </a:t>
+            </a:r>
+            <a:r>
+              <a:rPr lang="ko-KR" altLang="en-US" dirty="0" err="1"/>
+              <a:t>많아짐</a:t>
+            </a:r>
+            <a:endParaRPr lang="en-US" altLang="ko-KR" dirty="0"/>
+          </a:p>
+          <a:p>
+            <a:endParaRPr lang="en-US" altLang="ko-KR" dirty="0"/>
+          </a:p>
+          <a:p>
+            <a:r>
+              <a:rPr lang="ko-KR" altLang="en-US" dirty="0"/>
+              <a:t>스파이크 발생은 성능에 비례하지 않음</a:t>
+            </a:r>
+            <a:endParaRPr lang="en-US" altLang="ko-KR" dirty="0"/>
+          </a:p>
+          <a:p>
+            <a:endParaRPr lang="en-US" altLang="ko-KR" dirty="0"/>
+          </a:p>
+          <a:p>
+            <a:r>
+              <a:rPr lang="ko-KR" altLang="en-US" dirty="0"/>
+              <a:t>따라서 스파이크 발생의 효율을 위해 스파이크</a:t>
+            </a:r>
+            <a:br>
+              <a:rPr lang="en-US" altLang="ko-KR" dirty="0"/>
+            </a:br>
+            <a:r>
+              <a:rPr lang="ko-KR" altLang="en-US" dirty="0"/>
+              <a:t>억제가 필요</a:t>
+            </a:r>
+          </a:p>
+        </p:txBody>
+      </p:sp>
+      <p:pic>
+        <p:nvPicPr>
+          <p:cNvPr id="7" name="그림 6" descr="폰트, 텍스트, 화이트, 그래픽이(가) 표시된 사진&#10;&#10;자동 생성된 설명">
+            <a:extLst>
+              <a:ext uri="{FF2B5EF4-FFF2-40B4-BE49-F238E27FC236}">
+                <a16:creationId xmlns:a16="http://schemas.microsoft.com/office/drawing/2014/main" id="{76C9719F-78AD-4E32-308C-C3105A477ED2}"/>
+              </a:ext>
+            </a:extLst>
+          </p:cNvPr>
+          <p:cNvPicPr>
+            <a:picLocks noChangeAspect="1"/>
+          </p:cNvPicPr>
+          <p:nvPr/>
+        </p:nvPicPr>
+        <p:blipFill>
+          <a:blip r:embed="rId2">
+            <a:extLst>
+              <a:ext uri="{28A0092B-C50C-407E-A947-70E740481C1C}">
+                <a14:useLocalDpi xmlns:a14="http://schemas.microsoft.com/office/drawing/2010/main" val="0"/>
+              </a:ext>
+            </a:extLst>
+          </a:blip>
+          <a:stretch>
+            <a:fillRect/>
+          </a:stretch>
+        </p:blipFill>
+        <p:spPr>
+          <a:xfrm>
+            <a:off x="5590629" y="4184852"/>
+            <a:ext cx="2950747" cy="639921"/>
+          </a:xfrm>
+          <a:prstGeom prst="rect">
+            <a:avLst/>
+          </a:prstGeom>
+        </p:spPr>
+      </p:pic>
+      <p:pic>
+        <p:nvPicPr>
+          <p:cNvPr id="11" name="그림 10" descr="폰트, 친필, 서예, 텍스트이(가) 표시된 사진&#10;&#10;자동 생성된 설명">
+            <a:extLst>
+              <a:ext uri="{FF2B5EF4-FFF2-40B4-BE49-F238E27FC236}">
+                <a16:creationId xmlns:a16="http://schemas.microsoft.com/office/drawing/2014/main" id="{878AEEC6-CE41-E94A-3839-630EC6E25574}"/>
+              </a:ext>
+            </a:extLst>
+          </p:cNvPr>
+          <p:cNvPicPr>
+            <a:picLocks noChangeAspect="1"/>
+          </p:cNvPicPr>
+          <p:nvPr/>
+        </p:nvPicPr>
+        <p:blipFill>
+          <a:blip r:embed="rId3">
+            <a:extLst>
+              <a:ext uri="{28A0092B-C50C-407E-A947-70E740481C1C}">
+                <a14:useLocalDpi xmlns:a14="http://schemas.microsoft.com/office/drawing/2010/main" val="0"/>
+              </a:ext>
+            </a:extLst>
+          </a:blip>
+          <a:stretch>
+            <a:fillRect/>
+          </a:stretch>
+        </p:blipFill>
+        <p:spPr>
+          <a:xfrm>
+            <a:off x="5455578" y="5520879"/>
+            <a:ext cx="3476904" cy="639921"/>
+          </a:xfrm>
+          <a:prstGeom prst="rect">
+            <a:avLst/>
+          </a:prstGeom>
+        </p:spPr>
+      </p:pic>
+      <p:pic>
+        <p:nvPicPr>
+          <p:cNvPr id="15" name="그림 14" descr="텍스트, 폰트, 스크린샷, 대수학이(가) 표시된 사진&#10;&#10;자동 생성된 설명">
+            <a:extLst>
+              <a:ext uri="{FF2B5EF4-FFF2-40B4-BE49-F238E27FC236}">
+                <a16:creationId xmlns:a16="http://schemas.microsoft.com/office/drawing/2014/main" id="{89609B40-6EBD-FA93-4DEF-03057A403CF6}"/>
+              </a:ext>
+            </a:extLst>
+          </p:cNvPr>
+          <p:cNvPicPr>
+            <a:picLocks noChangeAspect="1"/>
+          </p:cNvPicPr>
+          <p:nvPr/>
+        </p:nvPicPr>
+        <p:blipFill>
+          <a:blip r:embed="rId4">
+            <a:extLst>
+              <a:ext uri="{28A0092B-C50C-407E-A947-70E740481C1C}">
+                <a14:useLocalDpi xmlns:a14="http://schemas.microsoft.com/office/drawing/2010/main" val="0"/>
+              </a:ext>
+            </a:extLst>
+          </a:blip>
+          <a:stretch>
+            <a:fillRect/>
+          </a:stretch>
+        </p:blipFill>
+        <p:spPr>
+          <a:xfrm>
+            <a:off x="1053338" y="4184852"/>
+            <a:ext cx="4312628" cy="2452068"/>
+          </a:xfrm>
+          <a:prstGeom prst="rect">
+            <a:avLst/>
+          </a:prstGeom>
+        </p:spPr>
+      </p:pic>
     </p:spTree>
     <p:extLst>
       <p:ext uri="{BB962C8B-B14F-4D97-AF65-F5344CB8AC3E}">

--- a/cs semina/졸업 논문 심사.pptx
+++ b/cs semina/졸업 논문 심사.pptx
@@ -23,7 +23,7 @@
     <p:sldId id="268" r:id="rId14"/>
   </p:sldIdLst>
   <p:sldSz cx="9144000" cy="6858000" type="screen4x3"/>
-  <p:notesSz cx="6797675" cy="9874250"/>
+  <p:notesSz cx="6797675" cy="9926638"/>
   <p:defaultTextStyle>
     <a:defPPr>
       <a:defRPr lang="ko-KR"/>
@@ -166,7 +166,7 @@
     </p:ext>
     <p:ext uri="{2D200454-40CA-4A62-9FC3-DE9A4176ACB9}">
       <p15:notesGuideLst xmlns:p15="http://schemas.microsoft.com/office/powerpoint/2012/main">
-        <p15:guide id="1" orient="horz" pos="3110" userDrawn="1">
+        <p15:guide id="1" orient="horz" pos="3127" userDrawn="1">
           <p15:clr>
             <a:srgbClr val="A4A3A4"/>
           </p15:clr>
@@ -230,7 +230,7 @@
         <p:spPr>
           <a:xfrm>
             <a:off x="1" y="1"/>
-            <a:ext cx="2945350" cy="493247"/>
+            <a:ext cx="2945350" cy="495864"/>
           </a:xfrm>
           <a:prstGeom prst="rect">
             <a:avLst/>
@@ -261,7 +261,7 @@
         <p:spPr>
           <a:xfrm>
             <a:off x="3850778" y="1"/>
-            <a:ext cx="2945350" cy="493247"/>
+            <a:ext cx="2945350" cy="495864"/>
           </a:xfrm>
           <a:prstGeom prst="rect">
             <a:avLst/>
@@ -277,7 +277,7 @@
           <a:p>
             <a:fld id="{57764B8E-7EC0-4B59-8DA5-E04CAE3DB5F2}" type="datetimeFigureOut">
               <a:rPr lang="ko-KR" altLang="en-US" smtClean="0"/>
-              <a:t>2024. 11. 5.</a:t>
+              <a:t>2024-11-05</a:t>
             </a:fld>
             <a:endParaRPr lang="ko-KR" altLang="en-US"/>
           </a:p>
@@ -295,8 +295,8 @@
         </p:nvSpPr>
         <p:spPr>
           <a:xfrm>
-            <a:off x="930275" y="739775"/>
-            <a:ext cx="4937125" cy="3703638"/>
+            <a:off x="915988" y="742950"/>
+            <a:ext cx="4965700" cy="3724275"/>
           </a:xfrm>
           <a:prstGeom prst="rect">
             <a:avLst/>
@@ -328,8 +328,8 @@
         </p:nvSpPr>
         <p:spPr>
           <a:xfrm>
-            <a:off x="679459" y="4690502"/>
-            <a:ext cx="5438759" cy="4443878"/>
+            <a:off x="679460" y="4715388"/>
+            <a:ext cx="5438759" cy="4467455"/>
           </a:xfrm>
           <a:prstGeom prst="rect">
             <a:avLst/>
@@ -387,8 +387,8 @@
         </p:nvSpPr>
         <p:spPr>
           <a:xfrm>
-            <a:off x="1" y="9379453"/>
-            <a:ext cx="2945350" cy="493247"/>
+            <a:off x="1" y="9429216"/>
+            <a:ext cx="2945350" cy="495864"/>
           </a:xfrm>
           <a:prstGeom prst="rect">
             <a:avLst/>
@@ -418,8 +418,8 @@
         </p:nvSpPr>
         <p:spPr>
           <a:xfrm>
-            <a:off x="3850778" y="9379453"/>
-            <a:ext cx="2945350" cy="493247"/>
+            <a:off x="3850778" y="9429216"/>
+            <a:ext cx="2945350" cy="495864"/>
           </a:xfrm>
           <a:prstGeom prst="rect">
             <a:avLst/>
@@ -4888,7 +4888,7 @@
           <p:nvPr/>
         </p:nvPicPr>
         <p:blipFill>
-          <a:blip r:embed="rId3">
+          <a:blip r:embed="rId3" cstate="print">
             <a:extLst>
               <a:ext uri="{28A0092B-C50C-407E-A947-70E740481C1C}">
                 <a14:useLocalDpi xmlns:a14="http://schemas.microsoft.com/office/drawing/2010/main" val="0"/>
@@ -4924,7 +4924,7 @@
           <p:nvPr/>
         </p:nvPicPr>
         <p:blipFill>
-          <a:blip r:embed="rId4">
+          <a:blip r:embed="rId4" cstate="print">
             <a:extLst>
               <a:ext uri="{28A0092B-C50C-407E-A947-70E740481C1C}">
                 <a14:useLocalDpi xmlns:a14="http://schemas.microsoft.com/office/drawing/2010/main" val="0"/>
@@ -6431,7 +6431,7 @@
           <p:nvPr/>
         </p:nvPicPr>
         <p:blipFill>
-          <a:blip r:embed="rId2">
+          <a:blip r:embed="rId2" cstate="print">
             <a:extLst>
               <a:ext uri="{28A0092B-C50C-407E-A947-70E740481C1C}">
                 <a14:useLocalDpi xmlns:a14="http://schemas.microsoft.com/office/drawing/2010/main" val="0"/>
@@ -6581,7 +6581,7 @@
           <p:nvPr/>
         </p:nvPicPr>
         <p:blipFill>
-          <a:blip r:embed="rId2">
+          <a:blip r:embed="rId2" cstate="print">
             <a:extLst>
               <a:ext uri="{28A0092B-C50C-407E-A947-70E740481C1C}">
                 <a14:useLocalDpi xmlns:a14="http://schemas.microsoft.com/office/drawing/2010/main" val="0"/>

--- a/cs semina/졸업 논문 심사.pptx
+++ b/cs semina/졸업 논문 심사.pptx
@@ -9,17 +9,17 @@
   </p:notesMasterIdLst>
   <p:sldIdLst>
     <p:sldId id="256" r:id="rId2"/>
-    <p:sldId id="257" r:id="rId3"/>
-    <p:sldId id="258" r:id="rId4"/>
-    <p:sldId id="260" r:id="rId5"/>
-    <p:sldId id="261" r:id="rId6"/>
-    <p:sldId id="262" r:id="rId7"/>
-    <p:sldId id="259" r:id="rId8"/>
+    <p:sldId id="269" r:id="rId3"/>
+    <p:sldId id="257" r:id="rId4"/>
+    <p:sldId id="258" r:id="rId5"/>
+    <p:sldId id="260" r:id="rId6"/>
+    <p:sldId id="261" r:id="rId7"/>
+    <p:sldId id="262" r:id="rId8"/>
     <p:sldId id="263" r:id="rId9"/>
-    <p:sldId id="264" r:id="rId10"/>
-    <p:sldId id="265" r:id="rId11"/>
-    <p:sldId id="266" r:id="rId12"/>
-    <p:sldId id="267" r:id="rId13"/>
+    <p:sldId id="265" r:id="rId10"/>
+    <p:sldId id="266" r:id="rId11"/>
+    <p:sldId id="267" r:id="rId12"/>
+    <p:sldId id="270" r:id="rId13"/>
     <p:sldId id="268" r:id="rId14"/>
   </p:sldIdLst>
   <p:sldSz cx="9144000" cy="6858000" type="screen4x3"/>
@@ -619,6 +619,394 @@
     <p:extLst>
       <p:ext uri="{BB962C8B-B14F-4D97-AF65-F5344CB8AC3E}">
         <p14:creationId xmlns:p14="http://schemas.microsoft.com/office/powerpoint/2010/main" val="293501044"/>
+      </p:ext>
+    </p:extLst>
+  </p:cSld>
+  <p:clrMapOvr>
+    <a:masterClrMapping/>
+  </p:clrMapOvr>
+</p:notes>
+</file>
+
+<file path=ppt/notesSlides/notesSlide2.xml><?xml version="1.0" encoding="utf-8"?>
+<p:notes xmlns:a="http://schemas.openxmlformats.org/drawingml/2006/main" xmlns:r="http://schemas.openxmlformats.org/officeDocument/2006/relationships" xmlns:p="http://schemas.openxmlformats.org/presentationml/2006/main">
+  <p:cSld>
+    <p:spTree>
+      <p:nvGrpSpPr>
+        <p:cNvPr id="1" name=""/>
+        <p:cNvGrpSpPr/>
+        <p:nvPr/>
+      </p:nvGrpSpPr>
+      <p:grpSpPr>
+        <a:xfrm>
+          <a:off x="0" y="0"/>
+          <a:ext cx="0" cy="0"/>
+          <a:chOff x="0" y="0"/>
+          <a:chExt cx="0" cy="0"/>
+        </a:xfrm>
+      </p:grpSpPr>
+      <p:sp>
+        <p:nvSpPr>
+          <p:cNvPr id="2" name="슬라이드 이미지 개체 틀 1"/>
+          <p:cNvSpPr>
+            <a:spLocks noGrp="1" noRot="1" noChangeAspect="1"/>
+          </p:cNvSpPr>
+          <p:nvPr>
+            <p:ph type="sldImg"/>
+          </p:nvPr>
+        </p:nvSpPr>
+        <p:spPr/>
+      </p:sp>
+      <p:sp>
+        <p:nvSpPr>
+          <p:cNvPr id="3" name="슬라이드 노트 개체 틀 2"/>
+          <p:cNvSpPr>
+            <a:spLocks noGrp="1"/>
+          </p:cNvSpPr>
+          <p:nvPr>
+            <p:ph type="body" idx="1"/>
+          </p:nvPr>
+        </p:nvSpPr>
+        <p:spPr/>
+        <p:txBody>
+          <a:bodyPr/>
+          <a:lstStyle/>
+          <a:p>
+            <a:pPr marL="0" marR="0" lvl="0" indent="0" algn="l" defTabSz="914400" rtl="0" eaLnBrk="1" fontAlgn="auto" latinLnBrk="1" hangingPunct="1">
+              <a:lnSpc>
+                <a:spcPct val="100000"/>
+              </a:lnSpc>
+              <a:spcBef>
+                <a:spcPts val="0"/>
+              </a:spcBef>
+              <a:spcAft>
+                <a:spcPts val="0"/>
+              </a:spcAft>
+              <a:buClrTx/>
+              <a:buSzTx/>
+              <a:buFontTx/>
+              <a:buNone/>
+              <a:tabLst/>
+              <a:defRPr/>
+            </a:pPr>
+            <a:r>
+              <a:rPr lang="ko-KR" altLang="en-US" dirty="0"/>
+              <a:t>스파이크 신경망은 </a:t>
+            </a:r>
+            <a:r>
+              <a:rPr lang="en-US" altLang="ko-KR" dirty="0"/>
+              <a:t>LIF(Leaky Integrate and Fire)</a:t>
+            </a:r>
+            <a:r>
+              <a:rPr lang="ko-KR" altLang="en-US" dirty="0"/>
+              <a:t> 모델을 기반으로 구현함</a:t>
+            </a:r>
+            <a:endParaRPr lang="en-US" altLang="ko-KR" dirty="0"/>
+          </a:p>
+          <a:p>
+            <a:endParaRPr lang="ko-KR" altLang="en-US" dirty="0"/>
+          </a:p>
+        </p:txBody>
+      </p:sp>
+      <p:sp>
+        <p:nvSpPr>
+          <p:cNvPr id="4" name="슬라이드 번호 개체 틀 3"/>
+          <p:cNvSpPr>
+            <a:spLocks noGrp="1"/>
+          </p:cNvSpPr>
+          <p:nvPr>
+            <p:ph type="sldNum" sz="quarter" idx="5"/>
+          </p:nvPr>
+        </p:nvSpPr>
+        <p:spPr/>
+        <p:txBody>
+          <a:bodyPr/>
+          <a:lstStyle/>
+          <a:p>
+            <a:fld id="{420F09F9-D812-4758-8566-A65BCCCBDD8F}" type="slidenum">
+              <a:rPr lang="ko-KR" altLang="en-US" smtClean="0"/>
+              <a:t>3</a:t>
+            </a:fld>
+            <a:endParaRPr lang="ko-KR" altLang="en-US"/>
+          </a:p>
+        </p:txBody>
+      </p:sp>
+    </p:spTree>
+    <p:extLst>
+      <p:ext uri="{BB962C8B-B14F-4D97-AF65-F5344CB8AC3E}">
+        <p14:creationId xmlns:p14="http://schemas.microsoft.com/office/powerpoint/2010/main" val="3432356484"/>
+      </p:ext>
+    </p:extLst>
+  </p:cSld>
+  <p:clrMapOvr>
+    <a:masterClrMapping/>
+  </p:clrMapOvr>
+</p:notes>
+</file>
+
+<file path=ppt/notesSlides/notesSlide3.xml><?xml version="1.0" encoding="utf-8"?>
+<p:notes xmlns:a="http://schemas.openxmlformats.org/drawingml/2006/main" xmlns:r="http://schemas.openxmlformats.org/officeDocument/2006/relationships" xmlns:p="http://schemas.openxmlformats.org/presentationml/2006/main">
+  <p:cSld>
+    <p:spTree>
+      <p:nvGrpSpPr>
+        <p:cNvPr id="1" name=""/>
+        <p:cNvGrpSpPr/>
+        <p:nvPr/>
+      </p:nvGrpSpPr>
+      <p:grpSpPr>
+        <a:xfrm>
+          <a:off x="0" y="0"/>
+          <a:ext cx="0" cy="0"/>
+          <a:chOff x="0" y="0"/>
+          <a:chExt cx="0" cy="0"/>
+        </a:xfrm>
+      </p:grpSpPr>
+      <p:sp>
+        <p:nvSpPr>
+          <p:cNvPr id="2" name="슬라이드 이미지 개체 틀 1"/>
+          <p:cNvSpPr>
+            <a:spLocks noGrp="1" noRot="1" noChangeAspect="1"/>
+          </p:cNvSpPr>
+          <p:nvPr>
+            <p:ph type="sldImg"/>
+          </p:nvPr>
+        </p:nvSpPr>
+        <p:spPr/>
+      </p:sp>
+      <p:sp>
+        <p:nvSpPr>
+          <p:cNvPr id="3" name="슬라이드 노트 개체 틀 2"/>
+          <p:cNvSpPr>
+            <a:spLocks noGrp="1"/>
+          </p:cNvSpPr>
+          <p:nvPr>
+            <p:ph type="body" idx="1"/>
+          </p:nvPr>
+        </p:nvSpPr>
+        <p:spPr/>
+        <p:txBody>
+          <a:bodyPr/>
+          <a:lstStyle/>
+          <a:p>
+            <a:r>
+              <a:rPr lang="ko-KR" altLang="en-US" dirty="0"/>
+              <a:t>스파이크 신경망에 사용되는 데이터는 이진 </a:t>
+            </a:r>
+            <a:br>
+              <a:rPr lang="en-US" altLang="ko-KR" dirty="0"/>
+            </a:br>
+            <a:r>
+              <a:rPr lang="ko-KR" altLang="en-US" dirty="0"/>
+              <a:t>형식</a:t>
+            </a:r>
+            <a:r>
+              <a:rPr lang="en-US" altLang="ko-KR" dirty="0"/>
+              <a:t>(</a:t>
+            </a:r>
+            <a:r>
+              <a:rPr lang="ko-KR" altLang="en-US" dirty="0"/>
+              <a:t>스파이크 발생 또는 </a:t>
+            </a:r>
+            <a:r>
+              <a:rPr lang="ko-KR" altLang="en-US" dirty="0" err="1"/>
+              <a:t>미발생</a:t>
+            </a:r>
+            <a:r>
+              <a:rPr lang="en-US" altLang="ko-KR" dirty="0"/>
+              <a:t>)</a:t>
+            </a:r>
+            <a:r>
+              <a:rPr lang="ko-KR" altLang="en-US" dirty="0"/>
+              <a:t>으로 표현</a:t>
+            </a:r>
+            <a:endParaRPr lang="en-US" altLang="ko-KR" dirty="0"/>
+          </a:p>
+          <a:p>
+            <a:endParaRPr lang="en-US" altLang="ko-KR" dirty="0"/>
+          </a:p>
+          <a:p>
+            <a:r>
+              <a:rPr lang="ko-KR" altLang="en-US" dirty="0"/>
+              <a:t>데이터는 스파이크 함수를 통해 이진 형식으로 </a:t>
+            </a:r>
+            <a:r>
+              <a:rPr lang="ko-KR" altLang="en-US" dirty="0" err="1"/>
+              <a:t>전처리</a:t>
+            </a:r>
+            <a:endParaRPr lang="en-US" altLang="ko-KR" dirty="0"/>
+          </a:p>
+          <a:p>
+            <a:endParaRPr lang="en-US" altLang="ko-KR" dirty="0"/>
+          </a:p>
+          <a:p>
+            <a:r>
+              <a:rPr lang="ko-KR" altLang="en-US" dirty="0" err="1"/>
+              <a:t>전처리</a:t>
+            </a:r>
+            <a:r>
+              <a:rPr lang="ko-KR" altLang="en-US" dirty="0"/>
+              <a:t> 방식으로 </a:t>
+            </a:r>
+            <a:r>
+              <a:rPr lang="en-US" altLang="ko-KR" dirty="0"/>
+              <a:t>TTFS(Time To First Spike)</a:t>
+            </a:r>
+            <a:r>
+              <a:rPr lang="ko-KR" altLang="en-US" dirty="0"/>
+              <a:t> </a:t>
+            </a:r>
+            <a:br>
+              <a:rPr lang="en-US" altLang="ko-KR" dirty="0"/>
+            </a:br>
+            <a:r>
+              <a:rPr lang="ko-KR" altLang="en-US" dirty="0"/>
+              <a:t>알고리즘 사용</a:t>
+            </a:r>
+            <a:endParaRPr lang="en-US" altLang="ko-KR" dirty="0"/>
+          </a:p>
+          <a:p>
+            <a:endParaRPr lang="en-US" altLang="ko-KR" dirty="0"/>
+          </a:p>
+          <a:p>
+            <a:r>
+              <a:rPr lang="en-US" altLang="ko-KR" dirty="0"/>
+              <a:t>TTFS</a:t>
+            </a:r>
+            <a:r>
+              <a:rPr lang="ko-KR" altLang="en-US" dirty="0"/>
+              <a:t>는 뉴런의 입력 강도에 </a:t>
+            </a:r>
+            <a:br>
+              <a:rPr lang="en-US" altLang="ko-KR" dirty="0"/>
+            </a:br>
+            <a:r>
+              <a:rPr lang="ko-KR" altLang="en-US" dirty="0"/>
+              <a:t>따라 스파이크를 발생시키는 </a:t>
+            </a:r>
+            <a:br>
+              <a:rPr lang="en-US" altLang="ko-KR" dirty="0"/>
+            </a:br>
+            <a:r>
+              <a:rPr lang="ko-KR" altLang="en-US" dirty="0"/>
+              <a:t>시간 결정</a:t>
+            </a:r>
+          </a:p>
+        </p:txBody>
+      </p:sp>
+      <p:sp>
+        <p:nvSpPr>
+          <p:cNvPr id="4" name="슬라이드 번호 개체 틀 3"/>
+          <p:cNvSpPr>
+            <a:spLocks noGrp="1"/>
+          </p:cNvSpPr>
+          <p:nvPr>
+            <p:ph type="sldNum" sz="quarter" idx="5"/>
+          </p:nvPr>
+        </p:nvSpPr>
+        <p:spPr/>
+        <p:txBody>
+          <a:bodyPr/>
+          <a:lstStyle/>
+          <a:p>
+            <a:fld id="{420F09F9-D812-4758-8566-A65BCCCBDD8F}" type="slidenum">
+              <a:rPr lang="ko-KR" altLang="en-US" smtClean="0"/>
+              <a:t>8</a:t>
+            </a:fld>
+            <a:endParaRPr lang="ko-KR" altLang="en-US"/>
+          </a:p>
+        </p:txBody>
+      </p:sp>
+    </p:spTree>
+    <p:extLst>
+      <p:ext uri="{BB962C8B-B14F-4D97-AF65-F5344CB8AC3E}">
+        <p14:creationId xmlns:p14="http://schemas.microsoft.com/office/powerpoint/2010/main" val="3078251996"/>
+      </p:ext>
+    </p:extLst>
+  </p:cSld>
+  <p:clrMapOvr>
+    <a:masterClrMapping/>
+  </p:clrMapOvr>
+</p:notes>
+</file>
+
+<file path=ppt/notesSlides/notesSlide4.xml><?xml version="1.0" encoding="utf-8"?>
+<p:notes xmlns:a="http://schemas.openxmlformats.org/drawingml/2006/main" xmlns:r="http://schemas.openxmlformats.org/officeDocument/2006/relationships" xmlns:p="http://schemas.openxmlformats.org/presentationml/2006/main">
+  <p:cSld>
+    <p:spTree>
+      <p:nvGrpSpPr>
+        <p:cNvPr id="1" name=""/>
+        <p:cNvGrpSpPr/>
+        <p:nvPr/>
+      </p:nvGrpSpPr>
+      <p:grpSpPr>
+        <a:xfrm>
+          <a:off x="0" y="0"/>
+          <a:ext cx="0" cy="0"/>
+          <a:chOff x="0" y="0"/>
+          <a:chExt cx="0" cy="0"/>
+        </a:xfrm>
+      </p:grpSpPr>
+      <p:sp>
+        <p:nvSpPr>
+          <p:cNvPr id="2" name="슬라이드 이미지 개체 틀 1"/>
+          <p:cNvSpPr>
+            <a:spLocks noGrp="1" noRot="1" noChangeAspect="1"/>
+          </p:cNvSpPr>
+          <p:nvPr>
+            <p:ph type="sldImg"/>
+          </p:nvPr>
+        </p:nvSpPr>
+        <p:spPr/>
+      </p:sp>
+      <p:sp>
+        <p:nvSpPr>
+          <p:cNvPr id="3" name="슬라이드 노트 개체 틀 2"/>
+          <p:cNvSpPr>
+            <a:spLocks noGrp="1"/>
+          </p:cNvSpPr>
+          <p:nvPr>
+            <p:ph type="body" idx="1"/>
+          </p:nvPr>
+        </p:nvSpPr>
+        <p:spPr/>
+        <p:txBody>
+          <a:bodyPr/>
+          <a:lstStyle/>
+          <a:p>
+            <a:r>
+              <a:rPr lang="ko-KR" altLang="en-US" dirty="0"/>
+              <a:t>학습 결과 데이터의 특성 및 종류에 따라 각기 다른 파라미터 특징이 나타남</a:t>
+            </a:r>
+          </a:p>
+        </p:txBody>
+      </p:sp>
+      <p:sp>
+        <p:nvSpPr>
+          <p:cNvPr id="4" name="슬라이드 번호 개체 틀 3"/>
+          <p:cNvSpPr>
+            <a:spLocks noGrp="1"/>
+          </p:cNvSpPr>
+          <p:nvPr>
+            <p:ph type="sldNum" sz="quarter" idx="5"/>
+          </p:nvPr>
+        </p:nvSpPr>
+        <p:spPr/>
+        <p:txBody>
+          <a:bodyPr/>
+          <a:lstStyle/>
+          <a:p>
+            <a:fld id="{420F09F9-D812-4758-8566-A65BCCCBDD8F}" type="slidenum">
+              <a:rPr lang="ko-KR" altLang="en-US" smtClean="0"/>
+              <a:t>12</a:t>
+            </a:fld>
+            <a:endParaRPr lang="ko-KR" altLang="en-US"/>
+          </a:p>
+        </p:txBody>
+      </p:sp>
+    </p:spTree>
+    <p:extLst>
+      <p:ext uri="{BB962C8B-B14F-4D97-AF65-F5344CB8AC3E}">
+        <p14:creationId xmlns:p14="http://schemas.microsoft.com/office/powerpoint/2010/main" val="4004010090"/>
       </p:ext>
     </p:extLst>
   </p:cSld>
@@ -4422,180 +4810,6 @@
           <p:cNvPr id="2" name="제목 1">
             <a:extLst>
               <a:ext uri="{FF2B5EF4-FFF2-40B4-BE49-F238E27FC236}">
-                <a16:creationId xmlns:a16="http://schemas.microsoft.com/office/drawing/2014/main" id="{D8E96AE1-03DB-0D9D-353B-E275A487A912}"/>
-              </a:ext>
-            </a:extLst>
-          </p:cNvPr>
-          <p:cNvSpPr>
-            <a:spLocks noGrp="1"/>
-          </p:cNvSpPr>
-          <p:nvPr>
-            <p:ph type="title"/>
-          </p:nvPr>
-        </p:nvSpPr>
-        <p:spPr/>
-        <p:txBody>
-          <a:bodyPr/>
-          <a:lstStyle/>
-          <a:p>
-            <a:r>
-              <a:rPr lang="en-US" altLang="ko-KR" sz="3200" dirty="0"/>
-              <a:t>Fashion-MNIST </a:t>
-            </a:r>
-            <a:r>
-              <a:rPr lang="ko-KR" altLang="en-US" sz="3200" dirty="0"/>
-              <a:t>데이터 세트 성능 분석</a:t>
-            </a:r>
-          </a:p>
-        </p:txBody>
-      </p:sp>
-      <p:sp>
-        <p:nvSpPr>
-          <p:cNvPr id="8" name="내용 개체 틀 7">
-            <a:extLst>
-              <a:ext uri="{FF2B5EF4-FFF2-40B4-BE49-F238E27FC236}">
-                <a16:creationId xmlns:a16="http://schemas.microsoft.com/office/drawing/2014/main" id="{28D51850-AF32-8082-77CF-616A87E7F0C4}"/>
-              </a:ext>
-            </a:extLst>
-          </p:cNvPr>
-          <p:cNvSpPr>
-            <a:spLocks noGrp="1"/>
-          </p:cNvSpPr>
-          <p:nvPr>
-            <p:ph idx="1"/>
-          </p:nvPr>
-        </p:nvSpPr>
-        <p:spPr/>
-        <p:txBody>
-          <a:bodyPr/>
-          <a:lstStyle/>
-          <a:p>
-            <a:r>
-              <a:rPr lang="en-US" altLang="ko-KR" dirty="0"/>
-              <a:t>10</a:t>
-            </a:r>
-            <a:r>
-              <a:rPr lang="ko-KR" altLang="en-US" dirty="0"/>
-              <a:t>가지 옷</a:t>
-            </a:r>
-            <a:r>
-              <a:rPr lang="en-US" altLang="ko-KR" dirty="0"/>
-              <a:t>,</a:t>
-            </a:r>
-            <a:r>
-              <a:rPr lang="ko-KR" altLang="en-US" dirty="0"/>
-              <a:t> 신발 종류의 이미지 데이터를 가짐</a:t>
-            </a:r>
-          </a:p>
-        </p:txBody>
-      </p:sp>
-      <p:pic>
-        <p:nvPicPr>
-          <p:cNvPr id="12" name="그림 11" descr="라인, 그래프, 도표, 텍스트이(가) 표시된 사진&#10;&#10;자동 생성된 설명">
-            <a:extLst>
-              <a:ext uri="{FF2B5EF4-FFF2-40B4-BE49-F238E27FC236}">
-                <a16:creationId xmlns:a16="http://schemas.microsoft.com/office/drawing/2014/main" id="{F8B4DD1D-6A4D-B4FA-5FF8-74DDD101DEED}"/>
-              </a:ext>
-            </a:extLst>
-          </p:cNvPr>
-          <p:cNvPicPr>
-            <a:picLocks noChangeAspect="1"/>
-          </p:cNvPicPr>
-          <p:nvPr/>
-        </p:nvPicPr>
-        <p:blipFill>
-          <a:blip r:embed="rId2">
-            <a:extLst>
-              <a:ext uri="{28A0092B-C50C-407E-A947-70E740481C1C}">
-                <a14:useLocalDpi xmlns:a14="http://schemas.microsoft.com/office/drawing/2010/main" val="0"/>
-              </a:ext>
-            </a:extLst>
-          </a:blip>
-          <a:stretch>
-            <a:fillRect/>
-          </a:stretch>
-        </p:blipFill>
-        <p:spPr>
-          <a:xfrm>
-            <a:off x="755650" y="1628800"/>
-            <a:ext cx="4357475" cy="3216232"/>
-          </a:xfrm>
-          <a:prstGeom prst="rect">
-            <a:avLst/>
-          </a:prstGeom>
-        </p:spPr>
-      </p:pic>
-      <p:pic>
-        <p:nvPicPr>
-          <p:cNvPr id="13" name="그림 12" descr="텍스트, 폰트, 라인, 영수증이(가) 표시된 사진&#10;&#10;자동 생성된 설명">
-            <a:extLst>
-              <a:ext uri="{FF2B5EF4-FFF2-40B4-BE49-F238E27FC236}">
-                <a16:creationId xmlns:a16="http://schemas.microsoft.com/office/drawing/2014/main" id="{208BB8AE-9186-9AE2-9630-85D832F40E67}"/>
-              </a:ext>
-            </a:extLst>
-          </p:cNvPr>
-          <p:cNvPicPr>
-            <a:picLocks noChangeAspect="1"/>
-          </p:cNvPicPr>
-          <p:nvPr/>
-        </p:nvPicPr>
-        <p:blipFill>
-          <a:blip r:embed="rId3">
-            <a:extLst>
-              <a:ext uri="{28A0092B-C50C-407E-A947-70E740481C1C}">
-                <a14:useLocalDpi xmlns:a14="http://schemas.microsoft.com/office/drawing/2010/main" val="0"/>
-              </a:ext>
-            </a:extLst>
-          </a:blip>
-          <a:stretch>
-            <a:fillRect/>
-          </a:stretch>
-        </p:blipFill>
-        <p:spPr>
-          <a:xfrm>
-            <a:off x="738443" y="5025395"/>
-            <a:ext cx="6273800" cy="1676400"/>
-          </a:xfrm>
-          <a:prstGeom prst="rect">
-            <a:avLst/>
-          </a:prstGeom>
-        </p:spPr>
-      </p:pic>
-    </p:spTree>
-    <p:extLst>
-      <p:ext uri="{BB962C8B-B14F-4D97-AF65-F5344CB8AC3E}">
-        <p14:creationId xmlns:p14="http://schemas.microsoft.com/office/powerpoint/2010/main" val="3679994895"/>
-      </p:ext>
-    </p:extLst>
-  </p:cSld>
-  <p:clrMapOvr>
-    <a:masterClrMapping/>
-  </p:clrMapOvr>
-</p:sld>
-</file>
-
-<file path=ppt/slides/slide11.xml><?xml version="1.0" encoding="utf-8"?>
-<p:sld xmlns:a="http://schemas.openxmlformats.org/drawingml/2006/main" xmlns:r="http://schemas.openxmlformats.org/officeDocument/2006/relationships" xmlns:p="http://schemas.openxmlformats.org/presentationml/2006/main">
-  <p:cSld>
-    <p:spTree>
-      <p:nvGrpSpPr>
-        <p:cNvPr id="1" name=""/>
-        <p:cNvGrpSpPr/>
-        <p:nvPr/>
-      </p:nvGrpSpPr>
-      <p:grpSpPr>
-        <a:xfrm>
-          <a:off x="0" y="0"/>
-          <a:ext cx="0" cy="0"/>
-          <a:chOff x="0" y="0"/>
-          <a:chExt cx="0" cy="0"/>
-        </a:xfrm>
-      </p:grpSpPr>
-      <p:sp>
-        <p:nvSpPr>
-          <p:cNvPr id="2" name="제목 1">
-            <a:extLst>
-              <a:ext uri="{FF2B5EF4-FFF2-40B4-BE49-F238E27FC236}">
                 <a16:creationId xmlns:a16="http://schemas.microsoft.com/office/drawing/2014/main" id="{94D7B068-E98A-5CDB-924D-56C67FAA0350}"/>
               </a:ext>
             </a:extLst>
@@ -4699,8 +4913,8 @@
         </p:blipFill>
         <p:spPr>
           <a:xfrm>
-            <a:off x="828675" y="2025780"/>
-            <a:ext cx="3882102" cy="3168352"/>
+            <a:off x="499298" y="1988840"/>
+            <a:ext cx="5771461" cy="4710340"/>
           </a:xfrm>
           <a:prstGeom prst="rect">
             <a:avLst/>
@@ -4722,7 +4936,7 @@
           <p:nvPr/>
         </p:nvPicPr>
         <p:blipFill>
-          <a:blip r:embed="rId3">
+          <a:blip r:embed="rId3" cstate="print">
             <a:extLst>
               <a:ext uri="{28A0092B-C50C-407E-A947-70E740481C1C}">
                 <a14:useLocalDpi xmlns:a14="http://schemas.microsoft.com/office/drawing/2010/main" val="0"/>
@@ -4735,8 +4949,8 @@
         </p:blipFill>
         <p:spPr>
           <a:xfrm>
-            <a:off x="755650" y="5194132"/>
-            <a:ext cx="5553720" cy="1663868"/>
+            <a:off x="5483654" y="2049928"/>
+            <a:ext cx="3641712" cy="1091040"/>
           </a:xfrm>
           <a:prstGeom prst="rect">
             <a:avLst/>
@@ -4756,7 +4970,7 @@
 </p:sld>
 </file>
 
-<file path=ppt/slides/slide12.xml><?xml version="1.0" encoding="utf-8"?>
+<file path=ppt/slides/slide11.xml><?xml version="1.0" encoding="utf-8"?>
 <p:sld xmlns:a="http://schemas.openxmlformats.org/drawingml/2006/main" xmlns:r="http://schemas.openxmlformats.org/officeDocument/2006/relationships" xmlns:p="http://schemas.openxmlformats.org/presentationml/2006/main">
   <p:cSld>
     <p:spTree>
@@ -4901,8 +5115,8 @@
         </p:blipFill>
         <p:spPr>
           <a:xfrm>
-            <a:off x="611560" y="3676449"/>
-            <a:ext cx="3619872" cy="2854130"/>
+            <a:off x="549834" y="3548999"/>
+            <a:ext cx="4166182" cy="3284875"/>
           </a:xfrm>
           <a:prstGeom prst="rect">
             <a:avLst/>
@@ -4937,8 +5151,8 @@
         </p:blipFill>
         <p:spPr>
           <a:xfrm>
-            <a:off x="4231432" y="3675613"/>
-            <a:ext cx="3529159" cy="2869429"/>
+            <a:off x="4633726" y="3645024"/>
+            <a:ext cx="3960440" cy="3220088"/>
           </a:xfrm>
           <a:prstGeom prst="rect">
             <a:avLst/>
@@ -4985,6 +5199,213 @@
     <p:extLst>
       <p:ext uri="{BB962C8B-B14F-4D97-AF65-F5344CB8AC3E}">
         <p14:creationId xmlns:p14="http://schemas.microsoft.com/office/powerpoint/2010/main" val="3020564940"/>
+      </p:ext>
+    </p:extLst>
+  </p:cSld>
+  <p:clrMapOvr>
+    <a:masterClrMapping/>
+  </p:clrMapOvr>
+</p:sld>
+</file>
+
+<file path=ppt/slides/slide12.xml><?xml version="1.0" encoding="utf-8"?>
+<p:sld xmlns:a="http://schemas.openxmlformats.org/drawingml/2006/main" xmlns:r="http://schemas.openxmlformats.org/officeDocument/2006/relationships" xmlns:p="http://schemas.openxmlformats.org/presentationml/2006/main">
+  <p:cSld>
+    <p:spTree>
+      <p:nvGrpSpPr>
+        <p:cNvPr id="1" name=""/>
+        <p:cNvGrpSpPr/>
+        <p:nvPr/>
+      </p:nvGrpSpPr>
+      <p:grpSpPr>
+        <a:xfrm>
+          <a:off x="0" y="0"/>
+          <a:ext cx="0" cy="0"/>
+          <a:chOff x="0" y="0"/>
+          <a:chExt cx="0" cy="0"/>
+        </a:xfrm>
+      </p:grpSpPr>
+      <p:sp>
+        <p:nvSpPr>
+          <p:cNvPr id="2" name="제목 1">
+            <a:extLst>
+              <a:ext uri="{FF2B5EF4-FFF2-40B4-BE49-F238E27FC236}">
+                <a16:creationId xmlns:a16="http://schemas.microsoft.com/office/drawing/2014/main" id="{691F0844-19E6-FE91-264B-40A486DF4A41}"/>
+              </a:ext>
+            </a:extLst>
+          </p:cNvPr>
+          <p:cNvSpPr>
+            <a:spLocks noGrp="1"/>
+          </p:cNvSpPr>
+          <p:nvPr>
+            <p:ph type="title"/>
+          </p:nvPr>
+        </p:nvSpPr>
+        <p:spPr/>
+        <p:txBody>
+          <a:bodyPr/>
+          <a:lstStyle/>
+          <a:p>
+            <a:r>
+              <a:rPr lang="ko-KR" altLang="en-US" dirty="0"/>
+              <a:t>결론</a:t>
+            </a:r>
+          </a:p>
+        </p:txBody>
+      </p:sp>
+      <p:sp>
+        <p:nvSpPr>
+          <p:cNvPr id="3" name="내용 개체 틀 2">
+            <a:extLst>
+              <a:ext uri="{FF2B5EF4-FFF2-40B4-BE49-F238E27FC236}">
+                <a16:creationId xmlns:a16="http://schemas.microsoft.com/office/drawing/2014/main" id="{5DF3D6B8-579E-018F-D4B8-F9678E6C109F}"/>
+              </a:ext>
+            </a:extLst>
+          </p:cNvPr>
+          <p:cNvSpPr>
+            <a:spLocks noGrp="1"/>
+          </p:cNvSpPr>
+          <p:nvPr>
+            <p:ph idx="1"/>
+          </p:nvPr>
+        </p:nvSpPr>
+        <p:spPr/>
+        <p:txBody>
+          <a:bodyPr/>
+          <a:lstStyle/>
+          <a:p>
+            <a:r>
+              <a:rPr lang="ko-KR" altLang="en-US" dirty="0"/>
+              <a:t>데이터 세트별 최적의 파라미터 조합을 통해 약 </a:t>
+            </a:r>
+            <a:r>
+              <a:rPr lang="en-US" altLang="ko-KR" dirty="0"/>
+              <a:t>2~4% </a:t>
+            </a:r>
+            <a:r>
+              <a:rPr lang="ko-KR" altLang="en-US" dirty="0"/>
+              <a:t>정도 정확도 향상을 </a:t>
+            </a:r>
+            <a:r>
+              <a:rPr lang="ko-KR" altLang="en-US" dirty="0" err="1"/>
+              <a:t>이뤄냄</a:t>
+            </a:r>
+            <a:endParaRPr lang="ko-KR" altLang="en-US" dirty="0"/>
+          </a:p>
+        </p:txBody>
+      </p:sp>
+      <p:pic>
+        <p:nvPicPr>
+          <p:cNvPr id="4" name="그림 3" descr="텍스트, 폰트, 라인, 영수증이(가) 표시된 사진&#10;&#10;자동 생성된 설명">
+            <a:extLst>
+              <a:ext uri="{FF2B5EF4-FFF2-40B4-BE49-F238E27FC236}">
+                <a16:creationId xmlns:a16="http://schemas.microsoft.com/office/drawing/2014/main" id="{E56996C3-68FB-25F2-8F88-1B3EAF3962DC}"/>
+              </a:ext>
+            </a:extLst>
+          </p:cNvPr>
+          <p:cNvPicPr>
+            <a:picLocks noChangeAspect="1"/>
+          </p:cNvPicPr>
+          <p:nvPr/>
+        </p:nvPicPr>
+        <p:blipFill>
+          <a:blip r:embed="rId3">
+            <a:extLst>
+              <a:ext uri="{28A0092B-C50C-407E-A947-70E740481C1C}">
+                <a14:useLocalDpi xmlns:a14="http://schemas.microsoft.com/office/drawing/2010/main" val="0"/>
+              </a:ext>
+            </a:extLst>
+          </a:blip>
+          <a:stretch>
+            <a:fillRect/>
+          </a:stretch>
+        </p:blipFill>
+        <p:spPr>
+          <a:xfrm>
+            <a:off x="828675" y="3717404"/>
+            <a:ext cx="5281082" cy="1422254"/>
+          </a:xfrm>
+          <a:prstGeom prst="rect">
+            <a:avLst/>
+          </a:prstGeom>
+        </p:spPr>
+      </p:pic>
+      <p:pic>
+        <p:nvPicPr>
+          <p:cNvPr id="5" name="그림 4" descr="텍스트, 폰트, 스크린샷, 라인이(가) 표시된 사진&#10;&#10;자동 생성된 설명">
+            <a:extLst>
+              <a:ext uri="{FF2B5EF4-FFF2-40B4-BE49-F238E27FC236}">
+                <a16:creationId xmlns:a16="http://schemas.microsoft.com/office/drawing/2014/main" id="{AEECD184-E318-959B-631C-76AB60CC2CC6}"/>
+              </a:ext>
+            </a:extLst>
+          </p:cNvPr>
+          <p:cNvPicPr>
+            <a:picLocks noChangeAspect="1"/>
+          </p:cNvPicPr>
+          <p:nvPr/>
+        </p:nvPicPr>
+        <p:blipFill>
+          <a:blip r:embed="rId4">
+            <a:extLst>
+              <a:ext uri="{28A0092B-C50C-407E-A947-70E740481C1C}">
+                <a14:useLocalDpi xmlns:a14="http://schemas.microsoft.com/office/drawing/2010/main" val="0"/>
+              </a:ext>
+            </a:extLst>
+          </a:blip>
+          <a:stretch>
+            <a:fillRect/>
+          </a:stretch>
+        </p:blipFill>
+        <p:spPr>
+          <a:xfrm>
+            <a:off x="728222" y="5194132"/>
+            <a:ext cx="5553720" cy="1663868"/>
+          </a:xfrm>
+          <a:prstGeom prst="rect">
+            <a:avLst/>
+          </a:prstGeom>
+        </p:spPr>
+      </p:pic>
+      <p:pic>
+        <p:nvPicPr>
+          <p:cNvPr id="6" name="그림 5" descr="텍스트, 폰트, 라인, 영수증이(가) 표시된 사진&#10;&#10;자동 생성된 설명">
+            <a:extLst>
+              <a:ext uri="{FF2B5EF4-FFF2-40B4-BE49-F238E27FC236}">
+                <a16:creationId xmlns:a16="http://schemas.microsoft.com/office/drawing/2014/main" id="{EC855FF8-54B6-CEBD-23C7-550D22EC5ED3}"/>
+              </a:ext>
+            </a:extLst>
+          </p:cNvPr>
+          <p:cNvPicPr>
+            <a:picLocks noChangeAspect="1"/>
+          </p:cNvPicPr>
+          <p:nvPr/>
+        </p:nvPicPr>
+        <p:blipFill>
+          <a:blip r:embed="rId5">
+            <a:extLst>
+              <a:ext uri="{28A0092B-C50C-407E-A947-70E740481C1C}">
+                <a14:useLocalDpi xmlns:a14="http://schemas.microsoft.com/office/drawing/2010/main" val="0"/>
+              </a:ext>
+            </a:extLst>
+          </a:blip>
+          <a:stretch>
+            <a:fillRect/>
+          </a:stretch>
+        </p:blipFill>
+        <p:spPr>
+          <a:xfrm>
+            <a:off x="755650" y="2162151"/>
+            <a:ext cx="5616550" cy="1500779"/>
+          </a:xfrm>
+          <a:prstGeom prst="rect">
+            <a:avLst/>
+          </a:prstGeom>
+        </p:spPr>
+      </p:pic>
+    </p:spTree>
+    <p:extLst>
+      <p:ext uri="{BB962C8B-B14F-4D97-AF65-F5344CB8AC3E}">
+        <p14:creationId xmlns:p14="http://schemas.microsoft.com/office/powerpoint/2010/main" val="768234178"/>
       </p:ext>
     </p:extLst>
   </p:cSld>
@@ -5046,7 +5467,7 @@
           <p:cNvPr id="2" name="제목 1">
             <a:extLst>
               <a:ext uri="{FF2B5EF4-FFF2-40B4-BE49-F238E27FC236}">
-                <a16:creationId xmlns:a16="http://schemas.microsoft.com/office/drawing/2014/main" id="{4FA05EC6-A717-385F-7218-A43CA60B778F}"/>
+                <a16:creationId xmlns:a16="http://schemas.microsoft.com/office/drawing/2014/main" id="{8689483B-E0DB-77BC-DB8D-AEC691CA8610}"/>
               </a:ext>
             </a:extLst>
           </p:cNvPr>
@@ -5064,7 +5485,7 @@
           <a:p>
             <a:r>
               <a:rPr lang="ko-KR" altLang="en-US" dirty="0"/>
-              <a:t>스파이크 신경망 모델</a:t>
+              <a:t>사회적 배경</a:t>
             </a:r>
           </a:p>
         </p:txBody>
@@ -5074,7 +5495,7 @@
           <p:cNvPr id="3" name="내용 개체 틀 2">
             <a:extLst>
               <a:ext uri="{FF2B5EF4-FFF2-40B4-BE49-F238E27FC236}">
-                <a16:creationId xmlns:a16="http://schemas.microsoft.com/office/drawing/2014/main" id="{A959DA52-7288-5CD4-D123-12EAF09439D6}"/>
+                <a16:creationId xmlns:a16="http://schemas.microsoft.com/office/drawing/2014/main" id="{6EB2EE31-812D-CD56-EF31-0E31341344B0}"/>
               </a:ext>
             </a:extLst>
           </p:cNvPr>
@@ -5085,28 +5506,25 @@
             <p:ph idx="1"/>
           </p:nvPr>
         </p:nvSpPr>
-        <p:spPr>
-          <a:xfrm>
-            <a:off x="828676" y="1052513"/>
-            <a:ext cx="8064500" cy="5272087"/>
-          </a:xfrm>
-        </p:spPr>
-        <p:txBody>
-          <a:bodyPr>
-            <a:normAutofit lnSpcReduction="10000"/>
-          </a:bodyPr>
+        <p:spPr/>
+        <p:txBody>
+          <a:bodyPr/>
           <a:lstStyle/>
           <a:p>
             <a:r>
-              <a:rPr lang="ko-KR" altLang="en-US" dirty="0"/>
-              <a:t>인간 뇌의 특성을 모방한 인공신경망 모델 </a:t>
+              <a:rPr lang="en-US" altLang="ko-KR" dirty="0"/>
+              <a:t>1940</a:t>
+            </a:r>
+            <a:r>
+              <a:rPr lang="ko-KR" altLang="en-US" dirty="0"/>
+              <a:t>년대 컴퓨터 과학자들은 인간 뇌의 </a:t>
             </a:r>
             <a:br>
               <a:rPr lang="en-US" altLang="ko-KR" dirty="0"/>
             </a:br>
             <a:r>
               <a:rPr lang="ko-KR" altLang="en-US" dirty="0"/>
-              <a:t>등장</a:t>
+              <a:t>생물학적인 특성을 모방함</a:t>
             </a:r>
             <a:endParaRPr lang="en-US" altLang="ko-KR" dirty="0"/>
           </a:p>
@@ -5116,22 +5534,15 @@
           <a:p>
             <a:r>
               <a:rPr lang="ko-KR" altLang="en-US" dirty="0"/>
-              <a:t>생물학적 뉴런의 정보 전달 방식 그대로 </a:t>
-            </a:r>
-            <a:br>
+              <a:t>이렇게 탄생된 인공신경망</a:t>
+            </a:r>
+            <a:r>
               <a:rPr lang="en-US" altLang="ko-KR" dirty="0"/>
-            </a:br>
-            <a:r>
-              <a:rPr lang="ko-KR" altLang="en-US" dirty="0"/>
-              <a:t>모방한 스파이크 신경망</a:t>
-            </a:r>
-            <a:r>
-              <a:rPr lang="en-US" altLang="ko-KR" dirty="0"/>
-              <a:t>(Spiking Neural Network)</a:t>
-            </a:r>
-            <a:r>
-              <a:rPr lang="ko-KR" altLang="en-US" dirty="0"/>
-              <a:t>이 개발됨</a:t>
+              <a:t>(Artificial Neural Network) </a:t>
+            </a:r>
+            <a:r>
+              <a:rPr lang="ko-KR" altLang="en-US" dirty="0"/>
+              <a:t>모델은 많은 분야에서 뛰어난 성능을 보임</a:t>
             </a:r>
             <a:endParaRPr lang="en-US" altLang="ko-KR" dirty="0"/>
           </a:p>
@@ -5141,41 +5552,15 @@
           <a:p>
             <a:r>
               <a:rPr lang="ko-KR" altLang="en-US" dirty="0"/>
-              <a:t>스파이크 신경망은 실제 인간 뇌의 학습 </a:t>
-            </a:r>
-            <a:br>
-              <a:rPr lang="en-US" altLang="ko-KR" dirty="0"/>
-            </a:br>
-            <a:r>
-              <a:rPr lang="ko-KR" altLang="en-US" dirty="0"/>
-              <a:t>방법을 연구하는 분야로 확장될 수 있음</a:t>
-            </a:r>
-            <a:endParaRPr lang="en-US" altLang="ko-KR" dirty="0"/>
-          </a:p>
-          <a:p>
-            <a:endParaRPr lang="en-US" altLang="ko-KR" dirty="0"/>
-          </a:p>
-          <a:p>
-            <a:r>
-              <a:rPr lang="ko-KR" altLang="en-US" dirty="0"/>
-              <a:t>스파이크 신경망은 </a:t>
-            </a:r>
-            <a:r>
-              <a:rPr lang="en-US" altLang="ko-KR" dirty="0"/>
-              <a:t>LIF(Leaky Integrate and Fire)</a:t>
-            </a:r>
-            <a:r>
-              <a:rPr lang="ko-KR" altLang="en-US" dirty="0"/>
-              <a:t> 모델을 기반으로 구현함</a:t>
-            </a:r>
-            <a:endParaRPr lang="en-US" altLang="ko-KR" dirty="0"/>
+              <a:t>이후 인공신경망의 에너지 효율 증가와 인간 뇌의 학습 방식과 더 유사한 모델로 스파이크 신경망이 개발됨</a:t>
+            </a:r>
           </a:p>
         </p:txBody>
       </p:sp>
     </p:spTree>
     <p:extLst>
       <p:ext uri="{BB962C8B-B14F-4D97-AF65-F5344CB8AC3E}">
-        <p14:creationId xmlns:p14="http://schemas.microsoft.com/office/powerpoint/2010/main" val="1325961471"/>
+        <p14:creationId xmlns:p14="http://schemas.microsoft.com/office/powerpoint/2010/main" val="2609103625"/>
       </p:ext>
     </p:extLst>
   </p:cSld>
@@ -5207,6 +5592,141 @@
           <p:cNvPr id="2" name="제목 1">
             <a:extLst>
               <a:ext uri="{FF2B5EF4-FFF2-40B4-BE49-F238E27FC236}">
+                <a16:creationId xmlns:a16="http://schemas.microsoft.com/office/drawing/2014/main" id="{4FA05EC6-A717-385F-7218-A43CA60B778F}"/>
+              </a:ext>
+            </a:extLst>
+          </p:cNvPr>
+          <p:cNvSpPr>
+            <a:spLocks noGrp="1"/>
+          </p:cNvSpPr>
+          <p:nvPr>
+            <p:ph type="title"/>
+          </p:nvPr>
+        </p:nvSpPr>
+        <p:spPr/>
+        <p:txBody>
+          <a:bodyPr/>
+          <a:lstStyle/>
+          <a:p>
+            <a:r>
+              <a:rPr lang="ko-KR" altLang="en-US" dirty="0"/>
+              <a:t>스파이크 신경망 모델</a:t>
+            </a:r>
+          </a:p>
+        </p:txBody>
+      </p:sp>
+      <p:sp>
+        <p:nvSpPr>
+          <p:cNvPr id="3" name="내용 개체 틀 2">
+            <a:extLst>
+              <a:ext uri="{FF2B5EF4-FFF2-40B4-BE49-F238E27FC236}">
+                <a16:creationId xmlns:a16="http://schemas.microsoft.com/office/drawing/2014/main" id="{A959DA52-7288-5CD4-D123-12EAF09439D6}"/>
+              </a:ext>
+            </a:extLst>
+          </p:cNvPr>
+          <p:cNvSpPr>
+            <a:spLocks noGrp="1"/>
+          </p:cNvSpPr>
+          <p:nvPr>
+            <p:ph idx="1"/>
+          </p:nvPr>
+        </p:nvSpPr>
+        <p:spPr>
+          <a:xfrm>
+            <a:off x="828676" y="1052513"/>
+            <a:ext cx="8064500" cy="5272087"/>
+          </a:xfrm>
+        </p:spPr>
+        <p:txBody>
+          <a:bodyPr>
+            <a:normAutofit/>
+          </a:bodyPr>
+          <a:lstStyle/>
+          <a:p>
+            <a:r>
+              <a:rPr lang="ko-KR" altLang="en-US" dirty="0"/>
+              <a:t>생물학적 뉴런의 정보 전달 방식 그대로 </a:t>
+            </a:r>
+            <a:br>
+              <a:rPr lang="en-US" altLang="ko-KR" dirty="0"/>
+            </a:br>
+            <a:r>
+              <a:rPr lang="ko-KR" altLang="en-US" dirty="0"/>
+              <a:t>모방함</a:t>
+            </a:r>
+            <a:endParaRPr lang="en-US" altLang="ko-KR" dirty="0"/>
+          </a:p>
+          <a:p>
+            <a:endParaRPr lang="en-US" altLang="ko-KR" dirty="0"/>
+          </a:p>
+          <a:p>
+            <a:r>
+              <a:rPr lang="ko-KR" altLang="en-US" dirty="0"/>
+              <a:t>스파이크라는 이진 정보만으로 학습을 하기 </a:t>
+            </a:r>
+            <a:br>
+              <a:rPr lang="en-US" altLang="ko-KR" dirty="0"/>
+            </a:br>
+            <a:r>
+              <a:rPr lang="ko-KR" altLang="en-US" dirty="0"/>
+              <a:t>때문에 에너지 효율에 유리함</a:t>
+            </a:r>
+            <a:endParaRPr lang="en-US" altLang="ko-KR" dirty="0"/>
+          </a:p>
+          <a:p>
+            <a:endParaRPr lang="en-US" altLang="ko-KR" dirty="0"/>
+          </a:p>
+          <a:p>
+            <a:r>
+              <a:rPr lang="ko-KR" altLang="en-US" dirty="0"/>
+              <a:t>스파이크 신경망은 실제 인간 뇌의 학습 </a:t>
+            </a:r>
+            <a:br>
+              <a:rPr lang="en-US" altLang="ko-KR" dirty="0"/>
+            </a:br>
+            <a:r>
+              <a:rPr lang="ko-KR" altLang="en-US" dirty="0"/>
+              <a:t>방법을 연구하는 분야로 확장될 수 있음</a:t>
+            </a:r>
+            <a:endParaRPr lang="en-US" altLang="ko-KR" dirty="0"/>
+          </a:p>
+        </p:txBody>
+      </p:sp>
+    </p:spTree>
+    <p:extLst>
+      <p:ext uri="{BB962C8B-B14F-4D97-AF65-F5344CB8AC3E}">
+        <p14:creationId xmlns:p14="http://schemas.microsoft.com/office/powerpoint/2010/main" val="1325961471"/>
+      </p:ext>
+    </p:extLst>
+  </p:cSld>
+  <p:clrMapOvr>
+    <a:masterClrMapping/>
+  </p:clrMapOvr>
+</p:sld>
+</file>
+
+<file path=ppt/slides/slide4.xml><?xml version="1.0" encoding="utf-8"?>
+<p:sld xmlns:a="http://schemas.openxmlformats.org/drawingml/2006/main" xmlns:r="http://schemas.openxmlformats.org/officeDocument/2006/relationships" xmlns:p="http://schemas.openxmlformats.org/presentationml/2006/main">
+  <p:cSld>
+    <p:spTree>
+      <p:nvGrpSpPr>
+        <p:cNvPr id="1" name=""/>
+        <p:cNvGrpSpPr/>
+        <p:nvPr/>
+      </p:nvGrpSpPr>
+      <p:grpSpPr>
+        <a:xfrm>
+          <a:off x="0" y="0"/>
+          <a:ext cx="0" cy="0"/>
+          <a:chOff x="0" y="0"/>
+          <a:chExt cx="0" cy="0"/>
+        </a:xfrm>
+      </p:grpSpPr>
+      <p:sp>
+        <p:nvSpPr>
+          <p:cNvPr id="2" name="제목 1">
+            <a:extLst>
+              <a:ext uri="{FF2B5EF4-FFF2-40B4-BE49-F238E27FC236}">
                 <a16:creationId xmlns:a16="http://schemas.microsoft.com/office/drawing/2014/main" id="{4FF3560E-2863-7C73-E282-123AE38204E1}"/>
               </a:ext>
             </a:extLst>
@@ -5378,7 +5898,7 @@
 </p:sld>
 </file>
 
-<file path=ppt/slides/slide4.xml><?xml version="1.0" encoding="utf-8"?>
+<file path=ppt/slides/slide5.xml><?xml version="1.0" encoding="utf-8"?>
 <p:sld xmlns:a="http://schemas.openxmlformats.org/drawingml/2006/main" xmlns:r="http://schemas.openxmlformats.org/officeDocument/2006/relationships" xmlns:p="http://schemas.openxmlformats.org/presentationml/2006/main">
   <p:cSld>
     <p:spTree>
@@ -5791,7 +6311,7 @@
 </p:sld>
 </file>
 
-<file path=ppt/slides/slide5.xml><?xml version="1.0" encoding="utf-8"?>
+<file path=ppt/slides/slide6.xml><?xml version="1.0" encoding="utf-8"?>
 <p:sld xmlns:a="http://schemas.openxmlformats.org/drawingml/2006/main" xmlns:r="http://schemas.openxmlformats.org/officeDocument/2006/relationships" xmlns:p="http://schemas.openxmlformats.org/presentationml/2006/main">
   <p:cSld>
     <p:spTree>
@@ -5859,17 +6379,7 @@
           <a:p>
             <a:r>
               <a:rPr lang="ko-KR" altLang="en-US" dirty="0"/>
-              <a:t>스파이크는 이진 형식 데이터 사용</a:t>
-            </a:r>
-            <a:endParaRPr lang="en-US" altLang="ko-KR" dirty="0"/>
-          </a:p>
-          <a:p>
-            <a:endParaRPr lang="en-US" altLang="ko-KR" dirty="0"/>
-          </a:p>
-          <a:p>
-            <a:r>
-              <a:rPr lang="ko-KR" altLang="en-US" dirty="0"/>
-              <a:t>이진 형식 데이터는 비선형적 특징을 가짐</a:t>
+              <a:t>스파이크에서 사용하는 이진 형식 데이터는 비선형적 특징을 가짐</a:t>
             </a:r>
             <a:endParaRPr lang="en-US" altLang="ko-KR" dirty="0"/>
           </a:p>
@@ -5946,7 +6456,7 @@
 </p:sld>
 </file>
 
-<file path=ppt/slides/slide6.xml><?xml version="1.0" encoding="utf-8"?>
+<file path=ppt/slides/slide7.xml><?xml version="1.0" encoding="utf-8"?>
 <p:sld xmlns:a="http://schemas.openxmlformats.org/drawingml/2006/main" xmlns:r="http://schemas.openxmlformats.org/officeDocument/2006/relationships" xmlns:p="http://schemas.openxmlformats.org/presentationml/2006/main">
   <p:cSld>
     <p:spTree>
@@ -6194,277 +6704,6 @@
 </p:sld>
 </file>
 
-<file path=ppt/slides/slide7.xml><?xml version="1.0" encoding="utf-8"?>
-<p:sld xmlns:a="http://schemas.openxmlformats.org/drawingml/2006/main" xmlns:r="http://schemas.openxmlformats.org/officeDocument/2006/relationships" xmlns:p="http://schemas.openxmlformats.org/presentationml/2006/main">
-  <p:cSld>
-    <p:spTree>
-      <p:nvGrpSpPr>
-        <p:cNvPr id="1" name=""/>
-        <p:cNvGrpSpPr/>
-        <p:nvPr/>
-      </p:nvGrpSpPr>
-      <p:grpSpPr>
-        <a:xfrm>
-          <a:off x="0" y="0"/>
-          <a:ext cx="0" cy="0"/>
-          <a:chOff x="0" y="0"/>
-          <a:chExt cx="0" cy="0"/>
-        </a:xfrm>
-      </p:grpSpPr>
-      <p:sp>
-        <p:nvSpPr>
-          <p:cNvPr id="2" name="제목 1">
-            <a:extLst>
-              <a:ext uri="{FF2B5EF4-FFF2-40B4-BE49-F238E27FC236}">
-                <a16:creationId xmlns:a16="http://schemas.microsoft.com/office/drawing/2014/main" id="{35BE76C1-621C-DBD5-4F47-B62946C92F8C}"/>
-              </a:ext>
-            </a:extLst>
-          </p:cNvPr>
-          <p:cNvSpPr>
-            <a:spLocks noGrp="1"/>
-          </p:cNvSpPr>
-          <p:nvPr>
-            <p:ph type="title"/>
-          </p:nvPr>
-        </p:nvSpPr>
-        <p:spPr/>
-        <p:txBody>
-          <a:bodyPr/>
-          <a:lstStyle/>
-          <a:p>
-            <a:r>
-              <a:rPr lang="en-US" altLang="ko-KR" dirty="0"/>
-              <a:t>TTFS </a:t>
-            </a:r>
-            <a:r>
-              <a:rPr lang="ko-KR" altLang="en-US" dirty="0"/>
-              <a:t>알고리즘</a:t>
-            </a:r>
-          </a:p>
-        </p:txBody>
-      </p:sp>
-      <p:sp>
-        <p:nvSpPr>
-          <p:cNvPr id="3" name="내용 개체 틀 2">
-            <a:extLst>
-              <a:ext uri="{FF2B5EF4-FFF2-40B4-BE49-F238E27FC236}">
-                <a16:creationId xmlns:a16="http://schemas.microsoft.com/office/drawing/2014/main" id="{28DDCCDA-6CC0-6798-3D15-62A669F17FC2}"/>
-              </a:ext>
-            </a:extLst>
-          </p:cNvPr>
-          <p:cNvSpPr>
-            <a:spLocks noGrp="1"/>
-          </p:cNvSpPr>
-          <p:nvPr>
-            <p:ph idx="1"/>
-          </p:nvPr>
-        </p:nvSpPr>
-        <p:spPr/>
-        <p:txBody>
-          <a:bodyPr>
-            <a:normAutofit lnSpcReduction="10000"/>
-          </a:bodyPr>
-          <a:lstStyle/>
-          <a:p>
-            <a:r>
-              <a:rPr lang="ko-KR" altLang="en-US" dirty="0"/>
-              <a:t>스파이크 신경망에 사용되는 데이터는 이진 </a:t>
-            </a:r>
-            <a:br>
-              <a:rPr lang="en-US" altLang="ko-KR" dirty="0"/>
-            </a:br>
-            <a:r>
-              <a:rPr lang="ko-KR" altLang="en-US" dirty="0"/>
-              <a:t>형식</a:t>
-            </a:r>
-            <a:r>
-              <a:rPr lang="en-US" altLang="ko-KR" dirty="0"/>
-              <a:t>(</a:t>
-            </a:r>
-            <a:r>
-              <a:rPr lang="ko-KR" altLang="en-US" dirty="0"/>
-              <a:t>스파이크 발생 또는 </a:t>
-            </a:r>
-            <a:r>
-              <a:rPr lang="ko-KR" altLang="en-US" dirty="0" err="1"/>
-              <a:t>미발생</a:t>
-            </a:r>
-            <a:r>
-              <a:rPr lang="en-US" altLang="ko-KR" dirty="0"/>
-              <a:t>)</a:t>
-            </a:r>
-            <a:r>
-              <a:rPr lang="ko-KR" altLang="en-US" dirty="0" err="1"/>
-              <a:t>으로</a:t>
-            </a:r>
-            <a:r>
-              <a:rPr lang="ko-KR" altLang="en-US" dirty="0"/>
-              <a:t> 표현</a:t>
-            </a:r>
-            <a:endParaRPr lang="en-US" altLang="ko-KR" dirty="0"/>
-          </a:p>
-          <a:p>
-            <a:endParaRPr lang="en-US" altLang="ko-KR" dirty="0"/>
-          </a:p>
-          <a:p>
-            <a:r>
-              <a:rPr lang="ko-KR" altLang="en-US" dirty="0"/>
-              <a:t>데이터는 스파이크 함수를 통해 이진 형식으로 </a:t>
-            </a:r>
-            <a:r>
-              <a:rPr lang="ko-KR" altLang="en-US" dirty="0" err="1"/>
-              <a:t>전처리</a:t>
-            </a:r>
-            <a:endParaRPr lang="en-US" altLang="ko-KR" dirty="0"/>
-          </a:p>
-          <a:p>
-            <a:endParaRPr lang="en-US" altLang="ko-KR" dirty="0"/>
-          </a:p>
-          <a:p>
-            <a:r>
-              <a:rPr lang="ko-KR" altLang="en-US" dirty="0" err="1"/>
-              <a:t>전처리</a:t>
-            </a:r>
-            <a:r>
-              <a:rPr lang="ko-KR" altLang="en-US" dirty="0"/>
-              <a:t> 방식으로 </a:t>
-            </a:r>
-            <a:r>
-              <a:rPr lang="en-US" altLang="ko-KR" dirty="0"/>
-              <a:t>TTFS(Time To First Spike)</a:t>
-            </a:r>
-            <a:r>
-              <a:rPr lang="ko-KR" altLang="en-US" dirty="0"/>
-              <a:t> </a:t>
-            </a:r>
-            <a:br>
-              <a:rPr lang="en-US" altLang="ko-KR" dirty="0"/>
-            </a:br>
-            <a:r>
-              <a:rPr lang="ko-KR" altLang="en-US" dirty="0"/>
-              <a:t>알고리즘 사용</a:t>
-            </a:r>
-            <a:endParaRPr lang="en-US" altLang="ko-KR" dirty="0"/>
-          </a:p>
-          <a:p>
-            <a:endParaRPr lang="en-US" altLang="ko-KR" dirty="0"/>
-          </a:p>
-          <a:p>
-            <a:r>
-              <a:rPr lang="en-US" altLang="ko-KR" dirty="0"/>
-              <a:t>TTFS</a:t>
-            </a:r>
-            <a:r>
-              <a:rPr lang="ko-KR" altLang="en-US" dirty="0"/>
-              <a:t>는 뉴런의 입력 강도에 </a:t>
-            </a:r>
-            <a:br>
-              <a:rPr lang="en-US" altLang="ko-KR" dirty="0"/>
-            </a:br>
-            <a:r>
-              <a:rPr lang="ko-KR" altLang="en-US" dirty="0"/>
-              <a:t>따라 스파이크를 발생시키는 </a:t>
-            </a:r>
-            <a:br>
-              <a:rPr lang="en-US" altLang="ko-KR" dirty="0"/>
-            </a:br>
-            <a:r>
-              <a:rPr lang="ko-KR" altLang="en-US" dirty="0"/>
-              <a:t>시간 결정</a:t>
-            </a:r>
-          </a:p>
-        </p:txBody>
-      </p:sp>
-      <p:sp>
-        <p:nvSpPr>
-          <p:cNvPr id="5" name="TextBox 4">
-            <a:extLst>
-              <a:ext uri="{FF2B5EF4-FFF2-40B4-BE49-F238E27FC236}">
-                <a16:creationId xmlns:a16="http://schemas.microsoft.com/office/drawing/2014/main" id="{4216F53B-5293-17EF-6BBC-FEF1FFEFF1F4}"/>
-              </a:ext>
-            </a:extLst>
-          </p:cNvPr>
-          <p:cNvSpPr txBox="1"/>
-          <p:nvPr/>
-        </p:nvSpPr>
-        <p:spPr>
-          <a:xfrm>
-            <a:off x="2266406" y="3200345"/>
-            <a:ext cx="4585062" cy="461665"/>
-          </a:xfrm>
-          <a:prstGeom prst="rect">
-            <a:avLst/>
-          </a:prstGeom>
-          <a:noFill/>
-        </p:spPr>
-        <p:txBody>
-          <a:bodyPr wrap="square">
-            <a:spAutoFit/>
-          </a:bodyPr>
-          <a:lstStyle/>
-          <a:p>
-            <a:r>
-              <a:rPr lang="ko-KR" altLang="en-US" dirty="0">
-                <a:solidFill>
-                  <a:srgbClr val="000000"/>
-                </a:solidFill>
-                <a:effectLst/>
-                <a:latin typeface="Helvetica" pitchFamily="2" charset="0"/>
-              </a:rPr>
-              <a:t> </a:t>
-            </a:r>
-          </a:p>
-        </p:txBody>
-      </p:sp>
-      <p:pic>
-        <p:nvPicPr>
-          <p:cNvPr id="7" name="그림 6" descr="라인, 도표, 텍스트, 그래프이(가) 표시된 사진&#10;&#10;자동 생성된 설명">
-            <a:extLst>
-              <a:ext uri="{FF2B5EF4-FFF2-40B4-BE49-F238E27FC236}">
-                <a16:creationId xmlns:a16="http://schemas.microsoft.com/office/drawing/2014/main" id="{E493A82D-C7F9-05ED-5C0F-2D1C5DABD5A4}"/>
-              </a:ext>
-            </a:extLst>
-          </p:cNvPr>
-          <p:cNvPicPr>
-            <a:picLocks noChangeAspect="1"/>
-          </p:cNvPicPr>
-          <p:nvPr/>
-        </p:nvPicPr>
-        <p:blipFill>
-          <a:blip r:embed="rId2" cstate="print">
-            <a:extLst>
-              <a:ext uri="{28A0092B-C50C-407E-A947-70E740481C1C}">
-                <a14:useLocalDpi xmlns:a14="http://schemas.microsoft.com/office/drawing/2010/main" val="0"/>
-              </a:ext>
-            </a:extLst>
-          </a:blip>
-          <a:stretch>
-            <a:fillRect/>
-          </a:stretch>
-        </p:blipFill>
-        <p:spPr>
-          <a:xfrm>
-            <a:off x="5796136" y="4164409"/>
-            <a:ext cx="3323159" cy="2693591"/>
-          </a:xfrm>
-          <a:prstGeom prst="rect">
-            <a:avLst/>
-          </a:prstGeom>
-        </p:spPr>
-      </p:pic>
-    </p:spTree>
-    <p:extLst>
-      <p:ext uri="{BB962C8B-B14F-4D97-AF65-F5344CB8AC3E}">
-        <p14:creationId xmlns:p14="http://schemas.microsoft.com/office/powerpoint/2010/main" val="80513611"/>
-      </p:ext>
-    </p:extLst>
-  </p:cSld>
-  <p:clrMapOvr>
-    <a:masterClrMapping/>
-  </p:clrMapOvr>
-</p:sld>
-</file>
-
 <file path=ppt/slides/slide8.xml><?xml version="1.0" encoding="utf-8"?>
 <p:sld xmlns:a="http://schemas.openxmlformats.org/drawingml/2006/main" xmlns:r="http://schemas.openxmlformats.org/officeDocument/2006/relationships" xmlns:p="http://schemas.openxmlformats.org/presentationml/2006/main">
   <p:cSld>
@@ -6581,7 +6820,7 @@
           <p:nvPr/>
         </p:nvPicPr>
         <p:blipFill>
-          <a:blip r:embed="rId2" cstate="print">
+          <a:blip r:embed="rId3" cstate="print">
             <a:extLst>
               <a:ext uri="{28A0092B-C50C-407E-A947-70E740481C1C}">
                 <a14:useLocalDpi xmlns:a14="http://schemas.microsoft.com/office/drawing/2010/main" val="0"/>
@@ -6608,42 +6847,6 @@
             <a:extLst>
               <a:ext uri="{FF2B5EF4-FFF2-40B4-BE49-F238E27FC236}">
                 <a16:creationId xmlns:a16="http://schemas.microsoft.com/office/drawing/2014/main" id="{6331CC35-3013-3E0B-F45B-3265668CD1EB}"/>
-              </a:ext>
-            </a:extLst>
-          </p:cNvPr>
-          <p:cNvPicPr>
-            <a:picLocks noChangeAspect="1"/>
-          </p:cNvPicPr>
-          <p:nvPr/>
-        </p:nvPicPr>
-        <p:blipFill>
-          <a:blip r:embed="rId3">
-            <a:extLst>
-              <a:ext uri="{28A0092B-C50C-407E-A947-70E740481C1C}">
-                <a14:useLocalDpi xmlns:a14="http://schemas.microsoft.com/office/drawing/2010/main" val="0"/>
-              </a:ext>
-            </a:extLst>
-          </a:blip>
-          <a:stretch>
-            <a:fillRect/>
-          </a:stretch>
-        </p:blipFill>
-        <p:spPr>
-          <a:xfrm>
-            <a:off x="828675" y="4199002"/>
-            <a:ext cx="3383285" cy="2495313"/>
-          </a:xfrm>
-          <a:prstGeom prst="rect">
-            <a:avLst/>
-          </a:prstGeom>
-        </p:spPr>
-      </p:pic>
-      <p:pic>
-        <p:nvPicPr>
-          <p:cNvPr id="8" name="그림 7" descr="텍스트, 스크린샷, 번호, 폰트이(가) 표시된 사진&#10;&#10;자동 생성된 설명">
-            <a:extLst>
-              <a:ext uri="{FF2B5EF4-FFF2-40B4-BE49-F238E27FC236}">
-                <a16:creationId xmlns:a16="http://schemas.microsoft.com/office/drawing/2014/main" id="{338D6089-CD88-DABE-8884-1723479633B0}"/>
               </a:ext>
             </a:extLst>
           </p:cNvPr>
@@ -6666,6 +6869,42 @@
         </p:blipFill>
         <p:spPr>
           <a:xfrm>
+            <a:off x="828675" y="4199002"/>
+            <a:ext cx="3383285" cy="2495313"/>
+          </a:xfrm>
+          <a:prstGeom prst="rect">
+            <a:avLst/>
+          </a:prstGeom>
+        </p:spPr>
+      </p:pic>
+      <p:pic>
+        <p:nvPicPr>
+          <p:cNvPr id="8" name="그림 7" descr="텍스트, 스크린샷, 번호, 폰트이(가) 표시된 사진&#10;&#10;자동 생성된 설명">
+            <a:extLst>
+              <a:ext uri="{FF2B5EF4-FFF2-40B4-BE49-F238E27FC236}">
+                <a16:creationId xmlns:a16="http://schemas.microsoft.com/office/drawing/2014/main" id="{338D6089-CD88-DABE-8884-1723479633B0}"/>
+              </a:ext>
+            </a:extLst>
+          </p:cNvPr>
+          <p:cNvPicPr>
+            <a:picLocks noChangeAspect="1"/>
+          </p:cNvPicPr>
+          <p:nvPr/>
+        </p:nvPicPr>
+        <p:blipFill>
+          <a:blip r:embed="rId5">
+            <a:extLst>
+              <a:ext uri="{28A0092B-C50C-407E-A947-70E740481C1C}">
+                <a14:useLocalDpi xmlns:a14="http://schemas.microsoft.com/office/drawing/2010/main" val="0"/>
+              </a:ext>
+            </a:extLst>
+          </a:blip>
+          <a:stretch>
+            <a:fillRect/>
+          </a:stretch>
+        </p:blipFill>
+        <p:spPr>
+          <a:xfrm>
             <a:off x="4355976" y="4357487"/>
             <a:ext cx="4119438" cy="2178342"/>
           </a:xfrm>
@@ -6689,7 +6928,7 @@
           <p:nvPr/>
         </p:nvPicPr>
         <p:blipFill>
-          <a:blip r:embed="rId5">
+          <a:blip r:embed="rId6">
             <a:extLst>
               <a:ext uri="{28A0092B-C50C-407E-A947-70E740481C1C}">
                 <a14:useLocalDpi xmlns:a14="http://schemas.microsoft.com/office/drawing/2010/main" val="0"/>
@@ -6745,7 +6984,7 @@
           <p:cNvPr id="2" name="제목 1">
             <a:extLst>
               <a:ext uri="{FF2B5EF4-FFF2-40B4-BE49-F238E27FC236}">
-                <a16:creationId xmlns:a16="http://schemas.microsoft.com/office/drawing/2014/main" id="{C13CF9AA-9093-6A7C-5286-8FFF42C7B73B}"/>
+                <a16:creationId xmlns:a16="http://schemas.microsoft.com/office/drawing/2014/main" id="{D8E96AE1-03DB-0D9D-353B-E275A487A912}"/>
               </a:ext>
             </a:extLst>
           </p:cNvPr>
@@ -6762,18 +7001,22 @@
           <a:lstStyle/>
           <a:p>
             <a:r>
-              <a:rPr lang="ko-KR" altLang="en-US" sz="3600" dirty="0"/>
-              <a:t>스파이크 신경망 모델의 정규화 손실</a:t>
-            </a:r>
-          </a:p>
-        </p:txBody>
-      </p:sp>
-      <p:sp>
-        <p:nvSpPr>
-          <p:cNvPr id="3" name="내용 개체 틀 2">
+              <a:rPr lang="en-US" altLang="ko-KR" sz="3200" dirty="0"/>
+              <a:t>Fashion-MNIST </a:t>
+            </a:r>
+            <a:r>
+              <a:rPr lang="ko-KR" altLang="en-US" sz="3200" dirty="0"/>
+              <a:t>데이터 세트 성능 분석</a:t>
+            </a:r>
+          </a:p>
+        </p:txBody>
+      </p:sp>
+      <p:sp>
+        <p:nvSpPr>
+          <p:cNvPr id="8" name="내용 개체 틀 7">
             <a:extLst>
               <a:ext uri="{FF2B5EF4-FFF2-40B4-BE49-F238E27FC236}">
-                <a16:creationId xmlns:a16="http://schemas.microsoft.com/office/drawing/2014/main" id="{7EDC3363-87FD-C906-B84A-26F2D106E90D}"/>
+                <a16:creationId xmlns:a16="http://schemas.microsoft.com/office/drawing/2014/main" id="{28D51850-AF32-8082-77CF-616A87E7F0C4}"/>
               </a:ext>
             </a:extLst>
           </p:cNvPr>
@@ -6790,57 +7033,30 @@
           <a:lstStyle/>
           <a:p>
             <a:r>
-              <a:rPr lang="ko-KR" altLang="en-US" dirty="0"/>
-              <a:t>스파이크가 발생할 수록 </a:t>
-            </a:r>
-            <a:r>
-              <a:rPr lang="ko-KR" altLang="en-US" dirty="0" err="1"/>
-              <a:t>연산량이</a:t>
-            </a:r>
-            <a:r>
-              <a:rPr lang="ko-KR" altLang="en-US" dirty="0"/>
-              <a:t> </a:t>
-            </a:r>
-            <a:r>
-              <a:rPr lang="ko-KR" altLang="en-US" dirty="0" err="1"/>
-              <a:t>많아짐</a:t>
-            </a:r>
-            <a:endParaRPr lang="en-US" altLang="ko-KR" dirty="0"/>
-          </a:p>
-          <a:p>
-            <a:endParaRPr lang="en-US" altLang="ko-KR" dirty="0"/>
-          </a:p>
-          <a:p>
-            <a:r>
-              <a:rPr lang="ko-KR" altLang="en-US" dirty="0"/>
-              <a:t>스파이크 발생은 성능에 비례하지 않음</a:t>
-            </a:r>
-            <a:endParaRPr lang="en-US" altLang="ko-KR" dirty="0"/>
-          </a:p>
-          <a:p>
-            <a:endParaRPr lang="en-US" altLang="ko-KR" dirty="0"/>
-          </a:p>
-          <a:p>
-            <a:r>
-              <a:rPr lang="ko-KR" altLang="en-US" dirty="0"/>
-              <a:t>따라서 스파이크 발생의 효율을 위해 스파이크</a:t>
-            </a:r>
-            <a:br>
               <a:rPr lang="en-US" altLang="ko-KR" dirty="0"/>
-            </a:br>
-            <a:r>
-              <a:rPr lang="ko-KR" altLang="en-US" dirty="0"/>
-              <a:t>억제가 필요</a:t>
+              <a:t>10</a:t>
+            </a:r>
+            <a:r>
+              <a:rPr lang="ko-KR" altLang="en-US" dirty="0"/>
+              <a:t>가지 옷</a:t>
+            </a:r>
+            <a:r>
+              <a:rPr lang="en-US" altLang="ko-KR" dirty="0"/>
+              <a:t>,</a:t>
+            </a:r>
+            <a:r>
+              <a:rPr lang="ko-KR" altLang="en-US" dirty="0"/>
+              <a:t> 신발 종류의 이미지 데이터를 가짐</a:t>
             </a:r>
           </a:p>
         </p:txBody>
       </p:sp>
       <p:pic>
         <p:nvPicPr>
-          <p:cNvPr id="7" name="그림 6" descr="폰트, 텍스트, 화이트, 그래픽이(가) 표시된 사진&#10;&#10;자동 생성된 설명">
+          <p:cNvPr id="12" name="그림 11" descr="라인, 그래프, 도표, 텍스트이(가) 표시된 사진&#10;&#10;자동 생성된 설명">
             <a:extLst>
               <a:ext uri="{FF2B5EF4-FFF2-40B4-BE49-F238E27FC236}">
-                <a16:creationId xmlns:a16="http://schemas.microsoft.com/office/drawing/2014/main" id="{76C9719F-78AD-4E32-308C-C3105A477ED2}"/>
+                <a16:creationId xmlns:a16="http://schemas.microsoft.com/office/drawing/2014/main" id="{F8B4DD1D-6A4D-B4FA-5FF8-74DDD101DEED}"/>
               </a:ext>
             </a:extLst>
           </p:cNvPr>
@@ -6857,14 +7073,13 @@
               </a:ext>
             </a:extLst>
           </a:blip>
-          <a:stretch>
-            <a:fillRect/>
-          </a:stretch>
+          <a:srcRect l="4986"/>
+          <a:stretch/>
         </p:blipFill>
         <p:spPr>
           <a:xfrm>
-            <a:off x="5590629" y="4184852"/>
-            <a:ext cx="2950747" cy="639921"/>
+            <a:off x="504826" y="1553210"/>
+            <a:ext cx="6171540" cy="4794216"/>
           </a:xfrm>
           <a:prstGeom prst="rect">
             <a:avLst/>
@@ -6873,10 +7088,10 @@
       </p:pic>
       <p:pic>
         <p:nvPicPr>
-          <p:cNvPr id="11" name="그림 10" descr="폰트, 친필, 서예, 텍스트이(가) 표시된 사진&#10;&#10;자동 생성된 설명">
+          <p:cNvPr id="13" name="그림 12" descr="텍스트, 폰트, 라인, 영수증이(가) 표시된 사진&#10;&#10;자동 생성된 설명">
             <a:extLst>
               <a:ext uri="{FF2B5EF4-FFF2-40B4-BE49-F238E27FC236}">
-                <a16:creationId xmlns:a16="http://schemas.microsoft.com/office/drawing/2014/main" id="{878AEEC6-CE41-E94A-3839-630EC6E25574}"/>
+                <a16:creationId xmlns:a16="http://schemas.microsoft.com/office/drawing/2014/main" id="{208BB8AE-9186-9AE2-9630-85D832F40E67}"/>
               </a:ext>
             </a:extLst>
           </p:cNvPr>
@@ -6886,7 +7101,7 @@
           <p:nvPr/>
         </p:nvPicPr>
         <p:blipFill>
-          <a:blip r:embed="rId3">
+          <a:blip r:embed="rId3" cstate="print">
             <a:extLst>
               <a:ext uri="{28A0092B-C50C-407E-A947-70E740481C1C}">
                 <a14:useLocalDpi xmlns:a14="http://schemas.microsoft.com/office/drawing/2010/main" val="0"/>
@@ -6899,44 +7114,8 @@
         </p:blipFill>
         <p:spPr>
           <a:xfrm>
-            <a:off x="5455578" y="5520879"/>
-            <a:ext cx="3476904" cy="639921"/>
-          </a:xfrm>
-          <a:prstGeom prst="rect">
-            <a:avLst/>
-          </a:prstGeom>
-        </p:spPr>
-      </p:pic>
-      <p:pic>
-        <p:nvPicPr>
-          <p:cNvPr id="15" name="그림 14" descr="텍스트, 폰트, 스크린샷, 대수학이(가) 표시된 사진&#10;&#10;자동 생성된 설명">
-            <a:extLst>
-              <a:ext uri="{FF2B5EF4-FFF2-40B4-BE49-F238E27FC236}">
-                <a16:creationId xmlns:a16="http://schemas.microsoft.com/office/drawing/2014/main" id="{89609B40-6EBD-FA93-4DEF-03057A403CF6}"/>
-              </a:ext>
-            </a:extLst>
-          </p:cNvPr>
-          <p:cNvPicPr>
-            <a:picLocks noChangeAspect="1"/>
-          </p:cNvPicPr>
-          <p:nvPr/>
-        </p:nvPicPr>
-        <p:blipFill>
-          <a:blip r:embed="rId4">
-            <a:extLst>
-              <a:ext uri="{28A0092B-C50C-407E-A947-70E740481C1C}">
-                <a14:useLocalDpi xmlns:a14="http://schemas.microsoft.com/office/drawing/2010/main" val="0"/>
-              </a:ext>
-            </a:extLst>
-          </a:blip>
-          <a:stretch>
-            <a:fillRect/>
-          </a:stretch>
-        </p:blipFill>
-        <p:spPr>
-          <a:xfrm>
-            <a:off x="1053338" y="4184852"/>
-            <a:ext cx="4312628" cy="2452068"/>
+            <a:off x="5580112" y="1700808"/>
+            <a:ext cx="3563888" cy="952294"/>
           </a:xfrm>
           <a:prstGeom prst="rect">
             <a:avLst/>
@@ -6946,7 +7125,7 @@
     </p:spTree>
     <p:extLst>
       <p:ext uri="{BB962C8B-B14F-4D97-AF65-F5344CB8AC3E}">
-        <p14:creationId xmlns:p14="http://schemas.microsoft.com/office/powerpoint/2010/main" val="1395745776"/>
+        <p14:creationId xmlns:p14="http://schemas.microsoft.com/office/powerpoint/2010/main" val="3679994895"/>
       </p:ext>
     </p:extLst>
   </p:cSld>

--- a/cs semina/졸업 논문 심사.pptx
+++ b/cs semina/졸업 논문 심사.pptx
@@ -5,22 +5,38 @@
     <p:sldMasterId id="2147483750" r:id="rId1"/>
   </p:sldMasterIdLst>
   <p:notesMasterIdLst>
-    <p:notesMasterId r:id="rId15"/>
+    <p:notesMasterId r:id="rId31"/>
   </p:notesMasterIdLst>
   <p:sldIdLst>
     <p:sldId id="256" r:id="rId2"/>
-    <p:sldId id="269" r:id="rId3"/>
-    <p:sldId id="257" r:id="rId4"/>
-    <p:sldId id="258" r:id="rId5"/>
-    <p:sldId id="260" r:id="rId6"/>
-    <p:sldId id="261" r:id="rId7"/>
-    <p:sldId id="262" r:id="rId8"/>
-    <p:sldId id="263" r:id="rId9"/>
-    <p:sldId id="265" r:id="rId10"/>
-    <p:sldId id="266" r:id="rId11"/>
-    <p:sldId id="267" r:id="rId12"/>
-    <p:sldId id="270" r:id="rId13"/>
-    <p:sldId id="268" r:id="rId14"/>
+    <p:sldId id="271" r:id="rId3"/>
+    <p:sldId id="275" r:id="rId4"/>
+    <p:sldId id="274" r:id="rId5"/>
+    <p:sldId id="284" r:id="rId6"/>
+    <p:sldId id="283" r:id="rId7"/>
+    <p:sldId id="277" r:id="rId8"/>
+    <p:sldId id="278" r:id="rId9"/>
+    <p:sldId id="276" r:id="rId10"/>
+    <p:sldId id="273" r:id="rId11"/>
+    <p:sldId id="272" r:id="rId12"/>
+    <p:sldId id="279" r:id="rId13"/>
+    <p:sldId id="285" r:id="rId14"/>
+    <p:sldId id="280" r:id="rId15"/>
+    <p:sldId id="281" r:id="rId16"/>
+    <p:sldId id="282" r:id="rId17"/>
+    <p:sldId id="286" r:id="rId18"/>
+    <p:sldId id="269" r:id="rId19"/>
+    <p:sldId id="257" r:id="rId20"/>
+    <p:sldId id="258" r:id="rId21"/>
+    <p:sldId id="260" r:id="rId22"/>
+    <p:sldId id="261" r:id="rId23"/>
+    <p:sldId id="262" r:id="rId24"/>
+    <p:sldId id="263" r:id="rId25"/>
+    <p:sldId id="265" r:id="rId26"/>
+    <p:sldId id="266" r:id="rId27"/>
+    <p:sldId id="267" r:id="rId28"/>
+    <p:sldId id="270" r:id="rId29"/>
+    <p:sldId id="268" r:id="rId30"/>
   </p:sldIdLst>
   <p:sldSz cx="9144000" cy="6858000" type="screen4x3"/>
   <p:notesSz cx="6797675" cy="9926638"/>
@@ -277,7 +293,7 @@
           <a:p>
             <a:fld id="{57764B8E-7EC0-4B59-8DA5-E04CAE3DB5F2}" type="datetimeFigureOut">
               <a:rPr lang="ko-KR" altLang="en-US" smtClean="0"/>
-              <a:t>2024-11-05</a:t>
+              <a:t>2024. 11. 6.</a:t>
             </a:fld>
             <a:endParaRPr lang="ko-KR" altLang="en-US"/>
           </a:p>
@@ -633,7 +649,13 @@
   <p:cSld>
     <p:spTree>
       <p:nvGrpSpPr>
-        <p:cNvPr id="1" name=""/>
+        <p:cNvPr id="1" name="">
+          <a:extLst>
+            <a:ext uri="{FF2B5EF4-FFF2-40B4-BE49-F238E27FC236}">
+              <a16:creationId xmlns:a16="http://schemas.microsoft.com/office/drawing/2014/main" id="{954A8260-BEF5-6E3B-735B-36A2AFFECC07}"/>
+            </a:ext>
+          </a:extLst>
+        </p:cNvPr>
         <p:cNvGrpSpPr/>
         <p:nvPr/>
       </p:nvGrpSpPr>
@@ -647,7 +669,13 @@
       </p:grpSpPr>
       <p:sp>
         <p:nvSpPr>
-          <p:cNvPr id="2" name="슬라이드 이미지 개체 틀 1"/>
+          <p:cNvPr id="2" name="슬라이드 이미지 개체 틀 1">
+            <a:extLst>
+              <a:ext uri="{FF2B5EF4-FFF2-40B4-BE49-F238E27FC236}">
+                <a16:creationId xmlns:a16="http://schemas.microsoft.com/office/drawing/2014/main" id="{9274B702-9CFF-BEAA-B80C-92596A9D00BD}"/>
+              </a:ext>
+            </a:extLst>
+          </p:cNvPr>
           <p:cNvSpPr>
             <a:spLocks noGrp="1" noRot="1" noChangeAspect="1"/>
           </p:cNvSpPr>
@@ -659,7 +687,13 @@
       </p:sp>
       <p:sp>
         <p:nvSpPr>
-          <p:cNvPr id="3" name="슬라이드 노트 개체 틀 2"/>
+          <p:cNvPr id="3" name="슬라이드 노트 개체 틀 2">
+            <a:extLst>
+              <a:ext uri="{FF2B5EF4-FFF2-40B4-BE49-F238E27FC236}">
+                <a16:creationId xmlns:a16="http://schemas.microsoft.com/office/drawing/2014/main" id="{77B0330F-6749-3AE2-447E-108C0919A69E}"/>
+              </a:ext>
+            </a:extLst>
+          </p:cNvPr>
           <p:cNvSpPr>
             <a:spLocks noGrp="1"/>
           </p:cNvSpPr>
@@ -672,45 +706,120 @@
           <a:bodyPr/>
           <a:lstStyle/>
           <a:p>
-            <a:pPr marL="0" marR="0" lvl="0" indent="0" algn="l" defTabSz="914400" rtl="0" eaLnBrk="1" fontAlgn="auto" latinLnBrk="1" hangingPunct="1">
-              <a:lnSpc>
-                <a:spcPct val="100000"/>
-              </a:lnSpc>
-              <a:spcBef>
-                <a:spcPts val="0"/>
-              </a:spcBef>
-              <a:spcAft>
-                <a:spcPts val="0"/>
-              </a:spcAft>
-              <a:buClrTx/>
-              <a:buSzTx/>
-              <a:buFontTx/>
-              <a:buNone/>
-              <a:tabLst/>
-              <a:defRPr/>
-            </a:pPr>
             <a:r>
               <a:rPr lang="ko-KR" altLang="en-US" dirty="0"/>
-              <a:t>스파이크 신경망은 </a:t>
-            </a:r>
-            <a:r>
+              <a:t>스파이크 신경망에 사용되는 데이터는 이진 </a:t>
+            </a:r>
+            <a:br>
               <a:rPr lang="en-US" altLang="ko-KR" dirty="0"/>
-              <a:t>LIF(Leaky Integrate and Fire)</a:t>
-            </a:r>
+            </a:br>
             <a:r>
               <a:rPr lang="ko-KR" altLang="en-US" dirty="0"/>
-              <a:t> 모델을 기반으로 구현함</a:t>
+              <a:t>형식</a:t>
+            </a:r>
+            <a:r>
+              <a:rPr lang="en-US" altLang="ko-KR" dirty="0"/>
+              <a:t>(</a:t>
+            </a:r>
+            <a:r>
+              <a:rPr lang="ko-KR" altLang="en-US" dirty="0"/>
+              <a:t>스파이크 발생 또는 </a:t>
+            </a:r>
+            <a:r>
+              <a:rPr lang="ko-KR" altLang="en-US" dirty="0" err="1"/>
+              <a:t>미발생</a:t>
+            </a:r>
+            <a:r>
+              <a:rPr lang="en-US" altLang="ko-KR" dirty="0"/>
+              <a:t>)</a:t>
+            </a:r>
+            <a:r>
+              <a:rPr lang="ko-KR" altLang="en-US" dirty="0"/>
+              <a:t>으로 표현</a:t>
             </a:r>
             <a:endParaRPr lang="en-US" altLang="ko-KR" dirty="0"/>
           </a:p>
           <a:p>
-            <a:endParaRPr lang="ko-KR" altLang="en-US" dirty="0"/>
+            <a:endParaRPr lang="en-US" altLang="ko-KR" dirty="0"/>
+          </a:p>
+          <a:p>
+            <a:r>
+              <a:rPr lang="ko-KR" altLang="en-US" dirty="0"/>
+              <a:t>데이터는 스파이크 함수를 통해 이진 형식으로 </a:t>
+            </a:r>
+            <a:r>
+              <a:rPr lang="ko-KR" altLang="en-US" dirty="0" err="1"/>
+              <a:t>전처리</a:t>
+            </a:r>
+            <a:endParaRPr lang="en-US" altLang="ko-KR" dirty="0"/>
+          </a:p>
+          <a:p>
+            <a:endParaRPr lang="en-US" altLang="ko-KR" dirty="0"/>
+          </a:p>
+          <a:p>
+            <a:r>
+              <a:rPr lang="ko-KR" altLang="en-US" dirty="0" err="1"/>
+              <a:t>전처리</a:t>
+            </a:r>
+            <a:r>
+              <a:rPr lang="ko-KR" altLang="en-US" dirty="0"/>
+              <a:t> 방식으로 </a:t>
+            </a:r>
+            <a:r>
+              <a:rPr lang="en-US" altLang="ko-KR" dirty="0"/>
+              <a:t>TTFS(Time To First Spike)</a:t>
+            </a:r>
+            <a:r>
+              <a:rPr lang="ko-KR" altLang="en-US" dirty="0"/>
+              <a:t> </a:t>
+            </a:r>
+            <a:br>
+              <a:rPr lang="en-US" altLang="ko-KR" dirty="0"/>
+            </a:br>
+            <a:r>
+              <a:rPr lang="ko-KR" altLang="en-US" dirty="0"/>
+              <a:t>알고리즘 사용</a:t>
+            </a:r>
+            <a:endParaRPr lang="en-US" altLang="ko-KR" dirty="0"/>
+          </a:p>
+          <a:p>
+            <a:endParaRPr lang="en-US" altLang="ko-KR" dirty="0"/>
+          </a:p>
+          <a:p>
+            <a:r>
+              <a:rPr lang="en-US" altLang="ko-KR" dirty="0"/>
+              <a:t>TTFS</a:t>
+            </a:r>
+            <a:r>
+              <a:rPr lang="ko-KR" altLang="en-US" dirty="0"/>
+              <a:t>는 뉴런의 입력 강도에 </a:t>
+            </a:r>
+            <a:br>
+              <a:rPr lang="en-US" altLang="ko-KR" dirty="0"/>
+            </a:br>
+            <a:r>
+              <a:rPr lang="ko-KR" altLang="en-US" dirty="0"/>
+              <a:t>따라 스파이크를 발생시키는 </a:t>
+            </a:r>
+            <a:br>
+              <a:rPr lang="en-US" altLang="ko-KR" dirty="0"/>
+            </a:br>
+            <a:r>
+              <a:rPr lang="ko-KR" altLang="en-US" dirty="0"/>
+              <a:t>시간 결정</a:t>
+            </a:r>
           </a:p>
         </p:txBody>
       </p:sp>
       <p:sp>
         <p:nvSpPr>
-          <p:cNvPr id="4" name="슬라이드 번호 개체 틀 3"/>
+          <p:cNvPr id="4" name="슬라이드 번호 개체 틀 3">
+            <a:extLst>
+              <a:ext uri="{FF2B5EF4-FFF2-40B4-BE49-F238E27FC236}">
+                <a16:creationId xmlns:a16="http://schemas.microsoft.com/office/drawing/2014/main" id="{E477AC1F-C4E1-DD67-ED98-33D8CA5A91AD}"/>
+              </a:ext>
+            </a:extLst>
+          </p:cNvPr>
           <p:cNvSpPr>
             <a:spLocks noGrp="1"/>
           </p:cNvSpPr>
@@ -725,7 +834,7 @@
           <a:p>
             <a:fld id="{420F09F9-D812-4758-8566-A65BCCCBDD8F}" type="slidenum">
               <a:rPr lang="ko-KR" altLang="en-US" smtClean="0"/>
-              <a:t>3</a:t>
+              <a:t>12</a:t>
             </a:fld>
             <a:endParaRPr lang="ko-KR" altLang="en-US"/>
           </a:p>
@@ -734,7 +843,7 @@
     </p:spTree>
     <p:extLst>
       <p:ext uri="{BB962C8B-B14F-4D97-AF65-F5344CB8AC3E}">
-        <p14:creationId xmlns:p14="http://schemas.microsoft.com/office/powerpoint/2010/main" val="3432356484"/>
+        <p14:creationId xmlns:p14="http://schemas.microsoft.com/office/powerpoint/2010/main" val="2059325188"/>
       </p:ext>
     </p:extLst>
   </p:cSld>
@@ -749,7 +858,13 @@
   <p:cSld>
     <p:spTree>
       <p:nvGrpSpPr>
-        <p:cNvPr id="1" name=""/>
+        <p:cNvPr id="1" name="">
+          <a:extLst>
+            <a:ext uri="{FF2B5EF4-FFF2-40B4-BE49-F238E27FC236}">
+              <a16:creationId xmlns:a16="http://schemas.microsoft.com/office/drawing/2014/main" id="{FD2A3DA0-E621-02F4-EF91-6BFFBFC78B6F}"/>
+            </a:ext>
+          </a:extLst>
+        </p:cNvPr>
         <p:cNvGrpSpPr/>
         <p:nvPr/>
       </p:nvGrpSpPr>
@@ -763,7 +878,13 @@
       </p:grpSpPr>
       <p:sp>
         <p:nvSpPr>
-          <p:cNvPr id="2" name="슬라이드 이미지 개체 틀 1"/>
+          <p:cNvPr id="2" name="슬라이드 이미지 개체 틀 1">
+            <a:extLst>
+              <a:ext uri="{FF2B5EF4-FFF2-40B4-BE49-F238E27FC236}">
+                <a16:creationId xmlns:a16="http://schemas.microsoft.com/office/drawing/2014/main" id="{DB6D4149-121E-A966-5E9E-34C05ABE2843}"/>
+              </a:ext>
+            </a:extLst>
+          </p:cNvPr>
           <p:cNvSpPr>
             <a:spLocks noGrp="1" noRot="1" noChangeAspect="1"/>
           </p:cNvSpPr>
@@ -775,7 +896,13 @@
       </p:sp>
       <p:sp>
         <p:nvSpPr>
-          <p:cNvPr id="3" name="슬라이드 노트 개체 틀 2"/>
+          <p:cNvPr id="3" name="슬라이드 노트 개체 틀 2">
+            <a:extLst>
+              <a:ext uri="{FF2B5EF4-FFF2-40B4-BE49-F238E27FC236}">
+                <a16:creationId xmlns:a16="http://schemas.microsoft.com/office/drawing/2014/main" id="{603B53B3-5497-EE59-9AFF-47CC146DDCE8}"/>
+              </a:ext>
+            </a:extLst>
+          </p:cNvPr>
           <p:cNvSpPr>
             <a:spLocks noGrp="1"/>
           </p:cNvSpPr>
@@ -790,112 +917,20 @@
           <a:p>
             <a:r>
               <a:rPr lang="ko-KR" altLang="en-US" dirty="0"/>
-              <a:t>스파이크 신경망에 사용되는 데이터는 이진 </a:t>
-            </a:r>
-            <a:br>
-              <a:rPr lang="en-US" altLang="ko-KR" dirty="0"/>
-            </a:br>
-            <a:r>
-              <a:rPr lang="ko-KR" altLang="en-US" dirty="0"/>
-              <a:t>형식</a:t>
-            </a:r>
-            <a:r>
-              <a:rPr lang="en-US" altLang="ko-KR" dirty="0"/>
-              <a:t>(</a:t>
-            </a:r>
-            <a:r>
-              <a:rPr lang="ko-KR" altLang="en-US" dirty="0"/>
-              <a:t>스파이크 발생 또는 </a:t>
-            </a:r>
-            <a:r>
-              <a:rPr lang="ko-KR" altLang="en-US" dirty="0" err="1"/>
-              <a:t>미발생</a:t>
-            </a:r>
-            <a:r>
-              <a:rPr lang="en-US" altLang="ko-KR" dirty="0"/>
-              <a:t>)</a:t>
-            </a:r>
-            <a:r>
-              <a:rPr lang="ko-KR" altLang="en-US" dirty="0"/>
-              <a:t>으로 표현</a:t>
-            </a:r>
-            <a:endParaRPr lang="en-US" altLang="ko-KR" dirty="0"/>
-          </a:p>
-          <a:p>
-            <a:endParaRPr lang="en-US" altLang="ko-KR" dirty="0"/>
-          </a:p>
-          <a:p>
-            <a:r>
-              <a:rPr lang="ko-KR" altLang="en-US" dirty="0"/>
-              <a:t>데이터는 스파이크 함수를 통해 이진 형식으로 </a:t>
-            </a:r>
-            <a:r>
-              <a:rPr lang="ko-KR" altLang="en-US" dirty="0" err="1"/>
-              <a:t>전처리</a:t>
-            </a:r>
-            <a:endParaRPr lang="en-US" altLang="ko-KR" dirty="0"/>
-          </a:p>
-          <a:p>
-            <a:endParaRPr lang="en-US" altLang="ko-KR" dirty="0"/>
-          </a:p>
-          <a:p>
-            <a:r>
-              <a:rPr lang="ko-KR" altLang="en-US" dirty="0" err="1"/>
-              <a:t>전처리</a:t>
-            </a:r>
-            <a:r>
-              <a:rPr lang="ko-KR" altLang="en-US" dirty="0"/>
-              <a:t> 방식으로 </a:t>
-            </a:r>
-            <a:r>
-              <a:rPr lang="en-US" altLang="ko-KR" dirty="0"/>
-              <a:t>TTFS(Time To First Spike)</a:t>
-            </a:r>
-            <a:r>
-              <a:rPr lang="ko-KR" altLang="en-US" dirty="0"/>
-              <a:t> </a:t>
-            </a:r>
-            <a:br>
-              <a:rPr lang="en-US" altLang="ko-KR" dirty="0"/>
-            </a:br>
-            <a:r>
-              <a:rPr lang="ko-KR" altLang="en-US" dirty="0"/>
-              <a:t>알고리즘 사용</a:t>
-            </a:r>
-            <a:endParaRPr lang="en-US" altLang="ko-KR" dirty="0"/>
-          </a:p>
-          <a:p>
-            <a:endParaRPr lang="en-US" altLang="ko-KR" dirty="0"/>
-          </a:p>
-          <a:p>
-            <a:r>
-              <a:rPr lang="en-US" altLang="ko-KR" dirty="0"/>
-              <a:t>TTFS</a:t>
-            </a:r>
-            <a:r>
-              <a:rPr lang="ko-KR" altLang="en-US" dirty="0"/>
-              <a:t>는 뉴런의 입력 강도에 </a:t>
-            </a:r>
-            <a:br>
-              <a:rPr lang="en-US" altLang="ko-KR" dirty="0"/>
-            </a:br>
-            <a:r>
-              <a:rPr lang="ko-KR" altLang="en-US" dirty="0"/>
-              <a:t>따라 스파이크를 발생시키는 </a:t>
-            </a:r>
-            <a:br>
-              <a:rPr lang="en-US" altLang="ko-KR" dirty="0"/>
-            </a:br>
-            <a:r>
-              <a:rPr lang="ko-KR" altLang="en-US" dirty="0"/>
-              <a:t>시간 결정</a:t>
+              <a:t>학습 결과 데이터의 특성 및 종류에 따라 각기 다른 파라미터 특징이 나타남</a:t>
             </a:r>
           </a:p>
         </p:txBody>
       </p:sp>
       <p:sp>
         <p:nvSpPr>
-          <p:cNvPr id="4" name="슬라이드 번호 개체 틀 3"/>
+          <p:cNvPr id="4" name="슬라이드 번호 개체 틀 3">
+            <a:extLst>
+              <a:ext uri="{FF2B5EF4-FFF2-40B4-BE49-F238E27FC236}">
+                <a16:creationId xmlns:a16="http://schemas.microsoft.com/office/drawing/2014/main" id="{97E2ED63-0FC2-1E38-E9C9-E90A75E30759}"/>
+              </a:ext>
+            </a:extLst>
+          </p:cNvPr>
           <p:cNvSpPr>
             <a:spLocks noGrp="1"/>
           </p:cNvSpPr>
@@ -910,7 +945,7 @@
           <a:p>
             <a:fld id="{420F09F9-D812-4758-8566-A65BCCCBDD8F}" type="slidenum">
               <a:rPr lang="ko-KR" altLang="en-US" smtClean="0"/>
-              <a:t>8</a:t>
+              <a:t>17</a:t>
             </a:fld>
             <a:endParaRPr lang="ko-KR" altLang="en-US"/>
           </a:p>
@@ -919,7 +954,7 @@
     </p:spTree>
     <p:extLst>
       <p:ext uri="{BB962C8B-B14F-4D97-AF65-F5344CB8AC3E}">
-        <p14:creationId xmlns:p14="http://schemas.microsoft.com/office/powerpoint/2010/main" val="3078251996"/>
+        <p14:creationId xmlns:p14="http://schemas.microsoft.com/office/powerpoint/2010/main" val="3272715790"/>
       </p:ext>
     </p:extLst>
   </p:cSld>
@@ -973,10 +1008,39 @@
           <a:bodyPr/>
           <a:lstStyle/>
           <a:p>
+            <a:pPr marL="0" marR="0" lvl="0" indent="0" algn="l" defTabSz="914400" rtl="0" eaLnBrk="1" fontAlgn="auto" latinLnBrk="1" hangingPunct="1">
+              <a:lnSpc>
+                <a:spcPct val="100000"/>
+              </a:lnSpc>
+              <a:spcBef>
+                <a:spcPts val="0"/>
+              </a:spcBef>
+              <a:spcAft>
+                <a:spcPts val="0"/>
+              </a:spcAft>
+              <a:buClrTx/>
+              <a:buSzTx/>
+              <a:buFontTx/>
+              <a:buNone/>
+              <a:tabLst/>
+              <a:defRPr/>
+            </a:pPr>
             <a:r>
               <a:rPr lang="ko-KR" altLang="en-US" dirty="0"/>
-              <a:t>학습 결과 데이터의 특성 및 종류에 따라 각기 다른 파라미터 특징이 나타남</a:t>
-            </a:r>
+              <a:t>스파이크 신경망은 </a:t>
+            </a:r>
+            <a:r>
+              <a:rPr lang="en-US" altLang="ko-KR" dirty="0"/>
+              <a:t>LIF(Leaky Integrate and Fire)</a:t>
+            </a:r>
+            <a:r>
+              <a:rPr lang="ko-KR" altLang="en-US" dirty="0"/>
+              <a:t> 모델을 기반으로 구현함</a:t>
+            </a:r>
+            <a:endParaRPr lang="en-US" altLang="ko-KR" dirty="0"/>
+          </a:p>
+          <a:p>
+            <a:endParaRPr lang="ko-KR" altLang="en-US" dirty="0"/>
           </a:p>
         </p:txBody>
       </p:sp>
@@ -997,7 +1061,279 @@
           <a:p>
             <a:fld id="{420F09F9-D812-4758-8566-A65BCCCBDD8F}" type="slidenum">
               <a:rPr lang="ko-KR" altLang="en-US" smtClean="0"/>
-              <a:t>12</a:t>
+              <a:t>19</a:t>
+            </a:fld>
+            <a:endParaRPr lang="ko-KR" altLang="en-US"/>
+          </a:p>
+        </p:txBody>
+      </p:sp>
+    </p:spTree>
+    <p:extLst>
+      <p:ext uri="{BB962C8B-B14F-4D97-AF65-F5344CB8AC3E}">
+        <p14:creationId xmlns:p14="http://schemas.microsoft.com/office/powerpoint/2010/main" val="3432356484"/>
+      </p:ext>
+    </p:extLst>
+  </p:cSld>
+  <p:clrMapOvr>
+    <a:masterClrMapping/>
+  </p:clrMapOvr>
+</p:notes>
+</file>
+
+<file path=ppt/notesSlides/notesSlide5.xml><?xml version="1.0" encoding="utf-8"?>
+<p:notes xmlns:a="http://schemas.openxmlformats.org/drawingml/2006/main" xmlns:r="http://schemas.openxmlformats.org/officeDocument/2006/relationships" xmlns:p="http://schemas.openxmlformats.org/presentationml/2006/main">
+  <p:cSld>
+    <p:spTree>
+      <p:nvGrpSpPr>
+        <p:cNvPr id="1" name=""/>
+        <p:cNvGrpSpPr/>
+        <p:nvPr/>
+      </p:nvGrpSpPr>
+      <p:grpSpPr>
+        <a:xfrm>
+          <a:off x="0" y="0"/>
+          <a:ext cx="0" cy="0"/>
+          <a:chOff x="0" y="0"/>
+          <a:chExt cx="0" cy="0"/>
+        </a:xfrm>
+      </p:grpSpPr>
+      <p:sp>
+        <p:nvSpPr>
+          <p:cNvPr id="2" name="슬라이드 이미지 개체 틀 1"/>
+          <p:cNvSpPr>
+            <a:spLocks noGrp="1" noRot="1" noChangeAspect="1"/>
+          </p:cNvSpPr>
+          <p:nvPr>
+            <p:ph type="sldImg"/>
+          </p:nvPr>
+        </p:nvSpPr>
+        <p:spPr/>
+      </p:sp>
+      <p:sp>
+        <p:nvSpPr>
+          <p:cNvPr id="3" name="슬라이드 노트 개체 틀 2"/>
+          <p:cNvSpPr>
+            <a:spLocks noGrp="1"/>
+          </p:cNvSpPr>
+          <p:nvPr>
+            <p:ph type="body" idx="1"/>
+          </p:nvPr>
+        </p:nvSpPr>
+        <p:spPr/>
+        <p:txBody>
+          <a:bodyPr/>
+          <a:lstStyle/>
+          <a:p>
+            <a:r>
+              <a:rPr lang="ko-KR" altLang="en-US" dirty="0"/>
+              <a:t>스파이크 신경망에 사용되는 데이터는 이진 </a:t>
+            </a:r>
+            <a:br>
+              <a:rPr lang="en-US" altLang="ko-KR" dirty="0"/>
+            </a:br>
+            <a:r>
+              <a:rPr lang="ko-KR" altLang="en-US" dirty="0"/>
+              <a:t>형식</a:t>
+            </a:r>
+            <a:r>
+              <a:rPr lang="en-US" altLang="ko-KR" dirty="0"/>
+              <a:t>(</a:t>
+            </a:r>
+            <a:r>
+              <a:rPr lang="ko-KR" altLang="en-US" dirty="0"/>
+              <a:t>스파이크 발생 또는 </a:t>
+            </a:r>
+            <a:r>
+              <a:rPr lang="ko-KR" altLang="en-US" dirty="0" err="1"/>
+              <a:t>미발생</a:t>
+            </a:r>
+            <a:r>
+              <a:rPr lang="en-US" altLang="ko-KR" dirty="0"/>
+              <a:t>)</a:t>
+            </a:r>
+            <a:r>
+              <a:rPr lang="ko-KR" altLang="en-US" dirty="0"/>
+              <a:t>으로 표현</a:t>
+            </a:r>
+            <a:endParaRPr lang="en-US" altLang="ko-KR" dirty="0"/>
+          </a:p>
+          <a:p>
+            <a:endParaRPr lang="en-US" altLang="ko-KR" dirty="0"/>
+          </a:p>
+          <a:p>
+            <a:r>
+              <a:rPr lang="ko-KR" altLang="en-US" dirty="0"/>
+              <a:t>데이터는 스파이크 함수를 통해 이진 형식으로 </a:t>
+            </a:r>
+            <a:r>
+              <a:rPr lang="ko-KR" altLang="en-US" dirty="0" err="1"/>
+              <a:t>전처리</a:t>
+            </a:r>
+            <a:endParaRPr lang="en-US" altLang="ko-KR" dirty="0"/>
+          </a:p>
+          <a:p>
+            <a:endParaRPr lang="en-US" altLang="ko-KR" dirty="0"/>
+          </a:p>
+          <a:p>
+            <a:r>
+              <a:rPr lang="ko-KR" altLang="en-US" dirty="0" err="1"/>
+              <a:t>전처리</a:t>
+            </a:r>
+            <a:r>
+              <a:rPr lang="ko-KR" altLang="en-US" dirty="0"/>
+              <a:t> 방식으로 </a:t>
+            </a:r>
+            <a:r>
+              <a:rPr lang="en-US" altLang="ko-KR" dirty="0"/>
+              <a:t>TTFS(Time To First Spike)</a:t>
+            </a:r>
+            <a:r>
+              <a:rPr lang="ko-KR" altLang="en-US" dirty="0"/>
+              <a:t> </a:t>
+            </a:r>
+            <a:br>
+              <a:rPr lang="en-US" altLang="ko-KR" dirty="0"/>
+            </a:br>
+            <a:r>
+              <a:rPr lang="ko-KR" altLang="en-US" dirty="0"/>
+              <a:t>알고리즘 사용</a:t>
+            </a:r>
+            <a:endParaRPr lang="en-US" altLang="ko-KR" dirty="0"/>
+          </a:p>
+          <a:p>
+            <a:endParaRPr lang="en-US" altLang="ko-KR" dirty="0"/>
+          </a:p>
+          <a:p>
+            <a:r>
+              <a:rPr lang="en-US" altLang="ko-KR" dirty="0"/>
+              <a:t>TTFS</a:t>
+            </a:r>
+            <a:r>
+              <a:rPr lang="ko-KR" altLang="en-US" dirty="0"/>
+              <a:t>는 뉴런의 입력 강도에 </a:t>
+            </a:r>
+            <a:br>
+              <a:rPr lang="en-US" altLang="ko-KR" dirty="0"/>
+            </a:br>
+            <a:r>
+              <a:rPr lang="ko-KR" altLang="en-US" dirty="0"/>
+              <a:t>따라 스파이크를 발생시키는 </a:t>
+            </a:r>
+            <a:br>
+              <a:rPr lang="en-US" altLang="ko-KR" dirty="0"/>
+            </a:br>
+            <a:r>
+              <a:rPr lang="ko-KR" altLang="en-US" dirty="0"/>
+              <a:t>시간 결정</a:t>
+            </a:r>
+          </a:p>
+        </p:txBody>
+      </p:sp>
+      <p:sp>
+        <p:nvSpPr>
+          <p:cNvPr id="4" name="슬라이드 번호 개체 틀 3"/>
+          <p:cNvSpPr>
+            <a:spLocks noGrp="1"/>
+          </p:cNvSpPr>
+          <p:nvPr>
+            <p:ph type="sldNum" sz="quarter" idx="5"/>
+          </p:nvPr>
+        </p:nvSpPr>
+        <p:spPr/>
+        <p:txBody>
+          <a:bodyPr/>
+          <a:lstStyle/>
+          <a:p>
+            <a:fld id="{420F09F9-D812-4758-8566-A65BCCCBDD8F}" type="slidenum">
+              <a:rPr lang="ko-KR" altLang="en-US" smtClean="0"/>
+              <a:t>24</a:t>
+            </a:fld>
+            <a:endParaRPr lang="ko-KR" altLang="en-US"/>
+          </a:p>
+        </p:txBody>
+      </p:sp>
+    </p:spTree>
+    <p:extLst>
+      <p:ext uri="{BB962C8B-B14F-4D97-AF65-F5344CB8AC3E}">
+        <p14:creationId xmlns:p14="http://schemas.microsoft.com/office/powerpoint/2010/main" val="3078251996"/>
+      </p:ext>
+    </p:extLst>
+  </p:cSld>
+  <p:clrMapOvr>
+    <a:masterClrMapping/>
+  </p:clrMapOvr>
+</p:notes>
+</file>
+
+<file path=ppt/notesSlides/notesSlide6.xml><?xml version="1.0" encoding="utf-8"?>
+<p:notes xmlns:a="http://schemas.openxmlformats.org/drawingml/2006/main" xmlns:r="http://schemas.openxmlformats.org/officeDocument/2006/relationships" xmlns:p="http://schemas.openxmlformats.org/presentationml/2006/main">
+  <p:cSld>
+    <p:spTree>
+      <p:nvGrpSpPr>
+        <p:cNvPr id="1" name=""/>
+        <p:cNvGrpSpPr/>
+        <p:nvPr/>
+      </p:nvGrpSpPr>
+      <p:grpSpPr>
+        <a:xfrm>
+          <a:off x="0" y="0"/>
+          <a:ext cx="0" cy="0"/>
+          <a:chOff x="0" y="0"/>
+          <a:chExt cx="0" cy="0"/>
+        </a:xfrm>
+      </p:grpSpPr>
+      <p:sp>
+        <p:nvSpPr>
+          <p:cNvPr id="2" name="슬라이드 이미지 개체 틀 1"/>
+          <p:cNvSpPr>
+            <a:spLocks noGrp="1" noRot="1" noChangeAspect="1"/>
+          </p:cNvSpPr>
+          <p:nvPr>
+            <p:ph type="sldImg"/>
+          </p:nvPr>
+        </p:nvSpPr>
+        <p:spPr/>
+      </p:sp>
+      <p:sp>
+        <p:nvSpPr>
+          <p:cNvPr id="3" name="슬라이드 노트 개체 틀 2"/>
+          <p:cNvSpPr>
+            <a:spLocks noGrp="1"/>
+          </p:cNvSpPr>
+          <p:nvPr>
+            <p:ph type="body" idx="1"/>
+          </p:nvPr>
+        </p:nvSpPr>
+        <p:spPr/>
+        <p:txBody>
+          <a:bodyPr/>
+          <a:lstStyle/>
+          <a:p>
+            <a:r>
+              <a:rPr lang="ko-KR" altLang="en-US" dirty="0"/>
+              <a:t>학습 결과 데이터의 특성 및 종류에 따라 각기 다른 파라미터 특징이 나타남</a:t>
+            </a:r>
+          </a:p>
+        </p:txBody>
+      </p:sp>
+      <p:sp>
+        <p:nvSpPr>
+          <p:cNvPr id="4" name="슬라이드 번호 개체 틀 3"/>
+          <p:cNvSpPr>
+            <a:spLocks noGrp="1"/>
+          </p:cNvSpPr>
+          <p:nvPr>
+            <p:ph type="sldNum" sz="quarter" idx="5"/>
+          </p:nvPr>
+        </p:nvSpPr>
+        <p:spPr/>
+        <p:txBody>
+          <a:bodyPr/>
+          <a:lstStyle/>
+          <a:p>
+            <a:fld id="{420F09F9-D812-4758-8566-A65BCCCBDD8F}" type="slidenum">
+              <a:rPr lang="ko-KR" altLang="en-US" smtClean="0"/>
+              <a:t>28</a:t>
             </a:fld>
             <a:endParaRPr lang="ko-KR" altLang="en-US"/>
           </a:p>
@@ -4712,23 +5048,33 @@
         </p:nvSpPr>
         <p:spPr/>
         <p:txBody>
-          <a:bodyPr/>
+          <a:bodyPr>
+            <a:normAutofit/>
+          </a:bodyPr>
           <a:lstStyle/>
           <a:p>
             <a:r>
-              <a:rPr lang="ko-KR" altLang="en-US" dirty="0" err="1"/>
+              <a:rPr lang="ko-KR" altLang="en-US" sz="3600" dirty="0" err="1"/>
               <a:t>서로게이트</a:t>
             </a:r>
             <a:r>
-              <a:rPr lang="ko-KR" altLang="en-US" dirty="0"/>
+              <a:rPr lang="ko-KR" altLang="en-US" sz="3600" dirty="0"/>
               <a:t> 기울기 기반의 </a:t>
             </a:r>
             <a:br>
-              <a:rPr lang="en-US" altLang="ko-KR" dirty="0"/>
+              <a:rPr lang="en-US" altLang="ko-KR" sz="3600" dirty="0"/>
             </a:br>
             <a:r>
-              <a:rPr lang="ko-KR" altLang="en-US" dirty="0"/>
-              <a:t>스파이크 신경망 분석</a:t>
+              <a:rPr lang="ko-KR" altLang="en-US" sz="3600" dirty="0"/>
+              <a:t>스파이크 신경망</a:t>
+            </a:r>
+            <a:r>
+              <a:rPr lang="en-US" altLang="ko-KR" sz="3600" dirty="0"/>
+              <a:t> </a:t>
+            </a:r>
+            <a:r>
+              <a:rPr lang="ko-KR" altLang="en-US" sz="3600" dirty="0"/>
+              <a:t>구현 및 성능분석</a:t>
             </a:r>
           </a:p>
         </p:txBody>
@@ -4810,7 +5156,7 @@
           <p:cNvPr id="2" name="제목 1">
             <a:extLst>
               <a:ext uri="{FF2B5EF4-FFF2-40B4-BE49-F238E27FC236}">
-                <a16:creationId xmlns:a16="http://schemas.microsoft.com/office/drawing/2014/main" id="{94D7B068-E98A-5CDB-924D-56C67FAA0350}"/>
+                <a16:creationId xmlns:a16="http://schemas.microsoft.com/office/drawing/2014/main" id="{9E114AD9-BE19-4F0F-B410-FB0A6676AD94}"/>
               </a:ext>
             </a:extLst>
           </p:cNvPr>
@@ -4827,12 +5173,8 @@
           <a:lstStyle/>
           <a:p>
             <a:r>
-              <a:rPr lang="en-US" altLang="ko-KR" dirty="0"/>
-              <a:t>SHD </a:t>
-            </a:r>
-            <a:r>
-              <a:rPr lang="ko-KR" altLang="en-US" dirty="0"/>
-              <a:t>데이터 세트의 성능 분석</a:t>
+              <a:rPr kumimoji="1" lang="ko-KR" altLang="en-US" sz="3600" dirty="0"/>
+              <a:t>스파이크 신경망의 기울기 소실 문제</a:t>
             </a:r>
           </a:p>
         </p:txBody>
@@ -4842,7 +5184,7 @@
           <p:cNvPr id="3" name="내용 개체 틀 2">
             <a:extLst>
               <a:ext uri="{FF2B5EF4-FFF2-40B4-BE49-F238E27FC236}">
-                <a16:creationId xmlns:a16="http://schemas.microsoft.com/office/drawing/2014/main" id="{4AEA3B48-3A4D-F680-0CF3-2E4C87E23846}"/>
+                <a16:creationId xmlns:a16="http://schemas.microsoft.com/office/drawing/2014/main" id="{E9F3EBCD-54AC-4506-7D07-840FCC375E99}"/>
               </a:ext>
             </a:extLst>
           </p:cNvPr>
@@ -4853,49 +5195,76 @@
             <p:ph idx="1"/>
           </p:nvPr>
         </p:nvSpPr>
-        <p:spPr/>
+        <p:spPr>
+          <a:xfrm>
+            <a:off x="682625" y="3795050"/>
+            <a:ext cx="8137525" cy="2904130"/>
+          </a:xfrm>
+        </p:spPr>
         <p:txBody>
-          <a:bodyPr/>
+          <a:bodyPr>
+            <a:normAutofit lnSpcReduction="10000"/>
+          </a:bodyPr>
           <a:lstStyle/>
           <a:p>
             <a:r>
               <a:rPr lang="ko-KR" altLang="en-US" dirty="0"/>
-              <a:t>남성과 여성이 </a:t>
-            </a:r>
-            <a:r>
+              <a:t>스파이크 신경망은 오차역전파 사용</a:t>
+            </a:r>
+            <a:endParaRPr lang="en-US" altLang="ko-KR" dirty="0"/>
+          </a:p>
+          <a:p>
+            <a:r>
+              <a:rPr lang="ko-KR" altLang="en-US" dirty="0"/>
+              <a:t>오차역전파는 비선형 함수를 사용시 기울기 </a:t>
+            </a:r>
+            <a:br>
               <a:rPr lang="en-US" altLang="ko-KR" dirty="0"/>
-              <a:t>0~9</a:t>
+            </a:br>
+            <a:r>
+              <a:rPr lang="ko-KR" altLang="en-US" dirty="0"/>
+              <a:t>소실 문제발생</a:t>
+            </a:r>
+            <a:endParaRPr lang="en-US" altLang="ko-KR" dirty="0"/>
+          </a:p>
+          <a:p>
+            <a:endParaRPr lang="en-US" altLang="ko-KR" dirty="0"/>
+          </a:p>
+          <a:p>
+            <a:r>
+              <a:rPr lang="ko-KR" altLang="en-US" dirty="0"/>
+              <a:t>비선형 함수인 </a:t>
             </a:r>
             <a:r>
               <a:rPr lang="ko-KR" altLang="en-US" dirty="0" err="1"/>
-              <a:t>를</a:t>
+              <a:t>헤비사이드</a:t>
             </a:r>
             <a:r>
               <a:rPr lang="ko-KR" altLang="en-US" dirty="0"/>
-              <a:t> 발음하는 음성 데이터로 총 </a:t>
-            </a:r>
-            <a:r>
+              <a:t> 함수는 사용될 수 </a:t>
+            </a:r>
+            <a:br>
               <a:rPr lang="en-US" altLang="ko-KR" dirty="0"/>
-              <a:t>20</a:t>
-            </a:r>
+            </a:br>
             <a:r>
               <a:rPr lang="ko-KR" altLang="en-US" dirty="0"/>
-              <a:t>개의 음성을 구분함</a:t>
-            </a:r>
+              <a:t>없음</a:t>
+            </a:r>
+            <a:endParaRPr kumimoji="1" lang="ko-KR" altLang="en-US" dirty="0"/>
           </a:p>
         </p:txBody>
       </p:sp>
       <p:pic>
         <p:nvPicPr>
-          <p:cNvPr id="5" name="그림 4" descr="라인, 텍스트, 도표, 그래프이(가) 표시된 사진&#10;&#10;자동 생성된 설명">
+          <p:cNvPr id="2050" name="Picture 2" descr="단위 계단 함수 - 위키백과, 우리 모두의 백과사전">
             <a:extLst>
               <a:ext uri="{FF2B5EF4-FFF2-40B4-BE49-F238E27FC236}">
-                <a16:creationId xmlns:a16="http://schemas.microsoft.com/office/drawing/2014/main" id="{8E27DDE5-54B7-C077-1C3F-7FDCDF178C10}"/>
+                <a16:creationId xmlns:a16="http://schemas.microsoft.com/office/drawing/2014/main" id="{6BF31C46-4213-4E59-2314-78A5F8F5C36E}"/>
               </a:ext>
             </a:extLst>
           </p:cNvPr>
           <p:cNvPicPr>
-            <a:picLocks noChangeAspect="1"/>
+            <a:picLocks noChangeAspect="1" noChangeArrowheads="1"/>
           </p:cNvPicPr>
           <p:nvPr/>
         </p:nvPicPr>
@@ -4907,60 +5276,35 @@
               </a:ext>
             </a:extLst>
           </a:blip>
+          <a:srcRect/>
           <a:stretch>
             <a:fillRect/>
           </a:stretch>
         </p:blipFill>
-        <p:spPr>
+        <p:spPr bwMode="auto">
           <a:xfrm>
-            <a:off x="499298" y="1988840"/>
-            <a:ext cx="5771461" cy="4710340"/>
+            <a:off x="827584" y="1083431"/>
+            <a:ext cx="3600400" cy="2700300"/>
           </a:xfrm>
           <a:prstGeom prst="rect">
             <a:avLst/>
           </a:prstGeom>
-        </p:spPr>
-      </p:pic>
-      <p:pic>
-        <p:nvPicPr>
-          <p:cNvPr id="7" name="그림 6" descr="텍스트, 폰트, 스크린샷, 라인이(가) 표시된 사진&#10;&#10;자동 생성된 설명">
-            <a:extLst>
-              <a:ext uri="{FF2B5EF4-FFF2-40B4-BE49-F238E27FC236}">
-                <a16:creationId xmlns:a16="http://schemas.microsoft.com/office/drawing/2014/main" id="{02ED219D-4F92-38F0-3B79-9BC3D93CA14A}"/>
-              </a:ext>
-            </a:extLst>
-          </p:cNvPr>
-          <p:cNvPicPr>
-            <a:picLocks noChangeAspect="1"/>
-          </p:cNvPicPr>
-          <p:nvPr/>
-        </p:nvPicPr>
-        <p:blipFill>
-          <a:blip r:embed="rId3" cstate="print">
-            <a:extLst>
-              <a:ext uri="{28A0092B-C50C-407E-A947-70E740481C1C}">
-                <a14:useLocalDpi xmlns:a14="http://schemas.microsoft.com/office/drawing/2010/main" val="0"/>
-              </a:ext>
-            </a:extLst>
-          </a:blip>
-          <a:stretch>
-            <a:fillRect/>
-          </a:stretch>
-        </p:blipFill>
-        <p:spPr>
-          <a:xfrm>
-            <a:off x="5483654" y="2049928"/>
-            <a:ext cx="3641712" cy="1091040"/>
-          </a:xfrm>
-          <a:prstGeom prst="rect">
-            <a:avLst/>
-          </a:prstGeom>
+          <a:noFill/>
+          <a:extLst>
+            <a:ext uri="{909E8E84-426E-40DD-AFC4-6F175D3DCCD1}">
+              <a14:hiddenFill xmlns:a14="http://schemas.microsoft.com/office/drawing/2010/main">
+                <a:solidFill>
+                  <a:srgbClr val="FFFFFF"/>
+                </a:solidFill>
+              </a14:hiddenFill>
+            </a:ext>
+          </a:extLst>
         </p:spPr>
       </p:pic>
     </p:spTree>
     <p:extLst>
       <p:ext uri="{BB962C8B-B14F-4D97-AF65-F5344CB8AC3E}">
-        <p14:creationId xmlns:p14="http://schemas.microsoft.com/office/powerpoint/2010/main" val="1631479340"/>
+        <p14:creationId xmlns:p14="http://schemas.microsoft.com/office/powerpoint/2010/main" val="3836927686"/>
       </p:ext>
     </p:extLst>
   </p:cSld>
@@ -4992,7 +5336,7 @@
           <p:cNvPr id="2" name="제목 1">
             <a:extLst>
               <a:ext uri="{FF2B5EF4-FFF2-40B4-BE49-F238E27FC236}">
-                <a16:creationId xmlns:a16="http://schemas.microsoft.com/office/drawing/2014/main" id="{B357BE65-1366-F55B-D721-F9E36D27441C}"/>
+                <a16:creationId xmlns:a16="http://schemas.microsoft.com/office/drawing/2014/main" id="{78E837C7-CCBE-68DE-94CB-09941C359C51}"/>
               </a:ext>
             </a:extLst>
           </p:cNvPr>
@@ -5009,12 +5353,12 @@
           <a:lstStyle/>
           <a:p>
             <a:r>
-              <a:rPr lang="en-US" altLang="ko-KR" dirty="0"/>
-              <a:t>TBL </a:t>
-            </a:r>
-            <a:r>
-              <a:rPr lang="ko-KR" altLang="en-US" dirty="0"/>
-              <a:t>데이터 세트의 성능 분석</a:t>
+              <a:rPr kumimoji="1" lang="ko-KR" altLang="en-US" dirty="0" err="1"/>
+              <a:t>서로게이트</a:t>
+            </a:r>
+            <a:r>
+              <a:rPr kumimoji="1" lang="ko-KR" altLang="en-US" dirty="0"/>
+              <a:t> 기울기 도입</a:t>
             </a:r>
           </a:p>
         </p:txBody>
@@ -5024,7 +5368,7 @@
           <p:cNvPr id="3" name="내용 개체 틀 2">
             <a:extLst>
               <a:ext uri="{FF2B5EF4-FFF2-40B4-BE49-F238E27FC236}">
-                <a16:creationId xmlns:a16="http://schemas.microsoft.com/office/drawing/2014/main" id="{47340DA2-E9B4-12EE-8ED7-60A461E484F4}"/>
+                <a16:creationId xmlns:a16="http://schemas.microsoft.com/office/drawing/2014/main" id="{DD8E1B9C-8553-7E91-60FE-21EFAB7033A6}"/>
               </a:ext>
             </a:extLst>
           </p:cNvPr>
@@ -5035,28 +5379,190 @@
             <p:ph idx="1"/>
           </p:nvPr>
         </p:nvSpPr>
-        <p:spPr/>
+        <p:spPr>
+          <a:xfrm>
+            <a:off x="828675" y="4797152"/>
+            <a:ext cx="7991475" cy="1937367"/>
+          </a:xfrm>
+        </p:spPr>
         <p:txBody>
-          <a:bodyPr/>
+          <a:bodyPr>
+            <a:normAutofit lnSpcReduction="10000"/>
+          </a:bodyPr>
           <a:lstStyle/>
           <a:p>
             <a:r>
-              <a:rPr lang="ko-KR" altLang="en-US" dirty="0"/>
-              <a:t>점자 위를 센서로 측정한 센서 데이터</a:t>
-            </a:r>
-            <a:endParaRPr lang="en-US" altLang="ko-KR" dirty="0"/>
-          </a:p>
-          <a:p>
-            <a:endParaRPr lang="ko-KR" altLang="en-US" dirty="0"/>
+              <a:rPr lang="el-GR" altLang="ko-KR" b="1" i="0" dirty="0">
+                <a:solidFill>
+                  <a:srgbClr val="202122"/>
+                </a:solidFill>
+                <a:effectLst/>
+                <a:latin typeface="Arial" panose="020B0604020202020204" pitchFamily="34" charset="0"/>
+              </a:rPr>
+              <a:t>σ</a:t>
+            </a:r>
+            <a:r>
+              <a:rPr lang="ko-KR" altLang="en-US" b="1" i="0" dirty="0">
+                <a:solidFill>
+                  <a:srgbClr val="202122"/>
+                </a:solidFill>
+                <a:effectLst/>
+                <a:latin typeface="Arial" panose="020B0604020202020204" pitchFamily="34" charset="0"/>
+              </a:rPr>
+              <a:t> </a:t>
+            </a:r>
+            <a:r>
+              <a:rPr lang="en-US" altLang="ko-KR" b="1" i="0" dirty="0">
+                <a:solidFill>
+                  <a:srgbClr val="202122"/>
+                </a:solidFill>
+                <a:effectLst/>
+                <a:latin typeface="Arial" panose="020B0604020202020204" pitchFamily="34" charset="0"/>
+              </a:rPr>
+              <a:t>:</a:t>
+            </a:r>
+            <a:r>
+              <a:rPr lang="ko-KR" altLang="en-US" b="1" i="0" dirty="0">
+                <a:solidFill>
+                  <a:srgbClr val="202122"/>
+                </a:solidFill>
+                <a:effectLst/>
+                <a:latin typeface="Arial" panose="020B0604020202020204" pitchFamily="34" charset="0"/>
+              </a:rPr>
+              <a:t> </a:t>
+            </a:r>
+            <a:r>
+              <a:rPr lang="ko-KR" altLang="en-US" b="1" i="0" dirty="0" err="1">
+                <a:solidFill>
+                  <a:srgbClr val="202122"/>
+                </a:solidFill>
+                <a:effectLst/>
+                <a:latin typeface="Arial" panose="020B0604020202020204" pitchFamily="34" charset="0"/>
+              </a:rPr>
+              <a:t>서로게이트</a:t>
+            </a:r>
+            <a:r>
+              <a:rPr lang="ko-KR" altLang="en-US" b="1" i="0" dirty="0">
+                <a:solidFill>
+                  <a:srgbClr val="202122"/>
+                </a:solidFill>
+                <a:effectLst/>
+                <a:latin typeface="Arial" panose="020B0604020202020204" pitchFamily="34" charset="0"/>
+              </a:rPr>
+              <a:t> 기울기</a:t>
+            </a:r>
+            <a:endParaRPr lang="en-US" altLang="ko-KR" b="1" i="0" dirty="0">
+              <a:solidFill>
+                <a:srgbClr val="202122"/>
+              </a:solidFill>
+              <a:effectLst/>
+              <a:latin typeface="Arial" panose="020B0604020202020204" pitchFamily="34" charset="0"/>
+            </a:endParaRPr>
+          </a:p>
+          <a:p>
+            <a:r>
+              <a:rPr lang="en-US" altLang="ko-KR" b="1" i="0" dirty="0">
+                <a:solidFill>
+                  <a:srgbClr val="202122"/>
+                </a:solidFill>
+                <a:effectLst/>
+                <a:latin typeface="Arial" panose="020B0604020202020204" pitchFamily="34" charset="0"/>
+              </a:rPr>
+              <a:t>scale: </a:t>
+            </a:r>
+            <a:r>
+              <a:rPr lang="ko-KR" altLang="en-US" b="1" i="0" dirty="0" err="1">
+                <a:solidFill>
+                  <a:srgbClr val="202122"/>
+                </a:solidFill>
+                <a:effectLst/>
+                <a:latin typeface="Arial" panose="020B0604020202020204" pitchFamily="34" charset="0"/>
+              </a:rPr>
+              <a:t>서로게이트</a:t>
+            </a:r>
+            <a:r>
+              <a:rPr lang="ko-KR" altLang="en-US" b="1" i="0" dirty="0">
+                <a:solidFill>
+                  <a:srgbClr val="202122"/>
+                </a:solidFill>
+                <a:effectLst/>
+                <a:latin typeface="Arial" panose="020B0604020202020204" pitchFamily="34" charset="0"/>
+              </a:rPr>
+              <a:t> 기울기 경사</a:t>
+            </a:r>
+            <a:endParaRPr lang="en-US" altLang="ko-KR" b="1" i="0" dirty="0">
+              <a:solidFill>
+                <a:srgbClr val="202122"/>
+              </a:solidFill>
+              <a:effectLst/>
+              <a:latin typeface="Arial" panose="020B0604020202020204" pitchFamily="34" charset="0"/>
+            </a:endParaRPr>
+          </a:p>
+          <a:p>
+            <a:r>
+              <a:rPr kumimoji="1" lang="ko-KR" altLang="en-US" dirty="0" err="1"/>
+              <a:t>서로게이트</a:t>
+            </a:r>
+            <a:r>
+              <a:rPr kumimoji="1" lang="ko-KR" altLang="en-US" dirty="0"/>
+              <a:t> 기울기를 통해 기울기 소실 문제 해결</a:t>
+            </a:r>
           </a:p>
         </p:txBody>
       </p:sp>
       <p:pic>
         <p:nvPicPr>
-          <p:cNvPr id="8" name="그림 7" descr="원, 스크린샷, 디자인, 패턴이(가) 표시된 사진&#10;&#10;자동 생성된 설명">
+          <p:cNvPr id="1028" name="Picture 4">
             <a:extLst>
               <a:ext uri="{FF2B5EF4-FFF2-40B4-BE49-F238E27FC236}">
-                <a16:creationId xmlns:a16="http://schemas.microsoft.com/office/drawing/2014/main" id="{D0396B8A-59E8-34B8-676C-C656F6BDFD1A}"/>
+                <a16:creationId xmlns:a16="http://schemas.microsoft.com/office/drawing/2014/main" id="{FC71E64B-E510-FC8B-A1EB-C4BE4D0902F8}"/>
+              </a:ext>
+            </a:extLst>
+          </p:cNvPr>
+          <p:cNvPicPr>
+            <a:picLocks noChangeAspect="1" noChangeArrowheads="1"/>
+          </p:cNvPicPr>
+          <p:nvPr/>
+        </p:nvPicPr>
+        <p:blipFill>
+          <a:blip r:embed="rId2">
+            <a:extLst>
+              <a:ext uri="{28A0092B-C50C-407E-A947-70E740481C1C}">
+                <a14:useLocalDpi xmlns:a14="http://schemas.microsoft.com/office/drawing/2010/main" val="0"/>
+              </a:ext>
+            </a:extLst>
+          </a:blip>
+          <a:srcRect/>
+          <a:stretch>
+            <a:fillRect/>
+          </a:stretch>
+        </p:blipFill>
+        <p:spPr bwMode="auto">
+          <a:xfrm>
+            <a:off x="828674" y="1122501"/>
+            <a:ext cx="4756229" cy="2882563"/>
+          </a:xfrm>
+          <a:prstGeom prst="rect">
+            <a:avLst/>
+          </a:prstGeom>
+          <a:noFill/>
+          <a:extLst>
+            <a:ext uri="{909E8E84-426E-40DD-AFC4-6F175D3DCCD1}">
+              <a14:hiddenFill xmlns:a14="http://schemas.microsoft.com/office/drawing/2010/main">
+                <a:solidFill>
+                  <a:srgbClr val="FFFFFF"/>
+                </a:solidFill>
+              </a14:hiddenFill>
+            </a:ext>
+          </a:extLst>
+        </p:spPr>
+      </p:pic>
+      <p:pic>
+        <p:nvPicPr>
+          <p:cNvPr id="4" name="그림 3" descr="텍스트, 폰트, 화이트, 라인이(가) 표시된 사진&#10;&#10;자동 생성된 설명">
+            <a:extLst>
+              <a:ext uri="{FF2B5EF4-FFF2-40B4-BE49-F238E27FC236}">
+                <a16:creationId xmlns:a16="http://schemas.microsoft.com/office/drawing/2014/main" id="{FE3A286C-50B4-5523-989C-2707955F8BED}"/>
               </a:ext>
             </a:extLst>
           </p:cNvPr>
@@ -5066,7 +5572,7 @@
           <p:nvPr/>
         </p:nvPicPr>
         <p:blipFill>
-          <a:blip r:embed="rId2">
+          <a:blip r:embed="rId3">
             <a:extLst>
               <a:ext uri="{28A0092B-C50C-407E-A947-70E740481C1C}">
                 <a14:useLocalDpi xmlns:a14="http://schemas.microsoft.com/office/drawing/2010/main" val="0"/>
@@ -5079,126 +5585,82 @@
         </p:blipFill>
         <p:spPr>
           <a:xfrm>
-            <a:off x="755650" y="1628800"/>
-            <a:ext cx="3024336" cy="2016224"/>
+            <a:off x="755650" y="3822381"/>
+            <a:ext cx="5544616" cy="876955"/>
           </a:xfrm>
           <a:prstGeom prst="rect">
             <a:avLst/>
           </a:prstGeom>
         </p:spPr>
       </p:pic>
-      <p:pic>
-        <p:nvPicPr>
-          <p:cNvPr id="10" name="그림 9" descr="텍스트, 라인, 도표, 그래프이(가) 표시된 사진&#10;&#10;자동 생성된 설명">
+      <p:sp>
+        <p:nvSpPr>
+          <p:cNvPr id="5" name="직사각형 4">
             <a:extLst>
               <a:ext uri="{FF2B5EF4-FFF2-40B4-BE49-F238E27FC236}">
-                <a16:creationId xmlns:a16="http://schemas.microsoft.com/office/drawing/2014/main" id="{7F21C63E-954D-49A0-6E1F-EA554F44F038}"/>
+                <a16:creationId xmlns:a16="http://schemas.microsoft.com/office/drawing/2014/main" id="{82075A59-7F4A-9B1F-509C-A070A9B3E296}"/>
               </a:ext>
             </a:extLst>
           </p:cNvPr>
-          <p:cNvPicPr>
-            <a:picLocks noChangeAspect="1"/>
-          </p:cNvPicPr>
+          <p:cNvSpPr/>
           <p:nvPr/>
-        </p:nvPicPr>
-        <p:blipFill>
-          <a:blip r:embed="rId3" cstate="print">
-            <a:extLst>
-              <a:ext uri="{28A0092B-C50C-407E-A947-70E740481C1C}">
-                <a14:useLocalDpi xmlns:a14="http://schemas.microsoft.com/office/drawing/2010/main" val="0"/>
-              </a:ext>
-            </a:extLst>
-          </a:blip>
-          <a:stretch>
-            <a:fillRect/>
-          </a:stretch>
-        </p:blipFill>
+        </p:nvSpPr>
         <p:spPr>
           <a:xfrm>
-            <a:off x="549834" y="3548999"/>
-            <a:ext cx="4166182" cy="3284875"/>
+            <a:off x="1835696" y="4243373"/>
+            <a:ext cx="576064" cy="265747"/>
           </a:xfrm>
           <a:prstGeom prst="rect">
             <a:avLst/>
           </a:prstGeom>
+          <a:noFill/>
+          <a:ln w="28575" cap="flat" cmpd="sng" algn="ctr">
+            <a:solidFill>
+              <a:schemeClr val="tx1"/>
+            </a:solidFill>
+            <a:prstDash val="solid"/>
+            <a:round/>
+          </a:ln>
+          <a:effectLst/>
         </p:spPr>
-      </p:pic>
-      <p:pic>
-        <p:nvPicPr>
-          <p:cNvPr id="12" name="그림 11" descr="라인, 도표, 그래프, 텍스트이(가) 표시된 사진&#10;&#10;자동 생성된 설명">
-            <a:extLst>
-              <a:ext uri="{FF2B5EF4-FFF2-40B4-BE49-F238E27FC236}">
-                <a16:creationId xmlns:a16="http://schemas.microsoft.com/office/drawing/2014/main" id="{2D91B9F8-BDCA-10CC-69B0-645F7EA21B59}"/>
-              </a:ext>
-            </a:extLst>
-          </p:cNvPr>
-          <p:cNvPicPr>
-            <a:picLocks noChangeAspect="1"/>
-          </p:cNvPicPr>
-          <p:nvPr/>
-        </p:nvPicPr>
-        <p:blipFill>
-          <a:blip r:embed="rId4" cstate="print">
-            <a:extLst>
-              <a:ext uri="{28A0092B-C50C-407E-A947-70E740481C1C}">
-                <a14:useLocalDpi xmlns:a14="http://schemas.microsoft.com/office/drawing/2010/main" val="0"/>
-              </a:ext>
-            </a:extLst>
-          </a:blip>
-          <a:stretch>
-            <a:fillRect/>
-          </a:stretch>
-        </p:blipFill>
-        <p:spPr>
-          <a:xfrm>
-            <a:off x="4633726" y="3645024"/>
-            <a:ext cx="3960440" cy="3220088"/>
-          </a:xfrm>
-          <a:prstGeom prst="rect">
-            <a:avLst/>
-          </a:prstGeom>
-        </p:spPr>
-      </p:pic>
-      <p:pic>
-        <p:nvPicPr>
-          <p:cNvPr id="14" name="그림 13" descr="텍스트, 폰트, 라인, 영수증이(가) 표시된 사진&#10;&#10;자동 생성된 설명">
-            <a:extLst>
-              <a:ext uri="{FF2B5EF4-FFF2-40B4-BE49-F238E27FC236}">
-                <a16:creationId xmlns:a16="http://schemas.microsoft.com/office/drawing/2014/main" id="{19FBEF4F-E8B6-6E70-9401-249F80F11F62}"/>
-              </a:ext>
-            </a:extLst>
-          </p:cNvPr>
-          <p:cNvPicPr>
-            <a:picLocks noChangeAspect="1"/>
-          </p:cNvPicPr>
-          <p:nvPr/>
-        </p:nvPicPr>
-        <p:blipFill>
-          <a:blip r:embed="rId5">
-            <a:extLst>
-              <a:ext uri="{28A0092B-C50C-407E-A947-70E740481C1C}">
-                <a14:useLocalDpi xmlns:a14="http://schemas.microsoft.com/office/drawing/2010/main" val="0"/>
-              </a:ext>
-            </a:extLst>
-          </a:blip>
-          <a:stretch>
-            <a:fillRect/>
-          </a:stretch>
-        </p:blipFill>
-        <p:spPr>
-          <a:xfrm>
-            <a:off x="3853011" y="1703115"/>
-            <a:ext cx="5040164" cy="1357372"/>
-          </a:xfrm>
-          <a:prstGeom prst="rect">
-            <a:avLst/>
-          </a:prstGeom>
-        </p:spPr>
-      </p:pic>
+        <p:txBody>
+          <a:bodyPr vert="horz" wrap="square" lIns="91440" tIns="45720" rIns="91440" bIns="45720" numCol="1" rtlCol="0" anchor="ctr" anchorCtr="0" compatLnSpc="1">
+            <a:prstTxWarp prst="textNoShape">
+              <a:avLst/>
+            </a:prstTxWarp>
+            <a:spAutoFit/>
+          </a:bodyPr>
+          <a:lstStyle/>
+          <a:p>
+            <a:pPr marL="0" marR="0" indent="0" algn="ctr" defTabSz="914400" rtl="0" eaLnBrk="1" fontAlgn="base" latinLnBrk="1" hangingPunct="1">
+              <a:lnSpc>
+                <a:spcPct val="100000"/>
+              </a:lnSpc>
+              <a:spcBef>
+                <a:spcPct val="0"/>
+              </a:spcBef>
+              <a:spcAft>
+                <a:spcPct val="0"/>
+              </a:spcAft>
+              <a:buNone/>
+            </a:pPr>
+            <a:endParaRPr kumimoji="1" lang="ko-KR" altLang="en-US" sz="2400" b="0" i="0" u="none" strike="noStrike" cap="none" normalizeH="0" baseline="0">
+              <a:ln>
+                <a:noFill/>
+              </a:ln>
+              <a:solidFill>
+                <a:schemeClr val="tx1"/>
+              </a:solidFill>
+              <a:latin typeface="Times New Roman"/>
+              <a:ea typeface="굴림"/>
+            </a:endParaRPr>
+          </a:p>
+        </p:txBody>
+      </p:sp>
     </p:spTree>
     <p:extLst>
       <p:ext uri="{BB962C8B-B14F-4D97-AF65-F5344CB8AC3E}">
-        <p14:creationId xmlns:p14="http://schemas.microsoft.com/office/powerpoint/2010/main" val="3020564940"/>
+        <p14:creationId xmlns:p14="http://schemas.microsoft.com/office/powerpoint/2010/main" val="4147903107"/>
       </p:ext>
     </p:extLst>
   </p:cSld>
@@ -5213,7 +5675,13 @@
   <p:cSld>
     <p:spTree>
       <p:nvGrpSpPr>
-        <p:cNvPr id="1" name=""/>
+        <p:cNvPr id="1" name="">
+          <a:extLst>
+            <a:ext uri="{FF2B5EF4-FFF2-40B4-BE49-F238E27FC236}">
+              <a16:creationId xmlns:a16="http://schemas.microsoft.com/office/drawing/2014/main" id="{6F5A0EC7-27E1-2B5A-BD40-6295C5F80BB4}"/>
+            </a:ext>
+          </a:extLst>
+        </p:cNvPr>
         <p:cNvGrpSpPr/>
         <p:nvPr/>
       </p:nvGrpSpPr>
@@ -5230,7 +5698,7 @@
           <p:cNvPr id="2" name="제목 1">
             <a:extLst>
               <a:ext uri="{FF2B5EF4-FFF2-40B4-BE49-F238E27FC236}">
-                <a16:creationId xmlns:a16="http://schemas.microsoft.com/office/drawing/2014/main" id="{691F0844-19E6-FE91-264B-40A486DF4A41}"/>
+                <a16:creationId xmlns:a16="http://schemas.microsoft.com/office/drawing/2014/main" id="{C0AEEF17-E076-5EEC-6C2D-1EF881D73FDC}"/>
               </a:ext>
             </a:extLst>
           </p:cNvPr>
@@ -5248,8 +5716,13 @@
           <a:p>
             <a:r>
               <a:rPr lang="ko-KR" altLang="en-US" dirty="0"/>
-              <a:t>결론</a:t>
-            </a:r>
+              <a:t>스파이크 신경망 데이터 </a:t>
+            </a:r>
+            <a:r>
+              <a:rPr lang="ko-KR" altLang="en-US" dirty="0" err="1"/>
+              <a:t>전처리</a:t>
+            </a:r>
+            <a:endParaRPr lang="ko-KR" altLang="en-US" dirty="0"/>
           </a:p>
         </p:txBody>
       </p:sp>
@@ -5258,7 +5731,7 @@
           <p:cNvPr id="3" name="내용 개체 틀 2">
             <a:extLst>
               <a:ext uri="{FF2B5EF4-FFF2-40B4-BE49-F238E27FC236}">
-                <a16:creationId xmlns:a16="http://schemas.microsoft.com/office/drawing/2014/main" id="{5DF3D6B8-579E-018F-D4B8-F9678E6C109F}"/>
+                <a16:creationId xmlns:a16="http://schemas.microsoft.com/office/drawing/2014/main" id="{96448BFD-15AF-AB64-8AD6-658B71C46435}"/>
               </a:ext>
             </a:extLst>
           </p:cNvPr>
@@ -5275,31 +5748,41 @@
           <a:lstStyle/>
           <a:p>
             <a:r>
+              <a:rPr lang="en-US" altLang="ko-KR" dirty="0"/>
+              <a:t>TTFS</a:t>
+            </a:r>
+            <a:r>
               <a:rPr lang="ko-KR" altLang="en-US" dirty="0"/>
-              <a:t>데이터 세트별 최적의 파라미터 조합을 통해 약 </a:t>
-            </a:r>
-            <a:r>
-              <a:rPr lang="en-US" altLang="ko-KR" dirty="0"/>
-              <a:t>2~4% </a:t>
-            </a:r>
+              <a:t> 알고리즘으로 전 처리</a:t>
+            </a:r>
+            <a:endParaRPr lang="en-US" altLang="ko-KR" dirty="0"/>
+          </a:p>
+          <a:p>
+            <a:endParaRPr lang="en-US" altLang="ko-KR" dirty="0"/>
+          </a:p>
+          <a:p>
+            <a:endParaRPr lang="en-US" altLang="ko-KR" dirty="0"/>
+          </a:p>
+          <a:p>
+            <a:endParaRPr lang="en-US" altLang="ko-KR" dirty="0"/>
+          </a:p>
+          <a:p>
+            <a:endParaRPr lang="en-US" altLang="ko-KR" dirty="0"/>
+          </a:p>
+          <a:p>
             <a:r>
               <a:rPr lang="ko-KR" altLang="en-US" dirty="0"/>
-              <a:t>정도 정확도 향상을 </a:t>
-            </a:r>
-            <a:r>
-              <a:rPr lang="ko-KR" altLang="en-US" dirty="0" err="1"/>
-              <a:t>이뤄냄</a:t>
-            </a:r>
-            <a:endParaRPr lang="ko-KR" altLang="en-US" dirty="0"/>
+              <a:t>희소행렬로 전 처리 후 입력 데이터로 사용</a:t>
+            </a:r>
           </a:p>
         </p:txBody>
       </p:sp>
       <p:pic>
         <p:nvPicPr>
-          <p:cNvPr id="4" name="그림 3" descr="텍스트, 폰트, 라인, 영수증이(가) 표시된 사진&#10;&#10;자동 생성된 설명">
+          <p:cNvPr id="4" name="그림 3" descr="라인, 도표, 텍스트, 그래프이(가) 표시된 사진&#10;&#10;자동 생성된 설명">
             <a:extLst>
               <a:ext uri="{FF2B5EF4-FFF2-40B4-BE49-F238E27FC236}">
-                <a16:creationId xmlns:a16="http://schemas.microsoft.com/office/drawing/2014/main" id="{E56996C3-68FB-25F2-8F88-1B3EAF3962DC}"/>
+                <a16:creationId xmlns:a16="http://schemas.microsoft.com/office/drawing/2014/main" id="{701E9F5C-9EC9-33C0-1D85-B47A073DB042}"/>
               </a:ext>
             </a:extLst>
           </p:cNvPr>
@@ -5309,7 +5792,7 @@
           <p:nvPr/>
         </p:nvPicPr>
         <p:blipFill>
-          <a:blip r:embed="rId3">
+          <a:blip r:embed="rId3" cstate="print">
             <a:extLst>
               <a:ext uri="{28A0092B-C50C-407E-A947-70E740481C1C}">
                 <a14:useLocalDpi xmlns:a14="http://schemas.microsoft.com/office/drawing/2010/main" val="0"/>
@@ -5322,8 +5805,8 @@
         </p:blipFill>
         <p:spPr>
           <a:xfrm>
-            <a:off x="828675" y="3717404"/>
-            <a:ext cx="5281082" cy="1422254"/>
+            <a:off x="5724128" y="994965"/>
+            <a:ext cx="3323159" cy="2693591"/>
           </a:xfrm>
           <a:prstGeom prst="rect">
             <a:avLst/>
@@ -5332,10 +5815,10 @@
       </p:pic>
       <p:pic>
         <p:nvPicPr>
-          <p:cNvPr id="5" name="그림 4" descr="텍스트, 폰트, 스크린샷, 라인이(가) 표시된 사진&#10;&#10;자동 생성된 설명">
+          <p:cNvPr id="6" name="그림 5" descr="텍스트, 스크린샷, 번호, 도표이(가) 표시된 사진&#10;&#10;자동 생성된 설명">
             <a:extLst>
               <a:ext uri="{FF2B5EF4-FFF2-40B4-BE49-F238E27FC236}">
-                <a16:creationId xmlns:a16="http://schemas.microsoft.com/office/drawing/2014/main" id="{AEECD184-E318-959B-631C-76AB60CC2CC6}"/>
+                <a16:creationId xmlns:a16="http://schemas.microsoft.com/office/drawing/2014/main" id="{84DE0EA8-939F-F32E-B4D5-AEBE8562EB88}"/>
               </a:ext>
             </a:extLst>
           </p:cNvPr>
@@ -5358,8 +5841,8 @@
         </p:blipFill>
         <p:spPr>
           <a:xfrm>
-            <a:off x="728222" y="5194132"/>
-            <a:ext cx="5553720" cy="1663868"/>
+            <a:off x="828675" y="4199002"/>
+            <a:ext cx="3383285" cy="2495313"/>
           </a:xfrm>
           <a:prstGeom prst="rect">
             <a:avLst/>
@@ -5368,10 +5851,10 @@
       </p:pic>
       <p:pic>
         <p:nvPicPr>
-          <p:cNvPr id="6" name="그림 5" descr="텍스트, 폰트, 라인, 영수증이(가) 표시된 사진&#10;&#10;자동 생성된 설명">
+          <p:cNvPr id="8" name="그림 7" descr="텍스트, 스크린샷, 번호, 폰트이(가) 표시된 사진&#10;&#10;자동 생성된 설명">
             <a:extLst>
               <a:ext uri="{FF2B5EF4-FFF2-40B4-BE49-F238E27FC236}">
-                <a16:creationId xmlns:a16="http://schemas.microsoft.com/office/drawing/2014/main" id="{EC855FF8-54B6-CEBD-23C7-550D22EC5ED3}"/>
+                <a16:creationId xmlns:a16="http://schemas.microsoft.com/office/drawing/2014/main" id="{01B2EB26-3D25-789F-2060-2EE8A39CDD4C}"/>
               </a:ext>
             </a:extLst>
           </p:cNvPr>
@@ -5394,8 +5877,44 @@
         </p:blipFill>
         <p:spPr>
           <a:xfrm>
-            <a:off x="755650" y="2162151"/>
-            <a:ext cx="5616550" cy="1500779"/>
+            <a:off x="4355976" y="4357487"/>
+            <a:ext cx="4119438" cy="2178342"/>
+          </a:xfrm>
+          <a:prstGeom prst="rect">
+            <a:avLst/>
+          </a:prstGeom>
+        </p:spPr>
+      </p:pic>
+      <p:pic>
+        <p:nvPicPr>
+          <p:cNvPr id="10" name="그림 9" descr="텍스트, 폰트, 라인, 스크린샷이(가) 표시된 사진&#10;&#10;자동 생성된 설명">
+            <a:extLst>
+              <a:ext uri="{FF2B5EF4-FFF2-40B4-BE49-F238E27FC236}">
+                <a16:creationId xmlns:a16="http://schemas.microsoft.com/office/drawing/2014/main" id="{460DE60F-19D0-5E3A-4BCB-062C317953DC}"/>
+              </a:ext>
+            </a:extLst>
+          </p:cNvPr>
+          <p:cNvPicPr>
+            <a:picLocks noChangeAspect="1"/>
+          </p:cNvPicPr>
+          <p:nvPr/>
+        </p:nvPicPr>
+        <p:blipFill>
+          <a:blip r:embed="rId6">
+            <a:extLst>
+              <a:ext uri="{28A0092B-C50C-407E-A947-70E740481C1C}">
+                <a14:useLocalDpi xmlns:a14="http://schemas.microsoft.com/office/drawing/2010/main" val="0"/>
+              </a:ext>
+            </a:extLst>
+          </a:blip>
+          <a:stretch>
+            <a:fillRect/>
+          </a:stretch>
+        </p:blipFill>
+        <p:spPr>
+          <a:xfrm>
+            <a:off x="965241" y="1641907"/>
+            <a:ext cx="4909263" cy="1399706"/>
           </a:xfrm>
           <a:prstGeom prst="rect">
             <a:avLst/>
@@ -5405,7 +5924,7 @@
     </p:spTree>
     <p:extLst>
       <p:ext uri="{BB962C8B-B14F-4D97-AF65-F5344CB8AC3E}">
-        <p14:creationId xmlns:p14="http://schemas.microsoft.com/office/powerpoint/2010/main" val="768234178"/>
+        <p14:creationId xmlns:p14="http://schemas.microsoft.com/office/powerpoint/2010/main" val="3873435250"/>
       </p:ext>
     </p:extLst>
   </p:cSld>
@@ -5432,10 +5951,1632 @@
           <a:chExt cx="0" cy="0"/>
         </a:xfrm>
       </p:grpSpPr>
+      <p:sp>
+        <p:nvSpPr>
+          <p:cNvPr id="2" name="제목 1">
+            <a:extLst>
+              <a:ext uri="{FF2B5EF4-FFF2-40B4-BE49-F238E27FC236}">
+                <a16:creationId xmlns:a16="http://schemas.microsoft.com/office/drawing/2014/main" id="{ED113EB5-15F7-5C6F-2307-4676B0EF0CCE}"/>
+              </a:ext>
+            </a:extLst>
+          </p:cNvPr>
+          <p:cNvSpPr>
+            <a:spLocks noGrp="1"/>
+          </p:cNvSpPr>
+          <p:nvPr>
+            <p:ph type="title"/>
+          </p:nvPr>
+        </p:nvSpPr>
+        <p:spPr/>
+        <p:txBody>
+          <a:bodyPr/>
+          <a:lstStyle/>
+          <a:p>
+            <a:r>
+              <a:rPr kumimoji="1" lang="ko-KR" altLang="en-US" dirty="0"/>
+              <a:t>정규화 손실률</a:t>
+            </a:r>
+          </a:p>
+        </p:txBody>
+      </p:sp>
+      <p:sp>
+        <p:nvSpPr>
+          <p:cNvPr id="3" name="내용 개체 틀 2">
+            <a:extLst>
+              <a:ext uri="{FF2B5EF4-FFF2-40B4-BE49-F238E27FC236}">
+                <a16:creationId xmlns:a16="http://schemas.microsoft.com/office/drawing/2014/main" id="{30C9B9A0-3B7A-5D95-D8A2-6687C086F343}"/>
+              </a:ext>
+            </a:extLst>
+          </p:cNvPr>
+          <p:cNvSpPr>
+            <a:spLocks noGrp="1"/>
+          </p:cNvSpPr>
+          <p:nvPr>
+            <p:ph idx="1"/>
+          </p:nvPr>
+        </p:nvSpPr>
+        <p:spPr>
+          <a:xfrm>
+            <a:off x="828675" y="3429000"/>
+            <a:ext cx="7991475" cy="3384376"/>
+          </a:xfrm>
+        </p:spPr>
+        <p:txBody>
+          <a:bodyPr>
+            <a:normAutofit/>
+          </a:bodyPr>
+          <a:lstStyle/>
+          <a:p>
+            <a:r>
+              <a:rPr lang="ko-KR" altLang="en-US" dirty="0"/>
+              <a:t>스파이크의 발생이 많을 수록 희소 행렬의 </a:t>
+            </a:r>
+            <a:br>
+              <a:rPr lang="en-US" altLang="ko-KR" dirty="0"/>
+            </a:br>
+            <a:r>
+              <a:rPr lang="ko-KR" altLang="en-US" dirty="0"/>
+              <a:t>크기 증가 및 연산 증가</a:t>
+            </a:r>
+            <a:endParaRPr lang="en-US" altLang="ko-KR" dirty="0"/>
+          </a:p>
+          <a:p>
+            <a:endParaRPr lang="en-US" altLang="ko-KR" dirty="0"/>
+          </a:p>
+          <a:p>
+            <a:endParaRPr lang="en-US" altLang="ko-KR" dirty="0"/>
+          </a:p>
+          <a:p>
+            <a:r>
+              <a:rPr lang="ko-KR" altLang="en-US" dirty="0"/>
+              <a:t>스파이크 발생의 억제를 위해 정규화 손실률 추가</a:t>
+            </a:r>
+            <a:endParaRPr lang="en-US" altLang="ko-KR" dirty="0"/>
+          </a:p>
+        </p:txBody>
+      </p:sp>
+      <p:pic>
+        <p:nvPicPr>
+          <p:cNvPr id="4" name="그림 3" descr="텍스트, 스크린샷, 번호, 폰트이(가) 표시된 사진&#10;&#10;자동 생성된 설명">
+            <a:extLst>
+              <a:ext uri="{FF2B5EF4-FFF2-40B4-BE49-F238E27FC236}">
+                <a16:creationId xmlns:a16="http://schemas.microsoft.com/office/drawing/2014/main" id="{08049CEE-4BDF-68E5-6C50-4CE715C2AC5B}"/>
+              </a:ext>
+            </a:extLst>
+          </p:cNvPr>
+          <p:cNvPicPr>
+            <a:picLocks noChangeAspect="1"/>
+          </p:cNvPicPr>
+          <p:nvPr/>
+        </p:nvPicPr>
+        <p:blipFill>
+          <a:blip r:embed="rId2">
+            <a:extLst>
+              <a:ext uri="{28A0092B-C50C-407E-A947-70E740481C1C}">
+                <a14:useLocalDpi xmlns:a14="http://schemas.microsoft.com/office/drawing/2010/main" val="0"/>
+              </a:ext>
+            </a:extLst>
+          </a:blip>
+          <a:stretch>
+            <a:fillRect/>
+          </a:stretch>
+        </p:blipFill>
+        <p:spPr>
+          <a:xfrm>
+            <a:off x="773256" y="1062373"/>
+            <a:ext cx="4119438" cy="2178342"/>
+          </a:xfrm>
+          <a:prstGeom prst="rect">
+            <a:avLst/>
+          </a:prstGeom>
+        </p:spPr>
+      </p:pic>
+      <p:pic>
+        <p:nvPicPr>
+          <p:cNvPr id="6" name="그림 5" descr="폰트, 텍스트, 서예, 화이트이(가) 표시된 사진&#10;&#10;자동 생성된 설명">
+            <a:extLst>
+              <a:ext uri="{FF2B5EF4-FFF2-40B4-BE49-F238E27FC236}">
+                <a16:creationId xmlns:a16="http://schemas.microsoft.com/office/drawing/2014/main" id="{CC503500-2CE7-97E6-2004-51952A7E68DE}"/>
+              </a:ext>
+            </a:extLst>
+          </p:cNvPr>
+          <p:cNvPicPr>
+            <a:picLocks noChangeAspect="1"/>
+          </p:cNvPicPr>
+          <p:nvPr/>
+        </p:nvPicPr>
+        <p:blipFill>
+          <a:blip r:embed="rId3">
+            <a:extLst>
+              <a:ext uri="{28A0092B-C50C-407E-A947-70E740481C1C}">
+                <a14:useLocalDpi xmlns:a14="http://schemas.microsoft.com/office/drawing/2010/main" val="0"/>
+              </a:ext>
+            </a:extLst>
+          </a:blip>
+          <a:stretch>
+            <a:fillRect/>
+          </a:stretch>
+        </p:blipFill>
+        <p:spPr>
+          <a:xfrm>
+            <a:off x="784250" y="4581128"/>
+            <a:ext cx="4762500" cy="787400"/>
+          </a:xfrm>
+          <a:prstGeom prst="rect">
+            <a:avLst/>
+          </a:prstGeom>
+        </p:spPr>
+      </p:pic>
     </p:spTree>
     <p:extLst>
       <p:ext uri="{BB962C8B-B14F-4D97-AF65-F5344CB8AC3E}">
-        <p14:creationId xmlns:p14="http://schemas.microsoft.com/office/powerpoint/2010/main" val="3244272865"/>
+        <p14:creationId xmlns:p14="http://schemas.microsoft.com/office/powerpoint/2010/main" val="2876466532"/>
+      </p:ext>
+    </p:extLst>
+  </p:cSld>
+  <p:clrMapOvr>
+    <a:masterClrMapping/>
+  </p:clrMapOvr>
+</p:sld>
+</file>
+
+<file path=ppt/slides/slide14.xml><?xml version="1.0" encoding="utf-8"?>
+<p:sld xmlns:a="http://schemas.openxmlformats.org/drawingml/2006/main" xmlns:r="http://schemas.openxmlformats.org/officeDocument/2006/relationships" xmlns:p="http://schemas.openxmlformats.org/presentationml/2006/main">
+  <p:cSld>
+    <p:spTree>
+      <p:nvGrpSpPr>
+        <p:cNvPr id="1" name="">
+          <a:extLst>
+            <a:ext uri="{FF2B5EF4-FFF2-40B4-BE49-F238E27FC236}">
+              <a16:creationId xmlns:a16="http://schemas.microsoft.com/office/drawing/2014/main" id="{CC4D84FA-C561-D2B3-B0DA-43939BCF3829}"/>
+            </a:ext>
+          </a:extLst>
+        </p:cNvPr>
+        <p:cNvGrpSpPr/>
+        <p:nvPr/>
+      </p:nvGrpSpPr>
+      <p:grpSpPr>
+        <a:xfrm>
+          <a:off x="0" y="0"/>
+          <a:ext cx="0" cy="0"/>
+          <a:chOff x="0" y="0"/>
+          <a:chExt cx="0" cy="0"/>
+        </a:xfrm>
+      </p:grpSpPr>
+      <p:sp>
+        <p:nvSpPr>
+          <p:cNvPr id="2" name="제목 1">
+            <a:extLst>
+              <a:ext uri="{FF2B5EF4-FFF2-40B4-BE49-F238E27FC236}">
+                <a16:creationId xmlns:a16="http://schemas.microsoft.com/office/drawing/2014/main" id="{ACF13E99-25EB-4832-5583-4B1BE6165173}"/>
+              </a:ext>
+            </a:extLst>
+          </p:cNvPr>
+          <p:cNvSpPr>
+            <a:spLocks noGrp="1"/>
+          </p:cNvSpPr>
+          <p:nvPr>
+            <p:ph type="title"/>
+          </p:nvPr>
+        </p:nvSpPr>
+        <p:spPr/>
+        <p:txBody>
+          <a:bodyPr/>
+          <a:lstStyle/>
+          <a:p>
+            <a:r>
+              <a:rPr lang="en-US" altLang="ko-KR" sz="3200" dirty="0"/>
+              <a:t>Fashion-MNIST </a:t>
+            </a:r>
+            <a:r>
+              <a:rPr lang="ko-KR" altLang="en-US" sz="3200" dirty="0"/>
+              <a:t>데이터 세트 성능 분석</a:t>
+            </a:r>
+          </a:p>
+        </p:txBody>
+      </p:sp>
+      <p:sp>
+        <p:nvSpPr>
+          <p:cNvPr id="8" name="내용 개체 틀 7">
+            <a:extLst>
+              <a:ext uri="{FF2B5EF4-FFF2-40B4-BE49-F238E27FC236}">
+                <a16:creationId xmlns:a16="http://schemas.microsoft.com/office/drawing/2014/main" id="{B7F8055D-8CD6-E99C-7839-7556F2BE4B90}"/>
+              </a:ext>
+            </a:extLst>
+          </p:cNvPr>
+          <p:cNvSpPr>
+            <a:spLocks noGrp="1"/>
+          </p:cNvSpPr>
+          <p:nvPr>
+            <p:ph idx="1"/>
+          </p:nvPr>
+        </p:nvSpPr>
+        <p:spPr/>
+        <p:txBody>
+          <a:bodyPr/>
+          <a:lstStyle/>
+          <a:p>
+            <a:r>
+              <a:rPr lang="en-US" altLang="ko-KR" dirty="0"/>
+              <a:t>10</a:t>
+            </a:r>
+            <a:r>
+              <a:rPr lang="ko-KR" altLang="en-US" dirty="0"/>
+              <a:t>가지 옷</a:t>
+            </a:r>
+            <a:r>
+              <a:rPr lang="en-US" altLang="ko-KR" dirty="0"/>
+              <a:t>,</a:t>
+            </a:r>
+            <a:r>
+              <a:rPr lang="ko-KR" altLang="en-US" dirty="0"/>
+              <a:t> 신발 종류의 이미지 데이터를 가짐</a:t>
+            </a:r>
+          </a:p>
+        </p:txBody>
+      </p:sp>
+      <p:pic>
+        <p:nvPicPr>
+          <p:cNvPr id="12" name="그림 11" descr="라인, 그래프, 도표, 텍스트이(가) 표시된 사진&#10;&#10;자동 생성된 설명">
+            <a:extLst>
+              <a:ext uri="{FF2B5EF4-FFF2-40B4-BE49-F238E27FC236}">
+                <a16:creationId xmlns:a16="http://schemas.microsoft.com/office/drawing/2014/main" id="{60B6D74F-7354-98AE-61C9-515AC65ADF56}"/>
+              </a:ext>
+            </a:extLst>
+          </p:cNvPr>
+          <p:cNvPicPr>
+            <a:picLocks noChangeAspect="1"/>
+          </p:cNvPicPr>
+          <p:nvPr/>
+        </p:nvPicPr>
+        <p:blipFill>
+          <a:blip r:embed="rId2">
+            <a:extLst>
+              <a:ext uri="{28A0092B-C50C-407E-A947-70E740481C1C}">
+                <a14:useLocalDpi xmlns:a14="http://schemas.microsoft.com/office/drawing/2010/main" val="0"/>
+              </a:ext>
+            </a:extLst>
+          </a:blip>
+          <a:srcRect l="4986"/>
+          <a:stretch/>
+        </p:blipFill>
+        <p:spPr>
+          <a:xfrm>
+            <a:off x="504826" y="1553210"/>
+            <a:ext cx="6171540" cy="4794216"/>
+          </a:xfrm>
+          <a:prstGeom prst="rect">
+            <a:avLst/>
+          </a:prstGeom>
+        </p:spPr>
+      </p:pic>
+      <p:pic>
+        <p:nvPicPr>
+          <p:cNvPr id="13" name="그림 12" descr="텍스트, 폰트, 라인, 영수증이(가) 표시된 사진&#10;&#10;자동 생성된 설명">
+            <a:extLst>
+              <a:ext uri="{FF2B5EF4-FFF2-40B4-BE49-F238E27FC236}">
+                <a16:creationId xmlns:a16="http://schemas.microsoft.com/office/drawing/2014/main" id="{729E9BA4-5B82-63AC-B7DD-C26F65C6E48C}"/>
+              </a:ext>
+            </a:extLst>
+          </p:cNvPr>
+          <p:cNvPicPr>
+            <a:picLocks noChangeAspect="1"/>
+          </p:cNvPicPr>
+          <p:nvPr/>
+        </p:nvPicPr>
+        <p:blipFill>
+          <a:blip r:embed="rId3" cstate="print">
+            <a:extLst>
+              <a:ext uri="{28A0092B-C50C-407E-A947-70E740481C1C}">
+                <a14:useLocalDpi xmlns:a14="http://schemas.microsoft.com/office/drawing/2010/main" val="0"/>
+              </a:ext>
+            </a:extLst>
+          </a:blip>
+          <a:stretch>
+            <a:fillRect/>
+          </a:stretch>
+        </p:blipFill>
+        <p:spPr>
+          <a:xfrm>
+            <a:off x="5580112" y="1700808"/>
+            <a:ext cx="3563888" cy="952294"/>
+          </a:xfrm>
+          <a:prstGeom prst="rect">
+            <a:avLst/>
+          </a:prstGeom>
+        </p:spPr>
+      </p:pic>
+    </p:spTree>
+    <p:extLst>
+      <p:ext uri="{BB962C8B-B14F-4D97-AF65-F5344CB8AC3E}">
+        <p14:creationId xmlns:p14="http://schemas.microsoft.com/office/powerpoint/2010/main" val="2881446732"/>
+      </p:ext>
+    </p:extLst>
+  </p:cSld>
+  <p:clrMapOvr>
+    <a:masterClrMapping/>
+  </p:clrMapOvr>
+</p:sld>
+</file>
+
+<file path=ppt/slides/slide15.xml><?xml version="1.0" encoding="utf-8"?>
+<p:sld xmlns:a="http://schemas.openxmlformats.org/drawingml/2006/main" xmlns:r="http://schemas.openxmlformats.org/officeDocument/2006/relationships" xmlns:p="http://schemas.openxmlformats.org/presentationml/2006/main">
+  <p:cSld>
+    <p:spTree>
+      <p:nvGrpSpPr>
+        <p:cNvPr id="1" name="">
+          <a:extLst>
+            <a:ext uri="{FF2B5EF4-FFF2-40B4-BE49-F238E27FC236}">
+              <a16:creationId xmlns:a16="http://schemas.microsoft.com/office/drawing/2014/main" id="{2081B5A3-BCA3-1ECB-A28A-5051E4CAB5BC}"/>
+            </a:ext>
+          </a:extLst>
+        </p:cNvPr>
+        <p:cNvGrpSpPr/>
+        <p:nvPr/>
+      </p:nvGrpSpPr>
+      <p:grpSpPr>
+        <a:xfrm>
+          <a:off x="0" y="0"/>
+          <a:ext cx="0" cy="0"/>
+          <a:chOff x="0" y="0"/>
+          <a:chExt cx="0" cy="0"/>
+        </a:xfrm>
+      </p:grpSpPr>
+      <p:sp>
+        <p:nvSpPr>
+          <p:cNvPr id="2" name="제목 1">
+            <a:extLst>
+              <a:ext uri="{FF2B5EF4-FFF2-40B4-BE49-F238E27FC236}">
+                <a16:creationId xmlns:a16="http://schemas.microsoft.com/office/drawing/2014/main" id="{9F21A281-E969-3B74-75A4-EF09FE707817}"/>
+              </a:ext>
+            </a:extLst>
+          </p:cNvPr>
+          <p:cNvSpPr>
+            <a:spLocks noGrp="1"/>
+          </p:cNvSpPr>
+          <p:nvPr>
+            <p:ph type="title"/>
+          </p:nvPr>
+        </p:nvSpPr>
+        <p:spPr/>
+        <p:txBody>
+          <a:bodyPr/>
+          <a:lstStyle/>
+          <a:p>
+            <a:r>
+              <a:rPr lang="en-US" altLang="ko-KR" dirty="0"/>
+              <a:t>SHD </a:t>
+            </a:r>
+            <a:r>
+              <a:rPr lang="ko-KR" altLang="en-US" dirty="0"/>
+              <a:t>데이터 세트의 성능 분석</a:t>
+            </a:r>
+          </a:p>
+        </p:txBody>
+      </p:sp>
+      <p:sp>
+        <p:nvSpPr>
+          <p:cNvPr id="3" name="내용 개체 틀 2">
+            <a:extLst>
+              <a:ext uri="{FF2B5EF4-FFF2-40B4-BE49-F238E27FC236}">
+                <a16:creationId xmlns:a16="http://schemas.microsoft.com/office/drawing/2014/main" id="{9B2144F6-5129-709A-5A8D-704C271E3B0F}"/>
+              </a:ext>
+            </a:extLst>
+          </p:cNvPr>
+          <p:cNvSpPr>
+            <a:spLocks noGrp="1"/>
+          </p:cNvSpPr>
+          <p:nvPr>
+            <p:ph idx="1"/>
+          </p:nvPr>
+        </p:nvSpPr>
+        <p:spPr/>
+        <p:txBody>
+          <a:bodyPr/>
+          <a:lstStyle/>
+          <a:p>
+            <a:r>
+              <a:rPr lang="ko-KR" altLang="en-US" dirty="0"/>
+              <a:t>남성과 여성이 </a:t>
+            </a:r>
+            <a:r>
+              <a:rPr lang="en-US" altLang="ko-KR" dirty="0"/>
+              <a:t>0~9</a:t>
+            </a:r>
+            <a:r>
+              <a:rPr lang="ko-KR" altLang="en-US" dirty="0" err="1"/>
+              <a:t>를</a:t>
+            </a:r>
+            <a:r>
+              <a:rPr lang="ko-KR" altLang="en-US" dirty="0"/>
+              <a:t> 발음하는 음성 데이터로 총 </a:t>
+            </a:r>
+            <a:r>
+              <a:rPr lang="en-US" altLang="ko-KR" dirty="0"/>
+              <a:t>20</a:t>
+            </a:r>
+            <a:r>
+              <a:rPr lang="ko-KR" altLang="en-US" dirty="0"/>
+              <a:t>개의 음성을 구분함</a:t>
+            </a:r>
+          </a:p>
+        </p:txBody>
+      </p:sp>
+      <p:pic>
+        <p:nvPicPr>
+          <p:cNvPr id="5" name="그림 4" descr="라인, 텍스트, 도표, 그래프이(가) 표시된 사진&#10;&#10;자동 생성된 설명">
+            <a:extLst>
+              <a:ext uri="{FF2B5EF4-FFF2-40B4-BE49-F238E27FC236}">
+                <a16:creationId xmlns:a16="http://schemas.microsoft.com/office/drawing/2014/main" id="{F8E2D95F-C288-3AF5-386C-E23501C13788}"/>
+              </a:ext>
+            </a:extLst>
+          </p:cNvPr>
+          <p:cNvPicPr>
+            <a:picLocks noChangeAspect="1"/>
+          </p:cNvPicPr>
+          <p:nvPr/>
+        </p:nvPicPr>
+        <p:blipFill>
+          <a:blip r:embed="rId2">
+            <a:extLst>
+              <a:ext uri="{28A0092B-C50C-407E-A947-70E740481C1C}">
+                <a14:useLocalDpi xmlns:a14="http://schemas.microsoft.com/office/drawing/2010/main" val="0"/>
+              </a:ext>
+            </a:extLst>
+          </a:blip>
+          <a:stretch>
+            <a:fillRect/>
+          </a:stretch>
+        </p:blipFill>
+        <p:spPr>
+          <a:xfrm>
+            <a:off x="499298" y="1988840"/>
+            <a:ext cx="5771461" cy="4710340"/>
+          </a:xfrm>
+          <a:prstGeom prst="rect">
+            <a:avLst/>
+          </a:prstGeom>
+        </p:spPr>
+      </p:pic>
+      <p:pic>
+        <p:nvPicPr>
+          <p:cNvPr id="7" name="그림 6" descr="텍스트, 폰트, 스크린샷, 라인이(가) 표시된 사진&#10;&#10;자동 생성된 설명">
+            <a:extLst>
+              <a:ext uri="{FF2B5EF4-FFF2-40B4-BE49-F238E27FC236}">
+                <a16:creationId xmlns:a16="http://schemas.microsoft.com/office/drawing/2014/main" id="{64542F70-0BCA-C01A-15DB-DF731F021F58}"/>
+              </a:ext>
+            </a:extLst>
+          </p:cNvPr>
+          <p:cNvPicPr>
+            <a:picLocks noChangeAspect="1"/>
+          </p:cNvPicPr>
+          <p:nvPr/>
+        </p:nvPicPr>
+        <p:blipFill>
+          <a:blip r:embed="rId3" cstate="print">
+            <a:extLst>
+              <a:ext uri="{28A0092B-C50C-407E-A947-70E740481C1C}">
+                <a14:useLocalDpi xmlns:a14="http://schemas.microsoft.com/office/drawing/2010/main" val="0"/>
+              </a:ext>
+            </a:extLst>
+          </a:blip>
+          <a:stretch>
+            <a:fillRect/>
+          </a:stretch>
+        </p:blipFill>
+        <p:spPr>
+          <a:xfrm>
+            <a:off x="5483654" y="2049928"/>
+            <a:ext cx="3641712" cy="1091040"/>
+          </a:xfrm>
+          <a:prstGeom prst="rect">
+            <a:avLst/>
+          </a:prstGeom>
+        </p:spPr>
+      </p:pic>
+    </p:spTree>
+    <p:extLst>
+      <p:ext uri="{BB962C8B-B14F-4D97-AF65-F5344CB8AC3E}">
+        <p14:creationId xmlns:p14="http://schemas.microsoft.com/office/powerpoint/2010/main" val="2472333666"/>
+      </p:ext>
+    </p:extLst>
+  </p:cSld>
+  <p:clrMapOvr>
+    <a:masterClrMapping/>
+  </p:clrMapOvr>
+</p:sld>
+</file>
+
+<file path=ppt/slides/slide16.xml><?xml version="1.0" encoding="utf-8"?>
+<p:sld xmlns:a="http://schemas.openxmlformats.org/drawingml/2006/main" xmlns:r="http://schemas.openxmlformats.org/officeDocument/2006/relationships" xmlns:p="http://schemas.openxmlformats.org/presentationml/2006/main">
+  <p:cSld>
+    <p:spTree>
+      <p:nvGrpSpPr>
+        <p:cNvPr id="1" name="">
+          <a:extLst>
+            <a:ext uri="{FF2B5EF4-FFF2-40B4-BE49-F238E27FC236}">
+              <a16:creationId xmlns:a16="http://schemas.microsoft.com/office/drawing/2014/main" id="{2289BCE6-5F57-FD9D-86E5-39C682534DEF}"/>
+            </a:ext>
+          </a:extLst>
+        </p:cNvPr>
+        <p:cNvGrpSpPr/>
+        <p:nvPr/>
+      </p:nvGrpSpPr>
+      <p:grpSpPr>
+        <a:xfrm>
+          <a:off x="0" y="0"/>
+          <a:ext cx="0" cy="0"/>
+          <a:chOff x="0" y="0"/>
+          <a:chExt cx="0" cy="0"/>
+        </a:xfrm>
+      </p:grpSpPr>
+      <p:sp>
+        <p:nvSpPr>
+          <p:cNvPr id="2" name="제목 1">
+            <a:extLst>
+              <a:ext uri="{FF2B5EF4-FFF2-40B4-BE49-F238E27FC236}">
+                <a16:creationId xmlns:a16="http://schemas.microsoft.com/office/drawing/2014/main" id="{520C74EB-A403-A0CA-C8AC-45C1D83A6270}"/>
+              </a:ext>
+            </a:extLst>
+          </p:cNvPr>
+          <p:cNvSpPr>
+            <a:spLocks noGrp="1"/>
+          </p:cNvSpPr>
+          <p:nvPr>
+            <p:ph type="title"/>
+          </p:nvPr>
+        </p:nvSpPr>
+        <p:spPr/>
+        <p:txBody>
+          <a:bodyPr/>
+          <a:lstStyle/>
+          <a:p>
+            <a:r>
+              <a:rPr lang="en-US" altLang="ko-KR" dirty="0"/>
+              <a:t>TBL </a:t>
+            </a:r>
+            <a:r>
+              <a:rPr lang="ko-KR" altLang="en-US" dirty="0"/>
+              <a:t>데이터 세트의 성능 분석</a:t>
+            </a:r>
+          </a:p>
+        </p:txBody>
+      </p:sp>
+      <p:sp>
+        <p:nvSpPr>
+          <p:cNvPr id="3" name="내용 개체 틀 2">
+            <a:extLst>
+              <a:ext uri="{FF2B5EF4-FFF2-40B4-BE49-F238E27FC236}">
+                <a16:creationId xmlns:a16="http://schemas.microsoft.com/office/drawing/2014/main" id="{7EADE36E-1BA2-F941-0FD9-0869B93EE2E1}"/>
+              </a:ext>
+            </a:extLst>
+          </p:cNvPr>
+          <p:cNvSpPr>
+            <a:spLocks noGrp="1"/>
+          </p:cNvSpPr>
+          <p:nvPr>
+            <p:ph idx="1"/>
+          </p:nvPr>
+        </p:nvSpPr>
+        <p:spPr/>
+        <p:txBody>
+          <a:bodyPr/>
+          <a:lstStyle/>
+          <a:p>
+            <a:r>
+              <a:rPr lang="ko-KR" altLang="en-US" dirty="0"/>
+              <a:t>점자 위를 센서로 측정한 센서 데이터</a:t>
+            </a:r>
+            <a:endParaRPr lang="en-US" altLang="ko-KR" dirty="0"/>
+          </a:p>
+          <a:p>
+            <a:endParaRPr lang="ko-KR" altLang="en-US" dirty="0"/>
+          </a:p>
+        </p:txBody>
+      </p:sp>
+      <p:pic>
+        <p:nvPicPr>
+          <p:cNvPr id="8" name="그림 7" descr="원, 스크린샷, 디자인, 패턴이(가) 표시된 사진&#10;&#10;자동 생성된 설명">
+            <a:extLst>
+              <a:ext uri="{FF2B5EF4-FFF2-40B4-BE49-F238E27FC236}">
+                <a16:creationId xmlns:a16="http://schemas.microsoft.com/office/drawing/2014/main" id="{BA0A2301-9C7D-7341-CAC3-F8EDF8FEC433}"/>
+              </a:ext>
+            </a:extLst>
+          </p:cNvPr>
+          <p:cNvPicPr>
+            <a:picLocks noChangeAspect="1"/>
+          </p:cNvPicPr>
+          <p:nvPr/>
+        </p:nvPicPr>
+        <p:blipFill>
+          <a:blip r:embed="rId2">
+            <a:extLst>
+              <a:ext uri="{28A0092B-C50C-407E-A947-70E740481C1C}">
+                <a14:useLocalDpi xmlns:a14="http://schemas.microsoft.com/office/drawing/2010/main" val="0"/>
+              </a:ext>
+            </a:extLst>
+          </a:blip>
+          <a:stretch>
+            <a:fillRect/>
+          </a:stretch>
+        </p:blipFill>
+        <p:spPr>
+          <a:xfrm>
+            <a:off x="755650" y="1628800"/>
+            <a:ext cx="3024336" cy="2016224"/>
+          </a:xfrm>
+          <a:prstGeom prst="rect">
+            <a:avLst/>
+          </a:prstGeom>
+        </p:spPr>
+      </p:pic>
+      <p:pic>
+        <p:nvPicPr>
+          <p:cNvPr id="10" name="그림 9" descr="텍스트, 라인, 도표, 그래프이(가) 표시된 사진&#10;&#10;자동 생성된 설명">
+            <a:extLst>
+              <a:ext uri="{FF2B5EF4-FFF2-40B4-BE49-F238E27FC236}">
+                <a16:creationId xmlns:a16="http://schemas.microsoft.com/office/drawing/2014/main" id="{65CE648E-B70E-0B52-0F4A-D74304529757}"/>
+              </a:ext>
+            </a:extLst>
+          </p:cNvPr>
+          <p:cNvPicPr>
+            <a:picLocks noChangeAspect="1"/>
+          </p:cNvPicPr>
+          <p:nvPr/>
+        </p:nvPicPr>
+        <p:blipFill>
+          <a:blip r:embed="rId3" cstate="print">
+            <a:extLst>
+              <a:ext uri="{28A0092B-C50C-407E-A947-70E740481C1C}">
+                <a14:useLocalDpi xmlns:a14="http://schemas.microsoft.com/office/drawing/2010/main" val="0"/>
+              </a:ext>
+            </a:extLst>
+          </a:blip>
+          <a:stretch>
+            <a:fillRect/>
+          </a:stretch>
+        </p:blipFill>
+        <p:spPr>
+          <a:xfrm>
+            <a:off x="549834" y="3548999"/>
+            <a:ext cx="4166182" cy="3284875"/>
+          </a:xfrm>
+          <a:prstGeom prst="rect">
+            <a:avLst/>
+          </a:prstGeom>
+        </p:spPr>
+      </p:pic>
+      <p:pic>
+        <p:nvPicPr>
+          <p:cNvPr id="12" name="그림 11" descr="라인, 도표, 그래프, 텍스트이(가) 표시된 사진&#10;&#10;자동 생성된 설명">
+            <a:extLst>
+              <a:ext uri="{FF2B5EF4-FFF2-40B4-BE49-F238E27FC236}">
+                <a16:creationId xmlns:a16="http://schemas.microsoft.com/office/drawing/2014/main" id="{0286A0F4-BD46-9079-2A6D-7339CDBAAF09}"/>
+              </a:ext>
+            </a:extLst>
+          </p:cNvPr>
+          <p:cNvPicPr>
+            <a:picLocks noChangeAspect="1"/>
+          </p:cNvPicPr>
+          <p:nvPr/>
+        </p:nvPicPr>
+        <p:blipFill>
+          <a:blip r:embed="rId4" cstate="print">
+            <a:extLst>
+              <a:ext uri="{28A0092B-C50C-407E-A947-70E740481C1C}">
+                <a14:useLocalDpi xmlns:a14="http://schemas.microsoft.com/office/drawing/2010/main" val="0"/>
+              </a:ext>
+            </a:extLst>
+          </a:blip>
+          <a:stretch>
+            <a:fillRect/>
+          </a:stretch>
+        </p:blipFill>
+        <p:spPr>
+          <a:xfrm>
+            <a:off x="4633726" y="3645024"/>
+            <a:ext cx="3960440" cy="3220088"/>
+          </a:xfrm>
+          <a:prstGeom prst="rect">
+            <a:avLst/>
+          </a:prstGeom>
+        </p:spPr>
+      </p:pic>
+      <p:pic>
+        <p:nvPicPr>
+          <p:cNvPr id="14" name="그림 13" descr="텍스트, 폰트, 라인, 영수증이(가) 표시된 사진&#10;&#10;자동 생성된 설명">
+            <a:extLst>
+              <a:ext uri="{FF2B5EF4-FFF2-40B4-BE49-F238E27FC236}">
+                <a16:creationId xmlns:a16="http://schemas.microsoft.com/office/drawing/2014/main" id="{2D1656B1-AAD6-B66F-4B3F-1DFE1B9CFD20}"/>
+              </a:ext>
+            </a:extLst>
+          </p:cNvPr>
+          <p:cNvPicPr>
+            <a:picLocks noChangeAspect="1"/>
+          </p:cNvPicPr>
+          <p:nvPr/>
+        </p:nvPicPr>
+        <p:blipFill>
+          <a:blip r:embed="rId5">
+            <a:extLst>
+              <a:ext uri="{28A0092B-C50C-407E-A947-70E740481C1C}">
+                <a14:useLocalDpi xmlns:a14="http://schemas.microsoft.com/office/drawing/2010/main" val="0"/>
+              </a:ext>
+            </a:extLst>
+          </a:blip>
+          <a:stretch>
+            <a:fillRect/>
+          </a:stretch>
+        </p:blipFill>
+        <p:spPr>
+          <a:xfrm>
+            <a:off x="3853011" y="1703115"/>
+            <a:ext cx="5040164" cy="1357372"/>
+          </a:xfrm>
+          <a:prstGeom prst="rect">
+            <a:avLst/>
+          </a:prstGeom>
+        </p:spPr>
+      </p:pic>
+    </p:spTree>
+    <p:extLst>
+      <p:ext uri="{BB962C8B-B14F-4D97-AF65-F5344CB8AC3E}">
+        <p14:creationId xmlns:p14="http://schemas.microsoft.com/office/powerpoint/2010/main" val="3851782053"/>
+      </p:ext>
+    </p:extLst>
+  </p:cSld>
+  <p:clrMapOvr>
+    <a:masterClrMapping/>
+  </p:clrMapOvr>
+</p:sld>
+</file>
+
+<file path=ppt/slides/slide17.xml><?xml version="1.0" encoding="utf-8"?>
+<p:sld xmlns:a="http://schemas.openxmlformats.org/drawingml/2006/main" xmlns:r="http://schemas.openxmlformats.org/officeDocument/2006/relationships" xmlns:p="http://schemas.openxmlformats.org/presentationml/2006/main">
+  <p:cSld>
+    <p:spTree>
+      <p:nvGrpSpPr>
+        <p:cNvPr id="1" name="">
+          <a:extLst>
+            <a:ext uri="{FF2B5EF4-FFF2-40B4-BE49-F238E27FC236}">
+              <a16:creationId xmlns:a16="http://schemas.microsoft.com/office/drawing/2014/main" id="{96FED565-64B1-6D34-209C-83C58077C7F9}"/>
+            </a:ext>
+          </a:extLst>
+        </p:cNvPr>
+        <p:cNvGrpSpPr/>
+        <p:nvPr/>
+      </p:nvGrpSpPr>
+      <p:grpSpPr>
+        <a:xfrm>
+          <a:off x="0" y="0"/>
+          <a:ext cx="0" cy="0"/>
+          <a:chOff x="0" y="0"/>
+          <a:chExt cx="0" cy="0"/>
+        </a:xfrm>
+      </p:grpSpPr>
+      <p:sp>
+        <p:nvSpPr>
+          <p:cNvPr id="2" name="제목 1">
+            <a:extLst>
+              <a:ext uri="{FF2B5EF4-FFF2-40B4-BE49-F238E27FC236}">
+                <a16:creationId xmlns:a16="http://schemas.microsoft.com/office/drawing/2014/main" id="{6A531544-ED78-DBAB-E1DF-81857B8E03EE}"/>
+              </a:ext>
+            </a:extLst>
+          </p:cNvPr>
+          <p:cNvSpPr>
+            <a:spLocks noGrp="1"/>
+          </p:cNvSpPr>
+          <p:nvPr>
+            <p:ph type="title"/>
+          </p:nvPr>
+        </p:nvSpPr>
+        <p:spPr/>
+        <p:txBody>
+          <a:bodyPr/>
+          <a:lstStyle/>
+          <a:p>
+            <a:r>
+              <a:rPr lang="ko-KR" altLang="en-US" dirty="0"/>
+              <a:t>결론</a:t>
+            </a:r>
+          </a:p>
+        </p:txBody>
+      </p:sp>
+      <p:sp>
+        <p:nvSpPr>
+          <p:cNvPr id="3" name="내용 개체 틀 2">
+            <a:extLst>
+              <a:ext uri="{FF2B5EF4-FFF2-40B4-BE49-F238E27FC236}">
+                <a16:creationId xmlns:a16="http://schemas.microsoft.com/office/drawing/2014/main" id="{7CE94E7F-B00A-F02E-7AE8-6C8A92E3D113}"/>
+              </a:ext>
+            </a:extLst>
+          </p:cNvPr>
+          <p:cNvSpPr>
+            <a:spLocks noGrp="1"/>
+          </p:cNvSpPr>
+          <p:nvPr>
+            <p:ph idx="1"/>
+          </p:nvPr>
+        </p:nvSpPr>
+        <p:spPr/>
+        <p:txBody>
+          <a:bodyPr/>
+          <a:lstStyle/>
+          <a:p>
+            <a:r>
+              <a:rPr lang="ko-KR" altLang="en-US" dirty="0"/>
+              <a:t>데이터 세트별 최적의 파라미터 조합을 찾아내었고</a:t>
+            </a:r>
+            <a:r>
+              <a:rPr lang="en-US" altLang="ko-KR" dirty="0"/>
+              <a:t>,</a:t>
+            </a:r>
+            <a:r>
+              <a:rPr lang="ko-KR" altLang="en-US" dirty="0"/>
+              <a:t> 이를 통해 약 </a:t>
+            </a:r>
+            <a:r>
+              <a:rPr lang="en-US" altLang="ko-KR" dirty="0"/>
+              <a:t>2~4% </a:t>
+            </a:r>
+            <a:r>
+              <a:rPr lang="ko-KR" altLang="en-US" dirty="0"/>
+              <a:t>정도 정확도 향상을 </a:t>
+            </a:r>
+            <a:r>
+              <a:rPr lang="ko-KR" altLang="en-US" dirty="0" err="1"/>
+              <a:t>이뤄냄</a:t>
+            </a:r>
+            <a:endParaRPr lang="ko-KR" altLang="en-US" dirty="0"/>
+          </a:p>
+        </p:txBody>
+      </p:sp>
+      <p:graphicFrame>
+        <p:nvGraphicFramePr>
+          <p:cNvPr id="7" name="표 6">
+            <a:extLst>
+              <a:ext uri="{FF2B5EF4-FFF2-40B4-BE49-F238E27FC236}">
+                <a16:creationId xmlns:a16="http://schemas.microsoft.com/office/drawing/2014/main" id="{5F470C9A-6781-8856-D2FA-4897CBB9225A}"/>
+              </a:ext>
+            </a:extLst>
+          </p:cNvPr>
+          <p:cNvGraphicFramePr>
+            <a:graphicFrameLocks noGrp="1"/>
+          </p:cNvGraphicFramePr>
+          <p:nvPr>
+            <p:extLst>
+              <p:ext uri="{D42A27DB-BD31-4B8C-83A1-F6EECF244321}">
+                <p14:modId xmlns:p14="http://schemas.microsoft.com/office/powerpoint/2010/main" val="4130804995"/>
+              </p:ext>
+            </p:extLst>
+          </p:nvPr>
+        </p:nvGraphicFramePr>
+        <p:xfrm>
+          <a:off x="828678" y="2708920"/>
+          <a:ext cx="7991472" cy="1778000"/>
+        </p:xfrm>
+        <a:graphic>
+          <a:graphicData uri="http://schemas.openxmlformats.org/drawingml/2006/table">
+            <a:tbl>
+              <a:tblPr firstRow="1" bandRow="1">
+                <a:tableStyleId>{5940675A-B579-460E-94D1-54222C63F5DA}</a:tableStyleId>
+              </a:tblPr>
+              <a:tblGrid>
+                <a:gridCol w="1331912">
+                  <a:extLst>
+                    <a:ext uri="{9D8B030D-6E8A-4147-A177-3AD203B41FA5}">
+                      <a16:colId xmlns:a16="http://schemas.microsoft.com/office/drawing/2014/main" val="1583486640"/>
+                    </a:ext>
+                  </a:extLst>
+                </a:gridCol>
+                <a:gridCol w="1331912">
+                  <a:extLst>
+                    <a:ext uri="{9D8B030D-6E8A-4147-A177-3AD203B41FA5}">
+                      <a16:colId xmlns:a16="http://schemas.microsoft.com/office/drawing/2014/main" val="3013167194"/>
+                    </a:ext>
+                  </a:extLst>
+                </a:gridCol>
+                <a:gridCol w="1331912">
+                  <a:extLst>
+                    <a:ext uri="{9D8B030D-6E8A-4147-A177-3AD203B41FA5}">
+                      <a16:colId xmlns:a16="http://schemas.microsoft.com/office/drawing/2014/main" val="3772452934"/>
+                    </a:ext>
+                  </a:extLst>
+                </a:gridCol>
+                <a:gridCol w="1331912">
+                  <a:extLst>
+                    <a:ext uri="{9D8B030D-6E8A-4147-A177-3AD203B41FA5}">
+                      <a16:colId xmlns:a16="http://schemas.microsoft.com/office/drawing/2014/main" val="622882259"/>
+                    </a:ext>
+                  </a:extLst>
+                </a:gridCol>
+                <a:gridCol w="1331912">
+                  <a:extLst>
+                    <a:ext uri="{9D8B030D-6E8A-4147-A177-3AD203B41FA5}">
+                      <a16:colId xmlns:a16="http://schemas.microsoft.com/office/drawing/2014/main" val="1499855307"/>
+                    </a:ext>
+                  </a:extLst>
+                </a:gridCol>
+                <a:gridCol w="1331912">
+                  <a:extLst>
+                    <a:ext uri="{9D8B030D-6E8A-4147-A177-3AD203B41FA5}">
+                      <a16:colId xmlns:a16="http://schemas.microsoft.com/office/drawing/2014/main" val="3751918935"/>
+                    </a:ext>
+                  </a:extLst>
+                </a:gridCol>
+              </a:tblGrid>
+              <a:tr h="370840">
+                <a:tc>
+                  <a:txBody>
+                    <a:bodyPr/>
+                    <a:lstStyle/>
+                    <a:p>
+                      <a:pPr algn="ctr" latinLnBrk="1"/>
+                      <a:r>
+                        <a:rPr lang="ko-KR" altLang="en-US" sz="1400" dirty="0"/>
+                        <a:t>데이터 셋</a:t>
+                      </a:r>
+                    </a:p>
+                  </a:txBody>
+                  <a:tcPr anchor="ctr"/>
+                </a:tc>
+                <a:tc>
+                  <a:txBody>
+                    <a:bodyPr/>
+                    <a:lstStyle/>
+                    <a:p>
+                      <a:pPr algn="ctr" latinLnBrk="1"/>
+                      <a:r>
+                        <a:rPr lang="ko-KR" altLang="en-US" sz="1400" dirty="0" err="1"/>
+                        <a:t>은닉층</a:t>
+                      </a:r>
+                      <a:r>
+                        <a:rPr lang="ko-KR" altLang="en-US" sz="1400" dirty="0"/>
+                        <a:t> 노드 개수</a:t>
+                      </a:r>
+                    </a:p>
+                  </a:txBody>
+                  <a:tcPr anchor="ctr"/>
+                </a:tc>
+                <a:tc>
+                  <a:txBody>
+                    <a:bodyPr/>
+                    <a:lstStyle/>
+                    <a:p>
+                      <a:pPr algn="ctr" latinLnBrk="1"/>
+                      <a:r>
+                        <a:rPr lang="ko-KR" altLang="en-US" sz="1400" dirty="0"/>
+                        <a:t>시간 단계</a:t>
+                      </a:r>
+                    </a:p>
+                  </a:txBody>
+                  <a:tcPr anchor="ctr"/>
+                </a:tc>
+                <a:tc>
+                  <a:txBody>
+                    <a:bodyPr/>
+                    <a:lstStyle/>
+                    <a:p>
+                      <a:pPr algn="ctr" latinLnBrk="1"/>
+                      <a:r>
+                        <a:rPr lang="ko-KR" altLang="en-US" sz="1400" dirty="0" err="1"/>
+                        <a:t>서로게이트</a:t>
+                      </a:r>
+                      <a:r>
+                        <a:rPr lang="ko-KR" altLang="en-US" sz="1400" dirty="0"/>
+                        <a:t> </a:t>
+                      </a:r>
+                      <a:br>
+                        <a:rPr lang="en-US" altLang="ko-KR" sz="1400" dirty="0"/>
+                      </a:br>
+                      <a:r>
+                        <a:rPr lang="ko-KR" altLang="en-US" sz="1400" dirty="0"/>
+                        <a:t>기울기 경사</a:t>
+                      </a:r>
+                    </a:p>
+                  </a:txBody>
+                  <a:tcPr anchor="ctr"/>
+                </a:tc>
+                <a:tc>
+                  <a:txBody>
+                    <a:bodyPr/>
+                    <a:lstStyle/>
+                    <a:p>
+                      <a:pPr algn="ctr" latinLnBrk="1"/>
+                      <a:r>
+                        <a:rPr lang="ko-KR" altLang="en-US" sz="1400" dirty="0"/>
+                        <a:t>정규화 손실률</a:t>
+                      </a:r>
+                    </a:p>
+                  </a:txBody>
+                  <a:tcPr anchor="ctr"/>
+                </a:tc>
+                <a:tc>
+                  <a:txBody>
+                    <a:bodyPr/>
+                    <a:lstStyle/>
+                    <a:p>
+                      <a:pPr algn="ctr" latinLnBrk="1"/>
+                      <a:r>
+                        <a:rPr lang="ko-KR" altLang="en-US" sz="1400" dirty="0"/>
+                        <a:t>학습 정확도</a:t>
+                      </a:r>
+                    </a:p>
+                  </a:txBody>
+                  <a:tcPr anchor="ctr"/>
+                </a:tc>
+                <a:extLst>
+                  <a:ext uri="{0D108BD9-81ED-4DB2-BD59-A6C34878D82A}">
+                    <a16:rowId xmlns:a16="http://schemas.microsoft.com/office/drawing/2014/main" val="1489236987"/>
+                  </a:ext>
+                </a:extLst>
+              </a:tr>
+              <a:tr h="370840">
+                <a:tc>
+                  <a:txBody>
+                    <a:bodyPr/>
+                    <a:lstStyle/>
+                    <a:p>
+                      <a:pPr algn="ctr" latinLnBrk="1"/>
+                      <a:r>
+                        <a:rPr lang="en-US" altLang="ko-KR" sz="1400" dirty="0"/>
+                        <a:t>Fashion</a:t>
+                      </a:r>
+                    </a:p>
+                    <a:p>
+                      <a:pPr algn="ctr" latinLnBrk="1"/>
+                      <a:r>
+                        <a:rPr lang="en-US" altLang="ko-KR" sz="1400" dirty="0"/>
+                        <a:t>MNIST</a:t>
+                      </a:r>
+                      <a:endParaRPr lang="ko-KR" altLang="en-US" sz="1400" dirty="0"/>
+                    </a:p>
+                  </a:txBody>
+                  <a:tcPr anchor="ctr"/>
+                </a:tc>
+                <a:tc>
+                  <a:txBody>
+                    <a:bodyPr/>
+                    <a:lstStyle/>
+                    <a:p>
+                      <a:pPr algn="ctr" latinLnBrk="1"/>
+                      <a:r>
+                        <a:rPr lang="en-US" altLang="ko-KR" sz="1400" dirty="0"/>
+                        <a:t>150+</a:t>
+                      </a:r>
+                      <a:endParaRPr lang="ko-KR" altLang="en-US" sz="1400" dirty="0"/>
+                    </a:p>
+                  </a:txBody>
+                  <a:tcPr anchor="ctr"/>
+                </a:tc>
+                <a:tc>
+                  <a:txBody>
+                    <a:bodyPr/>
+                    <a:lstStyle/>
+                    <a:p>
+                      <a:pPr algn="ctr" latinLnBrk="1"/>
+                      <a:r>
+                        <a:rPr lang="en-US" altLang="ko-KR" sz="1400" dirty="0"/>
+                        <a:t>100</a:t>
+                      </a:r>
+                      <a:endParaRPr lang="ko-KR" altLang="en-US" sz="1400" dirty="0"/>
+                    </a:p>
+                  </a:txBody>
+                  <a:tcPr anchor="ctr"/>
+                </a:tc>
+                <a:tc>
+                  <a:txBody>
+                    <a:bodyPr/>
+                    <a:lstStyle/>
+                    <a:p>
+                      <a:pPr algn="ctr" latinLnBrk="1"/>
+                      <a:r>
+                        <a:rPr lang="en-US" altLang="ko-KR" sz="1400" dirty="0"/>
+                        <a:t>80.0-</a:t>
+                      </a:r>
+                      <a:endParaRPr lang="ko-KR" altLang="en-US" sz="1400" dirty="0"/>
+                    </a:p>
+                  </a:txBody>
+                  <a:tcPr anchor="ctr"/>
+                </a:tc>
+                <a:tc>
+                  <a:txBody>
+                    <a:bodyPr/>
+                    <a:lstStyle/>
+                    <a:p>
+                      <a:pPr algn="ctr" latinLnBrk="1"/>
+                      <a:r>
+                        <a:rPr lang="en-US" altLang="ko-KR" sz="1400" dirty="0"/>
+                        <a:t>1e-6 -</a:t>
+                      </a:r>
+                      <a:endParaRPr lang="ko-KR" altLang="en-US" sz="1400" dirty="0"/>
+                    </a:p>
+                  </a:txBody>
+                  <a:tcPr anchor="ctr"/>
+                </a:tc>
+                <a:tc>
+                  <a:txBody>
+                    <a:bodyPr/>
+                    <a:lstStyle/>
+                    <a:p>
+                      <a:pPr algn="ctr" latinLnBrk="1"/>
+                      <a:r>
+                        <a:rPr lang="en-US" altLang="ko-KR" sz="1400" dirty="0"/>
+                        <a:t>89.53%</a:t>
+                      </a:r>
+                      <a:endParaRPr lang="ko-KR" altLang="en-US" sz="1400" dirty="0"/>
+                    </a:p>
+                  </a:txBody>
+                  <a:tcPr anchor="ctr"/>
+                </a:tc>
+                <a:extLst>
+                  <a:ext uri="{0D108BD9-81ED-4DB2-BD59-A6C34878D82A}">
+                    <a16:rowId xmlns:a16="http://schemas.microsoft.com/office/drawing/2014/main" val="1904293586"/>
+                  </a:ext>
+                </a:extLst>
+              </a:tr>
+              <a:tr h="370840">
+                <a:tc>
+                  <a:txBody>
+                    <a:bodyPr/>
+                    <a:lstStyle/>
+                    <a:p>
+                      <a:pPr algn="ctr" latinLnBrk="1"/>
+                      <a:r>
+                        <a:rPr lang="en-US" altLang="ko-KR" sz="1400" dirty="0"/>
+                        <a:t>SHD</a:t>
+                      </a:r>
+                      <a:endParaRPr lang="ko-KR" altLang="en-US" sz="1400" dirty="0"/>
+                    </a:p>
+                  </a:txBody>
+                  <a:tcPr anchor="ctr"/>
+                </a:tc>
+                <a:tc>
+                  <a:txBody>
+                    <a:bodyPr/>
+                    <a:lstStyle/>
+                    <a:p>
+                      <a:pPr algn="ctr" latinLnBrk="1"/>
+                      <a:r>
+                        <a:rPr lang="en-US" altLang="ko-KR" sz="1400" dirty="0"/>
+                        <a:t>200+</a:t>
+                      </a:r>
+                      <a:endParaRPr lang="ko-KR" altLang="en-US" sz="1400" dirty="0"/>
+                    </a:p>
+                  </a:txBody>
+                  <a:tcPr anchor="ctr"/>
+                </a:tc>
+                <a:tc>
+                  <a:txBody>
+                    <a:bodyPr/>
+                    <a:lstStyle/>
+                    <a:p>
+                      <a:pPr algn="ctr" latinLnBrk="1"/>
+                      <a:r>
+                        <a:rPr lang="en-US" altLang="ko-KR" sz="1400" dirty="0"/>
+                        <a:t>75-</a:t>
+                      </a:r>
+                      <a:endParaRPr lang="ko-KR" altLang="en-US" sz="1400" dirty="0"/>
+                    </a:p>
+                  </a:txBody>
+                  <a:tcPr anchor="ctr"/>
+                </a:tc>
+                <a:tc>
+                  <a:txBody>
+                    <a:bodyPr/>
+                    <a:lstStyle/>
+                    <a:p>
+                      <a:pPr algn="ctr" latinLnBrk="1"/>
+                      <a:r>
+                        <a:rPr lang="en-US" altLang="ko-KR" sz="1400" dirty="0"/>
+                        <a:t>100.0</a:t>
+                      </a:r>
+                      <a:endParaRPr lang="ko-KR" altLang="en-US" sz="1400" dirty="0"/>
+                    </a:p>
+                  </a:txBody>
+                  <a:tcPr anchor="ctr"/>
+                </a:tc>
+                <a:tc>
+                  <a:txBody>
+                    <a:bodyPr/>
+                    <a:lstStyle/>
+                    <a:p>
+                      <a:pPr algn="ctr" latinLnBrk="1"/>
+                      <a:r>
+                        <a:rPr lang="en-US" altLang="ko-KR" sz="1400" dirty="0"/>
+                        <a:t>2e-6</a:t>
+                      </a:r>
+                      <a:endParaRPr lang="ko-KR" altLang="en-US" sz="1400" dirty="0"/>
+                    </a:p>
+                  </a:txBody>
+                  <a:tcPr anchor="ctr"/>
+                </a:tc>
+                <a:tc>
+                  <a:txBody>
+                    <a:bodyPr/>
+                    <a:lstStyle/>
+                    <a:p>
+                      <a:pPr algn="ctr" latinLnBrk="1"/>
+                      <a:r>
+                        <a:rPr lang="en-US" altLang="ko-KR" sz="1400" dirty="0"/>
+                        <a:t>99.92%</a:t>
+                      </a:r>
+                      <a:endParaRPr lang="ko-KR" altLang="en-US" sz="1400" dirty="0"/>
+                    </a:p>
+                  </a:txBody>
+                  <a:tcPr anchor="ctr"/>
+                </a:tc>
+                <a:extLst>
+                  <a:ext uri="{0D108BD9-81ED-4DB2-BD59-A6C34878D82A}">
+                    <a16:rowId xmlns:a16="http://schemas.microsoft.com/office/drawing/2014/main" val="622784299"/>
+                  </a:ext>
+                </a:extLst>
+              </a:tr>
+              <a:tr h="370840">
+                <a:tc>
+                  <a:txBody>
+                    <a:bodyPr/>
+                    <a:lstStyle/>
+                    <a:p>
+                      <a:pPr algn="ctr" latinLnBrk="1"/>
+                      <a:r>
+                        <a:rPr lang="en-US" altLang="ko-KR" sz="1400" dirty="0"/>
+                        <a:t>TBL</a:t>
+                      </a:r>
+                      <a:endParaRPr lang="ko-KR" altLang="en-US" sz="1400" dirty="0"/>
+                    </a:p>
+                  </a:txBody>
+                  <a:tcPr anchor="ctr"/>
+                </a:tc>
+                <a:tc>
+                  <a:txBody>
+                    <a:bodyPr/>
+                    <a:lstStyle/>
+                    <a:p>
+                      <a:pPr algn="ctr" latinLnBrk="1"/>
+                      <a:r>
+                        <a:rPr lang="en-US" altLang="ko-KR" sz="1400" dirty="0"/>
+                        <a:t>300+</a:t>
+                      </a:r>
+                      <a:endParaRPr lang="ko-KR" altLang="en-US" sz="1400" dirty="0"/>
+                    </a:p>
+                  </a:txBody>
+                  <a:tcPr anchor="ctr"/>
+                </a:tc>
+                <a:tc>
+                  <a:txBody>
+                    <a:bodyPr/>
+                    <a:lstStyle/>
+                    <a:p>
+                      <a:pPr algn="ctr" latinLnBrk="1"/>
+                      <a:r>
+                        <a:rPr lang="en-US" altLang="ko-KR" sz="1400" dirty="0"/>
+                        <a:t>76-</a:t>
+                      </a:r>
+                      <a:endParaRPr lang="ko-KR" altLang="en-US" sz="1400" dirty="0"/>
+                    </a:p>
+                  </a:txBody>
+                  <a:tcPr anchor="ctr"/>
+                </a:tc>
+                <a:tc>
+                  <a:txBody>
+                    <a:bodyPr/>
+                    <a:lstStyle/>
+                    <a:p>
+                      <a:pPr algn="ctr" latinLnBrk="1"/>
+                      <a:r>
+                        <a:rPr lang="en-US" altLang="ko-KR" sz="1400" dirty="0"/>
+                        <a:t>20.0</a:t>
+                      </a:r>
+                      <a:endParaRPr lang="ko-KR" altLang="en-US" sz="1400" dirty="0"/>
+                    </a:p>
+                  </a:txBody>
+                  <a:tcPr anchor="ctr"/>
+                </a:tc>
+                <a:tc>
+                  <a:txBody>
+                    <a:bodyPr/>
+                    <a:lstStyle/>
+                    <a:p>
+                      <a:pPr algn="ctr" latinLnBrk="1"/>
+                      <a:r>
+                        <a:rPr lang="en-US" altLang="ko-KR" sz="1400" dirty="0"/>
+                        <a:t>0.01+</a:t>
+                      </a:r>
+                      <a:endParaRPr lang="ko-KR" altLang="en-US" sz="1400" dirty="0"/>
+                    </a:p>
+                  </a:txBody>
+                  <a:tcPr anchor="ctr"/>
+                </a:tc>
+                <a:tc>
+                  <a:txBody>
+                    <a:bodyPr/>
+                    <a:lstStyle/>
+                    <a:p>
+                      <a:pPr algn="ctr" latinLnBrk="1"/>
+                      <a:r>
+                        <a:rPr lang="en-US" altLang="ko-KR" sz="1400" dirty="0"/>
+                        <a:t>99.80%</a:t>
+                      </a:r>
+                      <a:endParaRPr lang="ko-KR" altLang="en-US" sz="1400" dirty="0"/>
+                    </a:p>
+                  </a:txBody>
+                  <a:tcPr anchor="ctr"/>
+                </a:tc>
+                <a:extLst>
+                  <a:ext uri="{0D108BD9-81ED-4DB2-BD59-A6C34878D82A}">
+                    <a16:rowId xmlns:a16="http://schemas.microsoft.com/office/drawing/2014/main" val="406399605"/>
+                  </a:ext>
+                </a:extLst>
+              </a:tr>
+            </a:tbl>
+          </a:graphicData>
+        </a:graphic>
+      </p:graphicFrame>
+    </p:spTree>
+    <p:extLst>
+      <p:ext uri="{BB962C8B-B14F-4D97-AF65-F5344CB8AC3E}">
+        <p14:creationId xmlns:p14="http://schemas.microsoft.com/office/powerpoint/2010/main" val="3401366705"/>
+      </p:ext>
+    </p:extLst>
+  </p:cSld>
+  <p:clrMapOvr>
+    <a:masterClrMapping/>
+  </p:clrMapOvr>
+</p:sld>
+</file>
+
+<file path=ppt/slides/slide18.xml><?xml version="1.0" encoding="utf-8"?>
+<p:sld xmlns:a="http://schemas.openxmlformats.org/drawingml/2006/main" xmlns:r="http://schemas.openxmlformats.org/officeDocument/2006/relationships" xmlns:p="http://schemas.openxmlformats.org/presentationml/2006/main" show="0">
+  <p:cSld>
+    <p:spTree>
+      <p:nvGrpSpPr>
+        <p:cNvPr id="1" name=""/>
+        <p:cNvGrpSpPr/>
+        <p:nvPr/>
+      </p:nvGrpSpPr>
+      <p:grpSpPr>
+        <a:xfrm>
+          <a:off x="0" y="0"/>
+          <a:ext cx="0" cy="0"/>
+          <a:chOff x="0" y="0"/>
+          <a:chExt cx="0" cy="0"/>
+        </a:xfrm>
+      </p:grpSpPr>
+      <p:sp>
+        <p:nvSpPr>
+          <p:cNvPr id="2" name="제목 1">
+            <a:extLst>
+              <a:ext uri="{FF2B5EF4-FFF2-40B4-BE49-F238E27FC236}">
+                <a16:creationId xmlns:a16="http://schemas.microsoft.com/office/drawing/2014/main" id="{8689483B-E0DB-77BC-DB8D-AEC691CA8610}"/>
+              </a:ext>
+            </a:extLst>
+          </p:cNvPr>
+          <p:cNvSpPr>
+            <a:spLocks noGrp="1"/>
+          </p:cNvSpPr>
+          <p:nvPr>
+            <p:ph type="title"/>
+          </p:nvPr>
+        </p:nvSpPr>
+        <p:spPr/>
+        <p:txBody>
+          <a:bodyPr/>
+          <a:lstStyle/>
+          <a:p>
+            <a:r>
+              <a:rPr lang="ko-KR" altLang="en-US" dirty="0"/>
+              <a:t>사회적 배경</a:t>
+            </a:r>
+          </a:p>
+        </p:txBody>
+      </p:sp>
+      <p:sp>
+        <p:nvSpPr>
+          <p:cNvPr id="3" name="내용 개체 틀 2">
+            <a:extLst>
+              <a:ext uri="{FF2B5EF4-FFF2-40B4-BE49-F238E27FC236}">
+                <a16:creationId xmlns:a16="http://schemas.microsoft.com/office/drawing/2014/main" id="{6EB2EE31-812D-CD56-EF31-0E31341344B0}"/>
+              </a:ext>
+            </a:extLst>
+          </p:cNvPr>
+          <p:cNvSpPr>
+            <a:spLocks noGrp="1"/>
+          </p:cNvSpPr>
+          <p:nvPr>
+            <p:ph idx="1"/>
+          </p:nvPr>
+        </p:nvSpPr>
+        <p:spPr/>
+        <p:txBody>
+          <a:bodyPr/>
+          <a:lstStyle/>
+          <a:p>
+            <a:r>
+              <a:rPr lang="en-US" altLang="ko-KR" dirty="0"/>
+              <a:t>1940</a:t>
+            </a:r>
+            <a:r>
+              <a:rPr lang="ko-KR" altLang="en-US" dirty="0"/>
+              <a:t>년대 컴퓨터 과학자들은 인간 뇌의 </a:t>
+            </a:r>
+            <a:br>
+              <a:rPr lang="en-US" altLang="ko-KR" dirty="0"/>
+            </a:br>
+            <a:r>
+              <a:rPr lang="ko-KR" altLang="en-US" dirty="0"/>
+              <a:t>생물학적인 특성을 모방함</a:t>
+            </a:r>
+            <a:endParaRPr lang="en-US" altLang="ko-KR" dirty="0"/>
+          </a:p>
+          <a:p>
+            <a:endParaRPr lang="en-US" altLang="ko-KR" dirty="0"/>
+          </a:p>
+          <a:p>
+            <a:r>
+              <a:rPr lang="ko-KR" altLang="en-US" dirty="0"/>
+              <a:t>이렇게 탄생된 인공신경망</a:t>
+            </a:r>
+            <a:r>
+              <a:rPr lang="en-US" altLang="ko-KR" dirty="0"/>
+              <a:t>(Artificial Neural Network) </a:t>
+            </a:r>
+            <a:r>
+              <a:rPr lang="ko-KR" altLang="en-US" dirty="0"/>
+              <a:t>모델은 많은 분야에서 뛰어난 성능을 보임</a:t>
+            </a:r>
+            <a:endParaRPr lang="en-US" altLang="ko-KR" dirty="0"/>
+          </a:p>
+          <a:p>
+            <a:endParaRPr lang="en-US" altLang="ko-KR" dirty="0"/>
+          </a:p>
+          <a:p>
+            <a:r>
+              <a:rPr lang="ko-KR" altLang="en-US" dirty="0"/>
+              <a:t>이후 인공신경망의 에너지 효율 증가와 인간 뇌의 학습 방식과 더 유사한 모델로 스파이크 신경망이 개발됨</a:t>
+            </a:r>
+          </a:p>
+        </p:txBody>
+      </p:sp>
+    </p:spTree>
+    <p:extLst>
+      <p:ext uri="{BB962C8B-B14F-4D97-AF65-F5344CB8AC3E}">
+        <p14:creationId xmlns:p14="http://schemas.microsoft.com/office/powerpoint/2010/main" val="2609103625"/>
+      </p:ext>
+    </p:extLst>
+  </p:cSld>
+  <p:clrMapOvr>
+    <a:masterClrMapping/>
+  </p:clrMapOvr>
+</p:sld>
+</file>
+
+<file path=ppt/slides/slide19.xml><?xml version="1.0" encoding="utf-8"?>
+<p:sld xmlns:a="http://schemas.openxmlformats.org/drawingml/2006/main" xmlns:r="http://schemas.openxmlformats.org/officeDocument/2006/relationships" xmlns:p="http://schemas.openxmlformats.org/presentationml/2006/main" show="0">
+  <p:cSld>
+    <p:spTree>
+      <p:nvGrpSpPr>
+        <p:cNvPr id="1" name=""/>
+        <p:cNvGrpSpPr/>
+        <p:nvPr/>
+      </p:nvGrpSpPr>
+      <p:grpSpPr>
+        <a:xfrm>
+          <a:off x="0" y="0"/>
+          <a:ext cx="0" cy="0"/>
+          <a:chOff x="0" y="0"/>
+          <a:chExt cx="0" cy="0"/>
+        </a:xfrm>
+      </p:grpSpPr>
+      <p:sp>
+        <p:nvSpPr>
+          <p:cNvPr id="2" name="제목 1">
+            <a:extLst>
+              <a:ext uri="{FF2B5EF4-FFF2-40B4-BE49-F238E27FC236}">
+                <a16:creationId xmlns:a16="http://schemas.microsoft.com/office/drawing/2014/main" id="{4FA05EC6-A717-385F-7218-A43CA60B778F}"/>
+              </a:ext>
+            </a:extLst>
+          </p:cNvPr>
+          <p:cNvSpPr>
+            <a:spLocks noGrp="1"/>
+          </p:cNvSpPr>
+          <p:nvPr>
+            <p:ph type="title"/>
+          </p:nvPr>
+        </p:nvSpPr>
+        <p:spPr/>
+        <p:txBody>
+          <a:bodyPr/>
+          <a:lstStyle/>
+          <a:p>
+            <a:r>
+              <a:rPr lang="ko-KR" altLang="en-US" dirty="0"/>
+              <a:t>스파이크 신경망 모델</a:t>
+            </a:r>
+          </a:p>
+        </p:txBody>
+      </p:sp>
+      <p:sp>
+        <p:nvSpPr>
+          <p:cNvPr id="3" name="내용 개체 틀 2">
+            <a:extLst>
+              <a:ext uri="{FF2B5EF4-FFF2-40B4-BE49-F238E27FC236}">
+                <a16:creationId xmlns:a16="http://schemas.microsoft.com/office/drawing/2014/main" id="{A959DA52-7288-5CD4-D123-12EAF09439D6}"/>
+              </a:ext>
+            </a:extLst>
+          </p:cNvPr>
+          <p:cNvSpPr>
+            <a:spLocks noGrp="1"/>
+          </p:cNvSpPr>
+          <p:nvPr>
+            <p:ph idx="1"/>
+          </p:nvPr>
+        </p:nvSpPr>
+        <p:spPr>
+          <a:xfrm>
+            <a:off x="828676" y="1052513"/>
+            <a:ext cx="8064500" cy="5272087"/>
+          </a:xfrm>
+        </p:spPr>
+        <p:txBody>
+          <a:bodyPr>
+            <a:normAutofit/>
+          </a:bodyPr>
+          <a:lstStyle/>
+          <a:p>
+            <a:r>
+              <a:rPr lang="ko-KR" altLang="en-US" dirty="0"/>
+              <a:t>생물학적 뉴런의 정보 전달 방식 그대로 </a:t>
+            </a:r>
+            <a:br>
+              <a:rPr lang="en-US" altLang="ko-KR" dirty="0"/>
+            </a:br>
+            <a:r>
+              <a:rPr lang="ko-KR" altLang="en-US" dirty="0"/>
+              <a:t>모방함</a:t>
+            </a:r>
+            <a:endParaRPr lang="en-US" altLang="ko-KR" dirty="0"/>
+          </a:p>
+          <a:p>
+            <a:endParaRPr lang="en-US" altLang="ko-KR" dirty="0"/>
+          </a:p>
+          <a:p>
+            <a:r>
+              <a:rPr lang="ko-KR" altLang="en-US" dirty="0"/>
+              <a:t>스파이크라는 이진 정보만으로 학습을 하기 </a:t>
+            </a:r>
+            <a:br>
+              <a:rPr lang="en-US" altLang="ko-KR" dirty="0"/>
+            </a:br>
+            <a:r>
+              <a:rPr lang="ko-KR" altLang="en-US" dirty="0"/>
+              <a:t>때문에 에너지 효율에 유리함</a:t>
+            </a:r>
+            <a:endParaRPr lang="en-US" altLang="ko-KR" dirty="0"/>
+          </a:p>
+          <a:p>
+            <a:endParaRPr lang="en-US" altLang="ko-KR" dirty="0"/>
+          </a:p>
+          <a:p>
+            <a:r>
+              <a:rPr lang="ko-KR" altLang="en-US" dirty="0"/>
+              <a:t>스파이크 신경망은 실제 인간 뇌의 학습 </a:t>
+            </a:r>
+            <a:br>
+              <a:rPr lang="en-US" altLang="ko-KR" dirty="0"/>
+            </a:br>
+            <a:r>
+              <a:rPr lang="ko-KR" altLang="en-US" dirty="0"/>
+              <a:t>방법을 연구하는 분야로 확장될 수 있음</a:t>
+            </a:r>
+            <a:endParaRPr lang="en-US" altLang="ko-KR" dirty="0"/>
+          </a:p>
+        </p:txBody>
+      </p:sp>
+    </p:spTree>
+    <p:extLst>
+      <p:ext uri="{BB962C8B-B14F-4D97-AF65-F5344CB8AC3E}">
+        <p14:creationId xmlns:p14="http://schemas.microsoft.com/office/powerpoint/2010/main" val="1325961471"/>
       </p:ext>
     </p:extLst>
   </p:cSld>
@@ -5464,10 +7605,109 @@
       </p:grpSpPr>
       <p:sp>
         <p:nvSpPr>
+          <p:cNvPr id="3" name="내용 개체 틀 2">
+            <a:extLst>
+              <a:ext uri="{FF2B5EF4-FFF2-40B4-BE49-F238E27FC236}">
+                <a16:creationId xmlns:a16="http://schemas.microsoft.com/office/drawing/2014/main" id="{6124AE53-D95E-DC01-2182-2E8E13DF767A}"/>
+              </a:ext>
+            </a:extLst>
+          </p:cNvPr>
+          <p:cNvSpPr>
+            <a:spLocks noGrp="1"/>
+          </p:cNvSpPr>
+          <p:nvPr>
+            <p:ph idx="1"/>
+          </p:nvPr>
+        </p:nvSpPr>
+        <p:spPr>
+          <a:xfrm>
+            <a:off x="828675" y="1052513"/>
+            <a:ext cx="7991475" cy="5805487"/>
+          </a:xfrm>
+        </p:spPr>
+        <p:txBody>
+          <a:bodyPr>
+            <a:normAutofit lnSpcReduction="10000"/>
+          </a:bodyPr>
+          <a:lstStyle/>
+          <a:p>
+            <a:r>
+              <a:rPr kumimoji="1" lang="ko-KR" altLang="en-US" dirty="0"/>
+              <a:t>인공신경망</a:t>
+            </a:r>
+            <a:r>
+              <a:rPr kumimoji="1" lang="en-US" altLang="ko-KR" dirty="0"/>
+              <a:t>(Artificial Neural Network)</a:t>
+            </a:r>
+            <a:r>
+              <a:rPr kumimoji="1" lang="ko-KR" altLang="en-US" dirty="0"/>
+              <a:t> 모델보다 인간 뇌의 학습 방식과 더 유사한 스파이크 신경망</a:t>
+            </a:r>
+            <a:r>
+              <a:rPr kumimoji="1" lang="en-US" altLang="ko-KR" dirty="0"/>
+              <a:t>(Spiking Neural Network)</a:t>
+            </a:r>
+            <a:r>
+              <a:rPr lang="ko-KR" altLang="en-US" dirty="0"/>
+              <a:t>이</a:t>
+            </a:r>
+            <a:r>
+              <a:rPr kumimoji="1" lang="ko-KR" altLang="en-US" dirty="0"/>
+              <a:t> 개발됨</a:t>
+            </a:r>
+            <a:endParaRPr kumimoji="1" lang="en-US" altLang="ko-KR" dirty="0"/>
+          </a:p>
+          <a:p>
+            <a:endParaRPr lang="en-US" altLang="ko-KR" dirty="0"/>
+          </a:p>
+          <a:p>
+            <a:endParaRPr kumimoji="1" lang="en-US" altLang="ko-KR" dirty="0"/>
+          </a:p>
+          <a:p>
+            <a:endParaRPr lang="en-US" altLang="ko-KR" dirty="0"/>
+          </a:p>
+          <a:p>
+            <a:endParaRPr kumimoji="1" lang="en-US" altLang="ko-KR" dirty="0"/>
+          </a:p>
+          <a:p>
+            <a:r>
+              <a:rPr kumimoji="1" lang="ko-KR" altLang="en-US" dirty="0"/>
+              <a:t>스파이크 신경망은 스파이크라는 이진 정보로 학습하기 때문에 에너지 효율에 유리</a:t>
+            </a:r>
+            <a:endParaRPr kumimoji="1" lang="en-US" altLang="ko-KR" dirty="0"/>
+          </a:p>
+          <a:p>
+            <a:endParaRPr lang="en-US" altLang="ko-KR" dirty="0"/>
+          </a:p>
+          <a:p>
+            <a:r>
+              <a:rPr lang="ko-KR" altLang="en-US" dirty="0"/>
+              <a:t>신경망 최적의 파라미터</a:t>
+            </a:r>
+            <a:r>
+              <a:rPr kumimoji="1" lang="ko-KR" altLang="en-US" dirty="0"/>
+              <a:t> 조합을 제시해 더 </a:t>
+            </a:r>
+            <a:br>
+              <a:rPr kumimoji="1" lang="en-US" altLang="ko-KR" dirty="0"/>
+            </a:br>
+            <a:r>
+              <a:rPr kumimoji="1" lang="ko-KR" altLang="en-US" dirty="0"/>
+              <a:t>효율적인 학습 가능</a:t>
+            </a:r>
+            <a:endParaRPr kumimoji="1" lang="en-US" altLang="ko-KR" dirty="0"/>
+          </a:p>
+          <a:p>
+            <a:endParaRPr lang="en-US" altLang="ko-KR" dirty="0"/>
+          </a:p>
+        </p:txBody>
+      </p:sp>
+      <p:sp>
+        <p:nvSpPr>
           <p:cNvPr id="2" name="제목 1">
             <a:extLst>
               <a:ext uri="{FF2B5EF4-FFF2-40B4-BE49-F238E27FC236}">
-                <a16:creationId xmlns:a16="http://schemas.microsoft.com/office/drawing/2014/main" id="{8689483B-E0DB-77BC-DB8D-AEC691CA8610}"/>
+                <a16:creationId xmlns:a16="http://schemas.microsoft.com/office/drawing/2014/main" id="{7F345304-F89F-A3F4-28D0-6FE9ABCA149D}"/>
               </a:ext>
             </a:extLst>
           </p:cNvPr>
@@ -5484,83 +7724,416 @@
           <a:lstStyle/>
           <a:p>
             <a:r>
-              <a:rPr lang="ko-KR" altLang="en-US" dirty="0"/>
-              <a:t>사회적 배경</a:t>
+              <a:rPr kumimoji="1" lang="ko-KR" altLang="en-US" dirty="0"/>
+              <a:t>서론</a:t>
             </a:r>
           </a:p>
         </p:txBody>
       </p:sp>
-      <p:sp>
-        <p:nvSpPr>
-          <p:cNvPr id="3" name="내용 개체 틀 2">
+      <p:grpSp>
+        <p:nvGrpSpPr>
+          <p:cNvPr id="9" name="그룹 8">
             <a:extLst>
               <a:ext uri="{FF2B5EF4-FFF2-40B4-BE49-F238E27FC236}">
-                <a16:creationId xmlns:a16="http://schemas.microsoft.com/office/drawing/2014/main" id="{6EB2EE31-812D-CD56-EF31-0E31341344B0}"/>
+                <a16:creationId xmlns:a16="http://schemas.microsoft.com/office/drawing/2014/main" id="{9DB23D02-D86F-6DC2-0A30-132FAE2FAB8F}"/>
               </a:ext>
             </a:extLst>
           </p:cNvPr>
-          <p:cNvSpPr>
-            <a:spLocks noGrp="1"/>
-          </p:cNvSpPr>
-          <p:nvPr>
-            <p:ph idx="1"/>
-          </p:nvPr>
-        </p:nvSpPr>
-        <p:spPr/>
-        <p:txBody>
-          <a:bodyPr/>
-          <a:lstStyle/>
-          <a:p>
-            <a:r>
-              <a:rPr lang="en-US" altLang="ko-KR" dirty="0"/>
-              <a:t>1940</a:t>
-            </a:r>
-            <a:r>
-              <a:rPr lang="ko-KR" altLang="en-US" dirty="0"/>
-              <a:t>년대 컴퓨터 과학자들은 인간 뇌의 </a:t>
-            </a:r>
-            <a:br>
-              <a:rPr lang="en-US" altLang="ko-KR" dirty="0"/>
-            </a:br>
-            <a:r>
-              <a:rPr lang="ko-KR" altLang="en-US" dirty="0"/>
-              <a:t>생물학적인 특성을 모방함</a:t>
-            </a:r>
-            <a:endParaRPr lang="en-US" altLang="ko-KR" dirty="0"/>
-          </a:p>
-          <a:p>
-            <a:endParaRPr lang="en-US" altLang="ko-KR" dirty="0"/>
-          </a:p>
-          <a:p>
-            <a:r>
-              <a:rPr lang="ko-KR" altLang="en-US" dirty="0"/>
-              <a:t>이렇게 탄생된 인공신경망</a:t>
-            </a:r>
-            <a:r>
-              <a:rPr lang="en-US" altLang="ko-KR" dirty="0"/>
-              <a:t>(Artificial Neural Network) </a:t>
-            </a:r>
-            <a:r>
-              <a:rPr lang="ko-KR" altLang="en-US" dirty="0"/>
-              <a:t>모델은 많은 분야에서 뛰어난 성능을 보임</a:t>
-            </a:r>
-            <a:endParaRPr lang="en-US" altLang="ko-KR" dirty="0"/>
-          </a:p>
-          <a:p>
-            <a:endParaRPr lang="en-US" altLang="ko-KR" dirty="0"/>
-          </a:p>
-          <a:p>
-            <a:r>
-              <a:rPr lang="ko-KR" altLang="en-US" dirty="0"/>
-              <a:t>이후 인공신경망의 에너지 효율 증가와 인간 뇌의 학습 방식과 더 유사한 모델로 스파이크 신경망이 개발됨</a:t>
-            </a:r>
-          </a:p>
-        </p:txBody>
-      </p:sp>
+          <p:cNvGrpSpPr/>
+          <p:nvPr/>
+        </p:nvGrpSpPr>
+        <p:grpSpPr>
+          <a:xfrm>
+            <a:off x="1475656" y="2657683"/>
+            <a:ext cx="6024866" cy="1297573"/>
+            <a:chOff x="1475655" y="2962424"/>
+            <a:chExt cx="6024866" cy="1297573"/>
+          </a:xfrm>
+        </p:grpSpPr>
+        <p:sp>
+          <p:nvSpPr>
+            <p:cNvPr id="5" name="직사각형 4">
+              <a:extLst>
+                <a:ext uri="{FF2B5EF4-FFF2-40B4-BE49-F238E27FC236}">
+                  <a16:creationId xmlns:a16="http://schemas.microsoft.com/office/drawing/2014/main" id="{2610E6E8-86AF-1604-83FC-6552A04FD0CF}"/>
+                </a:ext>
+              </a:extLst>
+            </p:cNvPr>
+            <p:cNvSpPr/>
+            <p:nvPr/>
+          </p:nvSpPr>
+          <p:spPr>
+            <a:xfrm>
+              <a:off x="1475655" y="3429000"/>
+              <a:ext cx="2026389" cy="830997"/>
+            </a:xfrm>
+            <a:prstGeom prst="rect">
+              <a:avLst/>
+            </a:prstGeom>
+            <a:solidFill>
+              <a:schemeClr val="accent1"/>
+            </a:solidFill>
+            <a:ln w="28575" cap="flat" cmpd="sng" algn="ctr">
+              <a:solidFill>
+                <a:schemeClr val="tx1"/>
+              </a:solidFill>
+              <a:prstDash val="solid"/>
+              <a:round/>
+            </a:ln>
+            <a:effectLst/>
+          </p:spPr>
+          <p:txBody>
+            <a:bodyPr vert="horz" wrap="square" lIns="91440" tIns="45720" rIns="91440" bIns="45720" numCol="1" rtlCol="0" anchor="ctr" anchorCtr="0" compatLnSpc="1">
+              <a:prstTxWarp prst="textNoShape">
+                <a:avLst/>
+              </a:prstTxWarp>
+              <a:spAutoFit/>
+            </a:bodyPr>
+            <a:lstStyle/>
+            <a:p>
+              <a:pPr algn="ctr"/>
+              <a:r>
+                <a:rPr kumimoji="1" lang="en-US" altLang="ko-KR" dirty="0"/>
+                <a:t>100,</a:t>
+              </a:r>
+              <a:r>
+                <a:rPr kumimoji="1" lang="ko-KR" altLang="en-US" dirty="0"/>
+                <a:t> </a:t>
+              </a:r>
+              <a:r>
+                <a:rPr kumimoji="1" lang="en-US" altLang="ko-KR" dirty="0"/>
+                <a:t>129,</a:t>
+              </a:r>
+              <a:r>
+                <a:rPr kumimoji="1" lang="ko-KR" altLang="en-US" dirty="0"/>
+                <a:t> </a:t>
+              </a:r>
+              <a:r>
+                <a:rPr kumimoji="1" lang="en-US" altLang="ko-KR" dirty="0"/>
+                <a:t>304,</a:t>
+              </a:r>
+              <a:endParaRPr lang="en-US" altLang="ko-KR" dirty="0"/>
+            </a:p>
+            <a:p>
+              <a:pPr algn="ctr"/>
+              <a:r>
+                <a:rPr kumimoji="1" lang="en-US" altLang="ko-KR" dirty="0"/>
+                <a:t>203,</a:t>
+              </a:r>
+              <a:r>
+                <a:rPr kumimoji="1" lang="ko-KR" altLang="en-US" dirty="0"/>
+                <a:t> </a:t>
+              </a:r>
+              <a:r>
+                <a:rPr kumimoji="1" lang="en-US" altLang="ko-KR" dirty="0"/>
+                <a:t>255,</a:t>
+              </a:r>
+              <a:r>
+                <a:rPr kumimoji="1" lang="ko-KR" altLang="en-US" dirty="0"/>
+                <a:t> </a:t>
+              </a:r>
+              <a:r>
+                <a:rPr kumimoji="1" lang="en-US" altLang="ko-KR" dirty="0"/>
+                <a:t>0</a:t>
+              </a:r>
+              <a:r>
+                <a:rPr kumimoji="1" lang="ko-KR" altLang="en-US" dirty="0"/>
+                <a:t> </a:t>
+              </a:r>
+              <a:r>
+                <a:rPr kumimoji="1" lang="en-US" altLang="ko-KR" dirty="0"/>
+                <a:t>...</a:t>
+              </a:r>
+              <a:endParaRPr kumimoji="1" lang="ko-KR" altLang="en-US" dirty="0"/>
+            </a:p>
+          </p:txBody>
+        </p:sp>
+        <p:sp>
+          <p:nvSpPr>
+            <p:cNvPr id="6" name="직사각형 5">
+              <a:extLst>
+                <a:ext uri="{FF2B5EF4-FFF2-40B4-BE49-F238E27FC236}">
+                  <a16:creationId xmlns:a16="http://schemas.microsoft.com/office/drawing/2014/main" id="{EFDF44EB-18CF-5E76-0626-FDC9EF1AFD06}"/>
+                </a:ext>
+              </a:extLst>
+            </p:cNvPr>
+            <p:cNvSpPr/>
+            <p:nvPr/>
+          </p:nvSpPr>
+          <p:spPr>
+            <a:xfrm>
+              <a:off x="5641958" y="3424089"/>
+              <a:ext cx="1224136" cy="830997"/>
+            </a:xfrm>
+            <a:prstGeom prst="rect">
+              <a:avLst/>
+            </a:prstGeom>
+            <a:solidFill>
+              <a:schemeClr val="accent1"/>
+            </a:solidFill>
+            <a:ln w="28575" cap="flat" cmpd="sng" algn="ctr">
+              <a:solidFill>
+                <a:schemeClr val="tx1"/>
+              </a:solidFill>
+              <a:prstDash val="solid"/>
+              <a:round/>
+            </a:ln>
+            <a:effectLst/>
+          </p:spPr>
+          <p:txBody>
+            <a:bodyPr vert="horz" wrap="square" lIns="91440" tIns="45720" rIns="91440" bIns="45720" numCol="1" rtlCol="0" anchor="ctr" anchorCtr="0" compatLnSpc="1">
+              <a:prstTxWarp prst="textNoShape">
+                <a:avLst/>
+              </a:prstTxWarp>
+              <a:spAutoFit/>
+            </a:bodyPr>
+            <a:lstStyle/>
+            <a:p>
+              <a:pPr marL="0" marR="0" indent="0" algn="ctr" defTabSz="914400" rtl="0" eaLnBrk="1" fontAlgn="base" latinLnBrk="1" hangingPunct="1">
+                <a:lnSpc>
+                  <a:spcPct val="100000"/>
+                </a:lnSpc>
+                <a:spcBef>
+                  <a:spcPct val="0"/>
+                </a:spcBef>
+                <a:spcAft>
+                  <a:spcPct val="0"/>
+                </a:spcAft>
+                <a:buNone/>
+              </a:pPr>
+              <a:r>
+                <a:rPr kumimoji="1" lang="en-US" altLang="ko-KR" sz="2400" b="0" i="0" u="none" strike="noStrike" cap="none" normalizeH="0" baseline="0" dirty="0">
+                  <a:ln>
+                    <a:noFill/>
+                  </a:ln>
+                  <a:solidFill>
+                    <a:schemeClr val="tx1"/>
+                  </a:solidFill>
+                  <a:latin typeface="Times New Roman"/>
+                  <a:ea typeface="굴림"/>
+                </a:rPr>
+                <a:t>0,</a:t>
+              </a:r>
+              <a:r>
+                <a:rPr kumimoji="1" lang="ko-KR" altLang="en-US" sz="2400" b="0" i="0" u="none" strike="noStrike" cap="none" normalizeH="0" baseline="0" dirty="0">
+                  <a:ln>
+                    <a:noFill/>
+                  </a:ln>
+                  <a:solidFill>
+                    <a:schemeClr val="tx1"/>
+                  </a:solidFill>
+                  <a:latin typeface="Times New Roman"/>
+                  <a:ea typeface="굴림"/>
+                </a:rPr>
+                <a:t> </a:t>
+              </a:r>
+              <a:r>
+                <a:rPr kumimoji="1" lang="en-US" altLang="ko-KR" sz="2400" b="0" i="0" u="none" strike="noStrike" cap="none" normalizeH="0" baseline="0" dirty="0">
+                  <a:ln>
+                    <a:noFill/>
+                  </a:ln>
+                  <a:solidFill>
+                    <a:schemeClr val="tx1"/>
+                  </a:solidFill>
+                  <a:latin typeface="Times New Roman"/>
+                  <a:ea typeface="굴림"/>
+                </a:rPr>
+                <a:t>1,</a:t>
+              </a:r>
+              <a:r>
+                <a:rPr kumimoji="1" lang="ko-KR" altLang="en-US" sz="2400" b="0" i="0" u="none" strike="noStrike" cap="none" normalizeH="0" baseline="0" dirty="0">
+                  <a:ln>
+                    <a:noFill/>
+                  </a:ln>
+                  <a:solidFill>
+                    <a:schemeClr val="tx1"/>
+                  </a:solidFill>
+                  <a:latin typeface="Times New Roman"/>
+                  <a:ea typeface="굴림"/>
+                </a:rPr>
+                <a:t> </a:t>
+              </a:r>
+              <a:r>
+                <a:rPr kumimoji="1" lang="en-US" altLang="ko-KR" sz="2400" b="0" i="0" u="none" strike="noStrike" cap="none" normalizeH="0" baseline="0" dirty="0">
+                  <a:ln>
+                    <a:noFill/>
+                  </a:ln>
+                  <a:solidFill>
+                    <a:schemeClr val="tx1"/>
+                  </a:solidFill>
+                  <a:latin typeface="Times New Roman"/>
+                  <a:ea typeface="굴림"/>
+                </a:rPr>
+                <a:t>0,</a:t>
+              </a:r>
+              <a:endParaRPr lang="en-US" altLang="ko-KR" dirty="0"/>
+            </a:p>
+            <a:p>
+              <a:pPr marL="0" marR="0" indent="0" algn="ctr" defTabSz="914400" rtl="0" eaLnBrk="1" fontAlgn="base" latinLnBrk="1" hangingPunct="1">
+                <a:lnSpc>
+                  <a:spcPct val="100000"/>
+                </a:lnSpc>
+                <a:spcBef>
+                  <a:spcPct val="0"/>
+                </a:spcBef>
+                <a:spcAft>
+                  <a:spcPct val="0"/>
+                </a:spcAft>
+                <a:buNone/>
+              </a:pPr>
+              <a:r>
+                <a:rPr kumimoji="1" lang="en-US" altLang="ko-KR" sz="2400" b="0" i="0" u="none" strike="noStrike" cap="none" normalizeH="0" baseline="0" dirty="0">
+                  <a:ln>
+                    <a:noFill/>
+                  </a:ln>
+                  <a:solidFill>
+                    <a:schemeClr val="tx1"/>
+                  </a:solidFill>
+                  <a:latin typeface="Times New Roman"/>
+                  <a:ea typeface="굴림"/>
+                </a:rPr>
+                <a:t>0,</a:t>
+              </a:r>
+              <a:r>
+                <a:rPr kumimoji="1" lang="ko-KR" altLang="en-US" sz="2400" b="0" i="0" u="none" strike="noStrike" cap="none" normalizeH="0" baseline="0" dirty="0">
+                  <a:ln>
+                    <a:noFill/>
+                  </a:ln>
+                  <a:solidFill>
+                    <a:schemeClr val="tx1"/>
+                  </a:solidFill>
+                  <a:latin typeface="Times New Roman"/>
+                  <a:ea typeface="굴림"/>
+                </a:rPr>
+                <a:t> </a:t>
+              </a:r>
+              <a:r>
+                <a:rPr kumimoji="1" lang="en-US" altLang="ko-KR" sz="2400" b="0" i="0" u="none" strike="noStrike" cap="none" normalizeH="0" baseline="0" dirty="0">
+                  <a:ln>
+                    <a:noFill/>
+                  </a:ln>
+                  <a:solidFill>
+                    <a:schemeClr val="tx1"/>
+                  </a:solidFill>
+                  <a:latin typeface="Times New Roman"/>
+                  <a:ea typeface="굴림"/>
+                </a:rPr>
+                <a:t>1,</a:t>
+              </a:r>
+              <a:r>
+                <a:rPr kumimoji="1" lang="ko-KR" altLang="en-US" sz="2400" b="0" i="0" u="none" strike="noStrike" cap="none" normalizeH="0" baseline="0" dirty="0">
+                  <a:ln>
+                    <a:noFill/>
+                  </a:ln>
+                  <a:solidFill>
+                    <a:schemeClr val="tx1"/>
+                  </a:solidFill>
+                  <a:latin typeface="Times New Roman"/>
+                  <a:ea typeface="굴림"/>
+                </a:rPr>
+                <a:t> </a:t>
+              </a:r>
+              <a:r>
+                <a:rPr kumimoji="1" lang="en-US" altLang="ko-KR" sz="2400" b="0" i="0" u="none" strike="noStrike" cap="none" normalizeH="0" baseline="0" dirty="0">
+                  <a:ln>
+                    <a:noFill/>
+                  </a:ln>
+                  <a:solidFill>
+                    <a:schemeClr val="tx1"/>
+                  </a:solidFill>
+                  <a:latin typeface="Times New Roman"/>
+                  <a:ea typeface="굴림"/>
+                </a:rPr>
+                <a:t>1...</a:t>
+              </a:r>
+              <a:endParaRPr kumimoji="1" lang="ko-KR" altLang="en-US" sz="2400" b="0" i="0" u="none" strike="noStrike" cap="none" normalizeH="0" baseline="0" dirty="0">
+                <a:ln>
+                  <a:noFill/>
+                </a:ln>
+                <a:solidFill>
+                  <a:schemeClr val="tx1"/>
+                </a:solidFill>
+                <a:latin typeface="Times New Roman"/>
+                <a:ea typeface="굴림"/>
+              </a:endParaRPr>
+            </a:p>
+          </p:txBody>
+        </p:sp>
+        <p:sp>
+          <p:nvSpPr>
+            <p:cNvPr id="7" name="TextBox 6">
+              <a:extLst>
+                <a:ext uri="{FF2B5EF4-FFF2-40B4-BE49-F238E27FC236}">
+                  <a16:creationId xmlns:a16="http://schemas.microsoft.com/office/drawing/2014/main" id="{368C7E65-3D8A-E42A-132D-201F16E606FA}"/>
+                </a:ext>
+              </a:extLst>
+            </p:cNvPr>
+            <p:cNvSpPr txBox="1"/>
+            <p:nvPr/>
+          </p:nvSpPr>
+          <p:spPr>
+            <a:xfrm>
+              <a:off x="1627074" y="2962424"/>
+              <a:ext cx="1800493" cy="461665"/>
+            </a:xfrm>
+            <a:prstGeom prst="rect">
+              <a:avLst/>
+            </a:prstGeom>
+            <a:noFill/>
+          </p:spPr>
+          <p:txBody>
+            <a:bodyPr wrap="none" rtlCol="0">
+              <a:spAutoFit/>
+            </a:bodyPr>
+            <a:lstStyle/>
+            <a:p>
+              <a:r>
+                <a:rPr kumimoji="1" lang="ko-KR" altLang="en-US" dirty="0"/>
+                <a:t>인공 신경망</a:t>
+              </a:r>
+            </a:p>
+          </p:txBody>
+        </p:sp>
+        <p:sp>
+          <p:nvSpPr>
+            <p:cNvPr id="8" name="TextBox 7">
+              <a:extLst>
+                <a:ext uri="{FF2B5EF4-FFF2-40B4-BE49-F238E27FC236}">
+                  <a16:creationId xmlns:a16="http://schemas.microsoft.com/office/drawing/2014/main" id="{480BFFA6-6760-3600-8500-EDE4E7DE2A75}"/>
+                </a:ext>
+              </a:extLst>
+            </p:cNvPr>
+            <p:cNvSpPr txBox="1"/>
+            <p:nvPr/>
+          </p:nvSpPr>
+          <p:spPr>
+            <a:xfrm>
+              <a:off x="5007531" y="2962424"/>
+              <a:ext cx="2492990" cy="461665"/>
+            </a:xfrm>
+            <a:prstGeom prst="rect">
+              <a:avLst/>
+            </a:prstGeom>
+            <a:noFill/>
+          </p:spPr>
+          <p:txBody>
+            <a:bodyPr wrap="none" rtlCol="0">
+              <a:spAutoFit/>
+            </a:bodyPr>
+            <a:lstStyle/>
+            <a:p>
+              <a:r>
+                <a:rPr kumimoji="1" lang="ko-KR" altLang="en-US" dirty="0"/>
+                <a:t>스파이크 신경망</a:t>
+              </a:r>
+            </a:p>
+          </p:txBody>
+        </p:sp>
+      </p:grpSp>
     </p:spTree>
     <p:extLst>
       <p:ext uri="{BB962C8B-B14F-4D97-AF65-F5344CB8AC3E}">
-        <p14:creationId xmlns:p14="http://schemas.microsoft.com/office/powerpoint/2010/main" val="2609103625"/>
+        <p14:creationId xmlns:p14="http://schemas.microsoft.com/office/powerpoint/2010/main" val="3507280695"/>
       </p:ext>
     </p:extLst>
   </p:cSld>
@@ -5570,8 +8143,8 @@
 </p:sld>
 </file>
 
-<file path=ppt/slides/slide3.xml><?xml version="1.0" encoding="utf-8"?>
-<p:sld xmlns:a="http://schemas.openxmlformats.org/drawingml/2006/main" xmlns:r="http://schemas.openxmlformats.org/officeDocument/2006/relationships" xmlns:p="http://schemas.openxmlformats.org/presentationml/2006/main">
+<file path=ppt/slides/slide20.xml><?xml version="1.0" encoding="utf-8"?>
+<p:sld xmlns:a="http://schemas.openxmlformats.org/drawingml/2006/main" xmlns:r="http://schemas.openxmlformats.org/officeDocument/2006/relationships" xmlns:p="http://schemas.openxmlformats.org/presentationml/2006/main" show="0">
   <p:cSld>
     <p:spTree>
       <p:nvGrpSpPr>
@@ -5592,141 +8165,6 @@
           <p:cNvPr id="2" name="제목 1">
             <a:extLst>
               <a:ext uri="{FF2B5EF4-FFF2-40B4-BE49-F238E27FC236}">
-                <a16:creationId xmlns:a16="http://schemas.microsoft.com/office/drawing/2014/main" id="{4FA05EC6-A717-385F-7218-A43CA60B778F}"/>
-              </a:ext>
-            </a:extLst>
-          </p:cNvPr>
-          <p:cNvSpPr>
-            <a:spLocks noGrp="1"/>
-          </p:cNvSpPr>
-          <p:nvPr>
-            <p:ph type="title"/>
-          </p:nvPr>
-        </p:nvSpPr>
-        <p:spPr/>
-        <p:txBody>
-          <a:bodyPr/>
-          <a:lstStyle/>
-          <a:p>
-            <a:r>
-              <a:rPr lang="ko-KR" altLang="en-US" dirty="0"/>
-              <a:t>스파이크 신경망 모델</a:t>
-            </a:r>
-          </a:p>
-        </p:txBody>
-      </p:sp>
-      <p:sp>
-        <p:nvSpPr>
-          <p:cNvPr id="3" name="내용 개체 틀 2">
-            <a:extLst>
-              <a:ext uri="{FF2B5EF4-FFF2-40B4-BE49-F238E27FC236}">
-                <a16:creationId xmlns:a16="http://schemas.microsoft.com/office/drawing/2014/main" id="{A959DA52-7288-5CD4-D123-12EAF09439D6}"/>
-              </a:ext>
-            </a:extLst>
-          </p:cNvPr>
-          <p:cNvSpPr>
-            <a:spLocks noGrp="1"/>
-          </p:cNvSpPr>
-          <p:nvPr>
-            <p:ph idx="1"/>
-          </p:nvPr>
-        </p:nvSpPr>
-        <p:spPr>
-          <a:xfrm>
-            <a:off x="828676" y="1052513"/>
-            <a:ext cx="8064500" cy="5272087"/>
-          </a:xfrm>
-        </p:spPr>
-        <p:txBody>
-          <a:bodyPr>
-            <a:normAutofit/>
-          </a:bodyPr>
-          <a:lstStyle/>
-          <a:p>
-            <a:r>
-              <a:rPr lang="ko-KR" altLang="en-US" dirty="0"/>
-              <a:t>생물학적 뉴런의 정보 전달 방식 그대로 </a:t>
-            </a:r>
-            <a:br>
-              <a:rPr lang="en-US" altLang="ko-KR" dirty="0"/>
-            </a:br>
-            <a:r>
-              <a:rPr lang="ko-KR" altLang="en-US" dirty="0"/>
-              <a:t>모방함</a:t>
-            </a:r>
-            <a:endParaRPr lang="en-US" altLang="ko-KR" dirty="0"/>
-          </a:p>
-          <a:p>
-            <a:endParaRPr lang="en-US" altLang="ko-KR" dirty="0"/>
-          </a:p>
-          <a:p>
-            <a:r>
-              <a:rPr lang="ko-KR" altLang="en-US" dirty="0"/>
-              <a:t>스파이크라는 이진 정보만으로 학습을 하기 </a:t>
-            </a:r>
-            <a:br>
-              <a:rPr lang="en-US" altLang="ko-KR" dirty="0"/>
-            </a:br>
-            <a:r>
-              <a:rPr lang="ko-KR" altLang="en-US" dirty="0"/>
-              <a:t>때문에 에너지 효율에 유리함</a:t>
-            </a:r>
-            <a:endParaRPr lang="en-US" altLang="ko-KR" dirty="0"/>
-          </a:p>
-          <a:p>
-            <a:endParaRPr lang="en-US" altLang="ko-KR" dirty="0"/>
-          </a:p>
-          <a:p>
-            <a:r>
-              <a:rPr lang="ko-KR" altLang="en-US" dirty="0"/>
-              <a:t>스파이크 신경망은 실제 인간 뇌의 학습 </a:t>
-            </a:r>
-            <a:br>
-              <a:rPr lang="en-US" altLang="ko-KR" dirty="0"/>
-            </a:br>
-            <a:r>
-              <a:rPr lang="ko-KR" altLang="en-US" dirty="0"/>
-              <a:t>방법을 연구하는 분야로 확장될 수 있음</a:t>
-            </a:r>
-            <a:endParaRPr lang="en-US" altLang="ko-KR" dirty="0"/>
-          </a:p>
-        </p:txBody>
-      </p:sp>
-    </p:spTree>
-    <p:extLst>
-      <p:ext uri="{BB962C8B-B14F-4D97-AF65-F5344CB8AC3E}">
-        <p14:creationId xmlns:p14="http://schemas.microsoft.com/office/powerpoint/2010/main" val="1325961471"/>
-      </p:ext>
-    </p:extLst>
-  </p:cSld>
-  <p:clrMapOvr>
-    <a:masterClrMapping/>
-  </p:clrMapOvr>
-</p:sld>
-</file>
-
-<file path=ppt/slides/slide4.xml><?xml version="1.0" encoding="utf-8"?>
-<p:sld xmlns:a="http://schemas.openxmlformats.org/drawingml/2006/main" xmlns:r="http://schemas.openxmlformats.org/officeDocument/2006/relationships" xmlns:p="http://schemas.openxmlformats.org/presentationml/2006/main">
-  <p:cSld>
-    <p:spTree>
-      <p:nvGrpSpPr>
-        <p:cNvPr id="1" name=""/>
-        <p:cNvGrpSpPr/>
-        <p:nvPr/>
-      </p:nvGrpSpPr>
-      <p:grpSpPr>
-        <a:xfrm>
-          <a:off x="0" y="0"/>
-          <a:ext cx="0" cy="0"/>
-          <a:chOff x="0" y="0"/>
-          <a:chExt cx="0" cy="0"/>
-        </a:xfrm>
-      </p:grpSpPr>
-      <p:sp>
-        <p:nvSpPr>
-          <p:cNvPr id="2" name="제목 1">
-            <a:extLst>
-              <a:ext uri="{FF2B5EF4-FFF2-40B4-BE49-F238E27FC236}">
                 <a16:creationId xmlns:a16="http://schemas.microsoft.com/office/drawing/2014/main" id="{4FF3560E-2863-7C73-E282-123AE38204E1}"/>
               </a:ext>
             </a:extLst>
@@ -5898,8 +8336,8 @@
 </p:sld>
 </file>
 
-<file path=ppt/slides/slide5.xml><?xml version="1.0" encoding="utf-8"?>
-<p:sld xmlns:a="http://schemas.openxmlformats.org/drawingml/2006/main" xmlns:r="http://schemas.openxmlformats.org/officeDocument/2006/relationships" xmlns:p="http://schemas.openxmlformats.org/presentationml/2006/main">
+<file path=ppt/slides/slide21.xml><?xml version="1.0" encoding="utf-8"?>
+<p:sld xmlns:a="http://schemas.openxmlformats.org/drawingml/2006/main" xmlns:r="http://schemas.openxmlformats.org/officeDocument/2006/relationships" xmlns:p="http://schemas.openxmlformats.org/presentationml/2006/main" show="0">
   <p:cSld>
     <p:spTree>
       <p:nvGrpSpPr>
@@ -6311,8 +8749,8 @@
 </p:sld>
 </file>
 
-<file path=ppt/slides/slide6.xml><?xml version="1.0" encoding="utf-8"?>
-<p:sld xmlns:a="http://schemas.openxmlformats.org/drawingml/2006/main" xmlns:r="http://schemas.openxmlformats.org/officeDocument/2006/relationships" xmlns:p="http://schemas.openxmlformats.org/presentationml/2006/main">
+<file path=ppt/slides/slide22.xml><?xml version="1.0" encoding="utf-8"?>
+<p:sld xmlns:a="http://schemas.openxmlformats.org/drawingml/2006/main" xmlns:r="http://schemas.openxmlformats.org/officeDocument/2006/relationships" xmlns:p="http://schemas.openxmlformats.org/presentationml/2006/main" show="0">
   <p:cSld>
     <p:spTree>
       <p:nvGrpSpPr>
@@ -6456,8 +8894,8 @@
 </p:sld>
 </file>
 
-<file path=ppt/slides/slide7.xml><?xml version="1.0" encoding="utf-8"?>
-<p:sld xmlns:a="http://schemas.openxmlformats.org/drawingml/2006/main" xmlns:r="http://schemas.openxmlformats.org/officeDocument/2006/relationships" xmlns:p="http://schemas.openxmlformats.org/presentationml/2006/main">
+<file path=ppt/slides/slide23.xml><?xml version="1.0" encoding="utf-8"?>
+<p:sld xmlns:a="http://schemas.openxmlformats.org/drawingml/2006/main" xmlns:r="http://schemas.openxmlformats.org/officeDocument/2006/relationships" xmlns:p="http://schemas.openxmlformats.org/presentationml/2006/main" show="0">
   <p:cSld>
     <p:spTree>
       <p:nvGrpSpPr>
@@ -6704,8 +9142,8 @@
 </p:sld>
 </file>
 
-<file path=ppt/slides/slide8.xml><?xml version="1.0" encoding="utf-8"?>
-<p:sld xmlns:a="http://schemas.openxmlformats.org/drawingml/2006/main" xmlns:r="http://schemas.openxmlformats.org/officeDocument/2006/relationships" xmlns:p="http://schemas.openxmlformats.org/presentationml/2006/main">
+<file path=ppt/slides/slide24.xml><?xml version="1.0" encoding="utf-8"?>
+<p:sld xmlns:a="http://schemas.openxmlformats.org/drawingml/2006/main" xmlns:r="http://schemas.openxmlformats.org/officeDocument/2006/relationships" xmlns:p="http://schemas.openxmlformats.org/presentationml/2006/main" show="0">
   <p:cSld>
     <p:spTree>
       <p:nvGrpSpPr>
@@ -6962,8 +9400,8 @@
 </p:sld>
 </file>
 
-<file path=ppt/slides/slide9.xml><?xml version="1.0" encoding="utf-8"?>
-<p:sld xmlns:a="http://schemas.openxmlformats.org/drawingml/2006/main" xmlns:r="http://schemas.openxmlformats.org/officeDocument/2006/relationships" xmlns:p="http://schemas.openxmlformats.org/presentationml/2006/main">
+<file path=ppt/slides/slide25.xml><?xml version="1.0" encoding="utf-8"?>
+<p:sld xmlns:a="http://schemas.openxmlformats.org/drawingml/2006/main" xmlns:r="http://schemas.openxmlformats.org/officeDocument/2006/relationships" xmlns:p="http://schemas.openxmlformats.org/presentationml/2006/main" show="0">
   <p:cSld>
     <p:spTree>
       <p:nvGrpSpPr>
@@ -7126,6 +9564,5180 @@
     <p:extLst>
       <p:ext uri="{BB962C8B-B14F-4D97-AF65-F5344CB8AC3E}">
         <p14:creationId xmlns:p14="http://schemas.microsoft.com/office/powerpoint/2010/main" val="3679994895"/>
+      </p:ext>
+    </p:extLst>
+  </p:cSld>
+  <p:clrMapOvr>
+    <a:masterClrMapping/>
+  </p:clrMapOvr>
+</p:sld>
+</file>
+
+<file path=ppt/slides/slide26.xml><?xml version="1.0" encoding="utf-8"?>
+<p:sld xmlns:a="http://schemas.openxmlformats.org/drawingml/2006/main" xmlns:r="http://schemas.openxmlformats.org/officeDocument/2006/relationships" xmlns:p="http://schemas.openxmlformats.org/presentationml/2006/main" show="0">
+  <p:cSld>
+    <p:spTree>
+      <p:nvGrpSpPr>
+        <p:cNvPr id="1" name=""/>
+        <p:cNvGrpSpPr/>
+        <p:nvPr/>
+      </p:nvGrpSpPr>
+      <p:grpSpPr>
+        <a:xfrm>
+          <a:off x="0" y="0"/>
+          <a:ext cx="0" cy="0"/>
+          <a:chOff x="0" y="0"/>
+          <a:chExt cx="0" cy="0"/>
+        </a:xfrm>
+      </p:grpSpPr>
+      <p:sp>
+        <p:nvSpPr>
+          <p:cNvPr id="2" name="제목 1">
+            <a:extLst>
+              <a:ext uri="{FF2B5EF4-FFF2-40B4-BE49-F238E27FC236}">
+                <a16:creationId xmlns:a16="http://schemas.microsoft.com/office/drawing/2014/main" id="{94D7B068-E98A-5CDB-924D-56C67FAA0350}"/>
+              </a:ext>
+            </a:extLst>
+          </p:cNvPr>
+          <p:cNvSpPr>
+            <a:spLocks noGrp="1"/>
+          </p:cNvSpPr>
+          <p:nvPr>
+            <p:ph type="title"/>
+          </p:nvPr>
+        </p:nvSpPr>
+        <p:spPr/>
+        <p:txBody>
+          <a:bodyPr/>
+          <a:lstStyle/>
+          <a:p>
+            <a:r>
+              <a:rPr lang="en-US" altLang="ko-KR" dirty="0"/>
+              <a:t>SHD </a:t>
+            </a:r>
+            <a:r>
+              <a:rPr lang="ko-KR" altLang="en-US" dirty="0"/>
+              <a:t>데이터 세트의 성능 분석</a:t>
+            </a:r>
+          </a:p>
+        </p:txBody>
+      </p:sp>
+      <p:sp>
+        <p:nvSpPr>
+          <p:cNvPr id="3" name="내용 개체 틀 2">
+            <a:extLst>
+              <a:ext uri="{FF2B5EF4-FFF2-40B4-BE49-F238E27FC236}">
+                <a16:creationId xmlns:a16="http://schemas.microsoft.com/office/drawing/2014/main" id="{4AEA3B48-3A4D-F680-0CF3-2E4C87E23846}"/>
+              </a:ext>
+            </a:extLst>
+          </p:cNvPr>
+          <p:cNvSpPr>
+            <a:spLocks noGrp="1"/>
+          </p:cNvSpPr>
+          <p:nvPr>
+            <p:ph idx="1"/>
+          </p:nvPr>
+        </p:nvSpPr>
+        <p:spPr/>
+        <p:txBody>
+          <a:bodyPr/>
+          <a:lstStyle/>
+          <a:p>
+            <a:r>
+              <a:rPr lang="ko-KR" altLang="en-US" dirty="0"/>
+              <a:t>남성과 여성이 </a:t>
+            </a:r>
+            <a:r>
+              <a:rPr lang="en-US" altLang="ko-KR" dirty="0"/>
+              <a:t>0~9</a:t>
+            </a:r>
+            <a:r>
+              <a:rPr lang="ko-KR" altLang="en-US" dirty="0" err="1"/>
+              <a:t>를</a:t>
+            </a:r>
+            <a:r>
+              <a:rPr lang="ko-KR" altLang="en-US" dirty="0"/>
+              <a:t> 발음하는 음성 데이터로 총 </a:t>
+            </a:r>
+            <a:r>
+              <a:rPr lang="en-US" altLang="ko-KR" dirty="0"/>
+              <a:t>20</a:t>
+            </a:r>
+            <a:r>
+              <a:rPr lang="ko-KR" altLang="en-US" dirty="0"/>
+              <a:t>개의 음성을 구분함</a:t>
+            </a:r>
+          </a:p>
+        </p:txBody>
+      </p:sp>
+      <p:pic>
+        <p:nvPicPr>
+          <p:cNvPr id="5" name="그림 4" descr="라인, 텍스트, 도표, 그래프이(가) 표시된 사진&#10;&#10;자동 생성된 설명">
+            <a:extLst>
+              <a:ext uri="{FF2B5EF4-FFF2-40B4-BE49-F238E27FC236}">
+                <a16:creationId xmlns:a16="http://schemas.microsoft.com/office/drawing/2014/main" id="{8E27DDE5-54B7-C077-1C3F-7FDCDF178C10}"/>
+              </a:ext>
+            </a:extLst>
+          </p:cNvPr>
+          <p:cNvPicPr>
+            <a:picLocks noChangeAspect="1"/>
+          </p:cNvPicPr>
+          <p:nvPr/>
+        </p:nvPicPr>
+        <p:blipFill>
+          <a:blip r:embed="rId2">
+            <a:extLst>
+              <a:ext uri="{28A0092B-C50C-407E-A947-70E740481C1C}">
+                <a14:useLocalDpi xmlns:a14="http://schemas.microsoft.com/office/drawing/2010/main" val="0"/>
+              </a:ext>
+            </a:extLst>
+          </a:blip>
+          <a:stretch>
+            <a:fillRect/>
+          </a:stretch>
+        </p:blipFill>
+        <p:spPr>
+          <a:xfrm>
+            <a:off x="499298" y="1988840"/>
+            <a:ext cx="5771461" cy="4710340"/>
+          </a:xfrm>
+          <a:prstGeom prst="rect">
+            <a:avLst/>
+          </a:prstGeom>
+        </p:spPr>
+      </p:pic>
+      <p:pic>
+        <p:nvPicPr>
+          <p:cNvPr id="7" name="그림 6" descr="텍스트, 폰트, 스크린샷, 라인이(가) 표시된 사진&#10;&#10;자동 생성된 설명">
+            <a:extLst>
+              <a:ext uri="{FF2B5EF4-FFF2-40B4-BE49-F238E27FC236}">
+                <a16:creationId xmlns:a16="http://schemas.microsoft.com/office/drawing/2014/main" id="{02ED219D-4F92-38F0-3B79-9BC3D93CA14A}"/>
+              </a:ext>
+            </a:extLst>
+          </p:cNvPr>
+          <p:cNvPicPr>
+            <a:picLocks noChangeAspect="1"/>
+          </p:cNvPicPr>
+          <p:nvPr/>
+        </p:nvPicPr>
+        <p:blipFill>
+          <a:blip r:embed="rId3" cstate="print">
+            <a:extLst>
+              <a:ext uri="{28A0092B-C50C-407E-A947-70E740481C1C}">
+                <a14:useLocalDpi xmlns:a14="http://schemas.microsoft.com/office/drawing/2010/main" val="0"/>
+              </a:ext>
+            </a:extLst>
+          </a:blip>
+          <a:stretch>
+            <a:fillRect/>
+          </a:stretch>
+        </p:blipFill>
+        <p:spPr>
+          <a:xfrm>
+            <a:off x="5483654" y="2049928"/>
+            <a:ext cx="3641712" cy="1091040"/>
+          </a:xfrm>
+          <a:prstGeom prst="rect">
+            <a:avLst/>
+          </a:prstGeom>
+        </p:spPr>
+      </p:pic>
+    </p:spTree>
+    <p:extLst>
+      <p:ext uri="{BB962C8B-B14F-4D97-AF65-F5344CB8AC3E}">
+        <p14:creationId xmlns:p14="http://schemas.microsoft.com/office/powerpoint/2010/main" val="1631479340"/>
+      </p:ext>
+    </p:extLst>
+  </p:cSld>
+  <p:clrMapOvr>
+    <a:masterClrMapping/>
+  </p:clrMapOvr>
+</p:sld>
+</file>
+
+<file path=ppt/slides/slide27.xml><?xml version="1.0" encoding="utf-8"?>
+<p:sld xmlns:a="http://schemas.openxmlformats.org/drawingml/2006/main" xmlns:r="http://schemas.openxmlformats.org/officeDocument/2006/relationships" xmlns:p="http://schemas.openxmlformats.org/presentationml/2006/main" show="0">
+  <p:cSld>
+    <p:spTree>
+      <p:nvGrpSpPr>
+        <p:cNvPr id="1" name=""/>
+        <p:cNvGrpSpPr/>
+        <p:nvPr/>
+      </p:nvGrpSpPr>
+      <p:grpSpPr>
+        <a:xfrm>
+          <a:off x="0" y="0"/>
+          <a:ext cx="0" cy="0"/>
+          <a:chOff x="0" y="0"/>
+          <a:chExt cx="0" cy="0"/>
+        </a:xfrm>
+      </p:grpSpPr>
+      <p:sp>
+        <p:nvSpPr>
+          <p:cNvPr id="2" name="제목 1">
+            <a:extLst>
+              <a:ext uri="{FF2B5EF4-FFF2-40B4-BE49-F238E27FC236}">
+                <a16:creationId xmlns:a16="http://schemas.microsoft.com/office/drawing/2014/main" id="{B357BE65-1366-F55B-D721-F9E36D27441C}"/>
+              </a:ext>
+            </a:extLst>
+          </p:cNvPr>
+          <p:cNvSpPr>
+            <a:spLocks noGrp="1"/>
+          </p:cNvSpPr>
+          <p:nvPr>
+            <p:ph type="title"/>
+          </p:nvPr>
+        </p:nvSpPr>
+        <p:spPr/>
+        <p:txBody>
+          <a:bodyPr/>
+          <a:lstStyle/>
+          <a:p>
+            <a:r>
+              <a:rPr lang="en-US" altLang="ko-KR" dirty="0"/>
+              <a:t>TBL </a:t>
+            </a:r>
+            <a:r>
+              <a:rPr lang="ko-KR" altLang="en-US" dirty="0"/>
+              <a:t>데이터 세트의 성능 분석</a:t>
+            </a:r>
+          </a:p>
+        </p:txBody>
+      </p:sp>
+      <p:sp>
+        <p:nvSpPr>
+          <p:cNvPr id="3" name="내용 개체 틀 2">
+            <a:extLst>
+              <a:ext uri="{FF2B5EF4-FFF2-40B4-BE49-F238E27FC236}">
+                <a16:creationId xmlns:a16="http://schemas.microsoft.com/office/drawing/2014/main" id="{47340DA2-E9B4-12EE-8ED7-60A461E484F4}"/>
+              </a:ext>
+            </a:extLst>
+          </p:cNvPr>
+          <p:cNvSpPr>
+            <a:spLocks noGrp="1"/>
+          </p:cNvSpPr>
+          <p:nvPr>
+            <p:ph idx="1"/>
+          </p:nvPr>
+        </p:nvSpPr>
+        <p:spPr/>
+        <p:txBody>
+          <a:bodyPr/>
+          <a:lstStyle/>
+          <a:p>
+            <a:r>
+              <a:rPr lang="ko-KR" altLang="en-US" dirty="0"/>
+              <a:t>점자 위를 센서로 측정한 센서 데이터</a:t>
+            </a:r>
+            <a:endParaRPr lang="en-US" altLang="ko-KR" dirty="0"/>
+          </a:p>
+          <a:p>
+            <a:endParaRPr lang="ko-KR" altLang="en-US" dirty="0"/>
+          </a:p>
+        </p:txBody>
+      </p:sp>
+      <p:pic>
+        <p:nvPicPr>
+          <p:cNvPr id="8" name="그림 7" descr="원, 스크린샷, 디자인, 패턴이(가) 표시된 사진&#10;&#10;자동 생성된 설명">
+            <a:extLst>
+              <a:ext uri="{FF2B5EF4-FFF2-40B4-BE49-F238E27FC236}">
+                <a16:creationId xmlns:a16="http://schemas.microsoft.com/office/drawing/2014/main" id="{D0396B8A-59E8-34B8-676C-C656F6BDFD1A}"/>
+              </a:ext>
+            </a:extLst>
+          </p:cNvPr>
+          <p:cNvPicPr>
+            <a:picLocks noChangeAspect="1"/>
+          </p:cNvPicPr>
+          <p:nvPr/>
+        </p:nvPicPr>
+        <p:blipFill>
+          <a:blip r:embed="rId2">
+            <a:extLst>
+              <a:ext uri="{28A0092B-C50C-407E-A947-70E740481C1C}">
+                <a14:useLocalDpi xmlns:a14="http://schemas.microsoft.com/office/drawing/2010/main" val="0"/>
+              </a:ext>
+            </a:extLst>
+          </a:blip>
+          <a:stretch>
+            <a:fillRect/>
+          </a:stretch>
+        </p:blipFill>
+        <p:spPr>
+          <a:xfrm>
+            <a:off x="755650" y="1628800"/>
+            <a:ext cx="3024336" cy="2016224"/>
+          </a:xfrm>
+          <a:prstGeom prst="rect">
+            <a:avLst/>
+          </a:prstGeom>
+        </p:spPr>
+      </p:pic>
+      <p:pic>
+        <p:nvPicPr>
+          <p:cNvPr id="10" name="그림 9" descr="텍스트, 라인, 도표, 그래프이(가) 표시된 사진&#10;&#10;자동 생성된 설명">
+            <a:extLst>
+              <a:ext uri="{FF2B5EF4-FFF2-40B4-BE49-F238E27FC236}">
+                <a16:creationId xmlns:a16="http://schemas.microsoft.com/office/drawing/2014/main" id="{7F21C63E-954D-49A0-6E1F-EA554F44F038}"/>
+              </a:ext>
+            </a:extLst>
+          </p:cNvPr>
+          <p:cNvPicPr>
+            <a:picLocks noChangeAspect="1"/>
+          </p:cNvPicPr>
+          <p:nvPr/>
+        </p:nvPicPr>
+        <p:blipFill>
+          <a:blip r:embed="rId3" cstate="print">
+            <a:extLst>
+              <a:ext uri="{28A0092B-C50C-407E-A947-70E740481C1C}">
+                <a14:useLocalDpi xmlns:a14="http://schemas.microsoft.com/office/drawing/2010/main" val="0"/>
+              </a:ext>
+            </a:extLst>
+          </a:blip>
+          <a:stretch>
+            <a:fillRect/>
+          </a:stretch>
+        </p:blipFill>
+        <p:spPr>
+          <a:xfrm>
+            <a:off x="549834" y="3548999"/>
+            <a:ext cx="4166182" cy="3284875"/>
+          </a:xfrm>
+          <a:prstGeom prst="rect">
+            <a:avLst/>
+          </a:prstGeom>
+        </p:spPr>
+      </p:pic>
+      <p:pic>
+        <p:nvPicPr>
+          <p:cNvPr id="12" name="그림 11" descr="라인, 도표, 그래프, 텍스트이(가) 표시된 사진&#10;&#10;자동 생성된 설명">
+            <a:extLst>
+              <a:ext uri="{FF2B5EF4-FFF2-40B4-BE49-F238E27FC236}">
+                <a16:creationId xmlns:a16="http://schemas.microsoft.com/office/drawing/2014/main" id="{2D91B9F8-BDCA-10CC-69B0-645F7EA21B59}"/>
+              </a:ext>
+            </a:extLst>
+          </p:cNvPr>
+          <p:cNvPicPr>
+            <a:picLocks noChangeAspect="1"/>
+          </p:cNvPicPr>
+          <p:nvPr/>
+        </p:nvPicPr>
+        <p:blipFill>
+          <a:blip r:embed="rId4" cstate="print">
+            <a:extLst>
+              <a:ext uri="{28A0092B-C50C-407E-A947-70E740481C1C}">
+                <a14:useLocalDpi xmlns:a14="http://schemas.microsoft.com/office/drawing/2010/main" val="0"/>
+              </a:ext>
+            </a:extLst>
+          </a:blip>
+          <a:stretch>
+            <a:fillRect/>
+          </a:stretch>
+        </p:blipFill>
+        <p:spPr>
+          <a:xfrm>
+            <a:off x="4633726" y="3645024"/>
+            <a:ext cx="3960440" cy="3220088"/>
+          </a:xfrm>
+          <a:prstGeom prst="rect">
+            <a:avLst/>
+          </a:prstGeom>
+        </p:spPr>
+      </p:pic>
+      <p:pic>
+        <p:nvPicPr>
+          <p:cNvPr id="14" name="그림 13" descr="텍스트, 폰트, 라인, 영수증이(가) 표시된 사진&#10;&#10;자동 생성된 설명">
+            <a:extLst>
+              <a:ext uri="{FF2B5EF4-FFF2-40B4-BE49-F238E27FC236}">
+                <a16:creationId xmlns:a16="http://schemas.microsoft.com/office/drawing/2014/main" id="{19FBEF4F-E8B6-6E70-9401-249F80F11F62}"/>
+              </a:ext>
+            </a:extLst>
+          </p:cNvPr>
+          <p:cNvPicPr>
+            <a:picLocks noChangeAspect="1"/>
+          </p:cNvPicPr>
+          <p:nvPr/>
+        </p:nvPicPr>
+        <p:blipFill>
+          <a:blip r:embed="rId5">
+            <a:extLst>
+              <a:ext uri="{28A0092B-C50C-407E-A947-70E740481C1C}">
+                <a14:useLocalDpi xmlns:a14="http://schemas.microsoft.com/office/drawing/2010/main" val="0"/>
+              </a:ext>
+            </a:extLst>
+          </a:blip>
+          <a:stretch>
+            <a:fillRect/>
+          </a:stretch>
+        </p:blipFill>
+        <p:spPr>
+          <a:xfrm>
+            <a:off x="3853011" y="1703115"/>
+            <a:ext cx="5040164" cy="1357372"/>
+          </a:xfrm>
+          <a:prstGeom prst="rect">
+            <a:avLst/>
+          </a:prstGeom>
+        </p:spPr>
+      </p:pic>
+    </p:spTree>
+    <p:extLst>
+      <p:ext uri="{BB962C8B-B14F-4D97-AF65-F5344CB8AC3E}">
+        <p14:creationId xmlns:p14="http://schemas.microsoft.com/office/powerpoint/2010/main" val="3020564940"/>
+      </p:ext>
+    </p:extLst>
+  </p:cSld>
+  <p:clrMapOvr>
+    <a:masterClrMapping/>
+  </p:clrMapOvr>
+</p:sld>
+</file>
+
+<file path=ppt/slides/slide28.xml><?xml version="1.0" encoding="utf-8"?>
+<p:sld xmlns:a="http://schemas.openxmlformats.org/drawingml/2006/main" xmlns:r="http://schemas.openxmlformats.org/officeDocument/2006/relationships" xmlns:p="http://schemas.openxmlformats.org/presentationml/2006/main" show="0">
+  <p:cSld>
+    <p:spTree>
+      <p:nvGrpSpPr>
+        <p:cNvPr id="1" name=""/>
+        <p:cNvGrpSpPr/>
+        <p:nvPr/>
+      </p:nvGrpSpPr>
+      <p:grpSpPr>
+        <a:xfrm>
+          <a:off x="0" y="0"/>
+          <a:ext cx="0" cy="0"/>
+          <a:chOff x="0" y="0"/>
+          <a:chExt cx="0" cy="0"/>
+        </a:xfrm>
+      </p:grpSpPr>
+      <p:sp>
+        <p:nvSpPr>
+          <p:cNvPr id="2" name="제목 1">
+            <a:extLst>
+              <a:ext uri="{FF2B5EF4-FFF2-40B4-BE49-F238E27FC236}">
+                <a16:creationId xmlns:a16="http://schemas.microsoft.com/office/drawing/2014/main" id="{691F0844-19E6-FE91-264B-40A486DF4A41}"/>
+              </a:ext>
+            </a:extLst>
+          </p:cNvPr>
+          <p:cNvSpPr>
+            <a:spLocks noGrp="1"/>
+          </p:cNvSpPr>
+          <p:nvPr>
+            <p:ph type="title"/>
+          </p:nvPr>
+        </p:nvSpPr>
+        <p:spPr/>
+        <p:txBody>
+          <a:bodyPr/>
+          <a:lstStyle/>
+          <a:p>
+            <a:r>
+              <a:rPr lang="ko-KR" altLang="en-US" dirty="0"/>
+              <a:t>결론</a:t>
+            </a:r>
+          </a:p>
+        </p:txBody>
+      </p:sp>
+      <p:sp>
+        <p:nvSpPr>
+          <p:cNvPr id="3" name="내용 개체 틀 2">
+            <a:extLst>
+              <a:ext uri="{FF2B5EF4-FFF2-40B4-BE49-F238E27FC236}">
+                <a16:creationId xmlns:a16="http://schemas.microsoft.com/office/drawing/2014/main" id="{5DF3D6B8-579E-018F-D4B8-F9678E6C109F}"/>
+              </a:ext>
+            </a:extLst>
+          </p:cNvPr>
+          <p:cNvSpPr>
+            <a:spLocks noGrp="1"/>
+          </p:cNvSpPr>
+          <p:nvPr>
+            <p:ph idx="1"/>
+          </p:nvPr>
+        </p:nvSpPr>
+        <p:spPr/>
+        <p:txBody>
+          <a:bodyPr/>
+          <a:lstStyle/>
+          <a:p>
+            <a:r>
+              <a:rPr lang="ko-KR" altLang="en-US" dirty="0"/>
+              <a:t>데이터 세트별 최적의 파라미터 조합을 통해 약 </a:t>
+            </a:r>
+            <a:r>
+              <a:rPr lang="en-US" altLang="ko-KR" dirty="0"/>
+              <a:t>2~4% </a:t>
+            </a:r>
+            <a:r>
+              <a:rPr lang="ko-KR" altLang="en-US" dirty="0"/>
+              <a:t>정도 정확도 향상을 </a:t>
+            </a:r>
+            <a:r>
+              <a:rPr lang="ko-KR" altLang="en-US" dirty="0" err="1"/>
+              <a:t>이뤄냄</a:t>
+            </a:r>
+            <a:endParaRPr lang="ko-KR" altLang="en-US" dirty="0"/>
+          </a:p>
+        </p:txBody>
+      </p:sp>
+      <p:pic>
+        <p:nvPicPr>
+          <p:cNvPr id="4" name="그림 3" descr="텍스트, 폰트, 라인, 영수증이(가) 표시된 사진&#10;&#10;자동 생성된 설명">
+            <a:extLst>
+              <a:ext uri="{FF2B5EF4-FFF2-40B4-BE49-F238E27FC236}">
+                <a16:creationId xmlns:a16="http://schemas.microsoft.com/office/drawing/2014/main" id="{E56996C3-68FB-25F2-8F88-1B3EAF3962DC}"/>
+              </a:ext>
+            </a:extLst>
+          </p:cNvPr>
+          <p:cNvPicPr>
+            <a:picLocks noChangeAspect="1"/>
+          </p:cNvPicPr>
+          <p:nvPr/>
+        </p:nvPicPr>
+        <p:blipFill>
+          <a:blip r:embed="rId3">
+            <a:extLst>
+              <a:ext uri="{28A0092B-C50C-407E-A947-70E740481C1C}">
+                <a14:useLocalDpi xmlns:a14="http://schemas.microsoft.com/office/drawing/2010/main" val="0"/>
+              </a:ext>
+            </a:extLst>
+          </a:blip>
+          <a:stretch>
+            <a:fillRect/>
+          </a:stretch>
+        </p:blipFill>
+        <p:spPr>
+          <a:xfrm>
+            <a:off x="828675" y="3717404"/>
+            <a:ext cx="5281082" cy="1422254"/>
+          </a:xfrm>
+          <a:prstGeom prst="rect">
+            <a:avLst/>
+          </a:prstGeom>
+        </p:spPr>
+      </p:pic>
+      <p:pic>
+        <p:nvPicPr>
+          <p:cNvPr id="5" name="그림 4" descr="텍스트, 폰트, 스크린샷, 라인이(가) 표시된 사진&#10;&#10;자동 생성된 설명">
+            <a:extLst>
+              <a:ext uri="{FF2B5EF4-FFF2-40B4-BE49-F238E27FC236}">
+                <a16:creationId xmlns:a16="http://schemas.microsoft.com/office/drawing/2014/main" id="{AEECD184-E318-959B-631C-76AB60CC2CC6}"/>
+              </a:ext>
+            </a:extLst>
+          </p:cNvPr>
+          <p:cNvPicPr>
+            <a:picLocks noChangeAspect="1"/>
+          </p:cNvPicPr>
+          <p:nvPr/>
+        </p:nvPicPr>
+        <p:blipFill>
+          <a:blip r:embed="rId4">
+            <a:extLst>
+              <a:ext uri="{28A0092B-C50C-407E-A947-70E740481C1C}">
+                <a14:useLocalDpi xmlns:a14="http://schemas.microsoft.com/office/drawing/2010/main" val="0"/>
+              </a:ext>
+            </a:extLst>
+          </a:blip>
+          <a:stretch>
+            <a:fillRect/>
+          </a:stretch>
+        </p:blipFill>
+        <p:spPr>
+          <a:xfrm>
+            <a:off x="728222" y="5194132"/>
+            <a:ext cx="5553720" cy="1663868"/>
+          </a:xfrm>
+          <a:prstGeom prst="rect">
+            <a:avLst/>
+          </a:prstGeom>
+        </p:spPr>
+      </p:pic>
+      <p:pic>
+        <p:nvPicPr>
+          <p:cNvPr id="6" name="그림 5" descr="텍스트, 폰트, 라인, 영수증이(가) 표시된 사진&#10;&#10;자동 생성된 설명">
+            <a:extLst>
+              <a:ext uri="{FF2B5EF4-FFF2-40B4-BE49-F238E27FC236}">
+                <a16:creationId xmlns:a16="http://schemas.microsoft.com/office/drawing/2014/main" id="{EC855FF8-54B6-CEBD-23C7-550D22EC5ED3}"/>
+              </a:ext>
+            </a:extLst>
+          </p:cNvPr>
+          <p:cNvPicPr>
+            <a:picLocks noChangeAspect="1"/>
+          </p:cNvPicPr>
+          <p:nvPr/>
+        </p:nvPicPr>
+        <p:blipFill>
+          <a:blip r:embed="rId5">
+            <a:extLst>
+              <a:ext uri="{28A0092B-C50C-407E-A947-70E740481C1C}">
+                <a14:useLocalDpi xmlns:a14="http://schemas.microsoft.com/office/drawing/2010/main" val="0"/>
+              </a:ext>
+            </a:extLst>
+          </a:blip>
+          <a:stretch>
+            <a:fillRect/>
+          </a:stretch>
+        </p:blipFill>
+        <p:spPr>
+          <a:xfrm>
+            <a:off x="755650" y="2162151"/>
+            <a:ext cx="5616550" cy="1500779"/>
+          </a:xfrm>
+          <a:prstGeom prst="rect">
+            <a:avLst/>
+          </a:prstGeom>
+        </p:spPr>
+      </p:pic>
+    </p:spTree>
+    <p:extLst>
+      <p:ext uri="{BB962C8B-B14F-4D97-AF65-F5344CB8AC3E}">
+        <p14:creationId xmlns:p14="http://schemas.microsoft.com/office/powerpoint/2010/main" val="768234178"/>
+      </p:ext>
+    </p:extLst>
+  </p:cSld>
+  <p:clrMapOvr>
+    <a:masterClrMapping/>
+  </p:clrMapOvr>
+</p:sld>
+</file>
+
+<file path=ppt/slides/slide29.xml><?xml version="1.0" encoding="utf-8"?>
+<p:sld xmlns:a="http://schemas.openxmlformats.org/drawingml/2006/main" xmlns:r="http://schemas.openxmlformats.org/officeDocument/2006/relationships" xmlns:p="http://schemas.openxmlformats.org/presentationml/2006/main" show="0">
+  <p:cSld>
+    <p:spTree>
+      <p:nvGrpSpPr>
+        <p:cNvPr id="1" name=""/>
+        <p:cNvGrpSpPr/>
+        <p:nvPr/>
+      </p:nvGrpSpPr>
+      <p:grpSpPr>
+        <a:xfrm>
+          <a:off x="0" y="0"/>
+          <a:ext cx="0" cy="0"/>
+          <a:chOff x="0" y="0"/>
+          <a:chExt cx="0" cy="0"/>
+        </a:xfrm>
+      </p:grpSpPr>
+    </p:spTree>
+    <p:extLst>
+      <p:ext uri="{BB962C8B-B14F-4D97-AF65-F5344CB8AC3E}">
+        <p14:creationId xmlns:p14="http://schemas.microsoft.com/office/powerpoint/2010/main" val="3244272865"/>
+      </p:ext>
+    </p:extLst>
+  </p:cSld>
+  <p:clrMapOvr>
+    <a:masterClrMapping/>
+  </p:clrMapOvr>
+</p:sld>
+</file>
+
+<file path=ppt/slides/slide3.xml><?xml version="1.0" encoding="utf-8"?>
+<p:sld xmlns:a="http://schemas.openxmlformats.org/drawingml/2006/main" xmlns:r="http://schemas.openxmlformats.org/officeDocument/2006/relationships" xmlns:p="http://schemas.openxmlformats.org/presentationml/2006/main">
+  <p:cSld>
+    <p:spTree>
+      <p:nvGrpSpPr>
+        <p:cNvPr id="1" name=""/>
+        <p:cNvGrpSpPr/>
+        <p:nvPr/>
+      </p:nvGrpSpPr>
+      <p:grpSpPr>
+        <a:xfrm>
+          <a:off x="0" y="0"/>
+          <a:ext cx="0" cy="0"/>
+          <a:chOff x="0" y="0"/>
+          <a:chExt cx="0" cy="0"/>
+        </a:xfrm>
+      </p:grpSpPr>
+      <p:sp>
+        <p:nvSpPr>
+          <p:cNvPr id="2" name="제목 1">
+            <a:extLst>
+              <a:ext uri="{FF2B5EF4-FFF2-40B4-BE49-F238E27FC236}">
+                <a16:creationId xmlns:a16="http://schemas.microsoft.com/office/drawing/2014/main" id="{DB921A30-6166-1922-4D05-3B5B66590CF5}"/>
+              </a:ext>
+            </a:extLst>
+          </p:cNvPr>
+          <p:cNvSpPr>
+            <a:spLocks noGrp="1"/>
+          </p:cNvSpPr>
+          <p:nvPr>
+            <p:ph type="title"/>
+          </p:nvPr>
+        </p:nvSpPr>
+        <p:spPr/>
+        <p:txBody>
+          <a:bodyPr/>
+          <a:lstStyle/>
+          <a:p>
+            <a:r>
+              <a:rPr kumimoji="1" lang="ko-KR" altLang="en-US" dirty="0"/>
+              <a:t>스파이크 신경망의 </a:t>
+            </a:r>
+            <a:r>
+              <a:rPr kumimoji="1" lang="en-US" altLang="ko-KR" dirty="0"/>
+              <a:t>LIF </a:t>
+            </a:r>
+            <a:r>
+              <a:rPr kumimoji="1" lang="ko-KR" altLang="en-US" dirty="0"/>
+              <a:t>모델</a:t>
+            </a:r>
+          </a:p>
+        </p:txBody>
+      </p:sp>
+      <p:sp>
+        <p:nvSpPr>
+          <p:cNvPr id="3" name="내용 개체 틀 2">
+            <a:extLst>
+              <a:ext uri="{FF2B5EF4-FFF2-40B4-BE49-F238E27FC236}">
+                <a16:creationId xmlns:a16="http://schemas.microsoft.com/office/drawing/2014/main" id="{57DF98A0-C4BC-787A-19E1-FE532FD8715C}"/>
+              </a:ext>
+            </a:extLst>
+          </p:cNvPr>
+          <p:cNvSpPr>
+            <a:spLocks noGrp="1"/>
+          </p:cNvSpPr>
+          <p:nvPr>
+            <p:ph idx="1"/>
+          </p:nvPr>
+        </p:nvSpPr>
+        <p:spPr>
+          <a:xfrm>
+            <a:off x="828675" y="4556870"/>
+            <a:ext cx="7991475" cy="1767730"/>
+          </a:xfrm>
+        </p:spPr>
+        <p:txBody>
+          <a:bodyPr/>
+          <a:lstStyle/>
+          <a:p>
+            <a:r>
+              <a:rPr kumimoji="1" lang="en-US" altLang="ko-KR" dirty="0"/>
+              <a:t>LIF </a:t>
+            </a:r>
+            <a:r>
+              <a:rPr kumimoji="1" lang="ko-KR" altLang="en-US" dirty="0"/>
+              <a:t>모델은 스파이크 신경망의 스파이크 모델</a:t>
+            </a:r>
+            <a:endParaRPr kumimoji="1" lang="en-US" altLang="ko-KR" dirty="0"/>
+          </a:p>
+          <a:p>
+            <a:r>
+              <a:rPr kumimoji="1" lang="ko-KR" altLang="en-US" dirty="0"/>
+              <a:t>입력</a:t>
+            </a:r>
+            <a:r>
+              <a:rPr kumimoji="1" lang="en-US" altLang="ko-KR" dirty="0"/>
+              <a:t>,</a:t>
+            </a:r>
+            <a:r>
+              <a:rPr kumimoji="1" lang="ko-KR" altLang="en-US" dirty="0"/>
+              <a:t> 누수</a:t>
+            </a:r>
+            <a:r>
+              <a:rPr kumimoji="1" lang="en-US" altLang="ko-KR" dirty="0"/>
+              <a:t>,</a:t>
+            </a:r>
+            <a:r>
+              <a:rPr kumimoji="1" lang="ko-KR" altLang="en-US" dirty="0"/>
+              <a:t> 스파이크 발생 및 뉴런의 </a:t>
+            </a:r>
+            <a:r>
+              <a:rPr kumimoji="1" lang="ko-KR" altLang="en-US" dirty="0" err="1"/>
+              <a:t>막전위</a:t>
+            </a:r>
+            <a:r>
+              <a:rPr kumimoji="1" lang="ko-KR" altLang="en-US" dirty="0"/>
+              <a:t> </a:t>
+            </a:r>
+            <a:br>
+              <a:rPr kumimoji="1" lang="en-US" altLang="ko-KR" dirty="0"/>
+            </a:br>
+            <a:r>
+              <a:rPr kumimoji="1" lang="ko-KR" altLang="en-US" dirty="0"/>
+              <a:t>초기화</a:t>
+            </a:r>
+          </a:p>
+        </p:txBody>
+      </p:sp>
+      <p:grpSp>
+        <p:nvGrpSpPr>
+          <p:cNvPr id="87" name="그룹 86">
+            <a:extLst>
+              <a:ext uri="{FF2B5EF4-FFF2-40B4-BE49-F238E27FC236}">
+                <a16:creationId xmlns:a16="http://schemas.microsoft.com/office/drawing/2014/main" id="{1C8ED552-B585-E5AE-387C-B9B862C202BA}"/>
+              </a:ext>
+            </a:extLst>
+          </p:cNvPr>
+          <p:cNvGrpSpPr/>
+          <p:nvPr/>
+        </p:nvGrpSpPr>
+        <p:grpSpPr>
+          <a:xfrm>
+            <a:off x="1331640" y="1655177"/>
+            <a:ext cx="6562892" cy="2277879"/>
+            <a:chOff x="1331640" y="1655177"/>
+            <a:chExt cx="6562892" cy="2277879"/>
+          </a:xfrm>
+        </p:grpSpPr>
+        <p:sp>
+          <p:nvSpPr>
+            <p:cNvPr id="5" name="모서리가 둥근 직사각형 4">
+              <a:extLst>
+                <a:ext uri="{FF2B5EF4-FFF2-40B4-BE49-F238E27FC236}">
+                  <a16:creationId xmlns:a16="http://schemas.microsoft.com/office/drawing/2014/main" id="{A7272C6C-FBA2-1D74-4741-714300E96CDF}"/>
+                </a:ext>
+              </a:extLst>
+            </p:cNvPr>
+            <p:cNvSpPr/>
+            <p:nvPr/>
+          </p:nvSpPr>
+          <p:spPr>
+            <a:xfrm>
+              <a:off x="2594396" y="2696732"/>
+              <a:ext cx="966287" cy="510778"/>
+            </a:xfrm>
+            <a:prstGeom prst="roundRect">
+              <a:avLst/>
+            </a:prstGeom>
+            <a:solidFill>
+              <a:schemeClr val="accent1"/>
+            </a:solidFill>
+            <a:ln w="28575" cap="flat" cmpd="sng" algn="ctr">
+              <a:solidFill>
+                <a:schemeClr val="tx1"/>
+              </a:solidFill>
+              <a:prstDash val="solid"/>
+              <a:round/>
+            </a:ln>
+            <a:effectLst/>
+          </p:spPr>
+          <p:txBody>
+            <a:bodyPr vert="horz" wrap="square" lIns="91440" tIns="45720" rIns="91440" bIns="45720" numCol="1" rtlCol="0" anchor="ctr" anchorCtr="0" compatLnSpc="1">
+              <a:prstTxWarp prst="textNoShape">
+                <a:avLst/>
+              </a:prstTxWarp>
+              <a:spAutoFit/>
+            </a:bodyPr>
+            <a:lstStyle/>
+            <a:p>
+              <a:pPr marL="0" marR="0" indent="0" algn="ctr" defTabSz="914400" rtl="0" eaLnBrk="1" fontAlgn="base" latinLnBrk="1" hangingPunct="1">
+                <a:lnSpc>
+                  <a:spcPct val="100000"/>
+                </a:lnSpc>
+                <a:spcBef>
+                  <a:spcPct val="0"/>
+                </a:spcBef>
+                <a:spcAft>
+                  <a:spcPct val="0"/>
+                </a:spcAft>
+                <a:buNone/>
+              </a:pPr>
+              <a:r>
+                <a:rPr lang="ko-KR" altLang="en-US" dirty="0"/>
+                <a:t>뉴런</a:t>
+              </a:r>
+              <a:endParaRPr kumimoji="1" lang="ko-KR" altLang="en-US" sz="2400" b="0" i="0" u="none" strike="noStrike" cap="none" normalizeH="0" baseline="0" dirty="0">
+                <a:ln>
+                  <a:noFill/>
+                </a:ln>
+                <a:solidFill>
+                  <a:schemeClr val="tx1"/>
+                </a:solidFill>
+                <a:latin typeface="Times New Roman"/>
+                <a:ea typeface="굴림"/>
+              </a:endParaRPr>
+            </a:p>
+          </p:txBody>
+        </p:sp>
+        <p:sp>
+          <p:nvSpPr>
+            <p:cNvPr id="11" name="TextBox 10">
+              <a:extLst>
+                <a:ext uri="{FF2B5EF4-FFF2-40B4-BE49-F238E27FC236}">
+                  <a16:creationId xmlns:a16="http://schemas.microsoft.com/office/drawing/2014/main" id="{DFA15460-09F1-A2FF-A03E-EAABA056C426}"/>
+                </a:ext>
+              </a:extLst>
+            </p:cNvPr>
+            <p:cNvSpPr txBox="1"/>
+            <p:nvPr/>
+          </p:nvSpPr>
+          <p:spPr>
+            <a:xfrm>
+              <a:off x="2688140" y="1655177"/>
+              <a:ext cx="800219" cy="461665"/>
+            </a:xfrm>
+            <a:prstGeom prst="rect">
+              <a:avLst/>
+            </a:prstGeom>
+            <a:noFill/>
+          </p:spPr>
+          <p:txBody>
+            <a:bodyPr wrap="none" rtlCol="0">
+              <a:spAutoFit/>
+            </a:bodyPr>
+            <a:lstStyle/>
+            <a:p>
+              <a:r>
+                <a:rPr lang="ko-KR" altLang="en-US" dirty="0"/>
+                <a:t>입력</a:t>
+              </a:r>
+              <a:endParaRPr kumimoji="1" lang="ko-KR" altLang="en-US" dirty="0"/>
+            </a:p>
+          </p:txBody>
+        </p:sp>
+        <p:sp>
+          <p:nvSpPr>
+            <p:cNvPr id="14" name="TextBox 13">
+              <a:extLst>
+                <a:ext uri="{FF2B5EF4-FFF2-40B4-BE49-F238E27FC236}">
+                  <a16:creationId xmlns:a16="http://schemas.microsoft.com/office/drawing/2014/main" id="{F9D66558-569E-10CD-0A78-AFF494345CB7}"/>
+                </a:ext>
+              </a:extLst>
+            </p:cNvPr>
+            <p:cNvSpPr txBox="1"/>
+            <p:nvPr/>
+          </p:nvSpPr>
+          <p:spPr>
+            <a:xfrm>
+              <a:off x="2288031" y="3397089"/>
+              <a:ext cx="800219" cy="461665"/>
+            </a:xfrm>
+            <a:prstGeom prst="rect">
+              <a:avLst/>
+            </a:prstGeom>
+            <a:noFill/>
+          </p:spPr>
+          <p:txBody>
+            <a:bodyPr wrap="none" rtlCol="0">
+              <a:spAutoFit/>
+            </a:bodyPr>
+            <a:lstStyle/>
+            <a:p>
+              <a:r>
+                <a:rPr lang="ko-KR" altLang="en-US" dirty="0"/>
+                <a:t>누수</a:t>
+              </a:r>
+              <a:endParaRPr kumimoji="1" lang="ko-KR" altLang="en-US" dirty="0"/>
+            </a:p>
+          </p:txBody>
+        </p:sp>
+        <p:cxnSp>
+          <p:nvCxnSpPr>
+            <p:cNvPr id="16" name="직선 화살표 연결선 15">
+              <a:extLst>
+                <a:ext uri="{FF2B5EF4-FFF2-40B4-BE49-F238E27FC236}">
+                  <a16:creationId xmlns:a16="http://schemas.microsoft.com/office/drawing/2014/main" id="{27785CD9-9844-1488-B04D-489554B450C4}"/>
+                </a:ext>
+              </a:extLst>
+            </p:cNvPr>
+            <p:cNvCxnSpPr>
+              <a:cxnSpLocks/>
+              <a:endCxn id="5" idx="1"/>
+            </p:cNvCxnSpPr>
+            <p:nvPr/>
+          </p:nvCxnSpPr>
+          <p:spPr>
+            <a:xfrm>
+              <a:off x="1331640" y="2952121"/>
+              <a:ext cx="1262756" cy="0"/>
+            </a:xfrm>
+            <a:prstGeom prst="straightConnector1">
+              <a:avLst/>
+            </a:prstGeom>
+            <a:solidFill>
+              <a:schemeClr val="accent1"/>
+            </a:solidFill>
+            <a:ln w="28575" cap="flat" cmpd="sng" algn="ctr">
+              <a:solidFill>
+                <a:schemeClr val="tx1"/>
+              </a:solidFill>
+              <a:prstDash val="solid"/>
+              <a:round/>
+              <a:tailEnd type="triangle"/>
+            </a:ln>
+            <a:effectLst/>
+          </p:spPr>
+        </p:cxnSp>
+        <p:cxnSp>
+          <p:nvCxnSpPr>
+            <p:cNvPr id="19" name="직선 화살표 연결선 18">
+              <a:extLst>
+                <a:ext uri="{FF2B5EF4-FFF2-40B4-BE49-F238E27FC236}">
+                  <a16:creationId xmlns:a16="http://schemas.microsoft.com/office/drawing/2014/main" id="{4D026F0B-1D6D-3837-0CD2-143B401E20BB}"/>
+                </a:ext>
+              </a:extLst>
+            </p:cNvPr>
+            <p:cNvCxnSpPr>
+              <a:cxnSpLocks/>
+              <a:stCxn id="5" idx="2"/>
+            </p:cNvCxnSpPr>
+            <p:nvPr/>
+          </p:nvCxnSpPr>
+          <p:spPr>
+            <a:xfrm>
+              <a:off x="3077540" y="3207510"/>
+              <a:ext cx="0" cy="725546"/>
+            </a:xfrm>
+            <a:prstGeom prst="straightConnector1">
+              <a:avLst/>
+            </a:prstGeom>
+            <a:solidFill>
+              <a:schemeClr val="accent1"/>
+            </a:solidFill>
+            <a:ln w="28575" cap="flat" cmpd="sng" algn="ctr">
+              <a:solidFill>
+                <a:schemeClr val="tx1"/>
+              </a:solidFill>
+              <a:prstDash val="solid"/>
+              <a:round/>
+              <a:tailEnd type="triangle"/>
+            </a:ln>
+            <a:effectLst/>
+          </p:spPr>
+        </p:cxnSp>
+        <p:sp>
+          <p:nvSpPr>
+            <p:cNvPr id="30" name="모서리가 둥근 직사각형 29">
+              <a:extLst>
+                <a:ext uri="{FF2B5EF4-FFF2-40B4-BE49-F238E27FC236}">
+                  <a16:creationId xmlns:a16="http://schemas.microsoft.com/office/drawing/2014/main" id="{5B8DE54F-03BB-7772-2B54-0FD95C05E2EC}"/>
+                </a:ext>
+              </a:extLst>
+            </p:cNvPr>
+            <p:cNvSpPr/>
+            <p:nvPr/>
+          </p:nvSpPr>
+          <p:spPr>
+            <a:xfrm>
+              <a:off x="5239834" y="2685070"/>
+              <a:ext cx="966287" cy="510778"/>
+            </a:xfrm>
+            <a:prstGeom prst="roundRect">
+              <a:avLst/>
+            </a:prstGeom>
+            <a:solidFill>
+              <a:schemeClr val="accent1"/>
+            </a:solidFill>
+            <a:ln w="28575" cap="flat" cmpd="sng" algn="ctr">
+              <a:solidFill>
+                <a:schemeClr val="tx1"/>
+              </a:solidFill>
+              <a:prstDash val="solid"/>
+              <a:round/>
+            </a:ln>
+            <a:effectLst/>
+          </p:spPr>
+          <p:txBody>
+            <a:bodyPr vert="horz" wrap="square" lIns="91440" tIns="45720" rIns="91440" bIns="45720" numCol="1" rtlCol="0" anchor="ctr" anchorCtr="0" compatLnSpc="1">
+              <a:prstTxWarp prst="textNoShape">
+                <a:avLst/>
+              </a:prstTxWarp>
+              <a:spAutoFit/>
+            </a:bodyPr>
+            <a:lstStyle/>
+            <a:p>
+              <a:pPr marL="0" marR="0" indent="0" algn="ctr" defTabSz="914400" rtl="0" eaLnBrk="1" fontAlgn="base" latinLnBrk="1" hangingPunct="1">
+                <a:lnSpc>
+                  <a:spcPct val="100000"/>
+                </a:lnSpc>
+                <a:spcBef>
+                  <a:spcPct val="0"/>
+                </a:spcBef>
+                <a:spcAft>
+                  <a:spcPct val="0"/>
+                </a:spcAft>
+                <a:buNone/>
+              </a:pPr>
+              <a:r>
+                <a:rPr lang="ko-KR" altLang="en-US" dirty="0"/>
+                <a:t>뉴런</a:t>
+              </a:r>
+              <a:endParaRPr kumimoji="1" lang="ko-KR" altLang="en-US" sz="2400" b="0" i="0" u="none" strike="noStrike" cap="none" normalizeH="0" baseline="0" dirty="0">
+                <a:ln>
+                  <a:noFill/>
+                </a:ln>
+                <a:solidFill>
+                  <a:schemeClr val="tx1"/>
+                </a:solidFill>
+                <a:latin typeface="Times New Roman"/>
+                <a:ea typeface="굴림"/>
+              </a:endParaRPr>
+            </a:p>
+          </p:txBody>
+        </p:sp>
+        <p:cxnSp>
+          <p:nvCxnSpPr>
+            <p:cNvPr id="31" name="직선 화살표 연결선 30">
+              <a:extLst>
+                <a:ext uri="{FF2B5EF4-FFF2-40B4-BE49-F238E27FC236}">
+                  <a16:creationId xmlns:a16="http://schemas.microsoft.com/office/drawing/2014/main" id="{B127795D-95C7-D377-73E4-DC770235E0B9}"/>
+                </a:ext>
+              </a:extLst>
+            </p:cNvPr>
+            <p:cNvCxnSpPr>
+              <a:cxnSpLocks/>
+              <a:stCxn id="5" idx="3"/>
+              <a:endCxn id="30" idx="1"/>
+            </p:cNvCxnSpPr>
+            <p:nvPr/>
+          </p:nvCxnSpPr>
+          <p:spPr>
+            <a:xfrm flipV="1">
+              <a:off x="3560683" y="2940459"/>
+              <a:ext cx="1679151" cy="11662"/>
+            </a:xfrm>
+            <a:prstGeom prst="straightConnector1">
+              <a:avLst/>
+            </a:prstGeom>
+            <a:solidFill>
+              <a:schemeClr val="accent1"/>
+            </a:solidFill>
+            <a:ln w="28575" cap="flat" cmpd="sng" algn="ctr">
+              <a:solidFill>
+                <a:schemeClr val="tx1"/>
+              </a:solidFill>
+              <a:prstDash val="solid"/>
+              <a:round/>
+              <a:tailEnd type="triangle"/>
+            </a:ln>
+            <a:effectLst/>
+          </p:spPr>
+        </p:cxnSp>
+        <p:sp>
+          <p:nvSpPr>
+            <p:cNvPr id="35" name="TextBox 34">
+              <a:extLst>
+                <a:ext uri="{FF2B5EF4-FFF2-40B4-BE49-F238E27FC236}">
+                  <a16:creationId xmlns:a16="http://schemas.microsoft.com/office/drawing/2014/main" id="{D6DFE1A7-0496-3403-9FEB-5BBECE6C8604}"/>
+                </a:ext>
+              </a:extLst>
+            </p:cNvPr>
+            <p:cNvSpPr txBox="1"/>
+            <p:nvPr/>
+          </p:nvSpPr>
+          <p:spPr>
+            <a:xfrm>
+              <a:off x="3620216" y="2955975"/>
+              <a:ext cx="1415772" cy="461665"/>
+            </a:xfrm>
+            <a:prstGeom prst="rect">
+              <a:avLst/>
+            </a:prstGeom>
+            <a:noFill/>
+          </p:spPr>
+          <p:txBody>
+            <a:bodyPr wrap="none" rtlCol="0">
+              <a:spAutoFit/>
+            </a:bodyPr>
+            <a:lstStyle/>
+            <a:p>
+              <a:r>
+                <a:rPr lang="ko-KR" altLang="en-US" dirty="0"/>
+                <a:t>스파이크</a:t>
+              </a:r>
+              <a:endParaRPr kumimoji="1" lang="ko-KR" altLang="en-US" dirty="0"/>
+            </a:p>
+          </p:txBody>
+        </p:sp>
+        <p:cxnSp>
+          <p:nvCxnSpPr>
+            <p:cNvPr id="54" name="꺾인 연결선[E] 53">
+              <a:extLst>
+                <a:ext uri="{FF2B5EF4-FFF2-40B4-BE49-F238E27FC236}">
+                  <a16:creationId xmlns:a16="http://schemas.microsoft.com/office/drawing/2014/main" id="{A292ECBF-1965-BA00-C317-BD9DC1F88730}"/>
+                </a:ext>
+              </a:extLst>
+            </p:cNvPr>
+            <p:cNvCxnSpPr>
+              <a:cxnSpLocks/>
+              <a:stCxn id="35" idx="0"/>
+            </p:cNvCxnSpPr>
+            <p:nvPr/>
+          </p:nvCxnSpPr>
+          <p:spPr>
+            <a:xfrm rot="16200000" flipV="1">
+              <a:off x="3776824" y="2404697"/>
+              <a:ext cx="259243" cy="843314"/>
+            </a:xfrm>
+            <a:prstGeom prst="bentConnector2">
+              <a:avLst/>
+            </a:prstGeom>
+            <a:solidFill>
+              <a:schemeClr val="accent1"/>
+            </a:solidFill>
+            <a:ln w="28575" cap="flat" cmpd="sng" algn="ctr">
+              <a:solidFill>
+                <a:schemeClr val="tx1"/>
+              </a:solidFill>
+              <a:prstDash val="solid"/>
+              <a:round/>
+              <a:tailEnd type="triangle"/>
+            </a:ln>
+            <a:effectLst/>
+          </p:spPr>
+        </p:cxnSp>
+        <p:sp>
+          <p:nvSpPr>
+            <p:cNvPr id="57" name="TextBox 56">
+              <a:extLst>
+                <a:ext uri="{FF2B5EF4-FFF2-40B4-BE49-F238E27FC236}">
+                  <a16:creationId xmlns:a16="http://schemas.microsoft.com/office/drawing/2014/main" id="{13F6121E-7D85-4378-82D8-2D5C756E0B6C}"/>
+                </a:ext>
+              </a:extLst>
+            </p:cNvPr>
+            <p:cNvSpPr txBox="1"/>
+            <p:nvPr/>
+          </p:nvSpPr>
+          <p:spPr>
+            <a:xfrm>
+              <a:off x="3397089" y="2222172"/>
+              <a:ext cx="1338828" cy="461665"/>
+            </a:xfrm>
+            <a:prstGeom prst="rect">
+              <a:avLst/>
+            </a:prstGeom>
+            <a:noFill/>
+          </p:spPr>
+          <p:txBody>
+            <a:bodyPr wrap="none" rtlCol="0">
+              <a:spAutoFit/>
+            </a:bodyPr>
+            <a:lstStyle/>
+            <a:p>
+              <a:r>
+                <a:rPr lang="en-US" altLang="ko-KR" dirty="0"/>
+                <a:t>v </a:t>
+              </a:r>
+              <a:r>
+                <a:rPr lang="ko-KR" altLang="en-US" dirty="0"/>
+                <a:t>초기화</a:t>
+              </a:r>
+              <a:endParaRPr kumimoji="1" lang="ko-KR" altLang="en-US" dirty="0"/>
+            </a:p>
+          </p:txBody>
+        </p:sp>
+        <p:cxnSp>
+          <p:nvCxnSpPr>
+            <p:cNvPr id="60" name="직선 화살표 연결선 59">
+              <a:extLst>
+                <a:ext uri="{FF2B5EF4-FFF2-40B4-BE49-F238E27FC236}">
+                  <a16:creationId xmlns:a16="http://schemas.microsoft.com/office/drawing/2014/main" id="{F98111D2-73B3-A5E7-1178-7B5E66933B02}"/>
+                </a:ext>
+              </a:extLst>
+            </p:cNvPr>
+            <p:cNvCxnSpPr>
+              <a:cxnSpLocks/>
+              <a:endCxn id="5" idx="0"/>
+            </p:cNvCxnSpPr>
+            <p:nvPr/>
+          </p:nvCxnSpPr>
+          <p:spPr>
+            <a:xfrm flipH="1">
+              <a:off x="3077540" y="2157212"/>
+              <a:ext cx="10710" cy="539520"/>
+            </a:xfrm>
+            <a:prstGeom prst="straightConnector1">
+              <a:avLst/>
+            </a:prstGeom>
+            <a:solidFill>
+              <a:schemeClr val="accent1"/>
+            </a:solidFill>
+            <a:ln w="28575" cap="flat" cmpd="sng" algn="ctr">
+              <a:solidFill>
+                <a:schemeClr val="tx1"/>
+              </a:solidFill>
+              <a:prstDash val="solid"/>
+              <a:round/>
+              <a:tailEnd type="triangle"/>
+            </a:ln>
+            <a:effectLst/>
+          </p:spPr>
+        </p:cxnSp>
+        <p:cxnSp>
+          <p:nvCxnSpPr>
+            <p:cNvPr id="66" name="직선 화살표 연결선 65">
+              <a:extLst>
+                <a:ext uri="{FF2B5EF4-FFF2-40B4-BE49-F238E27FC236}">
+                  <a16:creationId xmlns:a16="http://schemas.microsoft.com/office/drawing/2014/main" id="{C6B29FD3-54DE-4B92-DBE2-BBA4FE876D27}"/>
+                </a:ext>
+              </a:extLst>
+            </p:cNvPr>
+            <p:cNvCxnSpPr>
+              <a:cxnSpLocks/>
+              <a:stCxn id="30" idx="2"/>
+            </p:cNvCxnSpPr>
+            <p:nvPr/>
+          </p:nvCxnSpPr>
+          <p:spPr>
+            <a:xfrm>
+              <a:off x="5722978" y="3195848"/>
+              <a:ext cx="0" cy="687383"/>
+            </a:xfrm>
+            <a:prstGeom prst="straightConnector1">
+              <a:avLst/>
+            </a:prstGeom>
+            <a:solidFill>
+              <a:schemeClr val="accent1"/>
+            </a:solidFill>
+            <a:ln w="28575" cap="flat" cmpd="sng" algn="ctr">
+              <a:solidFill>
+                <a:schemeClr val="tx1"/>
+              </a:solidFill>
+              <a:prstDash val="solid"/>
+              <a:round/>
+              <a:tailEnd type="triangle"/>
+            </a:ln>
+            <a:effectLst/>
+          </p:spPr>
+        </p:cxnSp>
+        <p:cxnSp>
+          <p:nvCxnSpPr>
+            <p:cNvPr id="69" name="직선 화살표 연결선 68">
+              <a:extLst>
+                <a:ext uri="{FF2B5EF4-FFF2-40B4-BE49-F238E27FC236}">
+                  <a16:creationId xmlns:a16="http://schemas.microsoft.com/office/drawing/2014/main" id="{B82ACC33-E2B9-A103-9A7F-49940885A27F}"/>
+                </a:ext>
+              </a:extLst>
+            </p:cNvPr>
+            <p:cNvCxnSpPr>
+              <a:cxnSpLocks/>
+            </p:cNvCxnSpPr>
+            <p:nvPr/>
+          </p:nvCxnSpPr>
+          <p:spPr>
+            <a:xfrm flipV="1">
+              <a:off x="6215381" y="2916933"/>
+              <a:ext cx="1679151" cy="11662"/>
+            </a:xfrm>
+            <a:prstGeom prst="straightConnector1">
+              <a:avLst/>
+            </a:prstGeom>
+            <a:solidFill>
+              <a:schemeClr val="accent1"/>
+            </a:solidFill>
+            <a:ln w="28575" cap="flat" cmpd="sng" algn="ctr">
+              <a:solidFill>
+                <a:schemeClr val="tx1"/>
+              </a:solidFill>
+              <a:prstDash val="solid"/>
+              <a:round/>
+              <a:tailEnd type="triangle"/>
+            </a:ln>
+            <a:effectLst/>
+          </p:spPr>
+        </p:cxnSp>
+        <p:cxnSp>
+          <p:nvCxnSpPr>
+            <p:cNvPr id="77" name="직선 화살표 연결선 76">
+              <a:extLst>
+                <a:ext uri="{FF2B5EF4-FFF2-40B4-BE49-F238E27FC236}">
+                  <a16:creationId xmlns:a16="http://schemas.microsoft.com/office/drawing/2014/main" id="{E04BE4BB-09C5-3EEC-DA2F-9BF82F56431B}"/>
+                </a:ext>
+              </a:extLst>
+            </p:cNvPr>
+            <p:cNvCxnSpPr>
+              <a:cxnSpLocks/>
+            </p:cNvCxnSpPr>
+            <p:nvPr/>
+          </p:nvCxnSpPr>
+          <p:spPr>
+            <a:xfrm flipH="1">
+              <a:off x="5722977" y="2144317"/>
+              <a:ext cx="10710" cy="539520"/>
+            </a:xfrm>
+            <a:prstGeom prst="straightConnector1">
+              <a:avLst/>
+            </a:prstGeom>
+            <a:solidFill>
+              <a:schemeClr val="accent1"/>
+            </a:solidFill>
+            <a:ln w="28575" cap="flat" cmpd="sng" algn="ctr">
+              <a:solidFill>
+                <a:schemeClr val="tx1"/>
+              </a:solidFill>
+              <a:prstDash val="solid"/>
+              <a:round/>
+              <a:tailEnd type="triangle"/>
+            </a:ln>
+            <a:effectLst/>
+          </p:spPr>
+        </p:cxnSp>
+        <p:sp>
+          <p:nvSpPr>
+            <p:cNvPr id="78" name="TextBox 77">
+              <a:extLst>
+                <a:ext uri="{FF2B5EF4-FFF2-40B4-BE49-F238E27FC236}">
+                  <a16:creationId xmlns:a16="http://schemas.microsoft.com/office/drawing/2014/main" id="{4E637206-BE91-FB32-0876-96C93602D372}"/>
+                </a:ext>
+              </a:extLst>
+            </p:cNvPr>
+            <p:cNvSpPr txBox="1"/>
+            <p:nvPr/>
+          </p:nvSpPr>
+          <p:spPr>
+            <a:xfrm>
+              <a:off x="5322867" y="1672750"/>
+              <a:ext cx="800219" cy="461665"/>
+            </a:xfrm>
+            <a:prstGeom prst="rect">
+              <a:avLst/>
+            </a:prstGeom>
+            <a:noFill/>
+          </p:spPr>
+          <p:txBody>
+            <a:bodyPr wrap="none" rtlCol="0">
+              <a:spAutoFit/>
+            </a:bodyPr>
+            <a:lstStyle/>
+            <a:p>
+              <a:r>
+                <a:rPr lang="ko-KR" altLang="en-US" dirty="0"/>
+                <a:t>입력</a:t>
+              </a:r>
+              <a:endParaRPr kumimoji="1" lang="ko-KR" altLang="en-US" dirty="0"/>
+            </a:p>
+          </p:txBody>
+        </p:sp>
+        <p:cxnSp>
+          <p:nvCxnSpPr>
+            <p:cNvPr id="80" name="꺾인 연결선[E] 79">
+              <a:extLst>
+                <a:ext uri="{FF2B5EF4-FFF2-40B4-BE49-F238E27FC236}">
+                  <a16:creationId xmlns:a16="http://schemas.microsoft.com/office/drawing/2014/main" id="{50DD57C5-27A7-4301-826B-6D02F80C75A6}"/>
+                </a:ext>
+              </a:extLst>
+            </p:cNvPr>
+            <p:cNvCxnSpPr>
+              <a:cxnSpLocks/>
+            </p:cNvCxnSpPr>
+            <p:nvPr/>
+          </p:nvCxnSpPr>
+          <p:spPr>
+            <a:xfrm rot="10800000">
+              <a:off x="6195410" y="2696732"/>
+              <a:ext cx="791356" cy="217666"/>
+            </a:xfrm>
+            <a:prstGeom prst="bentConnector3">
+              <a:avLst>
+                <a:gd name="adj1" fmla="val -1243"/>
+              </a:avLst>
+            </a:prstGeom>
+            <a:solidFill>
+              <a:schemeClr val="accent1"/>
+            </a:solidFill>
+            <a:ln w="28575" cap="flat" cmpd="sng" algn="ctr">
+              <a:solidFill>
+                <a:schemeClr val="tx1"/>
+              </a:solidFill>
+              <a:prstDash val="solid"/>
+              <a:round/>
+              <a:tailEnd type="triangle"/>
+            </a:ln>
+            <a:effectLst/>
+          </p:spPr>
+        </p:cxnSp>
+        <p:sp>
+          <p:nvSpPr>
+            <p:cNvPr id="81" name="TextBox 80">
+              <a:extLst>
+                <a:ext uri="{FF2B5EF4-FFF2-40B4-BE49-F238E27FC236}">
+                  <a16:creationId xmlns:a16="http://schemas.microsoft.com/office/drawing/2014/main" id="{CE6545E3-728A-5029-D61E-DDC0EB7BD98E}"/>
+                </a:ext>
+              </a:extLst>
+            </p:cNvPr>
+            <p:cNvSpPr txBox="1"/>
+            <p:nvPr/>
+          </p:nvSpPr>
+          <p:spPr>
+            <a:xfrm>
+              <a:off x="6055752" y="2180594"/>
+              <a:ext cx="1338828" cy="461665"/>
+            </a:xfrm>
+            <a:prstGeom prst="rect">
+              <a:avLst/>
+            </a:prstGeom>
+            <a:noFill/>
+          </p:spPr>
+          <p:txBody>
+            <a:bodyPr wrap="none" rtlCol="0">
+              <a:spAutoFit/>
+            </a:bodyPr>
+            <a:lstStyle/>
+            <a:p>
+              <a:r>
+                <a:rPr lang="en-US" altLang="ko-KR" dirty="0"/>
+                <a:t>v </a:t>
+              </a:r>
+              <a:r>
+                <a:rPr lang="ko-KR" altLang="en-US" dirty="0"/>
+                <a:t>초기화</a:t>
+              </a:r>
+              <a:endParaRPr kumimoji="1" lang="ko-KR" altLang="en-US" dirty="0"/>
+            </a:p>
+          </p:txBody>
+        </p:sp>
+        <p:sp>
+          <p:nvSpPr>
+            <p:cNvPr id="84" name="TextBox 83">
+              <a:extLst>
+                <a:ext uri="{FF2B5EF4-FFF2-40B4-BE49-F238E27FC236}">
+                  <a16:creationId xmlns:a16="http://schemas.microsoft.com/office/drawing/2014/main" id="{F798DB22-1537-7F0C-8F86-D9D74924D299}"/>
+                </a:ext>
+              </a:extLst>
+            </p:cNvPr>
+            <p:cNvSpPr txBox="1"/>
+            <p:nvPr/>
+          </p:nvSpPr>
+          <p:spPr>
+            <a:xfrm>
+              <a:off x="6346258" y="2940459"/>
+              <a:ext cx="1417396" cy="461665"/>
+            </a:xfrm>
+            <a:prstGeom prst="rect">
+              <a:avLst/>
+            </a:prstGeom>
+            <a:noFill/>
+          </p:spPr>
+          <p:txBody>
+            <a:bodyPr wrap="square" rtlCol="0">
+              <a:spAutoFit/>
+            </a:bodyPr>
+            <a:lstStyle/>
+            <a:p>
+              <a:r>
+                <a:rPr lang="ko-KR" altLang="en-US" dirty="0"/>
+                <a:t>스파이크</a:t>
+              </a:r>
+              <a:endParaRPr kumimoji="1" lang="ko-KR" altLang="en-US" dirty="0"/>
+            </a:p>
+          </p:txBody>
+        </p:sp>
+        <p:sp>
+          <p:nvSpPr>
+            <p:cNvPr id="86" name="TextBox 85">
+              <a:extLst>
+                <a:ext uri="{FF2B5EF4-FFF2-40B4-BE49-F238E27FC236}">
+                  <a16:creationId xmlns:a16="http://schemas.microsoft.com/office/drawing/2014/main" id="{5310FDF0-B95F-8D34-92D8-874E64045C2B}"/>
+                </a:ext>
+              </a:extLst>
+            </p:cNvPr>
+            <p:cNvSpPr txBox="1"/>
+            <p:nvPr/>
+          </p:nvSpPr>
+          <p:spPr>
+            <a:xfrm>
+              <a:off x="4933468" y="3339450"/>
+              <a:ext cx="800219" cy="461665"/>
+            </a:xfrm>
+            <a:prstGeom prst="rect">
+              <a:avLst/>
+            </a:prstGeom>
+            <a:noFill/>
+          </p:spPr>
+          <p:txBody>
+            <a:bodyPr wrap="none" rtlCol="0">
+              <a:spAutoFit/>
+            </a:bodyPr>
+            <a:lstStyle/>
+            <a:p>
+              <a:r>
+                <a:rPr lang="ko-KR" altLang="en-US" dirty="0"/>
+                <a:t>누수</a:t>
+              </a:r>
+              <a:endParaRPr kumimoji="1" lang="ko-KR" altLang="en-US" dirty="0"/>
+            </a:p>
+          </p:txBody>
+        </p:sp>
+      </p:grpSp>
+    </p:spTree>
+    <p:extLst>
+      <p:ext uri="{BB962C8B-B14F-4D97-AF65-F5344CB8AC3E}">
+        <p14:creationId xmlns:p14="http://schemas.microsoft.com/office/powerpoint/2010/main" val="2766897680"/>
+      </p:ext>
+    </p:extLst>
+  </p:cSld>
+  <p:clrMapOvr>
+    <a:masterClrMapping/>
+  </p:clrMapOvr>
+</p:sld>
+</file>
+
+<file path=ppt/slides/slide4.xml><?xml version="1.0" encoding="utf-8"?>
+<p:sld xmlns:a="http://schemas.openxmlformats.org/drawingml/2006/main" xmlns:r="http://schemas.openxmlformats.org/officeDocument/2006/relationships" xmlns:p="http://schemas.openxmlformats.org/presentationml/2006/main">
+  <p:cSld>
+    <p:spTree>
+      <p:nvGrpSpPr>
+        <p:cNvPr id="1" name=""/>
+        <p:cNvGrpSpPr/>
+        <p:nvPr/>
+      </p:nvGrpSpPr>
+      <p:grpSpPr>
+        <a:xfrm>
+          <a:off x="0" y="0"/>
+          <a:ext cx="0" cy="0"/>
+          <a:chOff x="0" y="0"/>
+          <a:chExt cx="0" cy="0"/>
+        </a:xfrm>
+      </p:grpSpPr>
+      <p:sp>
+        <p:nvSpPr>
+          <p:cNvPr id="2" name="제목 1">
+            <a:extLst>
+              <a:ext uri="{FF2B5EF4-FFF2-40B4-BE49-F238E27FC236}">
+                <a16:creationId xmlns:a16="http://schemas.microsoft.com/office/drawing/2014/main" id="{E807F801-4798-3351-84E3-43E45F0D04ED}"/>
+              </a:ext>
+            </a:extLst>
+          </p:cNvPr>
+          <p:cNvSpPr>
+            <a:spLocks noGrp="1"/>
+          </p:cNvSpPr>
+          <p:nvPr>
+            <p:ph type="title"/>
+          </p:nvPr>
+        </p:nvSpPr>
+        <p:spPr/>
+        <p:txBody>
+          <a:bodyPr/>
+          <a:lstStyle/>
+          <a:p>
+            <a:r>
+              <a:rPr lang="ko-KR" altLang="en-US" dirty="0"/>
+              <a:t>순환신경망</a:t>
+            </a:r>
+            <a:r>
+              <a:rPr kumimoji="1" lang="ko-KR" altLang="en-US" dirty="0"/>
+              <a:t> 모델</a:t>
+            </a:r>
+          </a:p>
+        </p:txBody>
+      </p:sp>
+      <p:sp>
+        <p:nvSpPr>
+          <p:cNvPr id="3" name="내용 개체 틀 2">
+            <a:extLst>
+              <a:ext uri="{FF2B5EF4-FFF2-40B4-BE49-F238E27FC236}">
+                <a16:creationId xmlns:a16="http://schemas.microsoft.com/office/drawing/2014/main" id="{293529A8-F96F-857A-F11E-6FD404F9DCCC}"/>
+              </a:ext>
+            </a:extLst>
+          </p:cNvPr>
+          <p:cNvSpPr>
+            <a:spLocks noGrp="1"/>
+          </p:cNvSpPr>
+          <p:nvPr>
+            <p:ph idx="1"/>
+          </p:nvPr>
+        </p:nvSpPr>
+        <p:spPr/>
+        <p:txBody>
+          <a:bodyPr/>
+          <a:lstStyle/>
+          <a:p>
+            <a:r>
+              <a:rPr lang="ko-KR" altLang="en-US" dirty="0"/>
+              <a:t>순환신경망</a:t>
+            </a:r>
+            <a:r>
+              <a:rPr lang="en-US" altLang="ko-KR" dirty="0"/>
+              <a:t>(Recurrent</a:t>
+            </a:r>
+            <a:r>
+              <a:rPr lang="ko-KR" altLang="en-US" dirty="0"/>
+              <a:t> </a:t>
+            </a:r>
+            <a:r>
+              <a:rPr lang="en-US" altLang="ko-KR" dirty="0"/>
+              <a:t>Neural Network)</a:t>
+            </a:r>
+            <a:r>
+              <a:rPr lang="ko-KR" altLang="en-US" dirty="0"/>
+              <a:t>은 </a:t>
+            </a:r>
+            <a:endParaRPr lang="en-US" altLang="ko-KR" dirty="0"/>
+          </a:p>
+          <a:p>
+            <a:r>
+              <a:rPr lang="ko-KR" altLang="en-US" dirty="0"/>
+              <a:t>메모리 개념을 가짐</a:t>
+            </a:r>
+            <a:endParaRPr lang="en-US" altLang="ko-KR" dirty="0"/>
+          </a:p>
+          <a:p>
+            <a:r>
+              <a:rPr lang="ko-KR" altLang="en-US" dirty="0"/>
+              <a:t>메모리는 다음 시간의 입력으로 사용</a:t>
+            </a:r>
+            <a:endParaRPr kumimoji="1" lang="ko-KR" altLang="en-US" dirty="0"/>
+          </a:p>
+        </p:txBody>
+      </p:sp>
+      <p:grpSp>
+        <p:nvGrpSpPr>
+          <p:cNvPr id="34" name="그룹 33">
+            <a:extLst>
+              <a:ext uri="{FF2B5EF4-FFF2-40B4-BE49-F238E27FC236}">
+                <a16:creationId xmlns:a16="http://schemas.microsoft.com/office/drawing/2014/main" id="{421A59F6-683E-1019-EDF9-3494C2A63A0F}"/>
+              </a:ext>
+            </a:extLst>
+          </p:cNvPr>
+          <p:cNvGrpSpPr/>
+          <p:nvPr/>
+        </p:nvGrpSpPr>
+        <p:grpSpPr>
+          <a:xfrm>
+            <a:off x="1547664" y="3276364"/>
+            <a:ext cx="6009211" cy="3023679"/>
+            <a:chOff x="1547664" y="3276364"/>
+            <a:chExt cx="6009211" cy="3023679"/>
+          </a:xfrm>
+        </p:grpSpPr>
+        <p:grpSp>
+          <p:nvGrpSpPr>
+            <p:cNvPr id="27" name="그룹 26">
+              <a:extLst>
+                <a:ext uri="{FF2B5EF4-FFF2-40B4-BE49-F238E27FC236}">
+                  <a16:creationId xmlns:a16="http://schemas.microsoft.com/office/drawing/2014/main" id="{15C3B89D-5424-AA86-7039-8F198BBEB545}"/>
+                </a:ext>
+              </a:extLst>
+            </p:cNvPr>
+            <p:cNvGrpSpPr/>
+            <p:nvPr/>
+          </p:nvGrpSpPr>
+          <p:grpSpPr>
+            <a:xfrm>
+              <a:off x="1547664" y="3285446"/>
+              <a:ext cx="4747889" cy="3014597"/>
+              <a:chOff x="1438470" y="2883513"/>
+              <a:chExt cx="4747889" cy="3014597"/>
+            </a:xfrm>
+          </p:grpSpPr>
+          <p:sp>
+            <p:nvSpPr>
+              <p:cNvPr id="5" name="모서리가 둥근 직사각형 4">
+                <a:extLst>
+                  <a:ext uri="{FF2B5EF4-FFF2-40B4-BE49-F238E27FC236}">
+                    <a16:creationId xmlns:a16="http://schemas.microsoft.com/office/drawing/2014/main" id="{A9D2FF32-2D03-6C2F-EA13-9837D8275A4E}"/>
+                  </a:ext>
+                </a:extLst>
+              </p:cNvPr>
+              <p:cNvSpPr/>
+              <p:nvPr/>
+            </p:nvSpPr>
+            <p:spPr>
+              <a:xfrm>
+                <a:off x="2699792" y="4143160"/>
+                <a:ext cx="966287" cy="510778"/>
+              </a:xfrm>
+              <a:prstGeom prst="roundRect">
+                <a:avLst/>
+              </a:prstGeom>
+              <a:solidFill>
+                <a:schemeClr val="accent1"/>
+              </a:solidFill>
+              <a:ln w="28575" cap="flat" cmpd="sng" algn="ctr">
+                <a:solidFill>
+                  <a:schemeClr val="tx1"/>
+                </a:solidFill>
+                <a:prstDash val="solid"/>
+                <a:round/>
+              </a:ln>
+              <a:effectLst/>
+            </p:spPr>
+            <p:txBody>
+              <a:bodyPr vert="horz" wrap="square" lIns="91440" tIns="45720" rIns="91440" bIns="45720" numCol="1" rtlCol="0" anchor="ctr" anchorCtr="0" compatLnSpc="1">
+                <a:prstTxWarp prst="textNoShape">
+                  <a:avLst/>
+                </a:prstTxWarp>
+                <a:spAutoFit/>
+              </a:bodyPr>
+              <a:lstStyle/>
+              <a:p>
+                <a:pPr marL="0" marR="0" indent="0" algn="ctr" defTabSz="914400" rtl="0" eaLnBrk="1" fontAlgn="base" latinLnBrk="1" hangingPunct="1">
+                  <a:lnSpc>
+                    <a:spcPct val="100000"/>
+                  </a:lnSpc>
+                  <a:spcBef>
+                    <a:spcPct val="0"/>
+                  </a:spcBef>
+                  <a:spcAft>
+                    <a:spcPct val="0"/>
+                  </a:spcAft>
+                  <a:buNone/>
+                </a:pPr>
+                <a:r>
+                  <a:rPr kumimoji="1" lang="en-US" altLang="ko-KR" sz="2400" b="0" i="0" u="none" strike="noStrike" cap="none" normalizeH="0" baseline="0" dirty="0">
+                    <a:ln>
+                      <a:noFill/>
+                    </a:ln>
+                    <a:solidFill>
+                      <a:schemeClr val="tx1"/>
+                    </a:solidFill>
+                    <a:latin typeface="Times New Roman"/>
+                    <a:ea typeface="굴림"/>
+                  </a:rPr>
+                  <a:t>t</a:t>
+                </a:r>
+                <a:endParaRPr kumimoji="1" lang="ko-KR" altLang="en-US" sz="2400" b="0" i="0" u="none" strike="noStrike" cap="none" normalizeH="0" baseline="0" dirty="0">
+                  <a:ln>
+                    <a:noFill/>
+                  </a:ln>
+                  <a:solidFill>
+                    <a:schemeClr val="tx1"/>
+                  </a:solidFill>
+                  <a:latin typeface="Times New Roman"/>
+                  <a:ea typeface="굴림"/>
+                </a:endParaRPr>
+              </a:p>
+            </p:txBody>
+          </p:sp>
+          <p:sp>
+            <p:nvSpPr>
+              <p:cNvPr id="6" name="모서리가 둥근 직사각형 5">
+                <a:extLst>
+                  <a:ext uri="{FF2B5EF4-FFF2-40B4-BE49-F238E27FC236}">
+                    <a16:creationId xmlns:a16="http://schemas.microsoft.com/office/drawing/2014/main" id="{3DEA9304-79BE-432D-4C38-55B603168990}"/>
+                  </a:ext>
+                </a:extLst>
+              </p:cNvPr>
+              <p:cNvSpPr/>
+              <p:nvPr/>
+            </p:nvSpPr>
+            <p:spPr>
+              <a:xfrm>
+                <a:off x="5220072" y="4143160"/>
+                <a:ext cx="966287" cy="510778"/>
+              </a:xfrm>
+              <a:prstGeom prst="roundRect">
+                <a:avLst/>
+              </a:prstGeom>
+              <a:solidFill>
+                <a:schemeClr val="accent1"/>
+              </a:solidFill>
+              <a:ln w="28575" cap="flat" cmpd="sng" algn="ctr">
+                <a:solidFill>
+                  <a:schemeClr val="tx1"/>
+                </a:solidFill>
+                <a:prstDash val="solid"/>
+                <a:round/>
+              </a:ln>
+              <a:effectLst/>
+            </p:spPr>
+            <p:txBody>
+              <a:bodyPr vert="horz" wrap="square" lIns="91440" tIns="45720" rIns="91440" bIns="45720" numCol="1" rtlCol="0" anchor="ctr" anchorCtr="0" compatLnSpc="1">
+                <a:prstTxWarp prst="textNoShape">
+                  <a:avLst/>
+                </a:prstTxWarp>
+                <a:spAutoFit/>
+              </a:bodyPr>
+              <a:lstStyle/>
+              <a:p>
+                <a:pPr marL="0" marR="0" indent="0" algn="ctr" defTabSz="914400" rtl="0" eaLnBrk="1" fontAlgn="base" latinLnBrk="1" hangingPunct="1">
+                  <a:lnSpc>
+                    <a:spcPct val="100000"/>
+                  </a:lnSpc>
+                  <a:spcBef>
+                    <a:spcPct val="0"/>
+                  </a:spcBef>
+                  <a:spcAft>
+                    <a:spcPct val="0"/>
+                  </a:spcAft>
+                  <a:buNone/>
+                </a:pPr>
+                <a:r>
+                  <a:rPr kumimoji="1" lang="en-US" altLang="ko-KR" sz="2400" b="0" i="0" u="none" strike="noStrike" cap="none" normalizeH="0" baseline="0" dirty="0">
+                    <a:ln>
+                      <a:noFill/>
+                    </a:ln>
+                    <a:solidFill>
+                      <a:schemeClr val="tx1"/>
+                    </a:solidFill>
+                    <a:latin typeface="Times New Roman"/>
+                    <a:ea typeface="굴림"/>
+                  </a:rPr>
+                  <a:t>t+1</a:t>
+                </a:r>
+                <a:endParaRPr kumimoji="1" lang="ko-KR" altLang="en-US" sz="2400" b="0" i="0" u="none" strike="noStrike" cap="none" normalizeH="0" baseline="0" dirty="0">
+                  <a:ln>
+                    <a:noFill/>
+                  </a:ln>
+                  <a:solidFill>
+                    <a:schemeClr val="tx1"/>
+                  </a:solidFill>
+                  <a:latin typeface="Times New Roman"/>
+                  <a:ea typeface="굴림"/>
+                </a:endParaRPr>
+              </a:p>
+            </p:txBody>
+          </p:sp>
+          <p:cxnSp>
+            <p:nvCxnSpPr>
+              <p:cNvPr id="8" name="직선 화살표 연결선 7">
+                <a:extLst>
+                  <a:ext uri="{FF2B5EF4-FFF2-40B4-BE49-F238E27FC236}">
+                    <a16:creationId xmlns:a16="http://schemas.microsoft.com/office/drawing/2014/main" id="{41DCA7B5-5021-D036-B368-C56809EE346F}"/>
+                  </a:ext>
+                </a:extLst>
+              </p:cNvPr>
+              <p:cNvCxnSpPr>
+                <a:cxnSpLocks/>
+                <a:stCxn id="5" idx="3"/>
+                <a:endCxn id="6" idx="1"/>
+              </p:cNvCxnSpPr>
+              <p:nvPr/>
+            </p:nvCxnSpPr>
+            <p:spPr>
+              <a:xfrm>
+                <a:off x="3666079" y="4398549"/>
+                <a:ext cx="1553993" cy="0"/>
+              </a:xfrm>
+              <a:prstGeom prst="straightConnector1">
+                <a:avLst/>
+              </a:prstGeom>
+              <a:solidFill>
+                <a:schemeClr val="accent1"/>
+              </a:solidFill>
+              <a:ln w="28575" cap="flat" cmpd="sng" algn="ctr">
+                <a:solidFill>
+                  <a:schemeClr val="tx1"/>
+                </a:solidFill>
+                <a:prstDash val="solid"/>
+                <a:round/>
+                <a:tailEnd type="triangle"/>
+              </a:ln>
+              <a:effectLst/>
+            </p:spPr>
+          </p:cxnSp>
+          <p:cxnSp>
+            <p:nvCxnSpPr>
+              <p:cNvPr id="11" name="직선 화살표 연결선 10">
+                <a:extLst>
+                  <a:ext uri="{FF2B5EF4-FFF2-40B4-BE49-F238E27FC236}">
+                    <a16:creationId xmlns:a16="http://schemas.microsoft.com/office/drawing/2014/main" id="{84917EBE-E0A8-1A6E-F968-53CAC77EB2E8}"/>
+                  </a:ext>
+                </a:extLst>
+              </p:cNvPr>
+              <p:cNvCxnSpPr>
+                <a:cxnSpLocks/>
+                <a:stCxn id="5" idx="0"/>
+              </p:cNvCxnSpPr>
+              <p:nvPr/>
+            </p:nvCxnSpPr>
+            <p:spPr>
+              <a:xfrm flipV="1">
+                <a:off x="3182936" y="3429000"/>
+                <a:ext cx="0" cy="714160"/>
+              </a:xfrm>
+              <a:prstGeom prst="straightConnector1">
+                <a:avLst/>
+              </a:prstGeom>
+              <a:solidFill>
+                <a:schemeClr val="accent1"/>
+              </a:solidFill>
+              <a:ln w="28575" cap="flat" cmpd="sng" algn="ctr">
+                <a:solidFill>
+                  <a:schemeClr val="tx1"/>
+                </a:solidFill>
+                <a:prstDash val="solid"/>
+                <a:round/>
+                <a:tailEnd type="triangle"/>
+              </a:ln>
+              <a:effectLst/>
+            </p:spPr>
+          </p:cxnSp>
+          <p:cxnSp>
+            <p:nvCxnSpPr>
+              <p:cNvPr id="18" name="직선 화살표 연결선 17">
+                <a:extLst>
+                  <a:ext uri="{FF2B5EF4-FFF2-40B4-BE49-F238E27FC236}">
+                    <a16:creationId xmlns:a16="http://schemas.microsoft.com/office/drawing/2014/main" id="{3039A8E8-60C7-6BC8-E577-F32996BCAA50}"/>
+                  </a:ext>
+                </a:extLst>
+              </p:cNvPr>
+              <p:cNvCxnSpPr>
+                <a:cxnSpLocks/>
+              </p:cNvCxnSpPr>
+              <p:nvPr/>
+            </p:nvCxnSpPr>
+            <p:spPr>
+              <a:xfrm flipV="1">
+                <a:off x="3182936" y="4653938"/>
+                <a:ext cx="0" cy="714160"/>
+              </a:xfrm>
+              <a:prstGeom prst="straightConnector1">
+                <a:avLst/>
+              </a:prstGeom>
+              <a:solidFill>
+                <a:schemeClr val="accent1"/>
+              </a:solidFill>
+              <a:ln w="28575" cap="flat" cmpd="sng" algn="ctr">
+                <a:solidFill>
+                  <a:schemeClr val="tx1"/>
+                </a:solidFill>
+                <a:prstDash val="solid"/>
+                <a:round/>
+                <a:tailEnd type="triangle"/>
+              </a:ln>
+              <a:effectLst/>
+            </p:spPr>
+          </p:cxnSp>
+          <p:cxnSp>
+            <p:nvCxnSpPr>
+              <p:cNvPr id="19" name="직선 화살표 연결선 18">
+                <a:extLst>
+                  <a:ext uri="{FF2B5EF4-FFF2-40B4-BE49-F238E27FC236}">
+                    <a16:creationId xmlns:a16="http://schemas.microsoft.com/office/drawing/2014/main" id="{E8E0F6AB-F9BC-3BB7-DBEE-D406159C45C0}"/>
+                  </a:ext>
+                </a:extLst>
+              </p:cNvPr>
+              <p:cNvCxnSpPr>
+                <a:cxnSpLocks/>
+                <a:endCxn id="5" idx="1"/>
+              </p:cNvCxnSpPr>
+              <p:nvPr/>
+            </p:nvCxnSpPr>
+            <p:spPr>
+              <a:xfrm>
+                <a:off x="1438470" y="4398549"/>
+                <a:ext cx="1261322" cy="0"/>
+              </a:xfrm>
+              <a:prstGeom prst="straightConnector1">
+                <a:avLst/>
+              </a:prstGeom>
+              <a:solidFill>
+                <a:schemeClr val="accent1"/>
+              </a:solidFill>
+              <a:ln w="28575" cap="flat" cmpd="sng" algn="ctr">
+                <a:solidFill>
+                  <a:schemeClr val="tx1"/>
+                </a:solidFill>
+                <a:prstDash val="solid"/>
+                <a:round/>
+                <a:tailEnd type="triangle"/>
+              </a:ln>
+              <a:effectLst/>
+            </p:spPr>
+          </p:cxnSp>
+          <p:sp>
+            <p:nvSpPr>
+              <p:cNvPr id="22" name="TextBox 21">
+                <a:extLst>
+                  <a:ext uri="{FF2B5EF4-FFF2-40B4-BE49-F238E27FC236}">
+                    <a16:creationId xmlns:a16="http://schemas.microsoft.com/office/drawing/2014/main" id="{8472E098-433E-FE8D-7D5D-FA2FF33901BB}"/>
+                  </a:ext>
+                </a:extLst>
+              </p:cNvPr>
+              <p:cNvSpPr txBox="1"/>
+              <p:nvPr/>
+            </p:nvSpPr>
+            <p:spPr>
+              <a:xfrm>
+                <a:off x="1438470" y="3912327"/>
+                <a:ext cx="1208985" cy="461665"/>
+              </a:xfrm>
+              <a:prstGeom prst="rect">
+                <a:avLst/>
+              </a:prstGeom>
+              <a:noFill/>
+            </p:spPr>
+            <p:txBody>
+              <a:bodyPr wrap="none" rtlCol="0">
+                <a:spAutoFit/>
+              </a:bodyPr>
+              <a:lstStyle/>
+              <a:p>
+                <a:r>
+                  <a:rPr lang="en-US" altLang="ko-KR" dirty="0"/>
+                  <a:t>memory</a:t>
+                </a:r>
+                <a:endParaRPr kumimoji="1" lang="ko-KR" altLang="en-US" dirty="0"/>
+              </a:p>
+            </p:txBody>
+          </p:sp>
+          <p:sp>
+            <p:nvSpPr>
+              <p:cNvPr id="23" name="TextBox 22">
+                <a:extLst>
+                  <a:ext uri="{FF2B5EF4-FFF2-40B4-BE49-F238E27FC236}">
+                    <a16:creationId xmlns:a16="http://schemas.microsoft.com/office/drawing/2014/main" id="{FB3CCDCD-238B-13DC-1981-4AC0561D8433}"/>
+                  </a:ext>
+                </a:extLst>
+              </p:cNvPr>
+              <p:cNvSpPr txBox="1"/>
+              <p:nvPr/>
+            </p:nvSpPr>
+            <p:spPr>
+              <a:xfrm>
+                <a:off x="3873066" y="3936884"/>
+                <a:ext cx="1208985" cy="461665"/>
+              </a:xfrm>
+              <a:prstGeom prst="rect">
+                <a:avLst/>
+              </a:prstGeom>
+              <a:noFill/>
+            </p:spPr>
+            <p:txBody>
+              <a:bodyPr wrap="none" rtlCol="0">
+                <a:spAutoFit/>
+              </a:bodyPr>
+              <a:lstStyle/>
+              <a:p>
+                <a:r>
+                  <a:rPr lang="en-US" altLang="ko-KR" dirty="0"/>
+                  <a:t>memory</a:t>
+                </a:r>
+                <a:endParaRPr kumimoji="1" lang="ko-KR" altLang="en-US" dirty="0"/>
+              </a:p>
+            </p:txBody>
+          </p:sp>
+          <p:sp>
+            <p:nvSpPr>
+              <p:cNvPr id="24" name="TextBox 23">
+                <a:extLst>
+                  <a:ext uri="{FF2B5EF4-FFF2-40B4-BE49-F238E27FC236}">
+                    <a16:creationId xmlns:a16="http://schemas.microsoft.com/office/drawing/2014/main" id="{34692125-A492-29C8-E76A-5D6CA4AD032B}"/>
+                  </a:ext>
+                </a:extLst>
+              </p:cNvPr>
+              <p:cNvSpPr txBox="1"/>
+              <p:nvPr/>
+            </p:nvSpPr>
+            <p:spPr>
+              <a:xfrm>
+                <a:off x="2552793" y="2883513"/>
+                <a:ext cx="1260281" cy="461665"/>
+              </a:xfrm>
+              <a:prstGeom prst="rect">
+                <a:avLst/>
+              </a:prstGeom>
+              <a:noFill/>
+            </p:spPr>
+            <p:txBody>
+              <a:bodyPr wrap="none" rtlCol="0">
+                <a:spAutoFit/>
+              </a:bodyPr>
+              <a:lstStyle/>
+              <a:p>
+                <a:r>
+                  <a:rPr kumimoji="1" lang="en-US" altLang="ko-KR" dirty="0"/>
+                  <a:t>output(</a:t>
+                </a:r>
+                <a:r>
+                  <a:rPr lang="en-US" altLang="ko-KR" dirty="0"/>
+                  <a:t>t)</a:t>
+                </a:r>
+                <a:endParaRPr kumimoji="1" lang="ko-KR" altLang="en-US" dirty="0"/>
+              </a:p>
+            </p:txBody>
+          </p:sp>
+          <p:sp>
+            <p:nvSpPr>
+              <p:cNvPr id="25" name="TextBox 24">
+                <a:extLst>
+                  <a:ext uri="{FF2B5EF4-FFF2-40B4-BE49-F238E27FC236}">
+                    <a16:creationId xmlns:a16="http://schemas.microsoft.com/office/drawing/2014/main" id="{554E2938-9599-3A77-4671-9CB6ECBF379E}"/>
+                  </a:ext>
+                </a:extLst>
+              </p:cNvPr>
+              <p:cNvSpPr txBox="1"/>
+              <p:nvPr/>
+            </p:nvSpPr>
+            <p:spPr>
+              <a:xfrm>
+                <a:off x="2629738" y="5436445"/>
+                <a:ext cx="1106393" cy="461665"/>
+              </a:xfrm>
+              <a:prstGeom prst="rect">
+                <a:avLst/>
+              </a:prstGeom>
+              <a:noFill/>
+            </p:spPr>
+            <p:txBody>
+              <a:bodyPr wrap="none" rtlCol="0">
+                <a:spAutoFit/>
+              </a:bodyPr>
+              <a:lstStyle/>
+              <a:p>
+                <a:r>
+                  <a:rPr kumimoji="1" lang="en-US" altLang="ko-KR" dirty="0"/>
+                  <a:t>input(t)</a:t>
+                </a:r>
+                <a:endParaRPr kumimoji="1" lang="ko-KR" altLang="en-US" dirty="0"/>
+              </a:p>
+            </p:txBody>
+          </p:sp>
+        </p:grpSp>
+        <p:cxnSp>
+          <p:nvCxnSpPr>
+            <p:cNvPr id="28" name="직선 화살표 연결선 27">
+              <a:extLst>
+                <a:ext uri="{FF2B5EF4-FFF2-40B4-BE49-F238E27FC236}">
+                  <a16:creationId xmlns:a16="http://schemas.microsoft.com/office/drawing/2014/main" id="{7008C03A-91C9-49FB-C008-7081CAAB4846}"/>
+                </a:ext>
+              </a:extLst>
+            </p:cNvPr>
+            <p:cNvCxnSpPr>
+              <a:cxnSpLocks/>
+            </p:cNvCxnSpPr>
+            <p:nvPr/>
+          </p:nvCxnSpPr>
+          <p:spPr>
+            <a:xfrm flipV="1">
+              <a:off x="5830602" y="3830933"/>
+              <a:ext cx="0" cy="714160"/>
+            </a:xfrm>
+            <a:prstGeom prst="straightConnector1">
+              <a:avLst/>
+            </a:prstGeom>
+            <a:solidFill>
+              <a:schemeClr val="accent1"/>
+            </a:solidFill>
+            <a:ln w="28575" cap="flat" cmpd="sng" algn="ctr">
+              <a:solidFill>
+                <a:schemeClr val="tx1"/>
+              </a:solidFill>
+              <a:prstDash val="solid"/>
+              <a:round/>
+              <a:tailEnd type="triangle"/>
+            </a:ln>
+            <a:effectLst/>
+          </p:spPr>
+        </p:cxnSp>
+        <p:cxnSp>
+          <p:nvCxnSpPr>
+            <p:cNvPr id="29" name="직선 화살표 연결선 28">
+              <a:extLst>
+                <a:ext uri="{FF2B5EF4-FFF2-40B4-BE49-F238E27FC236}">
+                  <a16:creationId xmlns:a16="http://schemas.microsoft.com/office/drawing/2014/main" id="{0C5C3AD8-726E-7126-6290-BAE50756FF61}"/>
+                </a:ext>
+              </a:extLst>
+            </p:cNvPr>
+            <p:cNvCxnSpPr>
+              <a:cxnSpLocks/>
+            </p:cNvCxnSpPr>
+            <p:nvPr/>
+          </p:nvCxnSpPr>
+          <p:spPr>
+            <a:xfrm flipV="1">
+              <a:off x="5830602" y="5055871"/>
+              <a:ext cx="0" cy="714160"/>
+            </a:xfrm>
+            <a:prstGeom prst="straightConnector1">
+              <a:avLst/>
+            </a:prstGeom>
+            <a:solidFill>
+              <a:schemeClr val="accent1"/>
+            </a:solidFill>
+            <a:ln w="28575" cap="flat" cmpd="sng" algn="ctr">
+              <a:solidFill>
+                <a:schemeClr val="tx1"/>
+              </a:solidFill>
+              <a:prstDash val="solid"/>
+              <a:round/>
+              <a:tailEnd type="triangle"/>
+            </a:ln>
+            <a:effectLst/>
+          </p:spPr>
+        </p:cxnSp>
+        <p:sp>
+          <p:nvSpPr>
+            <p:cNvPr id="30" name="TextBox 29">
+              <a:extLst>
+                <a:ext uri="{FF2B5EF4-FFF2-40B4-BE49-F238E27FC236}">
+                  <a16:creationId xmlns:a16="http://schemas.microsoft.com/office/drawing/2014/main" id="{84099F9B-A2F9-0724-DDF1-58A188EC78AD}"/>
+                </a:ext>
+              </a:extLst>
+            </p:cNvPr>
+            <p:cNvSpPr txBox="1"/>
+            <p:nvPr/>
+          </p:nvSpPr>
+          <p:spPr>
+            <a:xfrm>
+              <a:off x="5035028" y="3276364"/>
+              <a:ext cx="1587294" cy="461665"/>
+            </a:xfrm>
+            <a:prstGeom prst="rect">
+              <a:avLst/>
+            </a:prstGeom>
+            <a:noFill/>
+          </p:spPr>
+          <p:txBody>
+            <a:bodyPr wrap="none" rtlCol="0">
+              <a:spAutoFit/>
+            </a:bodyPr>
+            <a:lstStyle/>
+            <a:p>
+              <a:r>
+                <a:rPr kumimoji="1" lang="en-US" altLang="ko-KR" dirty="0"/>
+                <a:t>output(t+1)</a:t>
+              </a:r>
+              <a:endParaRPr kumimoji="1" lang="ko-KR" altLang="en-US" dirty="0"/>
+            </a:p>
+          </p:txBody>
+        </p:sp>
+        <p:sp>
+          <p:nvSpPr>
+            <p:cNvPr id="31" name="TextBox 30">
+              <a:extLst>
+                <a:ext uri="{FF2B5EF4-FFF2-40B4-BE49-F238E27FC236}">
+                  <a16:creationId xmlns:a16="http://schemas.microsoft.com/office/drawing/2014/main" id="{1383BC54-AE3F-F89C-EBE3-CFC063769EF7}"/>
+                </a:ext>
+              </a:extLst>
+            </p:cNvPr>
+            <p:cNvSpPr txBox="1"/>
+            <p:nvPr/>
+          </p:nvSpPr>
+          <p:spPr>
+            <a:xfrm>
+              <a:off x="5111972" y="5838378"/>
+              <a:ext cx="1433406" cy="461665"/>
+            </a:xfrm>
+            <a:prstGeom prst="rect">
+              <a:avLst/>
+            </a:prstGeom>
+            <a:noFill/>
+          </p:spPr>
+          <p:txBody>
+            <a:bodyPr wrap="none" rtlCol="0">
+              <a:spAutoFit/>
+            </a:bodyPr>
+            <a:lstStyle/>
+            <a:p>
+              <a:r>
+                <a:rPr kumimoji="1" lang="en-US" altLang="ko-KR" dirty="0"/>
+                <a:t>input(t+1)</a:t>
+              </a:r>
+              <a:endParaRPr kumimoji="1" lang="ko-KR" altLang="en-US" dirty="0"/>
+            </a:p>
+          </p:txBody>
+        </p:sp>
+        <p:cxnSp>
+          <p:nvCxnSpPr>
+            <p:cNvPr id="32" name="직선 화살표 연결선 31">
+              <a:extLst>
+                <a:ext uri="{FF2B5EF4-FFF2-40B4-BE49-F238E27FC236}">
+                  <a16:creationId xmlns:a16="http://schemas.microsoft.com/office/drawing/2014/main" id="{9397EEEA-0911-8C9F-EA34-C55C4E841797}"/>
+                </a:ext>
+              </a:extLst>
+            </p:cNvPr>
+            <p:cNvCxnSpPr>
+              <a:cxnSpLocks/>
+            </p:cNvCxnSpPr>
+            <p:nvPr/>
+          </p:nvCxnSpPr>
+          <p:spPr>
+            <a:xfrm>
+              <a:off x="6295553" y="4791989"/>
+              <a:ext cx="1261322" cy="0"/>
+            </a:xfrm>
+            <a:prstGeom prst="straightConnector1">
+              <a:avLst/>
+            </a:prstGeom>
+            <a:solidFill>
+              <a:schemeClr val="accent1"/>
+            </a:solidFill>
+            <a:ln w="28575" cap="flat" cmpd="sng" algn="ctr">
+              <a:solidFill>
+                <a:schemeClr val="tx1"/>
+              </a:solidFill>
+              <a:prstDash val="solid"/>
+              <a:round/>
+              <a:tailEnd type="triangle"/>
+            </a:ln>
+            <a:effectLst/>
+          </p:spPr>
+        </p:cxnSp>
+        <p:sp>
+          <p:nvSpPr>
+            <p:cNvPr id="33" name="TextBox 32">
+              <a:extLst>
+                <a:ext uri="{FF2B5EF4-FFF2-40B4-BE49-F238E27FC236}">
+                  <a16:creationId xmlns:a16="http://schemas.microsoft.com/office/drawing/2014/main" id="{CC9E8CFE-F69F-A75B-3198-7831FA2DE19C}"/>
+                </a:ext>
+              </a:extLst>
+            </p:cNvPr>
+            <p:cNvSpPr txBox="1"/>
+            <p:nvPr/>
+          </p:nvSpPr>
+          <p:spPr>
+            <a:xfrm>
+              <a:off x="6295553" y="4305767"/>
+              <a:ext cx="1208985" cy="461665"/>
+            </a:xfrm>
+            <a:prstGeom prst="rect">
+              <a:avLst/>
+            </a:prstGeom>
+            <a:noFill/>
+          </p:spPr>
+          <p:txBody>
+            <a:bodyPr wrap="none" rtlCol="0">
+              <a:spAutoFit/>
+            </a:bodyPr>
+            <a:lstStyle/>
+            <a:p>
+              <a:r>
+                <a:rPr lang="en-US" altLang="ko-KR" dirty="0"/>
+                <a:t>memory</a:t>
+              </a:r>
+              <a:endParaRPr kumimoji="1" lang="ko-KR" altLang="en-US" dirty="0"/>
+            </a:p>
+          </p:txBody>
+        </p:sp>
+      </p:grpSp>
+    </p:spTree>
+    <p:extLst>
+      <p:ext uri="{BB962C8B-B14F-4D97-AF65-F5344CB8AC3E}">
+        <p14:creationId xmlns:p14="http://schemas.microsoft.com/office/powerpoint/2010/main" val="842198062"/>
+      </p:ext>
+    </p:extLst>
+  </p:cSld>
+  <p:clrMapOvr>
+    <a:masterClrMapping/>
+  </p:clrMapOvr>
+</p:sld>
+</file>
+
+<file path=ppt/slides/slide5.xml><?xml version="1.0" encoding="utf-8"?>
+<p:sld xmlns:a="http://schemas.openxmlformats.org/drawingml/2006/main" xmlns:r="http://schemas.openxmlformats.org/officeDocument/2006/relationships" xmlns:p="http://schemas.openxmlformats.org/presentationml/2006/main">
+  <p:cSld>
+    <p:spTree>
+      <p:nvGrpSpPr>
+        <p:cNvPr id="1" name="">
+          <a:extLst>
+            <a:ext uri="{FF2B5EF4-FFF2-40B4-BE49-F238E27FC236}">
+              <a16:creationId xmlns:a16="http://schemas.microsoft.com/office/drawing/2014/main" id="{CD61541F-D162-16BF-EED5-80F2D4E824B2}"/>
+            </a:ext>
+          </a:extLst>
+        </p:cNvPr>
+        <p:cNvGrpSpPr/>
+        <p:nvPr/>
+      </p:nvGrpSpPr>
+      <p:grpSpPr>
+        <a:xfrm>
+          <a:off x="0" y="0"/>
+          <a:ext cx="0" cy="0"/>
+          <a:chOff x="0" y="0"/>
+          <a:chExt cx="0" cy="0"/>
+        </a:xfrm>
+      </p:grpSpPr>
+      <p:sp>
+        <p:nvSpPr>
+          <p:cNvPr id="2" name="제목 1">
+            <a:extLst>
+              <a:ext uri="{FF2B5EF4-FFF2-40B4-BE49-F238E27FC236}">
+                <a16:creationId xmlns:a16="http://schemas.microsoft.com/office/drawing/2014/main" id="{C630E334-5809-3F2D-E409-065530EAE28D}"/>
+              </a:ext>
+            </a:extLst>
+          </p:cNvPr>
+          <p:cNvSpPr>
+            <a:spLocks noGrp="1"/>
+          </p:cNvSpPr>
+          <p:nvPr>
+            <p:ph type="title"/>
+          </p:nvPr>
+        </p:nvSpPr>
+        <p:spPr/>
+        <p:txBody>
+          <a:bodyPr/>
+          <a:lstStyle/>
+          <a:p>
+            <a:r>
+              <a:rPr lang="en-US" altLang="ko-KR" dirty="0"/>
+              <a:t>LIF </a:t>
+            </a:r>
+            <a:r>
+              <a:rPr lang="ko-KR" altLang="en-US" dirty="0"/>
+              <a:t>모델을 순환신경망에 대응</a:t>
+            </a:r>
+            <a:endParaRPr kumimoji="1" lang="ko-KR" altLang="en-US" dirty="0"/>
+          </a:p>
+        </p:txBody>
+      </p:sp>
+      <p:pic>
+        <p:nvPicPr>
+          <p:cNvPr id="4" name="그림 3">
+            <a:extLst>
+              <a:ext uri="{FF2B5EF4-FFF2-40B4-BE49-F238E27FC236}">
+                <a16:creationId xmlns:a16="http://schemas.microsoft.com/office/drawing/2014/main" id="{A56477AA-41B7-65A9-3902-CC0F454E43F4}"/>
+              </a:ext>
+            </a:extLst>
+          </p:cNvPr>
+          <p:cNvPicPr>
+            <a:picLocks noChangeAspect="1"/>
+          </p:cNvPicPr>
+          <p:nvPr/>
+        </p:nvPicPr>
+        <p:blipFill>
+          <a:blip r:embed="rId2"/>
+          <a:stretch>
+            <a:fillRect/>
+          </a:stretch>
+        </p:blipFill>
+        <p:spPr>
+          <a:xfrm>
+            <a:off x="751715" y="1012836"/>
+            <a:ext cx="5022726" cy="2848212"/>
+          </a:xfrm>
+          <a:prstGeom prst="rect">
+            <a:avLst/>
+          </a:prstGeom>
+        </p:spPr>
+      </p:pic>
+      <p:sp>
+        <p:nvSpPr>
+          <p:cNvPr id="28" name="내용 개체 틀 2">
+            <a:extLst>
+              <a:ext uri="{FF2B5EF4-FFF2-40B4-BE49-F238E27FC236}">
+                <a16:creationId xmlns:a16="http://schemas.microsoft.com/office/drawing/2014/main" id="{AB11EE29-B4CB-C266-19DB-6CBF54B904D4}"/>
+              </a:ext>
+            </a:extLst>
+          </p:cNvPr>
+          <p:cNvSpPr>
+            <a:spLocks noGrp="1"/>
+          </p:cNvSpPr>
+          <p:nvPr>
+            <p:ph idx="1"/>
+          </p:nvPr>
+        </p:nvSpPr>
+        <p:spPr>
+          <a:xfrm>
+            <a:off x="682624" y="3972956"/>
+            <a:ext cx="8137525" cy="2317422"/>
+          </a:xfrm>
+        </p:spPr>
+        <p:txBody>
+          <a:bodyPr>
+            <a:normAutofit lnSpcReduction="10000"/>
+          </a:bodyPr>
+          <a:lstStyle/>
+          <a:p>
+            <a:r>
+              <a:rPr lang="ko-KR" altLang="en-US" dirty="0"/>
+              <a:t>노드 하나 기준 순환신경망에 대응된 </a:t>
+            </a:r>
+            <a:r>
+              <a:rPr lang="en-US" altLang="ko-KR" dirty="0"/>
+              <a:t>LIF </a:t>
+            </a:r>
+            <a:r>
+              <a:rPr lang="ko-KR" altLang="en-US" dirty="0"/>
+              <a:t>모델 그림</a:t>
+            </a:r>
+            <a:endParaRPr lang="en-US" altLang="ko-KR" dirty="0"/>
+          </a:p>
+          <a:p>
+            <a:endParaRPr lang="en-US" altLang="ko-KR" dirty="0"/>
+          </a:p>
+          <a:p>
+            <a:r>
+              <a:rPr lang="en-US" altLang="ko-KR" dirty="0"/>
+              <a:t>(0)</a:t>
+            </a:r>
+            <a:r>
+              <a:rPr lang="ko-KR" altLang="en-US" dirty="0"/>
+              <a:t>과 </a:t>
+            </a:r>
+            <a:r>
+              <a:rPr lang="en-US" altLang="ko-KR" dirty="0"/>
+              <a:t>(1)</a:t>
+            </a:r>
+            <a:r>
+              <a:rPr lang="ko-KR" altLang="en-US" dirty="0"/>
+              <a:t>은 신경망의 각 계층을 의미</a:t>
+            </a:r>
+            <a:br>
+              <a:rPr lang="en-US" altLang="ko-KR" dirty="0"/>
+            </a:br>
+            <a:r>
+              <a:rPr lang="en-US" altLang="ko-KR" dirty="0"/>
+              <a:t>ex) </a:t>
+            </a:r>
+            <a:r>
+              <a:rPr lang="ko-KR" altLang="en-US" dirty="0" err="1"/>
+              <a:t>입력층</a:t>
+            </a:r>
+            <a:r>
+              <a:rPr lang="en-US" altLang="ko-KR" dirty="0"/>
+              <a:t>,</a:t>
+            </a:r>
+            <a:r>
+              <a:rPr lang="ko-KR" altLang="en-US" dirty="0"/>
+              <a:t> </a:t>
+            </a:r>
+            <a:r>
+              <a:rPr lang="ko-KR" altLang="en-US" dirty="0" err="1"/>
+              <a:t>은닉층</a:t>
+            </a:r>
+            <a:r>
+              <a:rPr lang="en-US" altLang="ko-KR" dirty="0"/>
+              <a:t>,</a:t>
+            </a:r>
+            <a:r>
+              <a:rPr lang="ko-KR" altLang="en-US" dirty="0"/>
+              <a:t> </a:t>
+            </a:r>
+            <a:r>
+              <a:rPr lang="ko-KR" altLang="en-US" dirty="0" err="1"/>
+              <a:t>출력층</a:t>
+            </a:r>
+            <a:endParaRPr lang="en-US" altLang="ko-KR" dirty="0"/>
+          </a:p>
+          <a:p>
+            <a:endParaRPr kumimoji="1" lang="ko-KR" altLang="en-US" dirty="0"/>
+          </a:p>
+        </p:txBody>
+      </p:sp>
+    </p:spTree>
+    <p:extLst>
+      <p:ext uri="{BB962C8B-B14F-4D97-AF65-F5344CB8AC3E}">
+        <p14:creationId xmlns:p14="http://schemas.microsoft.com/office/powerpoint/2010/main" val="3888144712"/>
+      </p:ext>
+    </p:extLst>
+  </p:cSld>
+  <p:clrMapOvr>
+    <a:masterClrMapping/>
+  </p:clrMapOvr>
+</p:sld>
+</file>
+
+<file path=ppt/slides/slide6.xml><?xml version="1.0" encoding="utf-8"?>
+<p:sld xmlns:a="http://schemas.openxmlformats.org/drawingml/2006/main" xmlns:r="http://schemas.openxmlformats.org/officeDocument/2006/relationships" xmlns:p="http://schemas.openxmlformats.org/presentationml/2006/main">
+  <p:cSld>
+    <p:spTree>
+      <p:nvGrpSpPr>
+        <p:cNvPr id="1" name="">
+          <a:extLst>
+            <a:ext uri="{FF2B5EF4-FFF2-40B4-BE49-F238E27FC236}">
+              <a16:creationId xmlns:a16="http://schemas.microsoft.com/office/drawing/2014/main" id="{D47AC718-4D99-5861-2C1F-CFED8B37F092}"/>
+            </a:ext>
+          </a:extLst>
+        </p:cNvPr>
+        <p:cNvGrpSpPr/>
+        <p:nvPr/>
+      </p:nvGrpSpPr>
+      <p:grpSpPr>
+        <a:xfrm>
+          <a:off x="0" y="0"/>
+          <a:ext cx="0" cy="0"/>
+          <a:chOff x="0" y="0"/>
+          <a:chExt cx="0" cy="0"/>
+        </a:xfrm>
+      </p:grpSpPr>
+      <p:sp>
+        <p:nvSpPr>
+          <p:cNvPr id="2" name="제목 1">
+            <a:extLst>
+              <a:ext uri="{FF2B5EF4-FFF2-40B4-BE49-F238E27FC236}">
+                <a16:creationId xmlns:a16="http://schemas.microsoft.com/office/drawing/2014/main" id="{536CEF44-E874-208B-4442-6B8FC818DAE1}"/>
+              </a:ext>
+            </a:extLst>
+          </p:cNvPr>
+          <p:cNvSpPr>
+            <a:spLocks noGrp="1"/>
+          </p:cNvSpPr>
+          <p:nvPr>
+            <p:ph type="title"/>
+          </p:nvPr>
+        </p:nvSpPr>
+        <p:spPr/>
+        <p:txBody>
+          <a:bodyPr/>
+          <a:lstStyle/>
+          <a:p>
+            <a:r>
+              <a:rPr lang="en-US" altLang="ko-KR" dirty="0"/>
+              <a:t>LIF </a:t>
+            </a:r>
+            <a:r>
+              <a:rPr lang="ko-KR" altLang="en-US" dirty="0"/>
+              <a:t>모델을 순환신경망에 대응</a:t>
+            </a:r>
+            <a:endParaRPr kumimoji="1" lang="ko-KR" altLang="en-US" dirty="0"/>
+          </a:p>
+        </p:txBody>
+      </p:sp>
+      <p:pic>
+        <p:nvPicPr>
+          <p:cNvPr id="4" name="그림 3">
+            <a:extLst>
+              <a:ext uri="{FF2B5EF4-FFF2-40B4-BE49-F238E27FC236}">
+                <a16:creationId xmlns:a16="http://schemas.microsoft.com/office/drawing/2014/main" id="{380E6BA8-D383-CC65-C7AB-21A60310235E}"/>
+              </a:ext>
+            </a:extLst>
+          </p:cNvPr>
+          <p:cNvPicPr>
+            <a:picLocks noChangeAspect="1"/>
+          </p:cNvPicPr>
+          <p:nvPr/>
+        </p:nvPicPr>
+        <p:blipFill>
+          <a:blip r:embed="rId2"/>
+          <a:stretch>
+            <a:fillRect/>
+          </a:stretch>
+        </p:blipFill>
+        <p:spPr>
+          <a:xfrm>
+            <a:off x="751715" y="1012836"/>
+            <a:ext cx="5022726" cy="2848212"/>
+          </a:xfrm>
+          <a:prstGeom prst="rect">
+            <a:avLst/>
+          </a:prstGeom>
+        </p:spPr>
+      </p:pic>
+      <p:sp>
+        <p:nvSpPr>
+          <p:cNvPr id="28" name="내용 개체 틀 2">
+            <a:extLst>
+              <a:ext uri="{FF2B5EF4-FFF2-40B4-BE49-F238E27FC236}">
+                <a16:creationId xmlns:a16="http://schemas.microsoft.com/office/drawing/2014/main" id="{68091A71-AFCD-80A7-968B-495EB9EAC462}"/>
+              </a:ext>
+            </a:extLst>
+          </p:cNvPr>
+          <p:cNvSpPr>
+            <a:spLocks noGrp="1"/>
+          </p:cNvSpPr>
+          <p:nvPr>
+            <p:ph idx="1"/>
+          </p:nvPr>
+        </p:nvSpPr>
+        <p:spPr>
+          <a:xfrm>
+            <a:off x="682624" y="3972956"/>
+            <a:ext cx="8137525" cy="2317422"/>
+          </a:xfrm>
+        </p:spPr>
+        <p:txBody>
+          <a:bodyPr/>
+          <a:lstStyle/>
+          <a:p>
+            <a:r>
+              <a:rPr lang="ko-KR" altLang="en-US" dirty="0"/>
+              <a:t>이전 시간의 스파이크는 다음 시간의 입력으로 사용</a:t>
+            </a:r>
+            <a:endParaRPr kumimoji="1" lang="ko-KR" altLang="en-US" dirty="0"/>
+          </a:p>
+        </p:txBody>
+      </p:sp>
+      <p:sp>
+        <p:nvSpPr>
+          <p:cNvPr id="17" name="직사각형 16">
+            <a:extLst>
+              <a:ext uri="{FF2B5EF4-FFF2-40B4-BE49-F238E27FC236}">
+                <a16:creationId xmlns:a16="http://schemas.microsoft.com/office/drawing/2014/main" id="{1E618A40-F2E0-B1B4-A182-DA386E35BD1A}"/>
+              </a:ext>
+            </a:extLst>
+          </p:cNvPr>
+          <p:cNvSpPr>
+            <a:spLocks/>
+          </p:cNvSpPr>
+          <p:nvPr/>
+        </p:nvSpPr>
+        <p:spPr>
+          <a:xfrm>
+            <a:off x="1136796" y="1805904"/>
+            <a:ext cx="626891" cy="398959"/>
+          </a:xfrm>
+          <a:prstGeom prst="rect">
+            <a:avLst/>
+          </a:prstGeom>
+          <a:solidFill>
+            <a:srgbClr val="00CC99">
+              <a:alpha val="30000"/>
+            </a:srgbClr>
+          </a:solidFill>
+          <a:ln w="28575" cap="flat" cmpd="sng" algn="ctr">
+            <a:noFill/>
+            <a:prstDash val="solid"/>
+            <a:round/>
+          </a:ln>
+          <a:effectLst/>
+        </p:spPr>
+        <p:txBody>
+          <a:bodyPr vert="horz" wrap="none" lIns="91440" tIns="45720" rIns="91440" bIns="45720" numCol="1" rtlCol="0" anchor="ctr" anchorCtr="0" compatLnSpc="1">
+            <a:prstTxWarp prst="textNoShape">
+              <a:avLst/>
+            </a:prstTxWarp>
+            <a:noAutofit/>
+          </a:bodyPr>
+          <a:lstStyle/>
+          <a:p>
+            <a:pPr marL="0" marR="0" indent="0" algn="ctr" defTabSz="914400" rtl="0" eaLnBrk="1" fontAlgn="base" latinLnBrk="1" hangingPunct="1">
+              <a:lnSpc>
+                <a:spcPct val="100000"/>
+              </a:lnSpc>
+              <a:spcBef>
+                <a:spcPct val="0"/>
+              </a:spcBef>
+              <a:spcAft>
+                <a:spcPct val="0"/>
+              </a:spcAft>
+              <a:buNone/>
+            </a:pPr>
+            <a:endParaRPr kumimoji="1" lang="ko-KR" altLang="en-US" sz="2400" b="0" i="0" u="none" strike="noStrike" cap="none" normalizeH="0" baseline="0">
+              <a:ln>
+                <a:noFill/>
+              </a:ln>
+              <a:solidFill>
+                <a:schemeClr val="tx1"/>
+              </a:solidFill>
+              <a:latin typeface="Times New Roman"/>
+              <a:ea typeface="굴림"/>
+            </a:endParaRPr>
+          </a:p>
+        </p:txBody>
+      </p:sp>
+      <p:pic>
+        <p:nvPicPr>
+          <p:cNvPr id="26" name="그림 25" descr="텍스트, 폰트, 친필, 화이트이(가) 표시된 사진&#10;&#10;자동 생성된 설명">
+            <a:extLst>
+              <a:ext uri="{FF2B5EF4-FFF2-40B4-BE49-F238E27FC236}">
+                <a16:creationId xmlns:a16="http://schemas.microsoft.com/office/drawing/2014/main" id="{5A069B51-FB6C-D7D7-EE5A-C0BB4AE21AF4}"/>
+              </a:ext>
+            </a:extLst>
+          </p:cNvPr>
+          <p:cNvPicPr>
+            <a:picLocks noChangeAspect="1"/>
+          </p:cNvPicPr>
+          <p:nvPr/>
+        </p:nvPicPr>
+        <p:blipFill>
+          <a:blip r:embed="rId3">
+            <a:extLst>
+              <a:ext uri="{28A0092B-C50C-407E-A947-70E740481C1C}">
+                <a14:useLocalDpi xmlns:a14="http://schemas.microsoft.com/office/drawing/2010/main" val="0"/>
+              </a:ext>
+            </a:extLst>
+          </a:blip>
+          <a:stretch>
+            <a:fillRect/>
+          </a:stretch>
+        </p:blipFill>
+        <p:spPr>
+          <a:xfrm>
+            <a:off x="677044" y="5131667"/>
+            <a:ext cx="6781800" cy="1104900"/>
+          </a:xfrm>
+          <a:prstGeom prst="rect">
+            <a:avLst/>
+          </a:prstGeom>
+        </p:spPr>
+      </p:pic>
+      <p:sp>
+        <p:nvSpPr>
+          <p:cNvPr id="3" name="직사각형 2">
+            <a:extLst>
+              <a:ext uri="{FF2B5EF4-FFF2-40B4-BE49-F238E27FC236}">
+                <a16:creationId xmlns:a16="http://schemas.microsoft.com/office/drawing/2014/main" id="{956B882D-D790-9229-1556-7EC9AC6DDF1C}"/>
+              </a:ext>
+            </a:extLst>
+          </p:cNvPr>
+          <p:cNvSpPr>
+            <a:spLocks/>
+          </p:cNvSpPr>
+          <p:nvPr/>
+        </p:nvSpPr>
+        <p:spPr>
+          <a:xfrm>
+            <a:off x="2162277" y="1805903"/>
+            <a:ext cx="626891" cy="398959"/>
+          </a:xfrm>
+          <a:prstGeom prst="rect">
+            <a:avLst/>
+          </a:prstGeom>
+          <a:solidFill>
+            <a:srgbClr val="00CC99">
+              <a:alpha val="30000"/>
+            </a:srgbClr>
+          </a:solidFill>
+          <a:ln w="28575" cap="flat" cmpd="sng" algn="ctr">
+            <a:noFill/>
+            <a:prstDash val="solid"/>
+            <a:round/>
+          </a:ln>
+          <a:effectLst/>
+        </p:spPr>
+        <p:txBody>
+          <a:bodyPr vert="horz" wrap="none" lIns="91440" tIns="45720" rIns="91440" bIns="45720" numCol="1" rtlCol="0" anchor="ctr" anchorCtr="0" compatLnSpc="1">
+            <a:prstTxWarp prst="textNoShape">
+              <a:avLst/>
+            </a:prstTxWarp>
+            <a:noAutofit/>
+          </a:bodyPr>
+          <a:lstStyle/>
+          <a:p>
+            <a:pPr marL="0" marR="0" indent="0" algn="ctr" defTabSz="914400" rtl="0" eaLnBrk="1" fontAlgn="base" latinLnBrk="1" hangingPunct="1">
+              <a:lnSpc>
+                <a:spcPct val="100000"/>
+              </a:lnSpc>
+              <a:spcBef>
+                <a:spcPct val="0"/>
+              </a:spcBef>
+              <a:spcAft>
+                <a:spcPct val="0"/>
+              </a:spcAft>
+              <a:buNone/>
+            </a:pPr>
+            <a:endParaRPr kumimoji="1" lang="ko-KR" altLang="en-US" sz="2400" b="0" i="0" u="none" strike="noStrike" cap="none" normalizeH="0" baseline="0">
+              <a:ln>
+                <a:noFill/>
+              </a:ln>
+              <a:solidFill>
+                <a:schemeClr val="tx1"/>
+              </a:solidFill>
+              <a:latin typeface="Times New Roman"/>
+              <a:ea typeface="굴림"/>
+            </a:endParaRPr>
+          </a:p>
+        </p:txBody>
+      </p:sp>
+      <p:sp>
+        <p:nvSpPr>
+          <p:cNvPr id="5" name="직사각형 4">
+            <a:extLst>
+              <a:ext uri="{FF2B5EF4-FFF2-40B4-BE49-F238E27FC236}">
+                <a16:creationId xmlns:a16="http://schemas.microsoft.com/office/drawing/2014/main" id="{FAB3E2D2-3ECB-141E-99BD-2D83BC7739A0}"/>
+              </a:ext>
+            </a:extLst>
+          </p:cNvPr>
+          <p:cNvSpPr>
+            <a:spLocks/>
+          </p:cNvSpPr>
+          <p:nvPr/>
+        </p:nvSpPr>
+        <p:spPr>
+          <a:xfrm>
+            <a:off x="3174249" y="1805903"/>
+            <a:ext cx="626891" cy="398959"/>
+          </a:xfrm>
+          <a:prstGeom prst="rect">
+            <a:avLst/>
+          </a:prstGeom>
+          <a:solidFill>
+            <a:srgbClr val="00CC99">
+              <a:alpha val="30000"/>
+            </a:srgbClr>
+          </a:solidFill>
+          <a:ln w="28575" cap="flat" cmpd="sng" algn="ctr">
+            <a:noFill/>
+            <a:prstDash val="solid"/>
+            <a:round/>
+          </a:ln>
+          <a:effectLst/>
+        </p:spPr>
+        <p:txBody>
+          <a:bodyPr vert="horz" wrap="none" lIns="91440" tIns="45720" rIns="91440" bIns="45720" numCol="1" rtlCol="0" anchor="ctr" anchorCtr="0" compatLnSpc="1">
+            <a:prstTxWarp prst="textNoShape">
+              <a:avLst/>
+            </a:prstTxWarp>
+            <a:noAutofit/>
+          </a:bodyPr>
+          <a:lstStyle/>
+          <a:p>
+            <a:pPr marL="0" marR="0" indent="0" algn="ctr" defTabSz="914400" rtl="0" eaLnBrk="1" fontAlgn="base" latinLnBrk="1" hangingPunct="1">
+              <a:lnSpc>
+                <a:spcPct val="100000"/>
+              </a:lnSpc>
+              <a:spcBef>
+                <a:spcPct val="0"/>
+              </a:spcBef>
+              <a:spcAft>
+                <a:spcPct val="0"/>
+              </a:spcAft>
+              <a:buNone/>
+            </a:pPr>
+            <a:endParaRPr kumimoji="1" lang="ko-KR" altLang="en-US" sz="2400" b="0" i="0" u="none" strike="noStrike" cap="none" normalizeH="0" baseline="0">
+              <a:ln>
+                <a:noFill/>
+              </a:ln>
+              <a:solidFill>
+                <a:schemeClr val="tx1"/>
+              </a:solidFill>
+              <a:latin typeface="Times New Roman"/>
+              <a:ea typeface="굴림"/>
+            </a:endParaRPr>
+          </a:p>
+        </p:txBody>
+      </p:sp>
+      <p:sp>
+        <p:nvSpPr>
+          <p:cNvPr id="6" name="직사각형 5">
+            <a:extLst>
+              <a:ext uri="{FF2B5EF4-FFF2-40B4-BE49-F238E27FC236}">
+                <a16:creationId xmlns:a16="http://schemas.microsoft.com/office/drawing/2014/main" id="{4377E7B5-E9E6-3759-9498-F8D8BA3675D4}"/>
+              </a:ext>
+            </a:extLst>
+          </p:cNvPr>
+          <p:cNvSpPr>
+            <a:spLocks/>
+          </p:cNvSpPr>
+          <p:nvPr/>
+        </p:nvSpPr>
+        <p:spPr>
+          <a:xfrm>
+            <a:off x="4186221" y="1815791"/>
+            <a:ext cx="626891" cy="398959"/>
+          </a:xfrm>
+          <a:prstGeom prst="rect">
+            <a:avLst/>
+          </a:prstGeom>
+          <a:solidFill>
+            <a:srgbClr val="00CC99">
+              <a:alpha val="30000"/>
+            </a:srgbClr>
+          </a:solidFill>
+          <a:ln w="28575" cap="flat" cmpd="sng" algn="ctr">
+            <a:noFill/>
+            <a:prstDash val="solid"/>
+            <a:round/>
+          </a:ln>
+          <a:effectLst/>
+        </p:spPr>
+        <p:txBody>
+          <a:bodyPr vert="horz" wrap="none" lIns="91440" tIns="45720" rIns="91440" bIns="45720" numCol="1" rtlCol="0" anchor="ctr" anchorCtr="0" compatLnSpc="1">
+            <a:prstTxWarp prst="textNoShape">
+              <a:avLst/>
+            </a:prstTxWarp>
+            <a:noAutofit/>
+          </a:bodyPr>
+          <a:lstStyle/>
+          <a:p>
+            <a:pPr marL="0" marR="0" indent="0" algn="ctr" defTabSz="914400" rtl="0" eaLnBrk="1" fontAlgn="base" latinLnBrk="1" hangingPunct="1">
+              <a:lnSpc>
+                <a:spcPct val="100000"/>
+              </a:lnSpc>
+              <a:spcBef>
+                <a:spcPct val="0"/>
+              </a:spcBef>
+              <a:spcAft>
+                <a:spcPct val="0"/>
+              </a:spcAft>
+              <a:buNone/>
+            </a:pPr>
+            <a:endParaRPr kumimoji="1" lang="ko-KR" altLang="en-US" sz="2400" b="0" i="0" u="none" strike="noStrike" cap="none" normalizeH="0" baseline="0">
+              <a:ln>
+                <a:noFill/>
+              </a:ln>
+              <a:solidFill>
+                <a:schemeClr val="tx1"/>
+              </a:solidFill>
+              <a:latin typeface="Times New Roman"/>
+              <a:ea typeface="굴림"/>
+            </a:endParaRPr>
+          </a:p>
+        </p:txBody>
+      </p:sp>
+      <p:sp>
+        <p:nvSpPr>
+          <p:cNvPr id="7" name="직사각형 6">
+            <a:extLst>
+              <a:ext uri="{FF2B5EF4-FFF2-40B4-BE49-F238E27FC236}">
+                <a16:creationId xmlns:a16="http://schemas.microsoft.com/office/drawing/2014/main" id="{8F80DCFC-1B32-DF63-E1D8-9B210759D2F1}"/>
+              </a:ext>
+            </a:extLst>
+          </p:cNvPr>
+          <p:cNvSpPr>
+            <a:spLocks/>
+          </p:cNvSpPr>
+          <p:nvPr/>
+        </p:nvSpPr>
+        <p:spPr>
+          <a:xfrm>
+            <a:off x="5198193" y="1834044"/>
+            <a:ext cx="626891" cy="398959"/>
+          </a:xfrm>
+          <a:prstGeom prst="rect">
+            <a:avLst/>
+          </a:prstGeom>
+          <a:solidFill>
+            <a:srgbClr val="00CC99">
+              <a:alpha val="30000"/>
+            </a:srgbClr>
+          </a:solidFill>
+          <a:ln w="28575" cap="flat" cmpd="sng" algn="ctr">
+            <a:noFill/>
+            <a:prstDash val="solid"/>
+            <a:round/>
+          </a:ln>
+          <a:effectLst/>
+        </p:spPr>
+        <p:txBody>
+          <a:bodyPr vert="horz" wrap="none" lIns="91440" tIns="45720" rIns="91440" bIns="45720" numCol="1" rtlCol="0" anchor="ctr" anchorCtr="0" compatLnSpc="1">
+            <a:prstTxWarp prst="textNoShape">
+              <a:avLst/>
+            </a:prstTxWarp>
+            <a:noAutofit/>
+          </a:bodyPr>
+          <a:lstStyle/>
+          <a:p>
+            <a:pPr marL="0" marR="0" indent="0" algn="ctr" defTabSz="914400" rtl="0" eaLnBrk="1" fontAlgn="base" latinLnBrk="1" hangingPunct="1">
+              <a:lnSpc>
+                <a:spcPct val="100000"/>
+              </a:lnSpc>
+              <a:spcBef>
+                <a:spcPct val="0"/>
+              </a:spcBef>
+              <a:spcAft>
+                <a:spcPct val="0"/>
+              </a:spcAft>
+              <a:buNone/>
+            </a:pPr>
+            <a:endParaRPr kumimoji="1" lang="ko-KR" altLang="en-US" sz="2400" b="0" i="0" u="none" strike="noStrike" cap="none" normalizeH="0" baseline="0">
+              <a:ln>
+                <a:noFill/>
+              </a:ln>
+              <a:solidFill>
+                <a:schemeClr val="tx1"/>
+              </a:solidFill>
+              <a:latin typeface="Times New Roman"/>
+              <a:ea typeface="굴림"/>
+            </a:endParaRPr>
+          </a:p>
+        </p:txBody>
+      </p:sp>
+      <p:sp>
+        <p:nvSpPr>
+          <p:cNvPr id="8" name="직사각형 7">
+            <a:extLst>
+              <a:ext uri="{FF2B5EF4-FFF2-40B4-BE49-F238E27FC236}">
+                <a16:creationId xmlns:a16="http://schemas.microsoft.com/office/drawing/2014/main" id="{BD155519-957A-2B4B-3D70-A73E93CB4C31}"/>
+              </a:ext>
+            </a:extLst>
+          </p:cNvPr>
+          <p:cNvSpPr>
+            <a:spLocks/>
+          </p:cNvSpPr>
+          <p:nvPr/>
+        </p:nvSpPr>
+        <p:spPr>
+          <a:xfrm>
+            <a:off x="1136795" y="3229520"/>
+            <a:ext cx="626891" cy="398959"/>
+          </a:xfrm>
+          <a:prstGeom prst="rect">
+            <a:avLst/>
+          </a:prstGeom>
+          <a:solidFill>
+            <a:srgbClr val="00CC99">
+              <a:alpha val="30000"/>
+            </a:srgbClr>
+          </a:solidFill>
+          <a:ln w="28575" cap="flat" cmpd="sng" algn="ctr">
+            <a:noFill/>
+            <a:prstDash val="solid"/>
+            <a:round/>
+          </a:ln>
+          <a:effectLst/>
+        </p:spPr>
+        <p:txBody>
+          <a:bodyPr vert="horz" wrap="none" lIns="91440" tIns="45720" rIns="91440" bIns="45720" numCol="1" rtlCol="0" anchor="ctr" anchorCtr="0" compatLnSpc="1">
+            <a:prstTxWarp prst="textNoShape">
+              <a:avLst/>
+            </a:prstTxWarp>
+            <a:noAutofit/>
+          </a:bodyPr>
+          <a:lstStyle/>
+          <a:p>
+            <a:pPr marL="0" marR="0" indent="0" algn="ctr" defTabSz="914400" rtl="0" eaLnBrk="1" fontAlgn="base" latinLnBrk="1" hangingPunct="1">
+              <a:lnSpc>
+                <a:spcPct val="100000"/>
+              </a:lnSpc>
+              <a:spcBef>
+                <a:spcPct val="0"/>
+              </a:spcBef>
+              <a:spcAft>
+                <a:spcPct val="0"/>
+              </a:spcAft>
+              <a:buNone/>
+            </a:pPr>
+            <a:endParaRPr kumimoji="1" lang="ko-KR" altLang="en-US" sz="2400" b="0" i="0" u="none" strike="noStrike" cap="none" normalizeH="0" baseline="0">
+              <a:ln>
+                <a:noFill/>
+              </a:ln>
+              <a:solidFill>
+                <a:schemeClr val="tx1"/>
+              </a:solidFill>
+              <a:latin typeface="Times New Roman"/>
+              <a:ea typeface="굴림"/>
+            </a:endParaRPr>
+          </a:p>
+        </p:txBody>
+      </p:sp>
+      <p:sp>
+        <p:nvSpPr>
+          <p:cNvPr id="9" name="직사각형 8">
+            <a:extLst>
+              <a:ext uri="{FF2B5EF4-FFF2-40B4-BE49-F238E27FC236}">
+                <a16:creationId xmlns:a16="http://schemas.microsoft.com/office/drawing/2014/main" id="{1427594D-3B30-CC0A-5E0D-7FF1B4EC862F}"/>
+              </a:ext>
+            </a:extLst>
+          </p:cNvPr>
+          <p:cNvSpPr>
+            <a:spLocks/>
+          </p:cNvSpPr>
+          <p:nvPr/>
+        </p:nvSpPr>
+        <p:spPr>
+          <a:xfrm>
+            <a:off x="2148766" y="3229520"/>
+            <a:ext cx="626891" cy="398959"/>
+          </a:xfrm>
+          <a:prstGeom prst="rect">
+            <a:avLst/>
+          </a:prstGeom>
+          <a:solidFill>
+            <a:srgbClr val="00CC99">
+              <a:alpha val="30000"/>
+            </a:srgbClr>
+          </a:solidFill>
+          <a:ln w="28575" cap="flat" cmpd="sng" algn="ctr">
+            <a:noFill/>
+            <a:prstDash val="solid"/>
+            <a:round/>
+          </a:ln>
+          <a:effectLst/>
+        </p:spPr>
+        <p:txBody>
+          <a:bodyPr vert="horz" wrap="none" lIns="91440" tIns="45720" rIns="91440" bIns="45720" numCol="1" rtlCol="0" anchor="ctr" anchorCtr="0" compatLnSpc="1">
+            <a:prstTxWarp prst="textNoShape">
+              <a:avLst/>
+            </a:prstTxWarp>
+            <a:noAutofit/>
+          </a:bodyPr>
+          <a:lstStyle/>
+          <a:p>
+            <a:pPr marL="0" marR="0" indent="0" algn="ctr" defTabSz="914400" rtl="0" eaLnBrk="1" fontAlgn="base" latinLnBrk="1" hangingPunct="1">
+              <a:lnSpc>
+                <a:spcPct val="100000"/>
+              </a:lnSpc>
+              <a:spcBef>
+                <a:spcPct val="0"/>
+              </a:spcBef>
+              <a:spcAft>
+                <a:spcPct val="0"/>
+              </a:spcAft>
+              <a:buNone/>
+            </a:pPr>
+            <a:endParaRPr kumimoji="1" lang="ko-KR" altLang="en-US" sz="2400" b="0" i="0" u="none" strike="noStrike" cap="none" normalizeH="0" baseline="0">
+              <a:ln>
+                <a:noFill/>
+              </a:ln>
+              <a:solidFill>
+                <a:schemeClr val="tx1"/>
+              </a:solidFill>
+              <a:latin typeface="Times New Roman"/>
+              <a:ea typeface="굴림"/>
+            </a:endParaRPr>
+          </a:p>
+        </p:txBody>
+      </p:sp>
+      <p:sp>
+        <p:nvSpPr>
+          <p:cNvPr id="10" name="직사각형 9">
+            <a:extLst>
+              <a:ext uri="{FF2B5EF4-FFF2-40B4-BE49-F238E27FC236}">
+                <a16:creationId xmlns:a16="http://schemas.microsoft.com/office/drawing/2014/main" id="{B58DA61A-7DB9-DC38-408E-E82B6DE83554}"/>
+              </a:ext>
+            </a:extLst>
+          </p:cNvPr>
+          <p:cNvSpPr>
+            <a:spLocks/>
+          </p:cNvSpPr>
+          <p:nvPr/>
+        </p:nvSpPr>
+        <p:spPr>
+          <a:xfrm>
+            <a:off x="3160737" y="3229519"/>
+            <a:ext cx="626891" cy="398959"/>
+          </a:xfrm>
+          <a:prstGeom prst="rect">
+            <a:avLst/>
+          </a:prstGeom>
+          <a:solidFill>
+            <a:srgbClr val="00CC99">
+              <a:alpha val="30000"/>
+            </a:srgbClr>
+          </a:solidFill>
+          <a:ln w="28575" cap="flat" cmpd="sng" algn="ctr">
+            <a:noFill/>
+            <a:prstDash val="solid"/>
+            <a:round/>
+          </a:ln>
+          <a:effectLst/>
+        </p:spPr>
+        <p:txBody>
+          <a:bodyPr vert="horz" wrap="none" lIns="91440" tIns="45720" rIns="91440" bIns="45720" numCol="1" rtlCol="0" anchor="ctr" anchorCtr="0" compatLnSpc="1">
+            <a:prstTxWarp prst="textNoShape">
+              <a:avLst/>
+            </a:prstTxWarp>
+            <a:noAutofit/>
+          </a:bodyPr>
+          <a:lstStyle/>
+          <a:p>
+            <a:pPr marL="0" marR="0" indent="0" algn="ctr" defTabSz="914400" rtl="0" eaLnBrk="1" fontAlgn="base" latinLnBrk="1" hangingPunct="1">
+              <a:lnSpc>
+                <a:spcPct val="100000"/>
+              </a:lnSpc>
+              <a:spcBef>
+                <a:spcPct val="0"/>
+              </a:spcBef>
+              <a:spcAft>
+                <a:spcPct val="0"/>
+              </a:spcAft>
+              <a:buNone/>
+            </a:pPr>
+            <a:endParaRPr kumimoji="1" lang="ko-KR" altLang="en-US" sz="2400" b="0" i="0" u="none" strike="noStrike" cap="none" normalizeH="0" baseline="0">
+              <a:ln>
+                <a:noFill/>
+              </a:ln>
+              <a:solidFill>
+                <a:schemeClr val="tx1"/>
+              </a:solidFill>
+              <a:latin typeface="Times New Roman"/>
+              <a:ea typeface="굴림"/>
+            </a:endParaRPr>
+          </a:p>
+        </p:txBody>
+      </p:sp>
+      <p:sp>
+        <p:nvSpPr>
+          <p:cNvPr id="11" name="직사각형 10">
+            <a:extLst>
+              <a:ext uri="{FF2B5EF4-FFF2-40B4-BE49-F238E27FC236}">
+                <a16:creationId xmlns:a16="http://schemas.microsoft.com/office/drawing/2014/main" id="{1372B3E6-F6D2-B788-6376-9DBE23D20C46}"/>
+              </a:ext>
+            </a:extLst>
+          </p:cNvPr>
+          <p:cNvSpPr>
+            <a:spLocks/>
+          </p:cNvSpPr>
+          <p:nvPr/>
+        </p:nvSpPr>
+        <p:spPr>
+          <a:xfrm>
+            <a:off x="4185473" y="3229518"/>
+            <a:ext cx="626891" cy="398959"/>
+          </a:xfrm>
+          <a:prstGeom prst="rect">
+            <a:avLst/>
+          </a:prstGeom>
+          <a:solidFill>
+            <a:srgbClr val="00CC99">
+              <a:alpha val="30000"/>
+            </a:srgbClr>
+          </a:solidFill>
+          <a:ln w="28575" cap="flat" cmpd="sng" algn="ctr">
+            <a:noFill/>
+            <a:prstDash val="solid"/>
+            <a:round/>
+          </a:ln>
+          <a:effectLst/>
+        </p:spPr>
+        <p:txBody>
+          <a:bodyPr vert="horz" wrap="none" lIns="91440" tIns="45720" rIns="91440" bIns="45720" numCol="1" rtlCol="0" anchor="ctr" anchorCtr="0" compatLnSpc="1">
+            <a:prstTxWarp prst="textNoShape">
+              <a:avLst/>
+            </a:prstTxWarp>
+            <a:noAutofit/>
+          </a:bodyPr>
+          <a:lstStyle/>
+          <a:p>
+            <a:pPr marL="0" marR="0" indent="0" algn="ctr" defTabSz="914400" rtl="0" eaLnBrk="1" fontAlgn="base" latinLnBrk="1" hangingPunct="1">
+              <a:lnSpc>
+                <a:spcPct val="100000"/>
+              </a:lnSpc>
+              <a:spcBef>
+                <a:spcPct val="0"/>
+              </a:spcBef>
+              <a:spcAft>
+                <a:spcPct val="0"/>
+              </a:spcAft>
+              <a:buNone/>
+            </a:pPr>
+            <a:endParaRPr kumimoji="1" lang="ko-KR" altLang="en-US" sz="2400" b="0" i="0" u="none" strike="noStrike" cap="none" normalizeH="0" baseline="0">
+              <a:ln>
+                <a:noFill/>
+              </a:ln>
+              <a:solidFill>
+                <a:schemeClr val="tx1"/>
+              </a:solidFill>
+              <a:latin typeface="Times New Roman"/>
+              <a:ea typeface="굴림"/>
+            </a:endParaRPr>
+          </a:p>
+        </p:txBody>
+      </p:sp>
+      <p:sp>
+        <p:nvSpPr>
+          <p:cNvPr id="12" name="직사각형 11">
+            <a:extLst>
+              <a:ext uri="{FF2B5EF4-FFF2-40B4-BE49-F238E27FC236}">
+                <a16:creationId xmlns:a16="http://schemas.microsoft.com/office/drawing/2014/main" id="{05A820D0-6685-2B2A-6F43-BA57ECA05740}"/>
+              </a:ext>
+            </a:extLst>
+          </p:cNvPr>
+          <p:cNvSpPr>
+            <a:spLocks/>
+          </p:cNvSpPr>
+          <p:nvPr/>
+        </p:nvSpPr>
+        <p:spPr>
+          <a:xfrm>
+            <a:off x="5198193" y="3225854"/>
+            <a:ext cx="626891" cy="398959"/>
+          </a:xfrm>
+          <a:prstGeom prst="rect">
+            <a:avLst/>
+          </a:prstGeom>
+          <a:solidFill>
+            <a:srgbClr val="00CC99">
+              <a:alpha val="30000"/>
+            </a:srgbClr>
+          </a:solidFill>
+          <a:ln w="28575" cap="flat" cmpd="sng" algn="ctr">
+            <a:noFill/>
+            <a:prstDash val="solid"/>
+            <a:round/>
+          </a:ln>
+          <a:effectLst/>
+        </p:spPr>
+        <p:txBody>
+          <a:bodyPr vert="horz" wrap="none" lIns="91440" tIns="45720" rIns="91440" bIns="45720" numCol="1" rtlCol="0" anchor="ctr" anchorCtr="0" compatLnSpc="1">
+            <a:prstTxWarp prst="textNoShape">
+              <a:avLst/>
+            </a:prstTxWarp>
+            <a:noAutofit/>
+          </a:bodyPr>
+          <a:lstStyle/>
+          <a:p>
+            <a:pPr marL="0" marR="0" indent="0" algn="ctr" defTabSz="914400" rtl="0" eaLnBrk="1" fontAlgn="base" latinLnBrk="1" hangingPunct="1">
+              <a:lnSpc>
+                <a:spcPct val="100000"/>
+              </a:lnSpc>
+              <a:spcBef>
+                <a:spcPct val="0"/>
+              </a:spcBef>
+              <a:spcAft>
+                <a:spcPct val="0"/>
+              </a:spcAft>
+              <a:buNone/>
+            </a:pPr>
+            <a:endParaRPr kumimoji="1" lang="ko-KR" altLang="en-US" sz="2400" b="0" i="0" u="none" strike="noStrike" cap="none" normalizeH="0" baseline="0">
+              <a:ln>
+                <a:noFill/>
+              </a:ln>
+              <a:solidFill>
+                <a:schemeClr val="tx1"/>
+              </a:solidFill>
+              <a:latin typeface="Times New Roman"/>
+              <a:ea typeface="굴림"/>
+            </a:endParaRPr>
+          </a:p>
+        </p:txBody>
+      </p:sp>
+    </p:spTree>
+    <p:extLst>
+      <p:ext uri="{BB962C8B-B14F-4D97-AF65-F5344CB8AC3E}">
+        <p14:creationId xmlns:p14="http://schemas.microsoft.com/office/powerpoint/2010/main" val="1656975610"/>
+      </p:ext>
+    </p:extLst>
+  </p:cSld>
+  <p:clrMapOvr>
+    <a:masterClrMapping/>
+  </p:clrMapOvr>
+</p:sld>
+</file>
+
+<file path=ppt/slides/slide7.xml><?xml version="1.0" encoding="utf-8"?>
+<p:sld xmlns:a="http://schemas.openxmlformats.org/drawingml/2006/main" xmlns:r="http://schemas.openxmlformats.org/officeDocument/2006/relationships" xmlns:p="http://schemas.openxmlformats.org/presentationml/2006/main">
+  <p:cSld>
+    <p:spTree>
+      <p:nvGrpSpPr>
+        <p:cNvPr id="1" name="">
+          <a:extLst>
+            <a:ext uri="{FF2B5EF4-FFF2-40B4-BE49-F238E27FC236}">
+              <a16:creationId xmlns:a16="http://schemas.microsoft.com/office/drawing/2014/main" id="{2C8BA0C6-8E3D-FB54-109B-73A2B7DA847E}"/>
+            </a:ext>
+          </a:extLst>
+        </p:cNvPr>
+        <p:cNvGrpSpPr/>
+        <p:nvPr/>
+      </p:nvGrpSpPr>
+      <p:grpSpPr>
+        <a:xfrm>
+          <a:off x="0" y="0"/>
+          <a:ext cx="0" cy="0"/>
+          <a:chOff x="0" y="0"/>
+          <a:chExt cx="0" cy="0"/>
+        </a:xfrm>
+      </p:grpSpPr>
+      <p:sp>
+        <p:nvSpPr>
+          <p:cNvPr id="2" name="제목 1">
+            <a:extLst>
+              <a:ext uri="{FF2B5EF4-FFF2-40B4-BE49-F238E27FC236}">
+                <a16:creationId xmlns:a16="http://schemas.microsoft.com/office/drawing/2014/main" id="{0623D33E-64C0-0523-F855-D65A6B72B093}"/>
+              </a:ext>
+            </a:extLst>
+          </p:cNvPr>
+          <p:cNvSpPr>
+            <a:spLocks noGrp="1"/>
+          </p:cNvSpPr>
+          <p:nvPr>
+            <p:ph type="title"/>
+          </p:nvPr>
+        </p:nvSpPr>
+        <p:spPr/>
+        <p:txBody>
+          <a:bodyPr/>
+          <a:lstStyle/>
+          <a:p>
+            <a:r>
+              <a:rPr lang="en-US" altLang="ko-KR" dirty="0"/>
+              <a:t>LIF </a:t>
+            </a:r>
+            <a:r>
+              <a:rPr lang="ko-KR" altLang="en-US" dirty="0"/>
+              <a:t>모델을 순환신경망에 대응</a:t>
+            </a:r>
+            <a:endParaRPr kumimoji="1" lang="ko-KR" altLang="en-US" dirty="0"/>
+          </a:p>
+        </p:txBody>
+      </p:sp>
+      <p:pic>
+        <p:nvPicPr>
+          <p:cNvPr id="4" name="그림 3">
+            <a:extLst>
+              <a:ext uri="{FF2B5EF4-FFF2-40B4-BE49-F238E27FC236}">
+                <a16:creationId xmlns:a16="http://schemas.microsoft.com/office/drawing/2014/main" id="{BF1E5FBC-EEBE-C985-5233-5268BBF1792A}"/>
+              </a:ext>
+            </a:extLst>
+          </p:cNvPr>
+          <p:cNvPicPr>
+            <a:picLocks noChangeAspect="1"/>
+          </p:cNvPicPr>
+          <p:nvPr/>
+        </p:nvPicPr>
+        <p:blipFill>
+          <a:blip r:embed="rId2"/>
+          <a:stretch>
+            <a:fillRect/>
+          </a:stretch>
+        </p:blipFill>
+        <p:spPr>
+          <a:xfrm>
+            <a:off x="751715" y="1012836"/>
+            <a:ext cx="5022726" cy="2848212"/>
+          </a:xfrm>
+          <a:prstGeom prst="rect">
+            <a:avLst/>
+          </a:prstGeom>
+        </p:spPr>
+      </p:pic>
+      <p:sp>
+        <p:nvSpPr>
+          <p:cNvPr id="28" name="내용 개체 틀 2">
+            <a:extLst>
+              <a:ext uri="{FF2B5EF4-FFF2-40B4-BE49-F238E27FC236}">
+                <a16:creationId xmlns:a16="http://schemas.microsoft.com/office/drawing/2014/main" id="{F78467B6-BF10-F766-E8E6-FDE9589D5D65}"/>
+              </a:ext>
+            </a:extLst>
+          </p:cNvPr>
+          <p:cNvSpPr>
+            <a:spLocks noGrp="1"/>
+          </p:cNvSpPr>
+          <p:nvPr>
+            <p:ph idx="1"/>
+          </p:nvPr>
+        </p:nvSpPr>
+        <p:spPr>
+          <a:xfrm>
+            <a:off x="682624" y="3972956"/>
+            <a:ext cx="8137525" cy="2317422"/>
+          </a:xfrm>
+        </p:spPr>
+        <p:txBody>
+          <a:bodyPr/>
+          <a:lstStyle/>
+          <a:p>
+            <a:r>
+              <a:rPr kumimoji="1" lang="ko-KR" altLang="en-US" dirty="0"/>
+              <a:t>이전 시간 발생한 스파이크로 현재 시간 입력을 계산</a:t>
+            </a:r>
+          </a:p>
+        </p:txBody>
+      </p:sp>
+      <p:sp>
+        <p:nvSpPr>
+          <p:cNvPr id="13" name="직사각형 12">
+            <a:extLst>
+              <a:ext uri="{FF2B5EF4-FFF2-40B4-BE49-F238E27FC236}">
+                <a16:creationId xmlns:a16="http://schemas.microsoft.com/office/drawing/2014/main" id="{5E5916AA-7FCE-B540-FD0A-EC018AE34879}"/>
+              </a:ext>
+            </a:extLst>
+          </p:cNvPr>
+          <p:cNvSpPr>
+            <a:spLocks/>
+          </p:cNvSpPr>
+          <p:nvPr/>
+        </p:nvSpPr>
+        <p:spPr>
+          <a:xfrm>
+            <a:off x="2136706" y="2753569"/>
+            <a:ext cx="623255" cy="372639"/>
+          </a:xfrm>
+          <a:prstGeom prst="rect">
+            <a:avLst/>
+          </a:prstGeom>
+          <a:solidFill>
+            <a:schemeClr val="accent1">
+              <a:alpha val="30000"/>
+            </a:schemeClr>
+          </a:solidFill>
+          <a:ln w="28575" cap="flat" cmpd="sng" algn="ctr">
+            <a:noFill/>
+            <a:prstDash val="solid"/>
+            <a:round/>
+          </a:ln>
+          <a:effectLst/>
+        </p:spPr>
+        <p:txBody>
+          <a:bodyPr vert="horz" wrap="none" lIns="91440" tIns="45720" rIns="91440" bIns="45720" numCol="1" rtlCol="0" anchor="ctr" anchorCtr="0" compatLnSpc="1">
+            <a:prstTxWarp prst="textNoShape">
+              <a:avLst/>
+            </a:prstTxWarp>
+            <a:noAutofit/>
+          </a:bodyPr>
+          <a:lstStyle/>
+          <a:p>
+            <a:pPr marL="0" marR="0" indent="0" algn="ctr" defTabSz="914400" rtl="0" eaLnBrk="1" fontAlgn="base" latinLnBrk="1" hangingPunct="1">
+              <a:lnSpc>
+                <a:spcPct val="100000"/>
+              </a:lnSpc>
+              <a:spcBef>
+                <a:spcPct val="0"/>
+              </a:spcBef>
+              <a:spcAft>
+                <a:spcPct val="0"/>
+              </a:spcAft>
+              <a:buNone/>
+            </a:pPr>
+            <a:endParaRPr kumimoji="1" lang="ko-KR" altLang="en-US" sz="2400" b="0" i="0" u="none" strike="noStrike" cap="none" normalizeH="0" baseline="0">
+              <a:ln>
+                <a:noFill/>
+              </a:ln>
+              <a:solidFill>
+                <a:schemeClr val="tx1"/>
+              </a:solidFill>
+              <a:latin typeface="Times New Roman"/>
+              <a:ea typeface="굴림"/>
+            </a:endParaRPr>
+          </a:p>
+        </p:txBody>
+      </p:sp>
+      <p:pic>
+        <p:nvPicPr>
+          <p:cNvPr id="25" name="그림 24" descr="텍스트, 폰트, 친필, 화이트이(가) 표시된 사진&#10;&#10;자동 생성된 설명">
+            <a:extLst>
+              <a:ext uri="{FF2B5EF4-FFF2-40B4-BE49-F238E27FC236}">
+                <a16:creationId xmlns:a16="http://schemas.microsoft.com/office/drawing/2014/main" id="{6278F2DE-4975-43FE-1E3A-E0A93718E346}"/>
+              </a:ext>
+            </a:extLst>
+          </p:cNvPr>
+          <p:cNvPicPr>
+            <a:picLocks noChangeAspect="1"/>
+          </p:cNvPicPr>
+          <p:nvPr/>
+        </p:nvPicPr>
+        <p:blipFill>
+          <a:blip r:embed="rId3">
+            <a:extLst>
+              <a:ext uri="{28A0092B-C50C-407E-A947-70E740481C1C}">
+                <a14:useLocalDpi xmlns:a14="http://schemas.microsoft.com/office/drawing/2010/main" val="0"/>
+              </a:ext>
+            </a:extLst>
+          </a:blip>
+          <a:srcRect t="30709"/>
+          <a:stretch/>
+        </p:blipFill>
+        <p:spPr>
+          <a:xfrm>
+            <a:off x="878596" y="5377112"/>
+            <a:ext cx="6781800" cy="888804"/>
+          </a:xfrm>
+          <a:prstGeom prst="rect">
+            <a:avLst/>
+          </a:prstGeom>
+        </p:spPr>
+      </p:pic>
+      <p:sp>
+        <p:nvSpPr>
+          <p:cNvPr id="27" name="직사각형 26">
+            <a:extLst>
+              <a:ext uri="{FF2B5EF4-FFF2-40B4-BE49-F238E27FC236}">
+                <a16:creationId xmlns:a16="http://schemas.microsoft.com/office/drawing/2014/main" id="{992FDBDE-24D7-502B-71A8-3D723E0ECE7F}"/>
+              </a:ext>
+            </a:extLst>
+          </p:cNvPr>
+          <p:cNvSpPr>
+            <a:spLocks/>
+          </p:cNvSpPr>
+          <p:nvPr/>
+        </p:nvSpPr>
+        <p:spPr>
+          <a:xfrm>
+            <a:off x="3137266" y="2767976"/>
+            <a:ext cx="623255" cy="372639"/>
+          </a:xfrm>
+          <a:prstGeom prst="rect">
+            <a:avLst/>
+          </a:prstGeom>
+          <a:solidFill>
+            <a:schemeClr val="accent1">
+              <a:alpha val="30000"/>
+            </a:schemeClr>
+          </a:solidFill>
+          <a:ln w="28575" cap="flat" cmpd="sng" algn="ctr">
+            <a:noFill/>
+            <a:prstDash val="solid"/>
+            <a:round/>
+          </a:ln>
+          <a:effectLst/>
+        </p:spPr>
+        <p:txBody>
+          <a:bodyPr vert="horz" wrap="none" lIns="91440" tIns="45720" rIns="91440" bIns="45720" numCol="1" rtlCol="0" anchor="ctr" anchorCtr="0" compatLnSpc="1">
+            <a:prstTxWarp prst="textNoShape">
+              <a:avLst/>
+            </a:prstTxWarp>
+            <a:noAutofit/>
+          </a:bodyPr>
+          <a:lstStyle/>
+          <a:p>
+            <a:pPr marL="0" marR="0" indent="0" algn="ctr" defTabSz="914400" rtl="0" eaLnBrk="1" fontAlgn="base" latinLnBrk="1" hangingPunct="1">
+              <a:lnSpc>
+                <a:spcPct val="100000"/>
+              </a:lnSpc>
+              <a:spcBef>
+                <a:spcPct val="0"/>
+              </a:spcBef>
+              <a:spcAft>
+                <a:spcPct val="0"/>
+              </a:spcAft>
+              <a:buNone/>
+            </a:pPr>
+            <a:endParaRPr kumimoji="1" lang="ko-KR" altLang="en-US" sz="2400" b="0" i="0" u="none" strike="noStrike" cap="none" normalizeH="0" baseline="0">
+              <a:ln>
+                <a:noFill/>
+              </a:ln>
+              <a:solidFill>
+                <a:schemeClr val="tx1"/>
+              </a:solidFill>
+              <a:latin typeface="Times New Roman"/>
+              <a:ea typeface="굴림"/>
+            </a:endParaRPr>
+          </a:p>
+        </p:txBody>
+      </p:sp>
+      <p:sp>
+        <p:nvSpPr>
+          <p:cNvPr id="30" name="직사각형 29">
+            <a:extLst>
+              <a:ext uri="{FF2B5EF4-FFF2-40B4-BE49-F238E27FC236}">
+                <a16:creationId xmlns:a16="http://schemas.microsoft.com/office/drawing/2014/main" id="{AFEE14E4-0BEA-B829-98CD-F9F69C815C74}"/>
+              </a:ext>
+            </a:extLst>
+          </p:cNvPr>
+          <p:cNvSpPr>
+            <a:spLocks/>
+          </p:cNvSpPr>
+          <p:nvPr/>
+        </p:nvSpPr>
+        <p:spPr>
+          <a:xfrm>
+            <a:off x="4166505" y="2767976"/>
+            <a:ext cx="623255" cy="372639"/>
+          </a:xfrm>
+          <a:prstGeom prst="rect">
+            <a:avLst/>
+          </a:prstGeom>
+          <a:solidFill>
+            <a:schemeClr val="accent1">
+              <a:alpha val="30000"/>
+            </a:schemeClr>
+          </a:solidFill>
+          <a:ln w="28575" cap="flat" cmpd="sng" algn="ctr">
+            <a:noFill/>
+            <a:prstDash val="solid"/>
+            <a:round/>
+          </a:ln>
+          <a:effectLst/>
+        </p:spPr>
+        <p:txBody>
+          <a:bodyPr vert="horz" wrap="none" lIns="91440" tIns="45720" rIns="91440" bIns="45720" numCol="1" rtlCol="0" anchor="ctr" anchorCtr="0" compatLnSpc="1">
+            <a:prstTxWarp prst="textNoShape">
+              <a:avLst/>
+            </a:prstTxWarp>
+            <a:noAutofit/>
+          </a:bodyPr>
+          <a:lstStyle/>
+          <a:p>
+            <a:pPr marL="0" marR="0" indent="0" algn="ctr" defTabSz="914400" rtl="0" eaLnBrk="1" fontAlgn="base" latinLnBrk="1" hangingPunct="1">
+              <a:lnSpc>
+                <a:spcPct val="100000"/>
+              </a:lnSpc>
+              <a:spcBef>
+                <a:spcPct val="0"/>
+              </a:spcBef>
+              <a:spcAft>
+                <a:spcPct val="0"/>
+              </a:spcAft>
+              <a:buNone/>
+            </a:pPr>
+            <a:endParaRPr kumimoji="1" lang="ko-KR" altLang="en-US" sz="2400" b="0" i="0" u="none" strike="noStrike" cap="none" normalizeH="0" baseline="0">
+              <a:ln>
+                <a:noFill/>
+              </a:ln>
+              <a:solidFill>
+                <a:schemeClr val="tx1"/>
+              </a:solidFill>
+              <a:latin typeface="Times New Roman"/>
+              <a:ea typeface="굴림"/>
+            </a:endParaRPr>
+          </a:p>
+        </p:txBody>
+      </p:sp>
+      <p:sp>
+        <p:nvSpPr>
+          <p:cNvPr id="31" name="직사각형 30">
+            <a:extLst>
+              <a:ext uri="{FF2B5EF4-FFF2-40B4-BE49-F238E27FC236}">
+                <a16:creationId xmlns:a16="http://schemas.microsoft.com/office/drawing/2014/main" id="{D665F8BE-0A3C-02F2-2C49-A322E1683753}"/>
+              </a:ext>
+            </a:extLst>
+          </p:cNvPr>
+          <p:cNvSpPr>
+            <a:spLocks/>
+          </p:cNvSpPr>
+          <p:nvPr/>
+        </p:nvSpPr>
+        <p:spPr>
+          <a:xfrm>
+            <a:off x="5195744" y="2767976"/>
+            <a:ext cx="623255" cy="372639"/>
+          </a:xfrm>
+          <a:prstGeom prst="rect">
+            <a:avLst/>
+          </a:prstGeom>
+          <a:solidFill>
+            <a:schemeClr val="accent1">
+              <a:alpha val="30000"/>
+            </a:schemeClr>
+          </a:solidFill>
+          <a:ln w="28575" cap="flat" cmpd="sng" algn="ctr">
+            <a:noFill/>
+            <a:prstDash val="solid"/>
+            <a:round/>
+          </a:ln>
+          <a:effectLst/>
+        </p:spPr>
+        <p:txBody>
+          <a:bodyPr vert="horz" wrap="none" lIns="91440" tIns="45720" rIns="91440" bIns="45720" numCol="1" rtlCol="0" anchor="ctr" anchorCtr="0" compatLnSpc="1">
+            <a:prstTxWarp prst="textNoShape">
+              <a:avLst/>
+            </a:prstTxWarp>
+            <a:noAutofit/>
+          </a:bodyPr>
+          <a:lstStyle/>
+          <a:p>
+            <a:pPr marL="0" marR="0" indent="0" algn="ctr" defTabSz="914400" rtl="0" eaLnBrk="1" fontAlgn="base" latinLnBrk="1" hangingPunct="1">
+              <a:lnSpc>
+                <a:spcPct val="100000"/>
+              </a:lnSpc>
+              <a:spcBef>
+                <a:spcPct val="0"/>
+              </a:spcBef>
+              <a:spcAft>
+                <a:spcPct val="0"/>
+              </a:spcAft>
+              <a:buNone/>
+            </a:pPr>
+            <a:endParaRPr kumimoji="1" lang="ko-KR" altLang="en-US" sz="2400" b="0" i="0" u="none" strike="noStrike" cap="none" normalizeH="0" baseline="0">
+              <a:ln>
+                <a:noFill/>
+              </a:ln>
+              <a:solidFill>
+                <a:schemeClr val="tx1"/>
+              </a:solidFill>
+              <a:latin typeface="Times New Roman"/>
+              <a:ea typeface="굴림"/>
+            </a:endParaRPr>
+          </a:p>
+        </p:txBody>
+      </p:sp>
+      <p:sp>
+        <p:nvSpPr>
+          <p:cNvPr id="32" name="직사각형 31">
+            <a:extLst>
+              <a:ext uri="{FF2B5EF4-FFF2-40B4-BE49-F238E27FC236}">
+                <a16:creationId xmlns:a16="http://schemas.microsoft.com/office/drawing/2014/main" id="{779641F5-76F4-AAD7-AB72-2B0B68991A6A}"/>
+              </a:ext>
+            </a:extLst>
+          </p:cNvPr>
+          <p:cNvSpPr>
+            <a:spLocks/>
+          </p:cNvSpPr>
+          <p:nvPr/>
+        </p:nvSpPr>
+        <p:spPr>
+          <a:xfrm>
+            <a:off x="1137004" y="2767976"/>
+            <a:ext cx="623255" cy="372639"/>
+          </a:xfrm>
+          <a:prstGeom prst="rect">
+            <a:avLst/>
+          </a:prstGeom>
+          <a:solidFill>
+            <a:schemeClr val="accent1">
+              <a:alpha val="30000"/>
+            </a:schemeClr>
+          </a:solidFill>
+          <a:ln w="28575" cap="flat" cmpd="sng" algn="ctr">
+            <a:noFill/>
+            <a:prstDash val="solid"/>
+            <a:round/>
+          </a:ln>
+          <a:effectLst/>
+        </p:spPr>
+        <p:txBody>
+          <a:bodyPr vert="horz" wrap="none" lIns="91440" tIns="45720" rIns="91440" bIns="45720" numCol="1" rtlCol="0" anchor="ctr" anchorCtr="0" compatLnSpc="1">
+            <a:prstTxWarp prst="textNoShape">
+              <a:avLst/>
+            </a:prstTxWarp>
+            <a:noAutofit/>
+          </a:bodyPr>
+          <a:lstStyle/>
+          <a:p>
+            <a:pPr marL="0" marR="0" indent="0" algn="ctr" defTabSz="914400" rtl="0" eaLnBrk="1" fontAlgn="base" latinLnBrk="1" hangingPunct="1">
+              <a:lnSpc>
+                <a:spcPct val="100000"/>
+              </a:lnSpc>
+              <a:spcBef>
+                <a:spcPct val="0"/>
+              </a:spcBef>
+              <a:spcAft>
+                <a:spcPct val="0"/>
+              </a:spcAft>
+              <a:buNone/>
+            </a:pPr>
+            <a:endParaRPr kumimoji="1" lang="ko-KR" altLang="en-US" sz="2400" b="0" i="0" u="none" strike="noStrike" cap="none" normalizeH="0" baseline="0">
+              <a:ln>
+                <a:noFill/>
+              </a:ln>
+              <a:solidFill>
+                <a:schemeClr val="tx1"/>
+              </a:solidFill>
+              <a:latin typeface="Times New Roman"/>
+              <a:ea typeface="굴림"/>
+            </a:endParaRPr>
+          </a:p>
+        </p:txBody>
+      </p:sp>
+    </p:spTree>
+    <p:extLst>
+      <p:ext uri="{BB962C8B-B14F-4D97-AF65-F5344CB8AC3E}">
+        <p14:creationId xmlns:p14="http://schemas.microsoft.com/office/powerpoint/2010/main" val="3268930898"/>
+      </p:ext>
+    </p:extLst>
+  </p:cSld>
+  <p:clrMapOvr>
+    <a:masterClrMapping/>
+  </p:clrMapOvr>
+</p:sld>
+</file>
+
+<file path=ppt/slides/slide8.xml><?xml version="1.0" encoding="utf-8"?>
+<p:sld xmlns:a="http://schemas.openxmlformats.org/drawingml/2006/main" xmlns:r="http://schemas.openxmlformats.org/officeDocument/2006/relationships" xmlns:p="http://schemas.openxmlformats.org/presentationml/2006/main">
+  <p:cSld>
+    <p:spTree>
+      <p:nvGrpSpPr>
+        <p:cNvPr id="1" name="">
+          <a:extLst>
+            <a:ext uri="{FF2B5EF4-FFF2-40B4-BE49-F238E27FC236}">
+              <a16:creationId xmlns:a16="http://schemas.microsoft.com/office/drawing/2014/main" id="{F3020219-82DF-4D66-5537-EC23B5FEAAC7}"/>
+            </a:ext>
+          </a:extLst>
+        </p:cNvPr>
+        <p:cNvGrpSpPr/>
+        <p:nvPr/>
+      </p:nvGrpSpPr>
+      <p:grpSpPr>
+        <a:xfrm>
+          <a:off x="0" y="0"/>
+          <a:ext cx="0" cy="0"/>
+          <a:chOff x="0" y="0"/>
+          <a:chExt cx="0" cy="0"/>
+        </a:xfrm>
+      </p:grpSpPr>
+      <p:sp>
+        <p:nvSpPr>
+          <p:cNvPr id="14" name="내용 개체 틀 2">
+            <a:extLst>
+              <a:ext uri="{FF2B5EF4-FFF2-40B4-BE49-F238E27FC236}">
+                <a16:creationId xmlns:a16="http://schemas.microsoft.com/office/drawing/2014/main" id="{30BE967A-86CD-5362-66F3-DCF599C14C1D}"/>
+              </a:ext>
+            </a:extLst>
+          </p:cNvPr>
+          <p:cNvSpPr txBox="1">
+            <a:spLocks/>
+          </p:cNvSpPr>
+          <p:nvPr/>
+        </p:nvSpPr>
+        <p:spPr>
+          <a:xfrm>
+            <a:off x="682624" y="3972956"/>
+            <a:ext cx="8137525" cy="2317422"/>
+          </a:xfrm>
+          <a:prstGeom prst="rect">
+            <a:avLst/>
+          </a:prstGeom>
+          <a:noFill/>
+          <a:ln w="9525">
+            <a:noFill/>
+            <a:miter/>
+          </a:ln>
+        </p:spPr>
+        <p:txBody>
+          <a:bodyPr vert="horz" wrap="square" lIns="91440" tIns="45720" rIns="91440" bIns="45720" anchor="t" anchorCtr="0">
+            <a:normAutofit/>
+          </a:bodyPr>
+          <a:lstStyle>
+            <a:lvl1pPr marL="342900" indent="-342900" algn="l" rtl="0" eaLnBrk="1" fontAlgn="base" latinLnBrk="1" hangingPunct="1">
+              <a:spcBef>
+                <a:spcPct val="20000"/>
+              </a:spcBef>
+              <a:spcAft>
+                <a:spcPct val="0"/>
+              </a:spcAft>
+              <a:buSzPct val="80000"/>
+              <a:buFont typeface="Wingdings"/>
+              <a:buChar char="u"/>
+              <a:defRPr kumimoji="1" sz="2800" b="0">
+                <a:solidFill>
+                  <a:schemeClr val="tx1"/>
+                </a:solidFill>
+                <a:latin typeface="+mn-lt"/>
+                <a:ea typeface="+mn-ea"/>
+                <a:cs typeface="+mn-cs"/>
+              </a:defRPr>
+            </a:lvl1pPr>
+            <a:lvl2pPr marL="742950" indent="-285750" algn="l" rtl="0" eaLnBrk="1" fontAlgn="base" latinLnBrk="1" hangingPunct="1">
+              <a:spcBef>
+                <a:spcPct val="20000"/>
+              </a:spcBef>
+              <a:spcAft>
+                <a:spcPct val="0"/>
+              </a:spcAft>
+              <a:buSzPct val="110000"/>
+              <a:buFont typeface="Wingdings"/>
+              <a:buChar char="ü"/>
+              <a:defRPr kumimoji="1" sz="2400">
+                <a:solidFill>
+                  <a:schemeClr val="tx1"/>
+                </a:solidFill>
+                <a:latin typeface="+mn-lt"/>
+                <a:ea typeface="+mn-ea"/>
+              </a:defRPr>
+            </a:lvl2pPr>
+            <a:lvl3pPr marL="1143000" indent="-228600" algn="l" rtl="0" eaLnBrk="1" fontAlgn="base" latinLnBrk="1" hangingPunct="1">
+              <a:spcBef>
+                <a:spcPct val="20000"/>
+              </a:spcBef>
+              <a:spcAft>
+                <a:spcPct val="0"/>
+              </a:spcAft>
+              <a:buFont typeface="Wingdings"/>
+              <a:buChar char="Ø"/>
+              <a:defRPr kumimoji="1" sz="2000">
+                <a:solidFill>
+                  <a:schemeClr val="tx1"/>
+                </a:solidFill>
+                <a:latin typeface="+mn-lt"/>
+                <a:ea typeface="+mn-ea"/>
+              </a:defRPr>
+            </a:lvl3pPr>
+            <a:lvl4pPr marL="1600200" indent="-228600" algn="l" rtl="0" eaLnBrk="1" fontAlgn="base" latinLnBrk="1" hangingPunct="1">
+              <a:spcBef>
+                <a:spcPct val="20000"/>
+              </a:spcBef>
+              <a:spcAft>
+                <a:spcPct val="0"/>
+              </a:spcAft>
+              <a:buChar char="•"/>
+              <a:defRPr kumimoji="1" sz="2000">
+                <a:solidFill>
+                  <a:schemeClr val="tx1"/>
+                </a:solidFill>
+                <a:latin typeface="+mn-lt"/>
+                <a:ea typeface="+mn-ea"/>
+              </a:defRPr>
+            </a:lvl4pPr>
+            <a:lvl5pPr marL="2057400" indent="-228600" algn="l" rtl="0" eaLnBrk="1" fontAlgn="base" latinLnBrk="1" hangingPunct="1">
+              <a:spcBef>
+                <a:spcPct val="20000"/>
+              </a:spcBef>
+              <a:spcAft>
+                <a:spcPct val="0"/>
+              </a:spcAft>
+              <a:buChar char="»"/>
+              <a:defRPr kumimoji="1" sz="2000">
+                <a:solidFill>
+                  <a:schemeClr val="tx1"/>
+                </a:solidFill>
+                <a:latin typeface="+mn-lt"/>
+                <a:ea typeface="+mn-ea"/>
+              </a:defRPr>
+            </a:lvl5pPr>
+            <a:lvl6pPr marL="2514600" indent="-228600" algn="l" rtl="0" eaLnBrk="1" fontAlgn="base" latinLnBrk="1" hangingPunct="1">
+              <a:spcBef>
+                <a:spcPct val="20000"/>
+              </a:spcBef>
+              <a:spcAft>
+                <a:spcPct val="0"/>
+              </a:spcAft>
+              <a:buChar char="»"/>
+              <a:defRPr kumimoji="1">
+                <a:solidFill>
+                  <a:schemeClr val="tx1"/>
+                </a:solidFill>
+                <a:latin typeface="+mn-lt"/>
+                <a:ea typeface="+mn-ea"/>
+              </a:defRPr>
+            </a:lvl6pPr>
+            <a:lvl7pPr marL="2971800" indent="-228600" algn="l" rtl="0" eaLnBrk="1" fontAlgn="base" latinLnBrk="1" hangingPunct="1">
+              <a:spcBef>
+                <a:spcPct val="20000"/>
+              </a:spcBef>
+              <a:spcAft>
+                <a:spcPct val="0"/>
+              </a:spcAft>
+              <a:buChar char="»"/>
+              <a:defRPr kumimoji="1">
+                <a:solidFill>
+                  <a:schemeClr val="tx1"/>
+                </a:solidFill>
+                <a:latin typeface="+mn-lt"/>
+                <a:ea typeface="+mn-ea"/>
+              </a:defRPr>
+            </a:lvl7pPr>
+            <a:lvl8pPr marL="3429000" indent="-228600" algn="l" rtl="0" eaLnBrk="1" fontAlgn="base" latinLnBrk="1" hangingPunct="1">
+              <a:spcBef>
+                <a:spcPct val="20000"/>
+              </a:spcBef>
+              <a:spcAft>
+                <a:spcPct val="0"/>
+              </a:spcAft>
+              <a:buChar char="»"/>
+              <a:defRPr kumimoji="1">
+                <a:solidFill>
+                  <a:schemeClr val="tx1"/>
+                </a:solidFill>
+                <a:latin typeface="+mn-lt"/>
+                <a:ea typeface="+mn-ea"/>
+              </a:defRPr>
+            </a:lvl8pPr>
+            <a:lvl9pPr marL="3886200" indent="-228600" algn="l" rtl="0" eaLnBrk="1" fontAlgn="base" latinLnBrk="1" hangingPunct="1">
+              <a:spcBef>
+                <a:spcPct val="20000"/>
+              </a:spcBef>
+              <a:spcAft>
+                <a:spcPct val="0"/>
+              </a:spcAft>
+              <a:buChar char="»"/>
+              <a:defRPr kumimoji="1">
+                <a:solidFill>
+                  <a:schemeClr val="tx1"/>
+                </a:solidFill>
+                <a:latin typeface="+mn-lt"/>
+                <a:ea typeface="+mn-ea"/>
+              </a:defRPr>
+            </a:lvl9pPr>
+          </a:lstStyle>
+          <a:p>
+            <a:r>
+              <a:rPr lang="en-US" altLang="ko-KR" kern="0" dirty="0"/>
+              <a:t>LIF</a:t>
+            </a:r>
+            <a:r>
+              <a:rPr lang="ko-KR" altLang="en-US" kern="0" dirty="0"/>
+              <a:t>의 누수 표현 및 </a:t>
+            </a:r>
+            <a:r>
+              <a:rPr lang="ko-KR" altLang="en-US" kern="0" dirty="0" err="1"/>
+              <a:t>막전위</a:t>
+            </a:r>
+            <a:r>
+              <a:rPr lang="ko-KR" altLang="en-US" kern="0" dirty="0"/>
+              <a:t> 계산</a:t>
+            </a:r>
+          </a:p>
+        </p:txBody>
+      </p:sp>
+      <p:sp>
+        <p:nvSpPr>
+          <p:cNvPr id="2" name="제목 1">
+            <a:extLst>
+              <a:ext uri="{FF2B5EF4-FFF2-40B4-BE49-F238E27FC236}">
+                <a16:creationId xmlns:a16="http://schemas.microsoft.com/office/drawing/2014/main" id="{B0137052-DE03-3DC3-B383-67273BCEE4A4}"/>
+              </a:ext>
+            </a:extLst>
+          </p:cNvPr>
+          <p:cNvSpPr>
+            <a:spLocks noGrp="1"/>
+          </p:cNvSpPr>
+          <p:nvPr>
+            <p:ph type="title"/>
+          </p:nvPr>
+        </p:nvSpPr>
+        <p:spPr/>
+        <p:txBody>
+          <a:bodyPr/>
+          <a:lstStyle/>
+          <a:p>
+            <a:r>
+              <a:rPr lang="en-US" altLang="ko-KR" dirty="0"/>
+              <a:t>LIF </a:t>
+            </a:r>
+            <a:r>
+              <a:rPr lang="ko-KR" altLang="en-US" dirty="0"/>
+              <a:t>모델을 순환신경망에 대응</a:t>
+            </a:r>
+            <a:endParaRPr kumimoji="1" lang="ko-KR" altLang="en-US" dirty="0"/>
+          </a:p>
+        </p:txBody>
+      </p:sp>
+      <p:pic>
+        <p:nvPicPr>
+          <p:cNvPr id="4" name="그림 3">
+            <a:extLst>
+              <a:ext uri="{FF2B5EF4-FFF2-40B4-BE49-F238E27FC236}">
+                <a16:creationId xmlns:a16="http://schemas.microsoft.com/office/drawing/2014/main" id="{5C31A01E-EBB7-620A-649A-0BDBC8BA2A09}"/>
+              </a:ext>
+            </a:extLst>
+          </p:cNvPr>
+          <p:cNvPicPr>
+            <a:picLocks noChangeAspect="1"/>
+          </p:cNvPicPr>
+          <p:nvPr/>
+        </p:nvPicPr>
+        <p:blipFill>
+          <a:blip r:embed="rId2"/>
+          <a:stretch>
+            <a:fillRect/>
+          </a:stretch>
+        </p:blipFill>
+        <p:spPr>
+          <a:xfrm>
+            <a:off x="751715" y="1012836"/>
+            <a:ext cx="5022726" cy="2848212"/>
+          </a:xfrm>
+          <a:prstGeom prst="rect">
+            <a:avLst/>
+          </a:prstGeom>
+        </p:spPr>
+      </p:pic>
+      <p:sp>
+        <p:nvSpPr>
+          <p:cNvPr id="7" name="직사각형 6">
+            <a:extLst>
+              <a:ext uri="{FF2B5EF4-FFF2-40B4-BE49-F238E27FC236}">
+                <a16:creationId xmlns:a16="http://schemas.microsoft.com/office/drawing/2014/main" id="{245B614C-18EF-91E4-9D6E-34C618247BBB}"/>
+              </a:ext>
+            </a:extLst>
+          </p:cNvPr>
+          <p:cNvSpPr>
+            <a:spLocks/>
+          </p:cNvSpPr>
+          <p:nvPr/>
+        </p:nvSpPr>
+        <p:spPr>
+          <a:xfrm>
+            <a:off x="1763688" y="1968890"/>
+            <a:ext cx="360040" cy="216024"/>
+          </a:xfrm>
+          <a:prstGeom prst="rect">
+            <a:avLst/>
+          </a:prstGeom>
+          <a:solidFill>
+            <a:schemeClr val="accent1">
+              <a:alpha val="30000"/>
+            </a:schemeClr>
+          </a:solidFill>
+          <a:ln w="28575" cap="flat" cmpd="sng" algn="ctr">
+            <a:noFill/>
+            <a:prstDash val="solid"/>
+            <a:round/>
+          </a:ln>
+          <a:effectLst/>
+        </p:spPr>
+        <p:txBody>
+          <a:bodyPr vert="horz" wrap="none" lIns="91440" tIns="45720" rIns="91440" bIns="45720" numCol="1" rtlCol="0" anchor="ctr" anchorCtr="0" compatLnSpc="1">
+            <a:prstTxWarp prst="textNoShape">
+              <a:avLst/>
+            </a:prstTxWarp>
+            <a:noAutofit/>
+          </a:bodyPr>
+          <a:lstStyle/>
+          <a:p>
+            <a:pPr marL="0" marR="0" indent="0" algn="ctr" defTabSz="914400" rtl="0" eaLnBrk="1" fontAlgn="base" latinLnBrk="1" hangingPunct="1">
+              <a:lnSpc>
+                <a:spcPct val="100000"/>
+              </a:lnSpc>
+              <a:spcBef>
+                <a:spcPct val="0"/>
+              </a:spcBef>
+              <a:spcAft>
+                <a:spcPct val="0"/>
+              </a:spcAft>
+              <a:buNone/>
+            </a:pPr>
+            <a:endParaRPr kumimoji="1" lang="ko-KR" altLang="en-US" sz="2400" b="0" i="0" u="none" strike="noStrike" cap="none" normalizeH="0" baseline="0">
+              <a:ln>
+                <a:noFill/>
+              </a:ln>
+              <a:solidFill>
+                <a:schemeClr val="tx1"/>
+              </a:solidFill>
+              <a:latin typeface="Times New Roman"/>
+              <a:ea typeface="굴림"/>
+            </a:endParaRPr>
+          </a:p>
+        </p:txBody>
+      </p:sp>
+      <p:sp>
+        <p:nvSpPr>
+          <p:cNvPr id="8" name="직사각형 7">
+            <a:extLst>
+              <a:ext uri="{FF2B5EF4-FFF2-40B4-BE49-F238E27FC236}">
+                <a16:creationId xmlns:a16="http://schemas.microsoft.com/office/drawing/2014/main" id="{82DB5925-DFDC-65DB-C873-D7F9BBD9C7C4}"/>
+              </a:ext>
+            </a:extLst>
+          </p:cNvPr>
+          <p:cNvSpPr>
+            <a:spLocks/>
+          </p:cNvSpPr>
+          <p:nvPr/>
+        </p:nvSpPr>
+        <p:spPr>
+          <a:xfrm>
+            <a:off x="2789697" y="1968890"/>
+            <a:ext cx="360040" cy="216024"/>
+          </a:xfrm>
+          <a:prstGeom prst="rect">
+            <a:avLst/>
+          </a:prstGeom>
+          <a:solidFill>
+            <a:schemeClr val="accent1">
+              <a:alpha val="30000"/>
+            </a:schemeClr>
+          </a:solidFill>
+          <a:ln w="28575" cap="flat" cmpd="sng" algn="ctr">
+            <a:noFill/>
+            <a:prstDash val="solid"/>
+            <a:round/>
+          </a:ln>
+          <a:effectLst/>
+        </p:spPr>
+        <p:txBody>
+          <a:bodyPr vert="horz" wrap="none" lIns="91440" tIns="45720" rIns="91440" bIns="45720" numCol="1" rtlCol="0" anchor="ctr" anchorCtr="0" compatLnSpc="1">
+            <a:prstTxWarp prst="textNoShape">
+              <a:avLst/>
+            </a:prstTxWarp>
+            <a:noAutofit/>
+          </a:bodyPr>
+          <a:lstStyle/>
+          <a:p>
+            <a:pPr marL="0" marR="0" indent="0" algn="ctr" defTabSz="914400" rtl="0" eaLnBrk="1" fontAlgn="base" latinLnBrk="1" hangingPunct="1">
+              <a:lnSpc>
+                <a:spcPct val="100000"/>
+              </a:lnSpc>
+              <a:spcBef>
+                <a:spcPct val="0"/>
+              </a:spcBef>
+              <a:spcAft>
+                <a:spcPct val="0"/>
+              </a:spcAft>
+              <a:buNone/>
+            </a:pPr>
+            <a:endParaRPr kumimoji="1" lang="ko-KR" altLang="en-US" sz="2400" b="0" i="0" u="none" strike="noStrike" cap="none" normalizeH="0" baseline="0">
+              <a:ln>
+                <a:noFill/>
+              </a:ln>
+              <a:solidFill>
+                <a:schemeClr val="tx1"/>
+              </a:solidFill>
+              <a:latin typeface="Times New Roman"/>
+              <a:ea typeface="굴림"/>
+            </a:endParaRPr>
+          </a:p>
+        </p:txBody>
+      </p:sp>
+      <p:sp>
+        <p:nvSpPr>
+          <p:cNvPr id="9" name="직사각형 8">
+            <a:extLst>
+              <a:ext uri="{FF2B5EF4-FFF2-40B4-BE49-F238E27FC236}">
+                <a16:creationId xmlns:a16="http://schemas.microsoft.com/office/drawing/2014/main" id="{C13C59AC-A4B5-0017-7575-24B4355F5747}"/>
+              </a:ext>
+            </a:extLst>
+          </p:cNvPr>
+          <p:cNvSpPr>
+            <a:spLocks/>
+          </p:cNvSpPr>
+          <p:nvPr/>
+        </p:nvSpPr>
+        <p:spPr>
+          <a:xfrm>
+            <a:off x="3815706" y="1968890"/>
+            <a:ext cx="360040" cy="216024"/>
+          </a:xfrm>
+          <a:prstGeom prst="rect">
+            <a:avLst/>
+          </a:prstGeom>
+          <a:solidFill>
+            <a:schemeClr val="accent1">
+              <a:alpha val="30000"/>
+            </a:schemeClr>
+          </a:solidFill>
+          <a:ln w="28575" cap="flat" cmpd="sng" algn="ctr">
+            <a:noFill/>
+            <a:prstDash val="solid"/>
+            <a:round/>
+          </a:ln>
+          <a:effectLst/>
+        </p:spPr>
+        <p:txBody>
+          <a:bodyPr vert="horz" wrap="none" lIns="91440" tIns="45720" rIns="91440" bIns="45720" numCol="1" rtlCol="0" anchor="ctr" anchorCtr="0" compatLnSpc="1">
+            <a:prstTxWarp prst="textNoShape">
+              <a:avLst/>
+            </a:prstTxWarp>
+            <a:noAutofit/>
+          </a:bodyPr>
+          <a:lstStyle/>
+          <a:p>
+            <a:pPr marL="0" marR="0" indent="0" algn="ctr" defTabSz="914400" rtl="0" eaLnBrk="1" fontAlgn="base" latinLnBrk="1" hangingPunct="1">
+              <a:lnSpc>
+                <a:spcPct val="100000"/>
+              </a:lnSpc>
+              <a:spcBef>
+                <a:spcPct val="0"/>
+              </a:spcBef>
+              <a:spcAft>
+                <a:spcPct val="0"/>
+              </a:spcAft>
+              <a:buNone/>
+            </a:pPr>
+            <a:endParaRPr kumimoji="1" lang="ko-KR" altLang="en-US" sz="2400" b="0" i="0" u="none" strike="noStrike" cap="none" normalizeH="0" baseline="0">
+              <a:ln>
+                <a:noFill/>
+              </a:ln>
+              <a:solidFill>
+                <a:schemeClr val="tx1"/>
+              </a:solidFill>
+              <a:latin typeface="Times New Roman"/>
+              <a:ea typeface="굴림"/>
+            </a:endParaRPr>
+          </a:p>
+        </p:txBody>
+      </p:sp>
+      <p:sp>
+        <p:nvSpPr>
+          <p:cNvPr id="10" name="직사각형 9">
+            <a:extLst>
+              <a:ext uri="{FF2B5EF4-FFF2-40B4-BE49-F238E27FC236}">
+                <a16:creationId xmlns:a16="http://schemas.microsoft.com/office/drawing/2014/main" id="{778D19BD-7FB9-EE64-9A76-8098E04AD612}"/>
+              </a:ext>
+            </a:extLst>
+          </p:cNvPr>
+          <p:cNvSpPr>
+            <a:spLocks/>
+          </p:cNvSpPr>
+          <p:nvPr/>
+        </p:nvSpPr>
+        <p:spPr>
+          <a:xfrm>
+            <a:off x="4849470" y="1968890"/>
+            <a:ext cx="360040" cy="216024"/>
+          </a:xfrm>
+          <a:prstGeom prst="rect">
+            <a:avLst/>
+          </a:prstGeom>
+          <a:solidFill>
+            <a:schemeClr val="accent1">
+              <a:alpha val="30000"/>
+            </a:schemeClr>
+          </a:solidFill>
+          <a:ln w="28575" cap="flat" cmpd="sng" algn="ctr">
+            <a:noFill/>
+            <a:prstDash val="solid"/>
+            <a:round/>
+          </a:ln>
+          <a:effectLst/>
+        </p:spPr>
+        <p:txBody>
+          <a:bodyPr vert="horz" wrap="none" lIns="91440" tIns="45720" rIns="91440" bIns="45720" numCol="1" rtlCol="0" anchor="ctr" anchorCtr="0" compatLnSpc="1">
+            <a:prstTxWarp prst="textNoShape">
+              <a:avLst/>
+            </a:prstTxWarp>
+            <a:noAutofit/>
+          </a:bodyPr>
+          <a:lstStyle/>
+          <a:p>
+            <a:pPr marL="0" marR="0" indent="0" algn="ctr" defTabSz="914400" rtl="0" eaLnBrk="1" fontAlgn="base" latinLnBrk="1" hangingPunct="1">
+              <a:lnSpc>
+                <a:spcPct val="100000"/>
+              </a:lnSpc>
+              <a:spcBef>
+                <a:spcPct val="0"/>
+              </a:spcBef>
+              <a:spcAft>
+                <a:spcPct val="0"/>
+              </a:spcAft>
+              <a:buNone/>
+            </a:pPr>
+            <a:endParaRPr kumimoji="1" lang="ko-KR" altLang="en-US" sz="2400" b="0" i="0" u="none" strike="noStrike" cap="none" normalizeH="0" baseline="0">
+              <a:ln>
+                <a:noFill/>
+              </a:ln>
+              <a:solidFill>
+                <a:schemeClr val="tx1"/>
+              </a:solidFill>
+              <a:latin typeface="Times New Roman"/>
+              <a:ea typeface="굴림"/>
+            </a:endParaRPr>
+          </a:p>
+        </p:txBody>
+      </p:sp>
+      <p:pic>
+        <p:nvPicPr>
+          <p:cNvPr id="15" name="내용 개체 틀 4" descr="텍스트, 폰트, 화이트, 영수증이(가) 표시된 사진&#10;&#10;자동 생성된 설명">
+            <a:extLst>
+              <a:ext uri="{FF2B5EF4-FFF2-40B4-BE49-F238E27FC236}">
+                <a16:creationId xmlns:a16="http://schemas.microsoft.com/office/drawing/2014/main" id="{FB2B2797-C8E1-D2A9-50D1-95D1801C41A3}"/>
+              </a:ext>
+            </a:extLst>
+          </p:cNvPr>
+          <p:cNvPicPr>
+            <a:picLocks noGrp="1" noChangeAspect="1"/>
+          </p:cNvPicPr>
+          <p:nvPr>
+            <p:ph idx="1"/>
+          </p:nvPr>
+        </p:nvPicPr>
+        <p:blipFill>
+          <a:blip r:embed="rId3">
+            <a:extLst>
+              <a:ext uri="{28A0092B-C50C-407E-A947-70E740481C1C}">
+                <a14:useLocalDpi xmlns:a14="http://schemas.microsoft.com/office/drawing/2010/main" val="0"/>
+              </a:ext>
+            </a:extLst>
+          </a:blip>
+          <a:stretch>
+            <a:fillRect/>
+          </a:stretch>
+        </p:blipFill>
+        <p:spPr>
+          <a:xfrm>
+            <a:off x="816596" y="4687914"/>
+            <a:ext cx="6718300" cy="1206500"/>
+          </a:xfrm>
+        </p:spPr>
+      </p:pic>
+      <p:sp>
+        <p:nvSpPr>
+          <p:cNvPr id="17" name="직사각형 16">
+            <a:extLst>
+              <a:ext uri="{FF2B5EF4-FFF2-40B4-BE49-F238E27FC236}">
+                <a16:creationId xmlns:a16="http://schemas.microsoft.com/office/drawing/2014/main" id="{69BD12F1-B44C-5762-62DB-4574D5D4855E}"/>
+              </a:ext>
+            </a:extLst>
+          </p:cNvPr>
+          <p:cNvSpPr>
+            <a:spLocks/>
+          </p:cNvSpPr>
+          <p:nvPr/>
+        </p:nvSpPr>
+        <p:spPr>
+          <a:xfrm>
+            <a:off x="2128839" y="2296822"/>
+            <a:ext cx="660858" cy="423563"/>
+          </a:xfrm>
+          <a:prstGeom prst="rect">
+            <a:avLst/>
+          </a:prstGeom>
+          <a:solidFill>
+            <a:schemeClr val="accent1">
+              <a:alpha val="30000"/>
+            </a:schemeClr>
+          </a:solidFill>
+          <a:ln w="28575" cap="flat" cmpd="sng" algn="ctr">
+            <a:noFill/>
+            <a:prstDash val="solid"/>
+            <a:round/>
+          </a:ln>
+          <a:effectLst/>
+        </p:spPr>
+        <p:txBody>
+          <a:bodyPr vert="horz" wrap="none" lIns="91440" tIns="45720" rIns="91440" bIns="45720" numCol="1" rtlCol="0" anchor="ctr" anchorCtr="0" compatLnSpc="1">
+            <a:prstTxWarp prst="textNoShape">
+              <a:avLst/>
+            </a:prstTxWarp>
+            <a:noAutofit/>
+          </a:bodyPr>
+          <a:lstStyle/>
+          <a:p>
+            <a:pPr marL="0" marR="0" indent="0" algn="ctr" defTabSz="914400" rtl="0" eaLnBrk="1" fontAlgn="base" latinLnBrk="1" hangingPunct="1">
+              <a:lnSpc>
+                <a:spcPct val="100000"/>
+              </a:lnSpc>
+              <a:spcBef>
+                <a:spcPct val="0"/>
+              </a:spcBef>
+              <a:spcAft>
+                <a:spcPct val="0"/>
+              </a:spcAft>
+              <a:buNone/>
+            </a:pPr>
+            <a:endParaRPr kumimoji="1" lang="ko-KR" altLang="en-US" sz="2400" b="0" i="0" u="none" strike="noStrike" cap="none" normalizeH="0" baseline="0">
+              <a:ln>
+                <a:noFill/>
+              </a:ln>
+              <a:solidFill>
+                <a:schemeClr val="tx1"/>
+              </a:solidFill>
+              <a:latin typeface="Times New Roman"/>
+              <a:ea typeface="굴림"/>
+            </a:endParaRPr>
+          </a:p>
+        </p:txBody>
+      </p:sp>
+      <p:sp>
+        <p:nvSpPr>
+          <p:cNvPr id="18" name="직사각형 17">
+            <a:extLst>
+              <a:ext uri="{FF2B5EF4-FFF2-40B4-BE49-F238E27FC236}">
+                <a16:creationId xmlns:a16="http://schemas.microsoft.com/office/drawing/2014/main" id="{5994E3FF-C50C-5CCF-9004-85BAF54E179A}"/>
+              </a:ext>
+            </a:extLst>
+          </p:cNvPr>
+          <p:cNvSpPr>
+            <a:spLocks/>
+          </p:cNvSpPr>
+          <p:nvPr/>
+        </p:nvSpPr>
+        <p:spPr>
+          <a:xfrm>
+            <a:off x="1099179" y="2274527"/>
+            <a:ext cx="660858" cy="423563"/>
+          </a:xfrm>
+          <a:prstGeom prst="rect">
+            <a:avLst/>
+          </a:prstGeom>
+          <a:solidFill>
+            <a:schemeClr val="accent1">
+              <a:alpha val="30000"/>
+            </a:schemeClr>
+          </a:solidFill>
+          <a:ln w="28575" cap="flat" cmpd="sng" algn="ctr">
+            <a:noFill/>
+            <a:prstDash val="solid"/>
+            <a:round/>
+          </a:ln>
+          <a:effectLst/>
+        </p:spPr>
+        <p:txBody>
+          <a:bodyPr vert="horz" wrap="none" lIns="91440" tIns="45720" rIns="91440" bIns="45720" numCol="1" rtlCol="0" anchor="ctr" anchorCtr="0" compatLnSpc="1">
+            <a:prstTxWarp prst="textNoShape">
+              <a:avLst/>
+            </a:prstTxWarp>
+            <a:noAutofit/>
+          </a:bodyPr>
+          <a:lstStyle/>
+          <a:p>
+            <a:pPr marL="0" marR="0" indent="0" algn="ctr" defTabSz="914400" rtl="0" eaLnBrk="1" fontAlgn="base" latinLnBrk="1" hangingPunct="1">
+              <a:lnSpc>
+                <a:spcPct val="100000"/>
+              </a:lnSpc>
+              <a:spcBef>
+                <a:spcPct val="0"/>
+              </a:spcBef>
+              <a:spcAft>
+                <a:spcPct val="0"/>
+              </a:spcAft>
+              <a:buNone/>
+            </a:pPr>
+            <a:endParaRPr kumimoji="1" lang="ko-KR" altLang="en-US" sz="2400" b="0" i="0" u="none" strike="noStrike" cap="none" normalizeH="0" baseline="0">
+              <a:ln>
+                <a:noFill/>
+              </a:ln>
+              <a:solidFill>
+                <a:schemeClr val="tx1"/>
+              </a:solidFill>
+              <a:latin typeface="Times New Roman"/>
+              <a:ea typeface="굴림"/>
+            </a:endParaRPr>
+          </a:p>
+        </p:txBody>
+      </p:sp>
+      <p:sp>
+        <p:nvSpPr>
+          <p:cNvPr id="19" name="직사각형 18">
+            <a:extLst>
+              <a:ext uri="{FF2B5EF4-FFF2-40B4-BE49-F238E27FC236}">
+                <a16:creationId xmlns:a16="http://schemas.microsoft.com/office/drawing/2014/main" id="{62752DEA-6230-54D6-106C-91DAE83A4F7C}"/>
+              </a:ext>
+            </a:extLst>
+          </p:cNvPr>
+          <p:cNvSpPr>
+            <a:spLocks/>
+          </p:cNvSpPr>
+          <p:nvPr/>
+        </p:nvSpPr>
+        <p:spPr>
+          <a:xfrm>
+            <a:off x="3137161" y="2274527"/>
+            <a:ext cx="660858" cy="423563"/>
+          </a:xfrm>
+          <a:prstGeom prst="rect">
+            <a:avLst/>
+          </a:prstGeom>
+          <a:solidFill>
+            <a:schemeClr val="accent1">
+              <a:alpha val="30000"/>
+            </a:schemeClr>
+          </a:solidFill>
+          <a:ln w="28575" cap="flat" cmpd="sng" algn="ctr">
+            <a:noFill/>
+            <a:prstDash val="solid"/>
+            <a:round/>
+          </a:ln>
+          <a:effectLst/>
+        </p:spPr>
+        <p:txBody>
+          <a:bodyPr vert="horz" wrap="none" lIns="91440" tIns="45720" rIns="91440" bIns="45720" numCol="1" rtlCol="0" anchor="ctr" anchorCtr="0" compatLnSpc="1">
+            <a:prstTxWarp prst="textNoShape">
+              <a:avLst/>
+            </a:prstTxWarp>
+            <a:noAutofit/>
+          </a:bodyPr>
+          <a:lstStyle/>
+          <a:p>
+            <a:pPr marL="0" marR="0" indent="0" algn="ctr" defTabSz="914400" rtl="0" eaLnBrk="1" fontAlgn="base" latinLnBrk="1" hangingPunct="1">
+              <a:lnSpc>
+                <a:spcPct val="100000"/>
+              </a:lnSpc>
+              <a:spcBef>
+                <a:spcPct val="0"/>
+              </a:spcBef>
+              <a:spcAft>
+                <a:spcPct val="0"/>
+              </a:spcAft>
+              <a:buNone/>
+            </a:pPr>
+            <a:endParaRPr kumimoji="1" lang="ko-KR" altLang="en-US" sz="2400" b="0" i="0" u="none" strike="noStrike" cap="none" normalizeH="0" baseline="0">
+              <a:ln>
+                <a:noFill/>
+              </a:ln>
+              <a:solidFill>
+                <a:schemeClr val="tx1"/>
+              </a:solidFill>
+              <a:latin typeface="Times New Roman"/>
+              <a:ea typeface="굴림"/>
+            </a:endParaRPr>
+          </a:p>
+        </p:txBody>
+      </p:sp>
+      <p:sp>
+        <p:nvSpPr>
+          <p:cNvPr id="20" name="직사각형 19">
+            <a:extLst>
+              <a:ext uri="{FF2B5EF4-FFF2-40B4-BE49-F238E27FC236}">
+                <a16:creationId xmlns:a16="http://schemas.microsoft.com/office/drawing/2014/main" id="{587E5DE1-C3D5-E9FD-4331-351948401607}"/>
+              </a:ext>
+            </a:extLst>
+          </p:cNvPr>
+          <p:cNvSpPr>
+            <a:spLocks/>
+          </p:cNvSpPr>
+          <p:nvPr/>
+        </p:nvSpPr>
+        <p:spPr>
+          <a:xfrm>
+            <a:off x="4175746" y="2274526"/>
+            <a:ext cx="660858" cy="423563"/>
+          </a:xfrm>
+          <a:prstGeom prst="rect">
+            <a:avLst/>
+          </a:prstGeom>
+          <a:solidFill>
+            <a:schemeClr val="accent1">
+              <a:alpha val="30000"/>
+            </a:schemeClr>
+          </a:solidFill>
+          <a:ln w="28575" cap="flat" cmpd="sng" algn="ctr">
+            <a:noFill/>
+            <a:prstDash val="solid"/>
+            <a:round/>
+          </a:ln>
+          <a:effectLst/>
+        </p:spPr>
+        <p:txBody>
+          <a:bodyPr vert="horz" wrap="none" lIns="91440" tIns="45720" rIns="91440" bIns="45720" numCol="1" rtlCol="0" anchor="ctr" anchorCtr="0" compatLnSpc="1">
+            <a:prstTxWarp prst="textNoShape">
+              <a:avLst/>
+            </a:prstTxWarp>
+            <a:noAutofit/>
+          </a:bodyPr>
+          <a:lstStyle/>
+          <a:p>
+            <a:pPr marL="0" marR="0" indent="0" algn="ctr" defTabSz="914400" rtl="0" eaLnBrk="1" fontAlgn="base" latinLnBrk="1" hangingPunct="1">
+              <a:lnSpc>
+                <a:spcPct val="100000"/>
+              </a:lnSpc>
+              <a:spcBef>
+                <a:spcPct val="0"/>
+              </a:spcBef>
+              <a:spcAft>
+                <a:spcPct val="0"/>
+              </a:spcAft>
+              <a:buNone/>
+            </a:pPr>
+            <a:endParaRPr kumimoji="1" lang="ko-KR" altLang="en-US" sz="2400" b="0" i="0" u="none" strike="noStrike" cap="none" normalizeH="0" baseline="0">
+              <a:ln>
+                <a:noFill/>
+              </a:ln>
+              <a:solidFill>
+                <a:schemeClr val="tx1"/>
+              </a:solidFill>
+              <a:latin typeface="Times New Roman"/>
+              <a:ea typeface="굴림"/>
+            </a:endParaRPr>
+          </a:p>
+        </p:txBody>
+      </p:sp>
+      <p:sp>
+        <p:nvSpPr>
+          <p:cNvPr id="21" name="직사각형 20">
+            <a:extLst>
+              <a:ext uri="{FF2B5EF4-FFF2-40B4-BE49-F238E27FC236}">
+                <a16:creationId xmlns:a16="http://schemas.microsoft.com/office/drawing/2014/main" id="{0A40DA4C-9DE1-4B4A-CC24-F9BA3B026203}"/>
+              </a:ext>
+            </a:extLst>
+          </p:cNvPr>
+          <p:cNvSpPr>
+            <a:spLocks/>
+          </p:cNvSpPr>
+          <p:nvPr/>
+        </p:nvSpPr>
+        <p:spPr>
+          <a:xfrm>
+            <a:off x="5205406" y="2274526"/>
+            <a:ext cx="660858" cy="423563"/>
+          </a:xfrm>
+          <a:prstGeom prst="rect">
+            <a:avLst/>
+          </a:prstGeom>
+          <a:solidFill>
+            <a:schemeClr val="accent1">
+              <a:alpha val="30000"/>
+            </a:schemeClr>
+          </a:solidFill>
+          <a:ln w="28575" cap="flat" cmpd="sng" algn="ctr">
+            <a:noFill/>
+            <a:prstDash val="solid"/>
+            <a:round/>
+          </a:ln>
+          <a:effectLst/>
+        </p:spPr>
+        <p:txBody>
+          <a:bodyPr vert="horz" wrap="none" lIns="91440" tIns="45720" rIns="91440" bIns="45720" numCol="1" rtlCol="0" anchor="ctr" anchorCtr="0" compatLnSpc="1">
+            <a:prstTxWarp prst="textNoShape">
+              <a:avLst/>
+            </a:prstTxWarp>
+            <a:noAutofit/>
+          </a:bodyPr>
+          <a:lstStyle/>
+          <a:p>
+            <a:pPr marL="0" marR="0" indent="0" algn="ctr" defTabSz="914400" rtl="0" eaLnBrk="1" fontAlgn="base" latinLnBrk="1" hangingPunct="1">
+              <a:lnSpc>
+                <a:spcPct val="100000"/>
+              </a:lnSpc>
+              <a:spcBef>
+                <a:spcPct val="0"/>
+              </a:spcBef>
+              <a:spcAft>
+                <a:spcPct val="0"/>
+              </a:spcAft>
+              <a:buNone/>
+            </a:pPr>
+            <a:endParaRPr kumimoji="1" lang="ko-KR" altLang="en-US" sz="2400" b="0" i="0" u="none" strike="noStrike" cap="none" normalizeH="0" baseline="0">
+              <a:ln>
+                <a:noFill/>
+              </a:ln>
+              <a:solidFill>
+                <a:schemeClr val="tx1"/>
+              </a:solidFill>
+              <a:latin typeface="Times New Roman"/>
+              <a:ea typeface="굴림"/>
+            </a:endParaRPr>
+          </a:p>
+        </p:txBody>
+      </p:sp>
+    </p:spTree>
+    <p:extLst>
+      <p:ext uri="{BB962C8B-B14F-4D97-AF65-F5344CB8AC3E}">
+        <p14:creationId xmlns:p14="http://schemas.microsoft.com/office/powerpoint/2010/main" val="2873931966"/>
+      </p:ext>
+    </p:extLst>
+  </p:cSld>
+  <p:clrMapOvr>
+    <a:masterClrMapping/>
+  </p:clrMapOvr>
+</p:sld>
+</file>
+
+<file path=ppt/slides/slide9.xml><?xml version="1.0" encoding="utf-8"?>
+<p:sld xmlns:a="http://schemas.openxmlformats.org/drawingml/2006/main" xmlns:r="http://schemas.openxmlformats.org/officeDocument/2006/relationships" xmlns:p="http://schemas.openxmlformats.org/presentationml/2006/main">
+  <p:cSld>
+    <p:spTree>
+      <p:nvGrpSpPr>
+        <p:cNvPr id="1" name=""/>
+        <p:cNvGrpSpPr/>
+        <p:nvPr/>
+      </p:nvGrpSpPr>
+      <p:grpSpPr>
+        <a:xfrm>
+          <a:off x="0" y="0"/>
+          <a:ext cx="0" cy="0"/>
+          <a:chOff x="0" y="0"/>
+          <a:chExt cx="0" cy="0"/>
+        </a:xfrm>
+      </p:grpSpPr>
+      <p:sp>
+        <p:nvSpPr>
+          <p:cNvPr id="2" name="제목 1">
+            <a:extLst>
+              <a:ext uri="{FF2B5EF4-FFF2-40B4-BE49-F238E27FC236}">
+                <a16:creationId xmlns:a16="http://schemas.microsoft.com/office/drawing/2014/main" id="{358262FB-B393-57AE-2F73-80A4ADF62679}"/>
+              </a:ext>
+            </a:extLst>
+          </p:cNvPr>
+          <p:cNvSpPr>
+            <a:spLocks noGrp="1"/>
+          </p:cNvSpPr>
+          <p:nvPr>
+            <p:ph type="title"/>
+          </p:nvPr>
+        </p:nvSpPr>
+        <p:spPr/>
+        <p:txBody>
+          <a:bodyPr/>
+          <a:lstStyle/>
+          <a:p>
+            <a:r>
+              <a:rPr lang="en-US" altLang="ko-KR" dirty="0"/>
+              <a:t>LIF </a:t>
+            </a:r>
+            <a:r>
+              <a:rPr lang="ko-KR" altLang="en-US" dirty="0"/>
+              <a:t>모델을 순환신경망에 대응</a:t>
+            </a:r>
+            <a:endParaRPr kumimoji="1" lang="ko-KR" altLang="en-US" dirty="0"/>
+          </a:p>
+        </p:txBody>
+      </p:sp>
+      <p:pic>
+        <p:nvPicPr>
+          <p:cNvPr id="4" name="그림 3">
+            <a:extLst>
+              <a:ext uri="{FF2B5EF4-FFF2-40B4-BE49-F238E27FC236}">
+                <a16:creationId xmlns:a16="http://schemas.microsoft.com/office/drawing/2014/main" id="{957E52E8-5257-BFA0-AFBE-6FFB79F7CCF8}"/>
+              </a:ext>
+            </a:extLst>
+          </p:cNvPr>
+          <p:cNvPicPr>
+            <a:picLocks noChangeAspect="1"/>
+          </p:cNvPicPr>
+          <p:nvPr/>
+        </p:nvPicPr>
+        <p:blipFill>
+          <a:blip r:embed="rId2"/>
+          <a:stretch>
+            <a:fillRect/>
+          </a:stretch>
+        </p:blipFill>
+        <p:spPr>
+          <a:xfrm>
+            <a:off x="751715" y="1012836"/>
+            <a:ext cx="5022726" cy="2848212"/>
+          </a:xfrm>
+          <a:prstGeom prst="rect">
+            <a:avLst/>
+          </a:prstGeom>
+        </p:spPr>
+      </p:pic>
+      <p:sp>
+        <p:nvSpPr>
+          <p:cNvPr id="28" name="내용 개체 틀 2">
+            <a:extLst>
+              <a:ext uri="{FF2B5EF4-FFF2-40B4-BE49-F238E27FC236}">
+                <a16:creationId xmlns:a16="http://schemas.microsoft.com/office/drawing/2014/main" id="{4E84F3CE-E46D-E61A-F1C0-F9561D73E273}"/>
+              </a:ext>
+            </a:extLst>
+          </p:cNvPr>
+          <p:cNvSpPr>
+            <a:spLocks noGrp="1"/>
+          </p:cNvSpPr>
+          <p:nvPr>
+            <p:ph idx="1"/>
+          </p:nvPr>
+        </p:nvSpPr>
+        <p:spPr>
+          <a:xfrm>
+            <a:off x="682625" y="4007178"/>
+            <a:ext cx="8137525" cy="2317422"/>
+          </a:xfrm>
+        </p:spPr>
+        <p:txBody>
+          <a:bodyPr/>
+          <a:lstStyle/>
+          <a:p>
+            <a:r>
+              <a:rPr lang="ko-KR" altLang="en-US" dirty="0"/>
+              <a:t>시간 단계</a:t>
+            </a:r>
+            <a:endParaRPr lang="en-US" altLang="ko-KR" dirty="0"/>
+          </a:p>
+          <a:p>
+            <a:r>
+              <a:rPr kumimoji="1" lang="ko-KR" altLang="en-US" dirty="0"/>
+              <a:t>시간 단계가 많을수록 더 많은 신경망 </a:t>
+            </a:r>
+            <a:br>
+              <a:rPr kumimoji="1" lang="en-US" altLang="ko-KR" dirty="0"/>
+            </a:br>
+            <a:r>
+              <a:rPr kumimoji="1" lang="ko-KR" altLang="en-US" dirty="0"/>
+              <a:t>시뮬레이션을 진행</a:t>
+            </a:r>
+          </a:p>
+        </p:txBody>
+      </p:sp>
+      <p:sp>
+        <p:nvSpPr>
+          <p:cNvPr id="29" name="직사각형 28">
+            <a:extLst>
+              <a:ext uri="{FF2B5EF4-FFF2-40B4-BE49-F238E27FC236}">
+                <a16:creationId xmlns:a16="http://schemas.microsoft.com/office/drawing/2014/main" id="{98D70242-CF9C-3051-F5C4-4379847937F4}"/>
+              </a:ext>
+            </a:extLst>
+          </p:cNvPr>
+          <p:cNvSpPr>
+            <a:spLocks/>
+          </p:cNvSpPr>
+          <p:nvPr/>
+        </p:nvSpPr>
+        <p:spPr>
+          <a:xfrm>
+            <a:off x="1115616" y="1268760"/>
+            <a:ext cx="648072" cy="2376264"/>
+          </a:xfrm>
+          <a:prstGeom prst="rect">
+            <a:avLst/>
+          </a:prstGeom>
+          <a:solidFill>
+            <a:schemeClr val="accent1">
+              <a:alpha val="30000"/>
+            </a:schemeClr>
+          </a:solidFill>
+          <a:ln w="28575" cap="flat" cmpd="sng" algn="ctr">
+            <a:noFill/>
+            <a:prstDash val="solid"/>
+            <a:round/>
+          </a:ln>
+          <a:effectLst/>
+        </p:spPr>
+        <p:txBody>
+          <a:bodyPr vert="horz" wrap="none" lIns="91440" tIns="45720" rIns="91440" bIns="45720" numCol="1" rtlCol="0" anchor="ctr" anchorCtr="0" compatLnSpc="1">
+            <a:prstTxWarp prst="textNoShape">
+              <a:avLst/>
+            </a:prstTxWarp>
+            <a:noAutofit/>
+          </a:bodyPr>
+          <a:lstStyle/>
+          <a:p>
+            <a:pPr marL="0" marR="0" indent="0" algn="ctr" defTabSz="914400" rtl="0" eaLnBrk="1" fontAlgn="base" latinLnBrk="1" hangingPunct="1">
+              <a:lnSpc>
+                <a:spcPct val="100000"/>
+              </a:lnSpc>
+              <a:spcBef>
+                <a:spcPct val="0"/>
+              </a:spcBef>
+              <a:spcAft>
+                <a:spcPct val="0"/>
+              </a:spcAft>
+              <a:buNone/>
+            </a:pPr>
+            <a:endParaRPr kumimoji="1" lang="ko-KR" altLang="en-US" sz="2400" b="0" i="0" u="none" strike="noStrike" cap="none" normalizeH="0" baseline="0">
+              <a:ln>
+                <a:noFill/>
+              </a:ln>
+              <a:solidFill>
+                <a:schemeClr val="tx1"/>
+              </a:solidFill>
+              <a:latin typeface="Times New Roman"/>
+              <a:ea typeface="굴림"/>
+            </a:endParaRPr>
+          </a:p>
+        </p:txBody>
+      </p:sp>
+      <p:pic>
+        <p:nvPicPr>
+          <p:cNvPr id="30" name="그림 29">
+            <a:extLst>
+              <a:ext uri="{FF2B5EF4-FFF2-40B4-BE49-F238E27FC236}">
+                <a16:creationId xmlns:a16="http://schemas.microsoft.com/office/drawing/2014/main" id="{83FF4306-A15B-1E1E-D6C5-1FA5927E4B87}"/>
+              </a:ext>
+            </a:extLst>
+          </p:cNvPr>
+          <p:cNvPicPr>
+            <a:picLocks noChangeAspect="1"/>
+          </p:cNvPicPr>
+          <p:nvPr/>
+        </p:nvPicPr>
+        <p:blipFill>
+          <a:blip r:embed="rId3">
+            <a:extLst>
+              <a:ext uri="{28A0092B-C50C-407E-A947-70E740481C1C}">
+                <a14:useLocalDpi xmlns:a14="http://schemas.microsoft.com/office/drawing/2010/main" val="0"/>
+              </a:ext>
+            </a:extLst>
+          </a:blip>
+          <a:stretch>
+            <a:fillRect/>
+          </a:stretch>
+        </p:blipFill>
+        <p:spPr>
+          <a:xfrm>
+            <a:off x="1115616" y="5589240"/>
+            <a:ext cx="5257800" cy="584200"/>
+          </a:xfrm>
+          <a:prstGeom prst="rect">
+            <a:avLst/>
+          </a:prstGeom>
+        </p:spPr>
+      </p:pic>
+    </p:spTree>
+    <p:extLst>
+      <p:ext uri="{BB962C8B-B14F-4D97-AF65-F5344CB8AC3E}">
+        <p14:creationId xmlns:p14="http://schemas.microsoft.com/office/powerpoint/2010/main" val="65163945"/>
       </p:ext>
     </p:extLst>
   </p:cSld>

--- a/cs semina/졸업 논문 심사.pptx
+++ b/cs semina/졸업 논문 심사.pptx
@@ -293,7 +293,7 @@
           <a:p>
             <a:fld id="{57764B8E-7EC0-4B59-8DA5-E04CAE3DB5F2}" type="datetimeFigureOut">
               <a:rPr lang="ko-KR" altLang="en-US" smtClean="0"/>
-              <a:t>2024. 11. 6.</a:t>
+              <a:t>2024-11-11</a:t>
             </a:fld>
             <a:endParaRPr lang="ko-KR" altLang="en-US"/>
           </a:p>
@@ -5269,7 +5269,7 @@
           <p:nvPr/>
         </p:nvPicPr>
         <p:blipFill>
-          <a:blip r:embed="rId2">
+          <a:blip r:embed="rId2" cstate="print">
             <a:extLst>
               <a:ext uri="{28A0092B-C50C-407E-A947-70E740481C1C}">
                 <a14:useLocalDpi xmlns:a14="http://schemas.microsoft.com/office/drawing/2010/main" val="0"/>
@@ -7730,406 +7730,842 @@
           </a:p>
         </p:txBody>
       </p:sp>
-      <p:grpSp>
-        <p:nvGrpSpPr>
-          <p:cNvPr id="9" name="그룹 8">
-            <a:extLst>
-              <a:ext uri="{FF2B5EF4-FFF2-40B4-BE49-F238E27FC236}">
-                <a16:creationId xmlns:a16="http://schemas.microsoft.com/office/drawing/2014/main" id="{9DB23D02-D86F-6DC2-0A30-132FAE2FAB8F}"/>
-              </a:ext>
-            </a:extLst>
-          </p:cNvPr>
-          <p:cNvGrpSpPr/>
+      <p:sp>
+        <p:nvSpPr>
+          <p:cNvPr id="4" name="순서도: 연결자 3">
+            <a:extLst>
+              <a:ext uri="{FF2B5EF4-FFF2-40B4-BE49-F238E27FC236}">
+                <a16:creationId xmlns:a16="http://schemas.microsoft.com/office/drawing/2014/main" id="{1561AA63-5C35-91F9-FB31-DBF5EB4BC72C}"/>
+              </a:ext>
+            </a:extLst>
+          </p:cNvPr>
+          <p:cNvSpPr>
+            <a:spLocks noChangeAspect="1"/>
+          </p:cNvSpPr>
           <p:nvPr/>
-        </p:nvGrpSpPr>
-        <p:grpSpPr>
-          <a:xfrm>
-            <a:off x="1475656" y="2657683"/>
-            <a:ext cx="6024866" cy="1297573"/>
-            <a:chOff x="1475655" y="2962424"/>
-            <a:chExt cx="6024866" cy="1297573"/>
-          </a:xfrm>
-        </p:grpSpPr>
-        <p:sp>
-          <p:nvSpPr>
-            <p:cNvPr id="5" name="직사각형 4">
-              <a:extLst>
-                <a:ext uri="{FF2B5EF4-FFF2-40B4-BE49-F238E27FC236}">
-                  <a16:creationId xmlns:a16="http://schemas.microsoft.com/office/drawing/2014/main" id="{2610E6E8-86AF-1604-83FC-6552A04FD0CF}"/>
-                </a:ext>
-              </a:extLst>
-            </p:cNvPr>
-            <p:cNvSpPr/>
-            <p:nvPr/>
-          </p:nvSpPr>
-          <p:spPr>
-            <a:xfrm>
-              <a:off x="1475655" y="3429000"/>
-              <a:ext cx="2026389" cy="830997"/>
-            </a:xfrm>
-            <a:prstGeom prst="rect">
+        </p:nvSpPr>
+        <p:spPr>
+          <a:xfrm>
+            <a:off x="4156501" y="2831633"/>
+            <a:ext cx="830997" cy="830997"/>
+          </a:xfrm>
+          <a:prstGeom prst="flowChartConnector">
+            <a:avLst/>
+          </a:prstGeom>
+          <a:noFill/>
+          <a:ln w="28575" cap="flat" cmpd="sng" algn="ctr">
+            <a:solidFill>
+              <a:schemeClr val="tx1"/>
+            </a:solidFill>
+            <a:prstDash val="solid"/>
+            <a:round/>
+          </a:ln>
+          <a:effectLst/>
+        </p:spPr>
+        <p:txBody>
+          <a:bodyPr vert="horz" wrap="square" lIns="91440" tIns="45720" rIns="91440" bIns="45720" numCol="1" rtlCol="0" anchor="ctr" anchorCtr="0" compatLnSpc="1">
+            <a:prstTxWarp prst="textNoShape">
               <a:avLst/>
-            </a:prstGeom>
-            <a:solidFill>
-              <a:schemeClr val="accent1"/>
-            </a:solidFill>
-            <a:ln w="28575" cap="flat" cmpd="sng" algn="ctr">
+            </a:prstTxWarp>
+            <a:spAutoFit/>
+          </a:bodyPr>
+          <a:lstStyle/>
+          <a:p>
+            <a:pPr marL="0" marR="0" indent="0" algn="ctr" defTabSz="914400" rtl="0" eaLnBrk="1" fontAlgn="base" latinLnBrk="1" hangingPunct="1">
+              <a:lnSpc>
+                <a:spcPct val="100000"/>
+              </a:lnSpc>
+              <a:spcBef>
+                <a:spcPct val="0"/>
+              </a:spcBef>
+              <a:spcAft>
+                <a:spcPct val="0"/>
+              </a:spcAft>
+              <a:buNone/>
+            </a:pPr>
+            <a:endParaRPr kumimoji="1" lang="ko-KR" altLang="en-US" sz="2400" b="0" i="0" u="none" strike="noStrike" cap="none" normalizeH="0" baseline="0">
+              <a:ln>
+                <a:noFill/>
+              </a:ln>
               <a:solidFill>
                 <a:schemeClr val="tx1"/>
               </a:solidFill>
-              <a:prstDash val="solid"/>
-              <a:round/>
-            </a:ln>
-            <a:effectLst/>
-          </p:spPr>
-          <p:txBody>
-            <a:bodyPr vert="horz" wrap="square" lIns="91440" tIns="45720" rIns="91440" bIns="45720" numCol="1" rtlCol="0" anchor="ctr" anchorCtr="0" compatLnSpc="1">
-              <a:prstTxWarp prst="textNoShape">
-                <a:avLst/>
-              </a:prstTxWarp>
-              <a:spAutoFit/>
-            </a:bodyPr>
-            <a:lstStyle/>
-            <a:p>
-              <a:pPr algn="ctr"/>
-              <a:r>
-                <a:rPr kumimoji="1" lang="en-US" altLang="ko-KR" dirty="0"/>
-                <a:t>100,</a:t>
-              </a:r>
-              <a:r>
-                <a:rPr kumimoji="1" lang="ko-KR" altLang="en-US" dirty="0"/>
-                <a:t> </a:t>
-              </a:r>
-              <a:r>
-                <a:rPr kumimoji="1" lang="en-US" altLang="ko-KR" dirty="0"/>
-                <a:t>129,</a:t>
-              </a:r>
-              <a:r>
-                <a:rPr kumimoji="1" lang="ko-KR" altLang="en-US" dirty="0"/>
-                <a:t> </a:t>
-              </a:r>
-              <a:r>
-                <a:rPr kumimoji="1" lang="en-US" altLang="ko-KR" dirty="0"/>
-                <a:t>304,</a:t>
-              </a:r>
-              <a:endParaRPr lang="en-US" altLang="ko-KR" dirty="0"/>
-            </a:p>
-            <a:p>
-              <a:pPr algn="ctr"/>
-              <a:r>
-                <a:rPr kumimoji="1" lang="en-US" altLang="ko-KR" dirty="0"/>
-                <a:t>203,</a:t>
-              </a:r>
-              <a:r>
-                <a:rPr kumimoji="1" lang="ko-KR" altLang="en-US" dirty="0"/>
-                <a:t> </a:t>
-              </a:r>
-              <a:r>
-                <a:rPr kumimoji="1" lang="en-US" altLang="ko-KR" dirty="0"/>
-                <a:t>255,</a:t>
-              </a:r>
-              <a:r>
-                <a:rPr kumimoji="1" lang="ko-KR" altLang="en-US" dirty="0"/>
-                <a:t> </a:t>
-              </a:r>
-              <a:r>
-                <a:rPr kumimoji="1" lang="en-US" altLang="ko-KR" dirty="0"/>
-                <a:t>0</a:t>
-              </a:r>
-              <a:r>
-                <a:rPr kumimoji="1" lang="ko-KR" altLang="en-US" dirty="0"/>
-                <a:t> </a:t>
-              </a:r>
-              <a:r>
-                <a:rPr kumimoji="1" lang="en-US" altLang="ko-KR" dirty="0"/>
-                <a:t>...</a:t>
-              </a:r>
-              <a:endParaRPr kumimoji="1" lang="ko-KR" altLang="en-US" dirty="0"/>
-            </a:p>
-          </p:txBody>
-        </p:sp>
-        <p:sp>
-          <p:nvSpPr>
-            <p:cNvPr id="6" name="직사각형 5">
-              <a:extLst>
-                <a:ext uri="{FF2B5EF4-FFF2-40B4-BE49-F238E27FC236}">
-                  <a16:creationId xmlns:a16="http://schemas.microsoft.com/office/drawing/2014/main" id="{EFDF44EB-18CF-5E76-0626-FDC9EF1AFD06}"/>
-                </a:ext>
-              </a:extLst>
-            </p:cNvPr>
-            <p:cNvSpPr/>
-            <p:nvPr/>
-          </p:nvSpPr>
-          <p:spPr>
-            <a:xfrm>
-              <a:off x="5641958" y="3424089"/>
-              <a:ext cx="1224136" cy="830997"/>
-            </a:xfrm>
-            <a:prstGeom prst="rect">
+              <a:latin typeface="Times New Roman"/>
+              <a:ea typeface="굴림"/>
+            </a:endParaRPr>
+          </a:p>
+        </p:txBody>
+      </p:sp>
+      <p:cxnSp>
+        <p:nvCxnSpPr>
+          <p:cNvPr id="11" name="직선 연결선 10">
+            <a:extLst>
+              <a:ext uri="{FF2B5EF4-FFF2-40B4-BE49-F238E27FC236}">
+                <a16:creationId xmlns:a16="http://schemas.microsoft.com/office/drawing/2014/main" id="{1F4D6084-DBF1-05D5-6F39-6C7D563DE0FB}"/>
+              </a:ext>
+            </a:extLst>
+          </p:cNvPr>
+          <p:cNvCxnSpPr>
+            <a:cxnSpLocks/>
+            <a:endCxn id="43" idx="2"/>
+          </p:cNvCxnSpPr>
+          <p:nvPr/>
+        </p:nvCxnSpPr>
+        <p:spPr>
+          <a:xfrm flipV="1">
+            <a:off x="1691680" y="2701660"/>
+            <a:ext cx="1218854" cy="18085"/>
+          </a:xfrm>
+          <a:prstGeom prst="line">
+            <a:avLst/>
+          </a:prstGeom>
+          <a:solidFill>
+            <a:schemeClr val="accent1"/>
+          </a:solidFill>
+          <a:ln w="28575" cap="flat" cmpd="sng" algn="ctr">
+            <a:solidFill>
+              <a:schemeClr val="tx1"/>
+            </a:solidFill>
+            <a:prstDash val="solid"/>
+            <a:round/>
+          </a:ln>
+          <a:effectLst/>
+        </p:spPr>
+      </p:cxnSp>
+      <p:cxnSp>
+        <p:nvCxnSpPr>
+          <p:cNvPr id="15" name="직선 화살표 연결선 14">
+            <a:extLst>
+              <a:ext uri="{FF2B5EF4-FFF2-40B4-BE49-F238E27FC236}">
+                <a16:creationId xmlns:a16="http://schemas.microsoft.com/office/drawing/2014/main" id="{1CA6D5C8-BC43-AAD3-2AFF-2DFD5A1BD18D}"/>
+              </a:ext>
+            </a:extLst>
+          </p:cNvPr>
+          <p:cNvCxnSpPr>
+            <a:cxnSpLocks/>
+          </p:cNvCxnSpPr>
+          <p:nvPr/>
+        </p:nvCxnSpPr>
+        <p:spPr>
+          <a:xfrm>
+            <a:off x="3248672" y="2725221"/>
+            <a:ext cx="818181" cy="360040"/>
+          </a:xfrm>
+          <a:prstGeom prst="straightConnector1">
+            <a:avLst/>
+          </a:prstGeom>
+          <a:solidFill>
+            <a:schemeClr val="accent1"/>
+          </a:solidFill>
+          <a:ln w="28575" cap="flat" cmpd="sng" algn="ctr">
+            <a:solidFill>
+              <a:schemeClr val="tx1"/>
+            </a:solidFill>
+            <a:prstDash val="solid"/>
+            <a:round/>
+            <a:tailEnd type="triangle"/>
+          </a:ln>
+          <a:effectLst/>
+        </p:spPr>
+      </p:cxnSp>
+      <p:cxnSp>
+        <p:nvCxnSpPr>
+          <p:cNvPr id="18" name="직선 화살표 연결선 17">
+            <a:extLst>
+              <a:ext uri="{FF2B5EF4-FFF2-40B4-BE49-F238E27FC236}">
+                <a16:creationId xmlns:a16="http://schemas.microsoft.com/office/drawing/2014/main" id="{349FFA2B-6961-D998-FAC3-9FF953108BCB}"/>
+              </a:ext>
+            </a:extLst>
+          </p:cNvPr>
+          <p:cNvCxnSpPr>
+            <a:cxnSpLocks/>
+          </p:cNvCxnSpPr>
+          <p:nvPr/>
+        </p:nvCxnSpPr>
+        <p:spPr>
+          <a:xfrm flipV="1">
+            <a:off x="3293496" y="3429000"/>
+            <a:ext cx="773357" cy="432048"/>
+          </a:xfrm>
+          <a:prstGeom prst="straightConnector1">
+            <a:avLst/>
+          </a:prstGeom>
+          <a:solidFill>
+            <a:schemeClr val="accent1"/>
+          </a:solidFill>
+          <a:ln w="28575" cap="flat" cmpd="sng" algn="ctr">
+            <a:solidFill>
+              <a:schemeClr val="tx1"/>
+            </a:solidFill>
+            <a:prstDash val="solid"/>
+            <a:round/>
+            <a:tailEnd type="triangle"/>
+          </a:ln>
+          <a:effectLst/>
+        </p:spPr>
+      </p:cxnSp>
+      <p:cxnSp>
+        <p:nvCxnSpPr>
+          <p:cNvPr id="24" name="직선 연결선 23">
+            <a:extLst>
+              <a:ext uri="{FF2B5EF4-FFF2-40B4-BE49-F238E27FC236}">
+                <a16:creationId xmlns:a16="http://schemas.microsoft.com/office/drawing/2014/main" id="{5655910C-ABE8-E0E1-C6CE-74A3CB1DC16F}"/>
+              </a:ext>
+            </a:extLst>
+          </p:cNvPr>
+          <p:cNvCxnSpPr>
+            <a:cxnSpLocks/>
+          </p:cNvCxnSpPr>
+          <p:nvPr/>
+        </p:nvCxnSpPr>
+        <p:spPr>
+          <a:xfrm>
+            <a:off x="1847322" y="3697134"/>
+            <a:ext cx="0" cy="185807"/>
+          </a:xfrm>
+          <a:prstGeom prst="line">
+            <a:avLst/>
+          </a:prstGeom>
+          <a:solidFill>
+            <a:schemeClr val="accent1"/>
+          </a:solidFill>
+          <a:ln w="28575" cap="flat" cmpd="sng" algn="ctr">
+            <a:solidFill>
+              <a:schemeClr val="tx1"/>
+            </a:solidFill>
+            <a:prstDash val="solid"/>
+            <a:round/>
+          </a:ln>
+          <a:effectLst/>
+        </p:spPr>
+      </p:cxnSp>
+      <p:cxnSp>
+        <p:nvCxnSpPr>
+          <p:cNvPr id="26" name="직선 연결선 25">
+            <a:extLst>
+              <a:ext uri="{FF2B5EF4-FFF2-40B4-BE49-F238E27FC236}">
+                <a16:creationId xmlns:a16="http://schemas.microsoft.com/office/drawing/2014/main" id="{3B786316-9129-9ED1-DDE0-7711FC8FD39F}"/>
+              </a:ext>
+            </a:extLst>
+          </p:cNvPr>
+          <p:cNvCxnSpPr>
+            <a:cxnSpLocks/>
+          </p:cNvCxnSpPr>
+          <p:nvPr/>
+        </p:nvCxnSpPr>
+        <p:spPr>
+          <a:xfrm>
+            <a:off x="2299984" y="3697301"/>
+            <a:ext cx="0" cy="185807"/>
+          </a:xfrm>
+          <a:prstGeom prst="line">
+            <a:avLst/>
+          </a:prstGeom>
+          <a:solidFill>
+            <a:schemeClr val="accent1"/>
+          </a:solidFill>
+          <a:ln w="28575" cap="flat" cmpd="sng" algn="ctr">
+            <a:solidFill>
+              <a:schemeClr val="tx1"/>
+            </a:solidFill>
+            <a:prstDash val="solid"/>
+            <a:round/>
+          </a:ln>
+          <a:effectLst/>
+        </p:spPr>
+      </p:cxnSp>
+      <p:cxnSp>
+        <p:nvCxnSpPr>
+          <p:cNvPr id="27" name="직선 연결선 26">
+            <a:extLst>
+              <a:ext uri="{FF2B5EF4-FFF2-40B4-BE49-F238E27FC236}">
+                <a16:creationId xmlns:a16="http://schemas.microsoft.com/office/drawing/2014/main" id="{6E0BB5EE-B876-057B-C079-629605E7D3F5}"/>
+              </a:ext>
+            </a:extLst>
+          </p:cNvPr>
+          <p:cNvCxnSpPr>
+            <a:cxnSpLocks/>
+          </p:cNvCxnSpPr>
+          <p:nvPr/>
+        </p:nvCxnSpPr>
+        <p:spPr>
+          <a:xfrm>
+            <a:off x="1835696" y="2539414"/>
+            <a:ext cx="0" cy="185807"/>
+          </a:xfrm>
+          <a:prstGeom prst="line">
+            <a:avLst/>
+          </a:prstGeom>
+          <a:solidFill>
+            <a:schemeClr val="accent1"/>
+          </a:solidFill>
+          <a:ln w="28575" cap="flat" cmpd="sng" algn="ctr">
+            <a:solidFill>
+              <a:schemeClr val="tx1"/>
+            </a:solidFill>
+            <a:prstDash val="solid"/>
+            <a:round/>
+          </a:ln>
+          <a:effectLst/>
+        </p:spPr>
+      </p:cxnSp>
+      <p:cxnSp>
+        <p:nvCxnSpPr>
+          <p:cNvPr id="28" name="직선 연결선 27">
+            <a:extLst>
+              <a:ext uri="{FF2B5EF4-FFF2-40B4-BE49-F238E27FC236}">
+                <a16:creationId xmlns:a16="http://schemas.microsoft.com/office/drawing/2014/main" id="{F2C0E075-E877-C28D-5FD7-171720258D2B}"/>
+              </a:ext>
+            </a:extLst>
+          </p:cNvPr>
+          <p:cNvCxnSpPr>
+            <a:cxnSpLocks/>
+          </p:cNvCxnSpPr>
+          <p:nvPr/>
+        </p:nvCxnSpPr>
+        <p:spPr>
+          <a:xfrm>
+            <a:off x="2267744" y="2539413"/>
+            <a:ext cx="0" cy="185807"/>
+          </a:xfrm>
+          <a:prstGeom prst="line">
+            <a:avLst/>
+          </a:prstGeom>
+          <a:solidFill>
+            <a:schemeClr val="accent1"/>
+          </a:solidFill>
+          <a:ln w="28575" cap="flat" cmpd="sng" algn="ctr">
+            <a:solidFill>
+              <a:schemeClr val="tx1"/>
+            </a:solidFill>
+            <a:prstDash val="solid"/>
+            <a:round/>
+          </a:ln>
+          <a:effectLst/>
+        </p:spPr>
+      </p:cxnSp>
+      <p:cxnSp>
+        <p:nvCxnSpPr>
+          <p:cNvPr id="30" name="직선 화살표 연결선 29">
+            <a:extLst>
+              <a:ext uri="{FF2B5EF4-FFF2-40B4-BE49-F238E27FC236}">
+                <a16:creationId xmlns:a16="http://schemas.microsoft.com/office/drawing/2014/main" id="{2E7A5354-8752-8532-58B0-281357365C38}"/>
+              </a:ext>
+            </a:extLst>
+          </p:cNvPr>
+          <p:cNvCxnSpPr>
+            <a:cxnSpLocks/>
+            <a:stCxn id="4" idx="6"/>
+          </p:cNvCxnSpPr>
+          <p:nvPr/>
+        </p:nvCxnSpPr>
+        <p:spPr>
+          <a:xfrm>
+            <a:off x="4987498" y="3247132"/>
+            <a:ext cx="1816750" cy="0"/>
+          </a:xfrm>
+          <a:prstGeom prst="straightConnector1">
+            <a:avLst/>
+          </a:prstGeom>
+          <a:solidFill>
+            <a:schemeClr val="accent1"/>
+          </a:solidFill>
+          <a:ln w="28575" cap="flat" cmpd="sng" algn="ctr">
+            <a:solidFill>
+              <a:schemeClr val="tx1"/>
+            </a:solidFill>
+            <a:prstDash val="solid"/>
+            <a:round/>
+            <a:tailEnd type="triangle"/>
+          </a:ln>
+          <a:effectLst/>
+        </p:spPr>
+      </p:cxnSp>
+      <p:cxnSp>
+        <p:nvCxnSpPr>
+          <p:cNvPr id="33" name="직선 연결선 32">
+            <a:extLst>
+              <a:ext uri="{FF2B5EF4-FFF2-40B4-BE49-F238E27FC236}">
+                <a16:creationId xmlns:a16="http://schemas.microsoft.com/office/drawing/2014/main" id="{BD7F3D0A-067B-B0EA-40C1-82AE8E9F682B}"/>
+              </a:ext>
+            </a:extLst>
+          </p:cNvPr>
+          <p:cNvCxnSpPr>
+            <a:cxnSpLocks/>
+          </p:cNvCxnSpPr>
+          <p:nvPr/>
+        </p:nvCxnSpPr>
+        <p:spPr>
+          <a:xfrm>
+            <a:off x="5436096" y="3046449"/>
+            <a:ext cx="0" cy="185807"/>
+          </a:xfrm>
+          <a:prstGeom prst="line">
+            <a:avLst/>
+          </a:prstGeom>
+          <a:solidFill>
+            <a:schemeClr val="accent1"/>
+          </a:solidFill>
+          <a:ln w="28575" cap="flat" cmpd="sng" algn="ctr">
+            <a:solidFill>
+              <a:schemeClr val="tx1"/>
+            </a:solidFill>
+            <a:prstDash val="solid"/>
+            <a:round/>
+          </a:ln>
+          <a:effectLst/>
+        </p:spPr>
+      </p:cxnSp>
+      <p:cxnSp>
+        <p:nvCxnSpPr>
+          <p:cNvPr id="34" name="직선 연결선 33">
+            <a:extLst>
+              <a:ext uri="{FF2B5EF4-FFF2-40B4-BE49-F238E27FC236}">
+                <a16:creationId xmlns:a16="http://schemas.microsoft.com/office/drawing/2014/main" id="{4CE37791-BC60-4D7C-19A8-BADB15672F84}"/>
+              </a:ext>
+            </a:extLst>
+          </p:cNvPr>
+          <p:cNvCxnSpPr>
+            <a:cxnSpLocks/>
+          </p:cNvCxnSpPr>
+          <p:nvPr/>
+        </p:nvCxnSpPr>
+        <p:spPr>
+          <a:xfrm>
+            <a:off x="6228184" y="3061324"/>
+            <a:ext cx="0" cy="185807"/>
+          </a:xfrm>
+          <a:prstGeom prst="line">
+            <a:avLst/>
+          </a:prstGeom>
+          <a:solidFill>
+            <a:schemeClr val="accent1"/>
+          </a:solidFill>
+          <a:ln w="28575" cap="flat" cmpd="sng" algn="ctr">
+            <a:solidFill>
+              <a:schemeClr val="tx1"/>
+            </a:solidFill>
+            <a:prstDash val="solid"/>
+            <a:round/>
+          </a:ln>
+          <a:effectLst/>
+        </p:spPr>
+      </p:cxnSp>
+      <p:sp>
+        <p:nvSpPr>
+          <p:cNvPr id="37" name="TextBox 36">
+            <a:extLst>
+              <a:ext uri="{FF2B5EF4-FFF2-40B4-BE49-F238E27FC236}">
+                <a16:creationId xmlns:a16="http://schemas.microsoft.com/office/drawing/2014/main" id="{E35012D2-E88D-F079-FE59-3D8B5BC36CE9}"/>
+              </a:ext>
+            </a:extLst>
+          </p:cNvPr>
+          <p:cNvSpPr txBox="1"/>
+          <p:nvPr/>
+        </p:nvSpPr>
+        <p:spPr>
+          <a:xfrm>
+            <a:off x="1620486" y="2755489"/>
+            <a:ext cx="1306768" cy="307777"/>
+          </a:xfrm>
+          <a:prstGeom prst="rect">
+            <a:avLst/>
+          </a:prstGeom>
+          <a:noFill/>
+        </p:spPr>
+        <p:txBody>
+          <a:bodyPr wrap="none" rtlCol="0">
+            <a:spAutoFit/>
+          </a:bodyPr>
+          <a:lstStyle/>
+          <a:p>
+            <a:r>
+              <a:rPr kumimoji="1" lang="ko-KR" altLang="en-US" sz="1400" dirty="0"/>
+              <a:t>입력 스파이크</a:t>
+            </a:r>
+          </a:p>
+        </p:txBody>
+      </p:sp>
+      <p:sp>
+        <p:nvSpPr>
+          <p:cNvPr id="38" name="TextBox 37">
+            <a:extLst>
+              <a:ext uri="{FF2B5EF4-FFF2-40B4-BE49-F238E27FC236}">
+                <a16:creationId xmlns:a16="http://schemas.microsoft.com/office/drawing/2014/main" id="{81AF070E-B7D1-704A-BBCB-87693933A62F}"/>
+              </a:ext>
+            </a:extLst>
+          </p:cNvPr>
+          <p:cNvSpPr txBox="1"/>
+          <p:nvPr/>
+        </p:nvSpPr>
+        <p:spPr>
+          <a:xfrm>
+            <a:off x="5278077" y="3264174"/>
+            <a:ext cx="1351652" cy="307777"/>
+          </a:xfrm>
+          <a:prstGeom prst="rect">
+            <a:avLst/>
+          </a:prstGeom>
+          <a:noFill/>
+        </p:spPr>
+        <p:txBody>
+          <a:bodyPr wrap="none" rtlCol="0">
+            <a:spAutoFit/>
+          </a:bodyPr>
+          <a:lstStyle/>
+          <a:p>
+            <a:r>
+              <a:rPr kumimoji="1" lang="ko-KR" altLang="en-US" sz="1400" dirty="0"/>
+              <a:t>출력 스파이크</a:t>
+            </a:r>
+          </a:p>
+        </p:txBody>
+      </p:sp>
+      <p:sp>
+        <p:nvSpPr>
+          <p:cNvPr id="39" name="TextBox 38">
+            <a:extLst>
+              <a:ext uri="{FF2B5EF4-FFF2-40B4-BE49-F238E27FC236}">
+                <a16:creationId xmlns:a16="http://schemas.microsoft.com/office/drawing/2014/main" id="{7A3937CC-1312-396F-1390-C6C842CC5FF0}"/>
+              </a:ext>
+            </a:extLst>
+          </p:cNvPr>
+          <p:cNvSpPr txBox="1"/>
+          <p:nvPr/>
+        </p:nvSpPr>
+        <p:spPr>
+          <a:xfrm>
+            <a:off x="4309846" y="3085261"/>
+            <a:ext cx="543739" cy="307777"/>
+          </a:xfrm>
+          <a:prstGeom prst="rect">
+            <a:avLst/>
+          </a:prstGeom>
+          <a:noFill/>
+        </p:spPr>
+        <p:txBody>
+          <a:bodyPr wrap="none" rtlCol="0">
+            <a:spAutoFit/>
+          </a:bodyPr>
+          <a:lstStyle/>
+          <a:p>
+            <a:r>
+              <a:rPr kumimoji="1" lang="ko-KR" altLang="en-US" sz="1400" dirty="0"/>
+              <a:t>뉴런</a:t>
+            </a:r>
+          </a:p>
+        </p:txBody>
+      </p:sp>
+      <p:cxnSp>
+        <p:nvCxnSpPr>
+          <p:cNvPr id="40" name="직선 연결선 39">
+            <a:extLst>
+              <a:ext uri="{FF2B5EF4-FFF2-40B4-BE49-F238E27FC236}">
+                <a16:creationId xmlns:a16="http://schemas.microsoft.com/office/drawing/2014/main" id="{EEB1730A-2195-64E3-0C7A-9A8677FCCD45}"/>
+              </a:ext>
+            </a:extLst>
+          </p:cNvPr>
+          <p:cNvCxnSpPr>
+            <a:cxnSpLocks/>
+          </p:cNvCxnSpPr>
+          <p:nvPr/>
+        </p:nvCxnSpPr>
+        <p:spPr>
+          <a:xfrm>
+            <a:off x="2804040" y="3697301"/>
+            <a:ext cx="0" cy="185807"/>
+          </a:xfrm>
+          <a:prstGeom prst="line">
+            <a:avLst/>
+          </a:prstGeom>
+          <a:solidFill>
+            <a:schemeClr val="accent1"/>
+          </a:solidFill>
+          <a:ln w="28575" cap="flat" cmpd="sng" algn="ctr">
+            <a:solidFill>
+              <a:schemeClr val="tx1"/>
+            </a:solidFill>
+            <a:prstDash val="solid"/>
+            <a:round/>
+          </a:ln>
+          <a:effectLst/>
+        </p:spPr>
+      </p:cxnSp>
+      <p:cxnSp>
+        <p:nvCxnSpPr>
+          <p:cNvPr id="41" name="직선 연결선 40">
+            <a:extLst>
+              <a:ext uri="{FF2B5EF4-FFF2-40B4-BE49-F238E27FC236}">
+                <a16:creationId xmlns:a16="http://schemas.microsoft.com/office/drawing/2014/main" id="{AD57BEE4-1ACA-A27A-6A98-3364ADB2095F}"/>
+              </a:ext>
+            </a:extLst>
+          </p:cNvPr>
+          <p:cNvCxnSpPr>
+            <a:cxnSpLocks/>
+          </p:cNvCxnSpPr>
+          <p:nvPr/>
+        </p:nvCxnSpPr>
+        <p:spPr>
+          <a:xfrm>
+            <a:off x="2051720" y="2539413"/>
+            <a:ext cx="0" cy="185807"/>
+          </a:xfrm>
+          <a:prstGeom prst="line">
+            <a:avLst/>
+          </a:prstGeom>
+          <a:solidFill>
+            <a:schemeClr val="accent1"/>
+          </a:solidFill>
+          <a:ln w="28575" cap="flat" cmpd="sng" algn="ctr">
+            <a:solidFill>
+              <a:schemeClr val="tx1"/>
+            </a:solidFill>
+            <a:prstDash val="solid"/>
+            <a:round/>
+          </a:ln>
+          <a:effectLst/>
+        </p:spPr>
+      </p:cxnSp>
+      <p:sp>
+        <p:nvSpPr>
+          <p:cNvPr id="42" name="TextBox 41">
+            <a:extLst>
+              <a:ext uri="{FF2B5EF4-FFF2-40B4-BE49-F238E27FC236}">
+                <a16:creationId xmlns:a16="http://schemas.microsoft.com/office/drawing/2014/main" id="{8A915F86-AF51-ED92-1427-57FD2D08A201}"/>
+              </a:ext>
+            </a:extLst>
+          </p:cNvPr>
+          <p:cNvSpPr txBox="1"/>
+          <p:nvPr/>
+        </p:nvSpPr>
+        <p:spPr>
+          <a:xfrm>
+            <a:off x="2894743" y="2555488"/>
+            <a:ext cx="407484" cy="276999"/>
+          </a:xfrm>
+          <a:prstGeom prst="rect">
+            <a:avLst/>
+          </a:prstGeom>
+          <a:noFill/>
+        </p:spPr>
+        <p:txBody>
+          <a:bodyPr wrap="none" rtlCol="0">
+            <a:spAutoFit/>
+          </a:bodyPr>
+          <a:lstStyle/>
+          <a:p>
+            <a:r>
+              <a:rPr kumimoji="1" lang="en-US" altLang="ko-KR" sz="1200" dirty="0"/>
+              <a:t>W1</a:t>
+            </a:r>
+            <a:endParaRPr kumimoji="1" lang="ko-KR" altLang="en-US" sz="1200" dirty="0"/>
+          </a:p>
+        </p:txBody>
+      </p:sp>
+      <p:sp>
+        <p:nvSpPr>
+          <p:cNvPr id="43" name="순서도: 연결자 42">
+            <a:extLst>
+              <a:ext uri="{FF2B5EF4-FFF2-40B4-BE49-F238E27FC236}">
+                <a16:creationId xmlns:a16="http://schemas.microsoft.com/office/drawing/2014/main" id="{7FC378B3-5FE4-5869-31FC-0EDA785B231A}"/>
+              </a:ext>
+            </a:extLst>
+          </p:cNvPr>
+          <p:cNvSpPr>
+            <a:spLocks noChangeAspect="1"/>
+          </p:cNvSpPr>
+          <p:nvPr/>
+        </p:nvSpPr>
+        <p:spPr>
+          <a:xfrm>
+            <a:off x="2910534" y="2528029"/>
+            <a:ext cx="347260" cy="347261"/>
+          </a:xfrm>
+          <a:prstGeom prst="flowChartConnector">
+            <a:avLst/>
+          </a:prstGeom>
+          <a:noFill/>
+          <a:ln w="28575" cap="flat" cmpd="sng" algn="ctr">
+            <a:solidFill>
+              <a:schemeClr val="tx1"/>
+            </a:solidFill>
+            <a:prstDash val="solid"/>
+            <a:round/>
+          </a:ln>
+          <a:effectLst/>
+        </p:spPr>
+        <p:txBody>
+          <a:bodyPr vert="horz" wrap="square" lIns="91440" tIns="45720" rIns="91440" bIns="45720" numCol="1" rtlCol="0" anchor="ctr" anchorCtr="0" compatLnSpc="1">
+            <a:prstTxWarp prst="textNoShape">
               <a:avLst/>
-            </a:prstGeom>
-            <a:solidFill>
-              <a:schemeClr val="accent1"/>
-            </a:solidFill>
-            <a:ln w="28575" cap="flat" cmpd="sng" algn="ctr">
+            </a:prstTxWarp>
+            <a:spAutoFit/>
+          </a:bodyPr>
+          <a:lstStyle/>
+          <a:p>
+            <a:pPr marL="0" marR="0" indent="0" algn="ctr" defTabSz="914400" rtl="0" eaLnBrk="1" fontAlgn="base" latinLnBrk="1" hangingPunct="1">
+              <a:lnSpc>
+                <a:spcPct val="100000"/>
+              </a:lnSpc>
+              <a:spcBef>
+                <a:spcPct val="0"/>
+              </a:spcBef>
+              <a:spcAft>
+                <a:spcPct val="0"/>
+              </a:spcAft>
+              <a:buNone/>
+            </a:pPr>
+            <a:endParaRPr kumimoji="1" lang="ko-KR" altLang="en-US" sz="2400" b="0" i="0" u="none" strike="noStrike" cap="none" normalizeH="0" baseline="0" dirty="0">
+              <a:ln>
+                <a:noFill/>
+              </a:ln>
               <a:solidFill>
                 <a:schemeClr val="tx1"/>
               </a:solidFill>
-              <a:prstDash val="solid"/>
-              <a:round/>
-            </a:ln>
-            <a:effectLst/>
-          </p:spPr>
-          <p:txBody>
-            <a:bodyPr vert="horz" wrap="square" lIns="91440" tIns="45720" rIns="91440" bIns="45720" numCol="1" rtlCol="0" anchor="ctr" anchorCtr="0" compatLnSpc="1">
-              <a:prstTxWarp prst="textNoShape">
-                <a:avLst/>
-              </a:prstTxWarp>
-              <a:spAutoFit/>
-            </a:bodyPr>
-            <a:lstStyle/>
-            <a:p>
-              <a:pPr marL="0" marR="0" indent="0" algn="ctr" defTabSz="914400" rtl="0" eaLnBrk="1" fontAlgn="base" latinLnBrk="1" hangingPunct="1">
-                <a:lnSpc>
-                  <a:spcPct val="100000"/>
-                </a:lnSpc>
-                <a:spcBef>
-                  <a:spcPct val="0"/>
-                </a:spcBef>
-                <a:spcAft>
-                  <a:spcPct val="0"/>
-                </a:spcAft>
-                <a:buNone/>
-              </a:pPr>
-              <a:r>
-                <a:rPr kumimoji="1" lang="en-US" altLang="ko-KR" sz="2400" b="0" i="0" u="none" strike="noStrike" cap="none" normalizeH="0" baseline="0" dirty="0">
-                  <a:ln>
-                    <a:noFill/>
-                  </a:ln>
-                  <a:solidFill>
-                    <a:schemeClr val="tx1"/>
-                  </a:solidFill>
-                  <a:latin typeface="Times New Roman"/>
-                  <a:ea typeface="굴림"/>
-                </a:rPr>
-                <a:t>0,</a:t>
-              </a:r>
-              <a:r>
-                <a:rPr kumimoji="1" lang="ko-KR" altLang="en-US" sz="2400" b="0" i="0" u="none" strike="noStrike" cap="none" normalizeH="0" baseline="0" dirty="0">
-                  <a:ln>
-                    <a:noFill/>
-                  </a:ln>
-                  <a:solidFill>
-                    <a:schemeClr val="tx1"/>
-                  </a:solidFill>
-                  <a:latin typeface="Times New Roman"/>
-                  <a:ea typeface="굴림"/>
-                </a:rPr>
-                <a:t> </a:t>
-              </a:r>
-              <a:r>
-                <a:rPr kumimoji="1" lang="en-US" altLang="ko-KR" sz="2400" b="0" i="0" u="none" strike="noStrike" cap="none" normalizeH="0" baseline="0" dirty="0">
-                  <a:ln>
-                    <a:noFill/>
-                  </a:ln>
-                  <a:solidFill>
-                    <a:schemeClr val="tx1"/>
-                  </a:solidFill>
-                  <a:latin typeface="Times New Roman"/>
-                  <a:ea typeface="굴림"/>
-                </a:rPr>
-                <a:t>1,</a:t>
-              </a:r>
-              <a:r>
-                <a:rPr kumimoji="1" lang="ko-KR" altLang="en-US" sz="2400" b="0" i="0" u="none" strike="noStrike" cap="none" normalizeH="0" baseline="0" dirty="0">
-                  <a:ln>
-                    <a:noFill/>
-                  </a:ln>
-                  <a:solidFill>
-                    <a:schemeClr val="tx1"/>
-                  </a:solidFill>
-                  <a:latin typeface="Times New Roman"/>
-                  <a:ea typeface="굴림"/>
-                </a:rPr>
-                <a:t> </a:t>
-              </a:r>
-              <a:r>
-                <a:rPr kumimoji="1" lang="en-US" altLang="ko-KR" sz="2400" b="0" i="0" u="none" strike="noStrike" cap="none" normalizeH="0" baseline="0" dirty="0">
-                  <a:ln>
-                    <a:noFill/>
-                  </a:ln>
-                  <a:solidFill>
-                    <a:schemeClr val="tx1"/>
-                  </a:solidFill>
-                  <a:latin typeface="Times New Roman"/>
-                  <a:ea typeface="굴림"/>
-                </a:rPr>
-                <a:t>0,</a:t>
-              </a:r>
-              <a:endParaRPr lang="en-US" altLang="ko-KR" dirty="0"/>
-            </a:p>
-            <a:p>
-              <a:pPr marL="0" marR="0" indent="0" algn="ctr" defTabSz="914400" rtl="0" eaLnBrk="1" fontAlgn="base" latinLnBrk="1" hangingPunct="1">
-                <a:lnSpc>
-                  <a:spcPct val="100000"/>
-                </a:lnSpc>
-                <a:spcBef>
-                  <a:spcPct val="0"/>
-                </a:spcBef>
-                <a:spcAft>
-                  <a:spcPct val="0"/>
-                </a:spcAft>
-                <a:buNone/>
-              </a:pPr>
-              <a:r>
-                <a:rPr kumimoji="1" lang="en-US" altLang="ko-KR" sz="2400" b="0" i="0" u="none" strike="noStrike" cap="none" normalizeH="0" baseline="0" dirty="0">
-                  <a:ln>
-                    <a:noFill/>
-                  </a:ln>
-                  <a:solidFill>
-                    <a:schemeClr val="tx1"/>
-                  </a:solidFill>
-                  <a:latin typeface="Times New Roman"/>
-                  <a:ea typeface="굴림"/>
-                </a:rPr>
-                <a:t>0,</a:t>
-              </a:r>
-              <a:r>
-                <a:rPr kumimoji="1" lang="ko-KR" altLang="en-US" sz="2400" b="0" i="0" u="none" strike="noStrike" cap="none" normalizeH="0" baseline="0" dirty="0">
-                  <a:ln>
-                    <a:noFill/>
-                  </a:ln>
-                  <a:solidFill>
-                    <a:schemeClr val="tx1"/>
-                  </a:solidFill>
-                  <a:latin typeface="Times New Roman"/>
-                  <a:ea typeface="굴림"/>
-                </a:rPr>
-                <a:t> </a:t>
-              </a:r>
-              <a:r>
-                <a:rPr kumimoji="1" lang="en-US" altLang="ko-KR" sz="2400" b="0" i="0" u="none" strike="noStrike" cap="none" normalizeH="0" baseline="0" dirty="0">
-                  <a:ln>
-                    <a:noFill/>
-                  </a:ln>
-                  <a:solidFill>
-                    <a:schemeClr val="tx1"/>
-                  </a:solidFill>
-                  <a:latin typeface="Times New Roman"/>
-                  <a:ea typeface="굴림"/>
-                </a:rPr>
-                <a:t>1,</a:t>
-              </a:r>
-              <a:r>
-                <a:rPr kumimoji="1" lang="ko-KR" altLang="en-US" sz="2400" b="0" i="0" u="none" strike="noStrike" cap="none" normalizeH="0" baseline="0" dirty="0">
-                  <a:ln>
-                    <a:noFill/>
-                  </a:ln>
-                  <a:solidFill>
-                    <a:schemeClr val="tx1"/>
-                  </a:solidFill>
-                  <a:latin typeface="Times New Roman"/>
-                  <a:ea typeface="굴림"/>
-                </a:rPr>
-                <a:t> </a:t>
-              </a:r>
-              <a:r>
-                <a:rPr kumimoji="1" lang="en-US" altLang="ko-KR" sz="2400" b="0" i="0" u="none" strike="noStrike" cap="none" normalizeH="0" baseline="0" dirty="0">
-                  <a:ln>
-                    <a:noFill/>
-                  </a:ln>
-                  <a:solidFill>
-                    <a:schemeClr val="tx1"/>
-                  </a:solidFill>
-                  <a:latin typeface="Times New Roman"/>
-                  <a:ea typeface="굴림"/>
-                </a:rPr>
-                <a:t>1...</a:t>
-              </a:r>
-              <a:endParaRPr kumimoji="1" lang="ko-KR" altLang="en-US" sz="2400" b="0" i="0" u="none" strike="noStrike" cap="none" normalizeH="0" baseline="0" dirty="0">
-                <a:ln>
-                  <a:noFill/>
-                </a:ln>
-                <a:solidFill>
-                  <a:schemeClr val="tx1"/>
-                </a:solidFill>
-                <a:latin typeface="Times New Roman"/>
-                <a:ea typeface="굴림"/>
-              </a:endParaRPr>
-            </a:p>
-          </p:txBody>
-        </p:sp>
-        <p:sp>
-          <p:nvSpPr>
-            <p:cNvPr id="7" name="TextBox 6">
-              <a:extLst>
-                <a:ext uri="{FF2B5EF4-FFF2-40B4-BE49-F238E27FC236}">
-                  <a16:creationId xmlns:a16="http://schemas.microsoft.com/office/drawing/2014/main" id="{368C7E65-3D8A-E42A-132D-201F16E606FA}"/>
-                </a:ext>
-              </a:extLst>
-            </p:cNvPr>
-            <p:cNvSpPr txBox="1"/>
-            <p:nvPr/>
-          </p:nvSpPr>
-          <p:spPr>
-            <a:xfrm>
-              <a:off x="1627074" y="2962424"/>
-              <a:ext cx="1800493" cy="461665"/>
-            </a:xfrm>
-            <a:prstGeom prst="rect">
+              <a:latin typeface="Times New Roman"/>
+              <a:ea typeface="굴림"/>
+            </a:endParaRPr>
+          </a:p>
+        </p:txBody>
+      </p:sp>
+      <p:cxnSp>
+        <p:nvCxnSpPr>
+          <p:cNvPr id="52" name="직선 연결선 51">
+            <a:extLst>
+              <a:ext uri="{FF2B5EF4-FFF2-40B4-BE49-F238E27FC236}">
+                <a16:creationId xmlns:a16="http://schemas.microsoft.com/office/drawing/2014/main" id="{8BA25A59-AAF7-749A-0038-D886CFCAFA24}"/>
+              </a:ext>
+            </a:extLst>
+          </p:cNvPr>
+          <p:cNvCxnSpPr>
+            <a:cxnSpLocks/>
+            <a:endCxn id="54" idx="2"/>
+          </p:cNvCxnSpPr>
+          <p:nvPr/>
+        </p:nvCxnSpPr>
+        <p:spPr>
+          <a:xfrm flipV="1">
+            <a:off x="1716375" y="3886190"/>
+            <a:ext cx="1218854" cy="18085"/>
+          </a:xfrm>
+          <a:prstGeom prst="line">
+            <a:avLst/>
+          </a:prstGeom>
+          <a:solidFill>
+            <a:schemeClr val="accent1"/>
+          </a:solidFill>
+          <a:ln w="28575" cap="flat" cmpd="sng" algn="ctr">
+            <a:solidFill>
+              <a:schemeClr val="tx1"/>
+            </a:solidFill>
+            <a:prstDash val="solid"/>
+            <a:round/>
+          </a:ln>
+          <a:effectLst/>
+        </p:spPr>
+      </p:cxnSp>
+      <p:sp>
+        <p:nvSpPr>
+          <p:cNvPr id="53" name="TextBox 52">
+            <a:extLst>
+              <a:ext uri="{FF2B5EF4-FFF2-40B4-BE49-F238E27FC236}">
+                <a16:creationId xmlns:a16="http://schemas.microsoft.com/office/drawing/2014/main" id="{3E01650E-9ED8-E7EF-B1A4-350A070CB1C6}"/>
+              </a:ext>
+            </a:extLst>
+          </p:cNvPr>
+          <p:cNvSpPr txBox="1"/>
+          <p:nvPr/>
+        </p:nvSpPr>
+        <p:spPr>
+          <a:xfrm>
+            <a:off x="2910811" y="3757270"/>
+            <a:ext cx="407484" cy="276999"/>
+          </a:xfrm>
+          <a:prstGeom prst="rect">
+            <a:avLst/>
+          </a:prstGeom>
+          <a:noFill/>
+        </p:spPr>
+        <p:txBody>
+          <a:bodyPr wrap="none" rtlCol="0">
+            <a:spAutoFit/>
+          </a:bodyPr>
+          <a:lstStyle/>
+          <a:p>
+            <a:r>
+              <a:rPr kumimoji="1" lang="en-US" altLang="ko-KR" sz="1200"/>
+              <a:t>W2</a:t>
+            </a:r>
+            <a:endParaRPr kumimoji="1" lang="ko-KR" altLang="en-US" sz="1200" dirty="0"/>
+          </a:p>
+        </p:txBody>
+      </p:sp>
+      <p:sp>
+        <p:nvSpPr>
+          <p:cNvPr id="54" name="순서도: 연결자 53">
+            <a:extLst>
+              <a:ext uri="{FF2B5EF4-FFF2-40B4-BE49-F238E27FC236}">
+                <a16:creationId xmlns:a16="http://schemas.microsoft.com/office/drawing/2014/main" id="{21C82C56-C7C1-09E7-4A37-139822707809}"/>
+              </a:ext>
+            </a:extLst>
+          </p:cNvPr>
+          <p:cNvSpPr>
+            <a:spLocks noChangeAspect="1"/>
+          </p:cNvSpPr>
+          <p:nvPr/>
+        </p:nvSpPr>
+        <p:spPr>
+          <a:xfrm>
+            <a:off x="2935229" y="3712559"/>
+            <a:ext cx="347260" cy="347261"/>
+          </a:xfrm>
+          <a:prstGeom prst="flowChartConnector">
+            <a:avLst/>
+          </a:prstGeom>
+          <a:noFill/>
+          <a:ln w="28575" cap="flat" cmpd="sng" algn="ctr">
+            <a:solidFill>
+              <a:schemeClr val="tx1"/>
+            </a:solidFill>
+            <a:prstDash val="solid"/>
+            <a:round/>
+          </a:ln>
+          <a:effectLst/>
+        </p:spPr>
+        <p:txBody>
+          <a:bodyPr vert="horz" wrap="square" lIns="91440" tIns="45720" rIns="91440" bIns="45720" numCol="1" rtlCol="0" anchor="ctr" anchorCtr="0" compatLnSpc="1">
+            <a:prstTxWarp prst="textNoShape">
               <a:avLst/>
-            </a:prstGeom>
-            <a:noFill/>
-          </p:spPr>
-          <p:txBody>
-            <a:bodyPr wrap="none" rtlCol="0">
-              <a:spAutoFit/>
-            </a:bodyPr>
-            <a:lstStyle/>
-            <a:p>
-              <a:r>
-                <a:rPr kumimoji="1" lang="ko-KR" altLang="en-US" dirty="0"/>
-                <a:t>인공 신경망</a:t>
-              </a:r>
-            </a:p>
-          </p:txBody>
-        </p:sp>
-        <p:sp>
-          <p:nvSpPr>
-            <p:cNvPr id="8" name="TextBox 7">
-              <a:extLst>
-                <a:ext uri="{FF2B5EF4-FFF2-40B4-BE49-F238E27FC236}">
-                  <a16:creationId xmlns:a16="http://schemas.microsoft.com/office/drawing/2014/main" id="{480BFFA6-6760-3600-8500-EDE4E7DE2A75}"/>
-                </a:ext>
-              </a:extLst>
-            </p:cNvPr>
-            <p:cNvSpPr txBox="1"/>
-            <p:nvPr/>
-          </p:nvSpPr>
-          <p:spPr>
-            <a:xfrm>
-              <a:off x="5007531" y="2962424"/>
-              <a:ext cx="2492990" cy="461665"/>
-            </a:xfrm>
-            <a:prstGeom prst="rect">
-              <a:avLst/>
-            </a:prstGeom>
-            <a:noFill/>
-          </p:spPr>
-          <p:txBody>
-            <a:bodyPr wrap="none" rtlCol="0">
-              <a:spAutoFit/>
-            </a:bodyPr>
-            <a:lstStyle/>
-            <a:p>
-              <a:r>
-                <a:rPr kumimoji="1" lang="ko-KR" altLang="en-US" dirty="0"/>
-                <a:t>스파이크 신경망</a:t>
-              </a:r>
-            </a:p>
-          </p:txBody>
-        </p:sp>
-      </p:grpSp>
+            </a:prstTxWarp>
+            <a:spAutoFit/>
+          </a:bodyPr>
+          <a:lstStyle/>
+          <a:p>
+            <a:pPr marL="0" marR="0" indent="0" algn="ctr" defTabSz="914400" rtl="0" eaLnBrk="1" fontAlgn="base" latinLnBrk="1" hangingPunct="1">
+              <a:lnSpc>
+                <a:spcPct val="100000"/>
+              </a:lnSpc>
+              <a:spcBef>
+                <a:spcPct val="0"/>
+              </a:spcBef>
+              <a:spcAft>
+                <a:spcPct val="0"/>
+              </a:spcAft>
+              <a:buNone/>
+            </a:pPr>
+            <a:endParaRPr kumimoji="1" lang="ko-KR" altLang="en-US" sz="2400" b="0" i="0" u="none" strike="noStrike" cap="none" normalizeH="0" baseline="0" dirty="0">
+              <a:ln>
+                <a:noFill/>
+              </a:ln>
+              <a:solidFill>
+                <a:schemeClr val="tx1"/>
+              </a:solidFill>
+              <a:latin typeface="Times New Roman"/>
+              <a:ea typeface="굴림"/>
+            </a:endParaRPr>
+          </a:p>
+        </p:txBody>
+      </p:sp>
     </p:spTree>
     <p:extLst>
       <p:ext uri="{BB962C8B-B14F-4D97-AF65-F5344CB8AC3E}">
@@ -10201,7 +10637,7 @@
 </file>
 
 <file path=ppt/slides/slide29.xml><?xml version="1.0" encoding="utf-8"?>
-<p:sld xmlns:a="http://schemas.openxmlformats.org/drawingml/2006/main" xmlns:r="http://schemas.openxmlformats.org/officeDocument/2006/relationships" xmlns:p="http://schemas.openxmlformats.org/presentationml/2006/main" show="0">
+<p:sld xmlns:a="http://schemas.openxmlformats.org/drawingml/2006/main" xmlns:r="http://schemas.openxmlformats.org/officeDocument/2006/relationships" xmlns:p="http://schemas.openxmlformats.org/presentationml/2006/main">
   <p:cSld>
     <p:spTree>
       <p:nvGrpSpPr>
@@ -10358,12 +10794,1121 @@
           </a:p>
         </p:txBody>
       </p:sp>
+      <p:sp>
+        <p:nvSpPr>
+          <p:cNvPr id="30" name="모서리가 둥근 직사각형 29">
+            <a:extLst>
+              <a:ext uri="{FF2B5EF4-FFF2-40B4-BE49-F238E27FC236}">
+                <a16:creationId xmlns:a16="http://schemas.microsoft.com/office/drawing/2014/main" id="{5B8DE54F-03BB-7772-2B54-0FD95C05E2EC}"/>
+              </a:ext>
+            </a:extLst>
+          </p:cNvPr>
+          <p:cNvSpPr/>
+          <p:nvPr/>
+        </p:nvSpPr>
+        <p:spPr>
+          <a:xfrm>
+            <a:off x="4162919" y="2753174"/>
+            <a:ext cx="966287" cy="374571"/>
+          </a:xfrm>
+          <a:prstGeom prst="roundRect">
+            <a:avLst/>
+          </a:prstGeom>
+          <a:noFill/>
+          <a:ln w="28575" cap="flat" cmpd="sng" algn="ctr">
+            <a:solidFill>
+              <a:schemeClr val="tx1"/>
+            </a:solidFill>
+            <a:prstDash val="solid"/>
+            <a:round/>
+          </a:ln>
+          <a:effectLst/>
+        </p:spPr>
+        <p:txBody>
+          <a:bodyPr vert="horz" wrap="square" lIns="91440" tIns="45720" rIns="91440" bIns="45720" numCol="1" rtlCol="0" anchor="ctr" anchorCtr="0" compatLnSpc="1">
+            <a:prstTxWarp prst="textNoShape">
+              <a:avLst/>
+            </a:prstTxWarp>
+            <a:spAutoFit/>
+          </a:bodyPr>
+          <a:lstStyle/>
+          <a:p>
+            <a:pPr marL="0" marR="0" indent="0" algn="ctr" defTabSz="914400" rtl="0" eaLnBrk="1" fontAlgn="base" latinLnBrk="1" hangingPunct="1">
+              <a:lnSpc>
+                <a:spcPct val="100000"/>
+              </a:lnSpc>
+              <a:spcBef>
+                <a:spcPct val="0"/>
+              </a:spcBef>
+              <a:spcAft>
+                <a:spcPct val="0"/>
+              </a:spcAft>
+              <a:buNone/>
+            </a:pPr>
+            <a:r>
+              <a:rPr lang="ko-KR" altLang="en-US" sz="1600" dirty="0"/>
+              <a:t>뉴런</a:t>
+            </a:r>
+            <a:endParaRPr kumimoji="1" lang="ko-KR" altLang="en-US" sz="1600" b="0" i="0" u="none" strike="noStrike" cap="none" normalizeH="0" baseline="0" dirty="0">
+              <a:ln>
+                <a:noFill/>
+              </a:ln>
+              <a:solidFill>
+                <a:schemeClr val="tx1"/>
+              </a:solidFill>
+              <a:latin typeface="Times New Roman"/>
+              <a:ea typeface="굴림"/>
+            </a:endParaRPr>
+          </a:p>
+        </p:txBody>
+      </p:sp>
+      <p:cxnSp>
+        <p:nvCxnSpPr>
+          <p:cNvPr id="31" name="직선 화살표 연결선 30">
+            <a:extLst>
+              <a:ext uri="{FF2B5EF4-FFF2-40B4-BE49-F238E27FC236}">
+                <a16:creationId xmlns:a16="http://schemas.microsoft.com/office/drawing/2014/main" id="{B127795D-95C7-D377-73E4-DC770235E0B9}"/>
+              </a:ext>
+            </a:extLst>
+          </p:cNvPr>
+          <p:cNvCxnSpPr>
+            <a:cxnSpLocks/>
+          </p:cNvCxnSpPr>
+          <p:nvPr/>
+        </p:nvCxnSpPr>
+        <p:spPr>
+          <a:xfrm flipV="1">
+            <a:off x="2483768" y="3050262"/>
+            <a:ext cx="1679151" cy="11661"/>
+          </a:xfrm>
+          <a:prstGeom prst="straightConnector1">
+            <a:avLst/>
+          </a:prstGeom>
+          <a:solidFill>
+            <a:schemeClr val="accent1"/>
+          </a:solidFill>
+          <a:ln w="28575" cap="flat" cmpd="sng" algn="ctr">
+            <a:solidFill>
+              <a:schemeClr val="tx1"/>
+            </a:solidFill>
+            <a:prstDash val="solid"/>
+            <a:round/>
+            <a:tailEnd type="triangle"/>
+          </a:ln>
+          <a:effectLst/>
+        </p:spPr>
+      </p:cxnSp>
+      <p:sp>
+        <p:nvSpPr>
+          <p:cNvPr id="35" name="TextBox 34">
+            <a:extLst>
+              <a:ext uri="{FF2B5EF4-FFF2-40B4-BE49-F238E27FC236}">
+                <a16:creationId xmlns:a16="http://schemas.microsoft.com/office/drawing/2014/main" id="{D6DFE1A7-0496-3403-9FEB-5BBECE6C8604}"/>
+              </a:ext>
+            </a:extLst>
+          </p:cNvPr>
+          <p:cNvSpPr txBox="1"/>
+          <p:nvPr/>
+        </p:nvSpPr>
+        <p:spPr>
+          <a:xfrm>
+            <a:off x="2879112" y="3108953"/>
+            <a:ext cx="902811" cy="307777"/>
+          </a:xfrm>
+          <a:prstGeom prst="rect">
+            <a:avLst/>
+          </a:prstGeom>
+          <a:noFill/>
+        </p:spPr>
+        <p:txBody>
+          <a:bodyPr wrap="none" rtlCol="0">
+            <a:spAutoFit/>
+          </a:bodyPr>
+          <a:lstStyle/>
+          <a:p>
+            <a:r>
+              <a:rPr lang="ko-KR" altLang="en-US" sz="1400" dirty="0"/>
+              <a:t>스파이크</a:t>
+            </a:r>
+            <a:endParaRPr kumimoji="1" lang="ko-KR" altLang="en-US" sz="1400" dirty="0"/>
+          </a:p>
+        </p:txBody>
+      </p:sp>
+      <p:cxnSp>
+        <p:nvCxnSpPr>
+          <p:cNvPr id="66" name="직선 화살표 연결선 65">
+            <a:extLst>
+              <a:ext uri="{FF2B5EF4-FFF2-40B4-BE49-F238E27FC236}">
+                <a16:creationId xmlns:a16="http://schemas.microsoft.com/office/drawing/2014/main" id="{C6B29FD3-54DE-4B92-DBE2-BBA4FE876D27}"/>
+              </a:ext>
+            </a:extLst>
+          </p:cNvPr>
+          <p:cNvCxnSpPr>
+            <a:cxnSpLocks/>
+            <a:stCxn id="30" idx="2"/>
+          </p:cNvCxnSpPr>
+          <p:nvPr/>
+        </p:nvCxnSpPr>
+        <p:spPr>
+          <a:xfrm>
+            <a:off x="4646063" y="3127745"/>
+            <a:ext cx="718025" cy="733303"/>
+          </a:xfrm>
+          <a:prstGeom prst="straightConnector1">
+            <a:avLst/>
+          </a:prstGeom>
+          <a:solidFill>
+            <a:schemeClr val="accent1"/>
+          </a:solidFill>
+          <a:ln w="28575" cap="flat" cmpd="sng" algn="ctr">
+            <a:solidFill>
+              <a:schemeClr val="tx1"/>
+            </a:solidFill>
+            <a:prstDash val="solid"/>
+            <a:round/>
+            <a:tailEnd type="triangle"/>
+          </a:ln>
+          <a:effectLst/>
+        </p:spPr>
+      </p:cxnSp>
+      <p:cxnSp>
+        <p:nvCxnSpPr>
+          <p:cNvPr id="69" name="직선 화살표 연결선 68">
+            <a:extLst>
+              <a:ext uri="{FF2B5EF4-FFF2-40B4-BE49-F238E27FC236}">
+                <a16:creationId xmlns:a16="http://schemas.microsoft.com/office/drawing/2014/main" id="{B82ACC33-E2B9-A103-9A7F-49940885A27F}"/>
+              </a:ext>
+            </a:extLst>
+          </p:cNvPr>
+          <p:cNvCxnSpPr>
+            <a:cxnSpLocks/>
+          </p:cNvCxnSpPr>
+          <p:nvPr/>
+        </p:nvCxnSpPr>
+        <p:spPr>
+          <a:xfrm flipV="1">
+            <a:off x="5138466" y="2916933"/>
+            <a:ext cx="1679151" cy="11662"/>
+          </a:xfrm>
+          <a:prstGeom prst="straightConnector1">
+            <a:avLst/>
+          </a:prstGeom>
+          <a:solidFill>
+            <a:schemeClr val="accent1"/>
+          </a:solidFill>
+          <a:ln w="28575" cap="flat" cmpd="sng" algn="ctr">
+            <a:solidFill>
+              <a:schemeClr val="tx1"/>
+            </a:solidFill>
+            <a:prstDash val="solid"/>
+            <a:round/>
+            <a:tailEnd type="triangle"/>
+          </a:ln>
+          <a:effectLst/>
+        </p:spPr>
+      </p:cxnSp>
+      <p:sp>
+        <p:nvSpPr>
+          <p:cNvPr id="78" name="TextBox 77">
+            <a:extLst>
+              <a:ext uri="{FF2B5EF4-FFF2-40B4-BE49-F238E27FC236}">
+                <a16:creationId xmlns:a16="http://schemas.microsoft.com/office/drawing/2014/main" id="{4E637206-BE91-FB32-0876-96C93602D372}"/>
+              </a:ext>
+            </a:extLst>
+          </p:cNvPr>
+          <p:cNvSpPr txBox="1"/>
+          <p:nvPr/>
+        </p:nvSpPr>
+        <p:spPr>
+          <a:xfrm>
+            <a:off x="3035039" y="2574595"/>
+            <a:ext cx="543739" cy="307777"/>
+          </a:xfrm>
+          <a:prstGeom prst="rect">
+            <a:avLst/>
+          </a:prstGeom>
+          <a:noFill/>
+        </p:spPr>
+        <p:txBody>
+          <a:bodyPr wrap="none" rtlCol="0">
+            <a:spAutoFit/>
+          </a:bodyPr>
+          <a:lstStyle/>
+          <a:p>
+            <a:r>
+              <a:rPr lang="ko-KR" altLang="en-US" sz="1400" dirty="0"/>
+              <a:t>입력</a:t>
+            </a:r>
+            <a:endParaRPr kumimoji="1" lang="ko-KR" altLang="en-US" sz="1400" dirty="0"/>
+          </a:p>
+        </p:txBody>
+      </p:sp>
+      <p:cxnSp>
+        <p:nvCxnSpPr>
+          <p:cNvPr id="80" name="꺾인 연결선[E] 79">
+            <a:extLst>
+              <a:ext uri="{FF2B5EF4-FFF2-40B4-BE49-F238E27FC236}">
+                <a16:creationId xmlns:a16="http://schemas.microsoft.com/office/drawing/2014/main" id="{50DD57C5-27A7-4301-826B-6D02F80C75A6}"/>
+              </a:ext>
+            </a:extLst>
+          </p:cNvPr>
+          <p:cNvCxnSpPr>
+            <a:cxnSpLocks/>
+            <a:endCxn id="30" idx="0"/>
+          </p:cNvCxnSpPr>
+          <p:nvPr/>
+        </p:nvCxnSpPr>
+        <p:spPr>
+          <a:xfrm rot="10800000">
+            <a:off x="4646063" y="2753174"/>
+            <a:ext cx="1315544" cy="161224"/>
+          </a:xfrm>
+          <a:prstGeom prst="bentConnector4">
+            <a:avLst>
+              <a:gd name="adj1" fmla="val 818"/>
+              <a:gd name="adj2" fmla="val 241790"/>
+            </a:avLst>
+          </a:prstGeom>
+          <a:solidFill>
+            <a:schemeClr val="accent1"/>
+          </a:solidFill>
+          <a:ln w="28575" cap="flat" cmpd="sng" algn="ctr">
+            <a:solidFill>
+              <a:schemeClr val="tx1"/>
+            </a:solidFill>
+            <a:prstDash val="solid"/>
+            <a:round/>
+            <a:tailEnd type="triangle"/>
+          </a:ln>
+          <a:effectLst/>
+        </p:spPr>
+      </p:cxnSp>
+      <p:sp>
+        <p:nvSpPr>
+          <p:cNvPr id="81" name="TextBox 80">
+            <a:extLst>
+              <a:ext uri="{FF2B5EF4-FFF2-40B4-BE49-F238E27FC236}">
+                <a16:creationId xmlns:a16="http://schemas.microsoft.com/office/drawing/2014/main" id="{CE6545E3-728A-5029-D61E-DDC0EB7BD98E}"/>
+              </a:ext>
+            </a:extLst>
+          </p:cNvPr>
+          <p:cNvSpPr txBox="1"/>
+          <p:nvPr/>
+        </p:nvSpPr>
+        <p:spPr>
+          <a:xfrm>
+            <a:off x="4740219" y="2188958"/>
+            <a:ext cx="1127232" cy="307777"/>
+          </a:xfrm>
+          <a:prstGeom prst="rect">
+            <a:avLst/>
+          </a:prstGeom>
+          <a:noFill/>
+        </p:spPr>
+        <p:txBody>
+          <a:bodyPr wrap="none" rtlCol="0">
+            <a:spAutoFit/>
+          </a:bodyPr>
+          <a:lstStyle/>
+          <a:p>
+            <a:r>
+              <a:rPr lang="ko-KR" altLang="en-US" sz="1400" dirty="0"/>
+              <a:t>전위</a:t>
+            </a:r>
+            <a:r>
+              <a:rPr lang="en-US" altLang="ko-KR" sz="1400" dirty="0"/>
+              <a:t> </a:t>
+            </a:r>
+            <a:r>
+              <a:rPr lang="ko-KR" altLang="en-US" sz="1400" dirty="0"/>
+              <a:t>초기화</a:t>
+            </a:r>
+            <a:endParaRPr kumimoji="1" lang="ko-KR" altLang="en-US" sz="1400" dirty="0"/>
+          </a:p>
+        </p:txBody>
+      </p:sp>
+      <p:sp>
+        <p:nvSpPr>
+          <p:cNvPr id="84" name="TextBox 83">
+            <a:extLst>
+              <a:ext uri="{FF2B5EF4-FFF2-40B4-BE49-F238E27FC236}">
+                <a16:creationId xmlns:a16="http://schemas.microsoft.com/office/drawing/2014/main" id="{F798DB22-1537-7F0C-8F86-D9D74924D299}"/>
+              </a:ext>
+            </a:extLst>
+          </p:cNvPr>
+          <p:cNvSpPr txBox="1"/>
+          <p:nvPr/>
+        </p:nvSpPr>
+        <p:spPr>
+          <a:xfrm>
+            <a:off x="5416797" y="2940459"/>
+            <a:ext cx="1417396" cy="307777"/>
+          </a:xfrm>
+          <a:prstGeom prst="rect">
+            <a:avLst/>
+          </a:prstGeom>
+          <a:noFill/>
+        </p:spPr>
+        <p:txBody>
+          <a:bodyPr wrap="square" rtlCol="0">
+            <a:spAutoFit/>
+          </a:bodyPr>
+          <a:lstStyle/>
+          <a:p>
+            <a:r>
+              <a:rPr lang="ko-KR" altLang="en-US" sz="1400" dirty="0"/>
+              <a:t>스파이크</a:t>
+            </a:r>
+            <a:endParaRPr kumimoji="1" lang="ko-KR" altLang="en-US" sz="1400" dirty="0"/>
+          </a:p>
+        </p:txBody>
+      </p:sp>
+      <p:sp>
+        <p:nvSpPr>
+          <p:cNvPr id="86" name="TextBox 85">
+            <a:extLst>
+              <a:ext uri="{FF2B5EF4-FFF2-40B4-BE49-F238E27FC236}">
+                <a16:creationId xmlns:a16="http://schemas.microsoft.com/office/drawing/2014/main" id="{5310FDF0-B95F-8D34-92D8-874E64045C2B}"/>
+              </a:ext>
+            </a:extLst>
+          </p:cNvPr>
+          <p:cNvSpPr txBox="1"/>
+          <p:nvPr/>
+        </p:nvSpPr>
+        <p:spPr>
+          <a:xfrm>
+            <a:off x="5303835" y="3875719"/>
+            <a:ext cx="543739" cy="307777"/>
+          </a:xfrm>
+          <a:prstGeom prst="rect">
+            <a:avLst/>
+          </a:prstGeom>
+          <a:noFill/>
+        </p:spPr>
+        <p:txBody>
+          <a:bodyPr wrap="none" rtlCol="0">
+            <a:spAutoFit/>
+          </a:bodyPr>
+          <a:lstStyle/>
+          <a:p>
+            <a:r>
+              <a:rPr lang="ko-KR" altLang="en-US" sz="1400" dirty="0"/>
+              <a:t>누수</a:t>
+            </a:r>
+            <a:endParaRPr kumimoji="1" lang="ko-KR" altLang="en-US" sz="1400" dirty="0"/>
+          </a:p>
+        </p:txBody>
+      </p:sp>
+      <p:cxnSp>
+        <p:nvCxnSpPr>
+          <p:cNvPr id="7" name="직선 화살표 연결선 6">
+            <a:extLst>
+              <a:ext uri="{FF2B5EF4-FFF2-40B4-BE49-F238E27FC236}">
+                <a16:creationId xmlns:a16="http://schemas.microsoft.com/office/drawing/2014/main" id="{62971105-CC65-DEC0-CE58-C62C2FD6BC85}"/>
+              </a:ext>
+            </a:extLst>
+          </p:cNvPr>
+          <p:cNvCxnSpPr>
+            <a:cxnSpLocks/>
+          </p:cNvCxnSpPr>
+          <p:nvPr/>
+        </p:nvCxnSpPr>
+        <p:spPr>
+          <a:xfrm flipV="1">
+            <a:off x="2483767" y="2876542"/>
+            <a:ext cx="1679151" cy="11661"/>
+          </a:xfrm>
+          <a:prstGeom prst="straightConnector1">
+            <a:avLst/>
+          </a:prstGeom>
+          <a:solidFill>
+            <a:schemeClr val="accent1"/>
+          </a:solidFill>
+          <a:ln w="28575" cap="flat" cmpd="sng" algn="ctr">
+            <a:solidFill>
+              <a:schemeClr val="tx1"/>
+            </a:solidFill>
+            <a:prstDash val="solid"/>
+            <a:round/>
+            <a:tailEnd type="triangle"/>
+          </a:ln>
+          <a:effectLst/>
+        </p:spPr>
+      </p:cxnSp>
+    </p:spTree>
+    <p:extLst>
+      <p:ext uri="{BB962C8B-B14F-4D97-AF65-F5344CB8AC3E}">
+        <p14:creationId xmlns:p14="http://schemas.microsoft.com/office/powerpoint/2010/main" val="2766897680"/>
+      </p:ext>
+    </p:extLst>
+  </p:cSld>
+  <p:clrMapOvr>
+    <a:masterClrMapping/>
+  </p:clrMapOvr>
+</p:sld>
+</file>
+
+<file path=ppt/slides/slide4.xml><?xml version="1.0" encoding="utf-8"?>
+<p:sld xmlns:a="http://schemas.openxmlformats.org/drawingml/2006/main" xmlns:r="http://schemas.openxmlformats.org/officeDocument/2006/relationships" xmlns:p="http://schemas.openxmlformats.org/presentationml/2006/main">
+  <p:cSld>
+    <p:spTree>
+      <p:nvGrpSpPr>
+        <p:cNvPr id="1" name=""/>
+        <p:cNvGrpSpPr/>
+        <p:nvPr/>
+      </p:nvGrpSpPr>
+      <p:grpSpPr>
+        <a:xfrm>
+          <a:off x="0" y="0"/>
+          <a:ext cx="0" cy="0"/>
+          <a:chOff x="0" y="0"/>
+          <a:chExt cx="0" cy="0"/>
+        </a:xfrm>
+      </p:grpSpPr>
+      <p:sp>
+        <p:nvSpPr>
+          <p:cNvPr id="2" name="제목 1">
+            <a:extLst>
+              <a:ext uri="{FF2B5EF4-FFF2-40B4-BE49-F238E27FC236}">
+                <a16:creationId xmlns:a16="http://schemas.microsoft.com/office/drawing/2014/main" id="{E807F801-4798-3351-84E3-43E45F0D04ED}"/>
+              </a:ext>
+            </a:extLst>
+          </p:cNvPr>
+          <p:cNvSpPr>
+            <a:spLocks noGrp="1"/>
+          </p:cNvSpPr>
+          <p:nvPr>
+            <p:ph type="title"/>
+          </p:nvPr>
+        </p:nvSpPr>
+        <p:spPr/>
+        <p:txBody>
+          <a:bodyPr/>
+          <a:lstStyle/>
+          <a:p>
+            <a:r>
+              <a:rPr lang="ko-KR" altLang="en-US" dirty="0"/>
+              <a:t>순환신경망</a:t>
+            </a:r>
+            <a:r>
+              <a:rPr kumimoji="1" lang="ko-KR" altLang="en-US" dirty="0"/>
+              <a:t> 모델</a:t>
+            </a:r>
+          </a:p>
+        </p:txBody>
+      </p:sp>
+      <p:sp>
+        <p:nvSpPr>
+          <p:cNvPr id="3" name="내용 개체 틀 2">
+            <a:extLst>
+              <a:ext uri="{FF2B5EF4-FFF2-40B4-BE49-F238E27FC236}">
+                <a16:creationId xmlns:a16="http://schemas.microsoft.com/office/drawing/2014/main" id="{293529A8-F96F-857A-F11E-6FD404F9DCCC}"/>
+              </a:ext>
+            </a:extLst>
+          </p:cNvPr>
+          <p:cNvSpPr>
+            <a:spLocks noGrp="1"/>
+          </p:cNvSpPr>
+          <p:nvPr>
+            <p:ph idx="1"/>
+          </p:nvPr>
+        </p:nvSpPr>
+        <p:spPr/>
+        <p:txBody>
+          <a:bodyPr/>
+          <a:lstStyle/>
+          <a:p>
+            <a:r>
+              <a:rPr lang="ko-KR" altLang="en-US" dirty="0"/>
+              <a:t>순환신경망</a:t>
+            </a:r>
+            <a:r>
+              <a:rPr lang="en-US" altLang="ko-KR" dirty="0"/>
+              <a:t>(Recurrent</a:t>
+            </a:r>
+            <a:r>
+              <a:rPr lang="ko-KR" altLang="en-US" dirty="0"/>
+              <a:t> </a:t>
+            </a:r>
+            <a:r>
+              <a:rPr lang="en-US" altLang="ko-KR" dirty="0"/>
+              <a:t>Neural Network)</a:t>
+            </a:r>
+            <a:r>
+              <a:rPr lang="ko-KR" altLang="en-US" dirty="0"/>
+              <a:t>은 </a:t>
+            </a:r>
+            <a:endParaRPr lang="en-US" altLang="ko-KR" dirty="0"/>
+          </a:p>
+          <a:p>
+            <a:r>
+              <a:rPr lang="ko-KR" altLang="en-US" dirty="0"/>
+              <a:t>메모리 개념을 가짐</a:t>
+            </a:r>
+            <a:endParaRPr lang="en-US" altLang="ko-KR" dirty="0"/>
+          </a:p>
+          <a:p>
+            <a:r>
+              <a:rPr lang="ko-KR" altLang="en-US" dirty="0"/>
+              <a:t>메모리는 다음 시간의 입력으로 사용</a:t>
+            </a:r>
+            <a:endParaRPr kumimoji="1" lang="ko-KR" altLang="en-US" dirty="0"/>
+          </a:p>
+        </p:txBody>
+      </p:sp>
+      <p:sp>
+        <p:nvSpPr>
+          <p:cNvPr id="5" name="모서리가 둥근 직사각형 4">
+            <a:extLst>
+              <a:ext uri="{FF2B5EF4-FFF2-40B4-BE49-F238E27FC236}">
+                <a16:creationId xmlns:a16="http://schemas.microsoft.com/office/drawing/2014/main" id="{A9D2FF32-2D03-6C2F-EA13-9837D8275A4E}"/>
+              </a:ext>
+            </a:extLst>
+          </p:cNvPr>
+          <p:cNvSpPr/>
+          <p:nvPr/>
+        </p:nvSpPr>
+        <p:spPr>
+          <a:xfrm>
+            <a:off x="2393118" y="4267937"/>
+            <a:ext cx="966287" cy="374571"/>
+          </a:xfrm>
+          <a:prstGeom prst="roundRect">
+            <a:avLst/>
+          </a:prstGeom>
+          <a:noFill/>
+          <a:ln w="28575" cap="flat" cmpd="sng" algn="ctr">
+            <a:solidFill>
+              <a:schemeClr val="tx1"/>
+            </a:solidFill>
+            <a:prstDash val="solid"/>
+            <a:round/>
+          </a:ln>
+          <a:effectLst/>
+        </p:spPr>
+        <p:txBody>
+          <a:bodyPr vert="horz" wrap="square" lIns="91440" tIns="45720" rIns="91440" bIns="45720" numCol="1" rtlCol="0" anchor="ctr" anchorCtr="0" compatLnSpc="1">
+            <a:prstTxWarp prst="textNoShape">
+              <a:avLst/>
+            </a:prstTxWarp>
+            <a:spAutoFit/>
+          </a:bodyPr>
+          <a:lstStyle/>
+          <a:p>
+            <a:pPr marL="0" marR="0" indent="0" algn="ctr" defTabSz="914400" rtl="0" eaLnBrk="1" fontAlgn="base" latinLnBrk="1" hangingPunct="1">
+              <a:lnSpc>
+                <a:spcPct val="100000"/>
+              </a:lnSpc>
+              <a:spcBef>
+                <a:spcPct val="0"/>
+              </a:spcBef>
+              <a:spcAft>
+                <a:spcPct val="0"/>
+              </a:spcAft>
+              <a:buNone/>
+            </a:pPr>
+            <a:r>
+              <a:rPr kumimoji="1" lang="ko-KR" altLang="en-US" sz="1600" b="0" i="0" u="none" strike="noStrike" cap="none" normalizeH="0" baseline="0" dirty="0">
+                <a:ln>
+                  <a:noFill/>
+                </a:ln>
+                <a:solidFill>
+                  <a:schemeClr val="tx1"/>
+                </a:solidFill>
+                <a:latin typeface="Times New Roman"/>
+                <a:ea typeface="굴림"/>
+              </a:rPr>
+              <a:t>시간 </a:t>
+            </a:r>
+            <a:r>
+              <a:rPr kumimoji="1" lang="en-US" altLang="ko-KR" sz="1600" b="0" i="0" u="none" strike="noStrike" cap="none" normalizeH="0" baseline="0" dirty="0">
+                <a:ln>
+                  <a:noFill/>
+                </a:ln>
+                <a:solidFill>
+                  <a:schemeClr val="tx1"/>
+                </a:solidFill>
+                <a:latin typeface="Times New Roman"/>
+                <a:ea typeface="굴림"/>
+              </a:rPr>
+              <a:t>t</a:t>
+            </a:r>
+            <a:endParaRPr kumimoji="1" lang="ko-KR" altLang="en-US" sz="1600" b="0" i="0" u="none" strike="noStrike" cap="none" normalizeH="0" baseline="0" dirty="0">
+              <a:ln>
+                <a:noFill/>
+              </a:ln>
+              <a:solidFill>
+                <a:schemeClr val="tx1"/>
+              </a:solidFill>
+              <a:latin typeface="Times New Roman"/>
+              <a:ea typeface="굴림"/>
+            </a:endParaRPr>
+          </a:p>
+        </p:txBody>
+      </p:sp>
+      <p:sp>
+        <p:nvSpPr>
+          <p:cNvPr id="6" name="모서리가 둥근 직사각형 5">
+            <a:extLst>
+              <a:ext uri="{FF2B5EF4-FFF2-40B4-BE49-F238E27FC236}">
+                <a16:creationId xmlns:a16="http://schemas.microsoft.com/office/drawing/2014/main" id="{3DEA9304-79BE-432D-4C38-55B603168990}"/>
+              </a:ext>
+            </a:extLst>
+          </p:cNvPr>
+          <p:cNvSpPr/>
+          <p:nvPr/>
+        </p:nvSpPr>
+        <p:spPr>
+          <a:xfrm>
+            <a:off x="5080695" y="4252896"/>
+            <a:ext cx="966287" cy="374571"/>
+          </a:xfrm>
+          <a:prstGeom prst="roundRect">
+            <a:avLst/>
+          </a:prstGeom>
+          <a:noFill/>
+          <a:ln w="28575" cap="flat" cmpd="sng" algn="ctr">
+            <a:solidFill>
+              <a:schemeClr val="tx1"/>
+            </a:solidFill>
+            <a:prstDash val="solid"/>
+            <a:round/>
+          </a:ln>
+          <a:effectLst/>
+        </p:spPr>
+        <p:txBody>
+          <a:bodyPr vert="horz" wrap="square" lIns="91440" tIns="45720" rIns="91440" bIns="45720" numCol="1" rtlCol="0" anchor="ctr" anchorCtr="0" compatLnSpc="1">
+            <a:prstTxWarp prst="textNoShape">
+              <a:avLst/>
+            </a:prstTxWarp>
+            <a:spAutoFit/>
+          </a:bodyPr>
+          <a:lstStyle/>
+          <a:p>
+            <a:pPr marL="0" marR="0" indent="0" algn="ctr" defTabSz="914400" rtl="0" eaLnBrk="1" fontAlgn="base" latinLnBrk="1" hangingPunct="1">
+              <a:lnSpc>
+                <a:spcPct val="100000"/>
+              </a:lnSpc>
+              <a:spcBef>
+                <a:spcPct val="0"/>
+              </a:spcBef>
+              <a:spcAft>
+                <a:spcPct val="0"/>
+              </a:spcAft>
+              <a:buNone/>
+            </a:pPr>
+            <a:r>
+              <a:rPr kumimoji="1" lang="ko-KR" altLang="en-US" sz="1600" b="0" i="0" u="none" strike="noStrike" cap="none" normalizeH="0" baseline="0" dirty="0">
+                <a:ln>
+                  <a:noFill/>
+                </a:ln>
+                <a:solidFill>
+                  <a:schemeClr val="tx1"/>
+                </a:solidFill>
+                <a:latin typeface="Times New Roman"/>
+                <a:ea typeface="굴림"/>
+              </a:rPr>
+              <a:t>시간 </a:t>
+            </a:r>
+            <a:r>
+              <a:rPr kumimoji="1" lang="en-US" altLang="ko-KR" sz="1600" b="0" i="0" u="none" strike="noStrike" cap="none" normalizeH="0" baseline="0" dirty="0">
+                <a:ln>
+                  <a:noFill/>
+                </a:ln>
+                <a:solidFill>
+                  <a:schemeClr val="tx1"/>
+                </a:solidFill>
+                <a:latin typeface="Times New Roman"/>
+                <a:ea typeface="굴림"/>
+              </a:rPr>
+              <a:t>t+1</a:t>
+            </a:r>
+            <a:endParaRPr kumimoji="1" lang="ko-KR" altLang="en-US" sz="1600" b="0" i="0" u="none" strike="noStrike" cap="none" normalizeH="0" baseline="0" dirty="0">
+              <a:ln>
+                <a:noFill/>
+              </a:ln>
+              <a:solidFill>
+                <a:schemeClr val="tx1"/>
+              </a:solidFill>
+              <a:latin typeface="Times New Roman"/>
+              <a:ea typeface="굴림"/>
+            </a:endParaRPr>
+          </a:p>
+        </p:txBody>
+      </p:sp>
+      <p:cxnSp>
+        <p:nvCxnSpPr>
+          <p:cNvPr id="8" name="직선 화살표 연결선 7">
+            <a:extLst>
+              <a:ext uri="{FF2B5EF4-FFF2-40B4-BE49-F238E27FC236}">
+                <a16:creationId xmlns:a16="http://schemas.microsoft.com/office/drawing/2014/main" id="{41DCA7B5-5021-D036-B368-C56809EE346F}"/>
+              </a:ext>
+            </a:extLst>
+          </p:cNvPr>
+          <p:cNvCxnSpPr>
+            <a:cxnSpLocks/>
+            <a:stCxn id="5" idx="3"/>
+            <a:endCxn id="6" idx="1"/>
+          </p:cNvCxnSpPr>
+          <p:nvPr/>
+        </p:nvCxnSpPr>
+        <p:spPr>
+          <a:xfrm flipV="1">
+            <a:off x="3359405" y="4440182"/>
+            <a:ext cx="1721290" cy="15041"/>
+          </a:xfrm>
+          <a:prstGeom prst="straightConnector1">
+            <a:avLst/>
+          </a:prstGeom>
+          <a:solidFill>
+            <a:schemeClr val="accent1"/>
+          </a:solidFill>
+          <a:ln w="28575" cap="flat" cmpd="sng" algn="ctr">
+            <a:solidFill>
+              <a:schemeClr val="tx1"/>
+            </a:solidFill>
+            <a:prstDash val="solid"/>
+            <a:round/>
+            <a:tailEnd type="triangle"/>
+          </a:ln>
+          <a:effectLst/>
+        </p:spPr>
+      </p:cxnSp>
+      <p:cxnSp>
+        <p:nvCxnSpPr>
+          <p:cNvPr id="11" name="직선 화살표 연결선 10">
+            <a:extLst>
+              <a:ext uri="{FF2B5EF4-FFF2-40B4-BE49-F238E27FC236}">
+                <a16:creationId xmlns:a16="http://schemas.microsoft.com/office/drawing/2014/main" id="{84917EBE-E0A8-1A6E-F968-53CAC77EB2E8}"/>
+              </a:ext>
+            </a:extLst>
+          </p:cNvPr>
+          <p:cNvCxnSpPr>
+            <a:cxnSpLocks/>
+            <a:stCxn id="5" idx="0"/>
+          </p:cNvCxnSpPr>
+          <p:nvPr/>
+        </p:nvCxnSpPr>
+        <p:spPr>
+          <a:xfrm flipV="1">
+            <a:off x="2876262" y="3485674"/>
+            <a:ext cx="0" cy="782263"/>
+          </a:xfrm>
+          <a:prstGeom prst="straightConnector1">
+            <a:avLst/>
+          </a:prstGeom>
+          <a:solidFill>
+            <a:schemeClr val="accent1"/>
+          </a:solidFill>
+          <a:ln w="28575" cap="flat" cmpd="sng" algn="ctr">
+            <a:solidFill>
+              <a:schemeClr val="tx1"/>
+            </a:solidFill>
+            <a:prstDash val="solid"/>
+            <a:round/>
+            <a:tailEnd type="triangle"/>
+          </a:ln>
+          <a:effectLst/>
+        </p:spPr>
+      </p:cxnSp>
+      <p:cxnSp>
+        <p:nvCxnSpPr>
+          <p:cNvPr id="18" name="직선 화살표 연결선 17">
+            <a:extLst>
+              <a:ext uri="{FF2B5EF4-FFF2-40B4-BE49-F238E27FC236}">
+                <a16:creationId xmlns:a16="http://schemas.microsoft.com/office/drawing/2014/main" id="{3039A8E8-60C7-6BC8-E577-F32996BCAA50}"/>
+              </a:ext>
+            </a:extLst>
+          </p:cNvPr>
+          <p:cNvCxnSpPr>
+            <a:cxnSpLocks/>
+          </p:cNvCxnSpPr>
+          <p:nvPr/>
+        </p:nvCxnSpPr>
+        <p:spPr>
+          <a:xfrm flipV="1">
+            <a:off x="2876262" y="4642508"/>
+            <a:ext cx="0" cy="714160"/>
+          </a:xfrm>
+          <a:prstGeom prst="straightConnector1">
+            <a:avLst/>
+          </a:prstGeom>
+          <a:solidFill>
+            <a:schemeClr val="accent1"/>
+          </a:solidFill>
+          <a:ln w="28575" cap="flat" cmpd="sng" algn="ctr">
+            <a:solidFill>
+              <a:schemeClr val="tx1"/>
+            </a:solidFill>
+            <a:prstDash val="solid"/>
+            <a:round/>
+            <a:tailEnd type="triangle"/>
+          </a:ln>
+          <a:effectLst/>
+        </p:spPr>
+      </p:cxnSp>
+      <p:sp>
+        <p:nvSpPr>
+          <p:cNvPr id="23" name="TextBox 22">
+            <a:extLst>
+              <a:ext uri="{FF2B5EF4-FFF2-40B4-BE49-F238E27FC236}">
+                <a16:creationId xmlns:a16="http://schemas.microsoft.com/office/drawing/2014/main" id="{FB3CCDCD-238B-13DC-1981-4AC0561D8433}"/>
+              </a:ext>
+            </a:extLst>
+          </p:cNvPr>
+          <p:cNvSpPr txBox="1"/>
+          <p:nvPr/>
+        </p:nvSpPr>
+        <p:spPr>
+          <a:xfrm>
+            <a:off x="3733689" y="4116669"/>
+            <a:ext cx="870751" cy="338554"/>
+          </a:xfrm>
+          <a:prstGeom prst="rect">
+            <a:avLst/>
+          </a:prstGeom>
+          <a:noFill/>
+        </p:spPr>
+        <p:txBody>
+          <a:bodyPr wrap="none" rtlCol="0">
+            <a:spAutoFit/>
+          </a:bodyPr>
+          <a:lstStyle/>
+          <a:p>
+            <a:r>
+              <a:rPr lang="en-US" altLang="ko-KR" sz="1600" dirty="0"/>
+              <a:t>memory</a:t>
+            </a:r>
+            <a:endParaRPr kumimoji="1" lang="ko-KR" altLang="en-US" sz="1600" dirty="0"/>
+          </a:p>
+        </p:txBody>
+      </p:sp>
+      <p:sp>
+        <p:nvSpPr>
+          <p:cNvPr id="24" name="TextBox 23">
+            <a:extLst>
+              <a:ext uri="{FF2B5EF4-FFF2-40B4-BE49-F238E27FC236}">
+                <a16:creationId xmlns:a16="http://schemas.microsoft.com/office/drawing/2014/main" id="{34692125-A492-29C8-E76A-5D6CA4AD032B}"/>
+              </a:ext>
+            </a:extLst>
+          </p:cNvPr>
+          <p:cNvSpPr txBox="1"/>
+          <p:nvPr/>
+        </p:nvSpPr>
+        <p:spPr>
+          <a:xfrm>
+            <a:off x="2453388" y="3140968"/>
+            <a:ext cx="906017" cy="338554"/>
+          </a:xfrm>
+          <a:prstGeom prst="rect">
+            <a:avLst/>
+          </a:prstGeom>
+          <a:noFill/>
+        </p:spPr>
+        <p:txBody>
+          <a:bodyPr wrap="none" rtlCol="0">
+            <a:spAutoFit/>
+          </a:bodyPr>
+          <a:lstStyle/>
+          <a:p>
+            <a:r>
+              <a:rPr kumimoji="1" lang="en-US" altLang="ko-KR" sz="1600" dirty="0"/>
+              <a:t>output(</a:t>
+            </a:r>
+            <a:r>
+              <a:rPr lang="en-US" altLang="ko-KR" sz="1600" dirty="0"/>
+              <a:t>t)</a:t>
+            </a:r>
+            <a:endParaRPr kumimoji="1" lang="ko-KR" altLang="en-US" sz="1600" dirty="0"/>
+          </a:p>
+        </p:txBody>
+      </p:sp>
+      <p:cxnSp>
+        <p:nvCxnSpPr>
+          <p:cNvPr id="28" name="직선 화살표 연결선 27">
+            <a:extLst>
+              <a:ext uri="{FF2B5EF4-FFF2-40B4-BE49-F238E27FC236}">
+                <a16:creationId xmlns:a16="http://schemas.microsoft.com/office/drawing/2014/main" id="{7008C03A-91C9-49FB-C008-7081CAAB4846}"/>
+              </a:ext>
+            </a:extLst>
+          </p:cNvPr>
+          <p:cNvCxnSpPr>
+            <a:cxnSpLocks/>
+          </p:cNvCxnSpPr>
+          <p:nvPr/>
+        </p:nvCxnSpPr>
+        <p:spPr>
+          <a:xfrm flipV="1">
+            <a:off x="5582031" y="3538736"/>
+            <a:ext cx="0" cy="714160"/>
+          </a:xfrm>
+          <a:prstGeom prst="straightConnector1">
+            <a:avLst/>
+          </a:prstGeom>
+          <a:solidFill>
+            <a:schemeClr val="accent1"/>
+          </a:solidFill>
+          <a:ln w="28575" cap="flat" cmpd="sng" algn="ctr">
+            <a:solidFill>
+              <a:schemeClr val="tx1"/>
+            </a:solidFill>
+            <a:prstDash val="solid"/>
+            <a:round/>
+            <a:tailEnd type="triangle"/>
+          </a:ln>
+          <a:effectLst/>
+        </p:spPr>
+      </p:cxnSp>
+      <p:cxnSp>
+        <p:nvCxnSpPr>
+          <p:cNvPr id="29" name="직선 화살표 연결선 28">
+            <a:extLst>
+              <a:ext uri="{FF2B5EF4-FFF2-40B4-BE49-F238E27FC236}">
+                <a16:creationId xmlns:a16="http://schemas.microsoft.com/office/drawing/2014/main" id="{0C5C3AD8-726E-7126-6290-BAE50756FF61}"/>
+              </a:ext>
+            </a:extLst>
+          </p:cNvPr>
+          <p:cNvCxnSpPr>
+            <a:cxnSpLocks/>
+          </p:cNvCxnSpPr>
+          <p:nvPr/>
+        </p:nvCxnSpPr>
+        <p:spPr>
+          <a:xfrm flipV="1">
+            <a:off x="5582031" y="4642508"/>
+            <a:ext cx="0" cy="714160"/>
+          </a:xfrm>
+          <a:prstGeom prst="straightConnector1">
+            <a:avLst/>
+          </a:prstGeom>
+          <a:solidFill>
+            <a:schemeClr val="accent1"/>
+          </a:solidFill>
+          <a:ln w="28575" cap="flat" cmpd="sng" algn="ctr">
+            <a:solidFill>
+              <a:schemeClr val="tx1"/>
+            </a:solidFill>
+            <a:prstDash val="solid"/>
+            <a:round/>
+            <a:tailEnd type="triangle"/>
+          </a:ln>
+          <a:effectLst/>
+        </p:spPr>
+      </p:cxnSp>
+      <p:sp>
+        <p:nvSpPr>
+          <p:cNvPr id="30" name="TextBox 29">
+            <a:extLst>
+              <a:ext uri="{FF2B5EF4-FFF2-40B4-BE49-F238E27FC236}">
+                <a16:creationId xmlns:a16="http://schemas.microsoft.com/office/drawing/2014/main" id="{84099F9B-A2F9-0724-DDF1-58A188EC78AD}"/>
+              </a:ext>
+            </a:extLst>
+          </p:cNvPr>
+          <p:cNvSpPr txBox="1"/>
+          <p:nvPr/>
+        </p:nvSpPr>
+        <p:spPr>
+          <a:xfrm>
+            <a:off x="5020018" y="3183652"/>
+            <a:ext cx="1124026" cy="338554"/>
+          </a:xfrm>
+          <a:prstGeom prst="rect">
+            <a:avLst/>
+          </a:prstGeom>
+          <a:noFill/>
+        </p:spPr>
+        <p:txBody>
+          <a:bodyPr wrap="none" rtlCol="0">
+            <a:spAutoFit/>
+          </a:bodyPr>
+          <a:lstStyle/>
+          <a:p>
+            <a:r>
+              <a:rPr kumimoji="1" lang="en-US" altLang="ko-KR" sz="1600" dirty="0"/>
+              <a:t>output(t+1)</a:t>
+            </a:r>
+            <a:endParaRPr kumimoji="1" lang="ko-KR" altLang="en-US" sz="1600" dirty="0"/>
+          </a:p>
+        </p:txBody>
+      </p:sp>
+      <p:cxnSp>
+        <p:nvCxnSpPr>
+          <p:cNvPr id="32" name="직선 화살표 연결선 31">
+            <a:extLst>
+              <a:ext uri="{FF2B5EF4-FFF2-40B4-BE49-F238E27FC236}">
+                <a16:creationId xmlns:a16="http://schemas.microsoft.com/office/drawing/2014/main" id="{9397EEEA-0911-8C9F-EA34-C55C4E841797}"/>
+              </a:ext>
+            </a:extLst>
+          </p:cNvPr>
+          <p:cNvCxnSpPr>
+            <a:cxnSpLocks/>
+          </p:cNvCxnSpPr>
+          <p:nvPr/>
+        </p:nvCxnSpPr>
+        <p:spPr>
+          <a:xfrm>
+            <a:off x="6046982" y="4440181"/>
+            <a:ext cx="1261322" cy="0"/>
+          </a:xfrm>
+          <a:prstGeom prst="straightConnector1">
+            <a:avLst/>
+          </a:prstGeom>
+          <a:solidFill>
+            <a:schemeClr val="accent1"/>
+          </a:solidFill>
+          <a:ln w="28575" cap="flat" cmpd="sng" algn="ctr">
+            <a:solidFill>
+              <a:schemeClr val="tx1"/>
+            </a:solidFill>
+            <a:prstDash val="solid"/>
+            <a:round/>
+            <a:tailEnd type="triangle"/>
+          </a:ln>
+          <a:effectLst/>
+        </p:spPr>
+      </p:cxnSp>
+      <p:sp>
+        <p:nvSpPr>
+          <p:cNvPr id="33" name="TextBox 32">
+            <a:extLst>
+              <a:ext uri="{FF2B5EF4-FFF2-40B4-BE49-F238E27FC236}">
+                <a16:creationId xmlns:a16="http://schemas.microsoft.com/office/drawing/2014/main" id="{CC9E8CFE-F69F-A75B-3198-7831FA2DE19C}"/>
+              </a:ext>
+            </a:extLst>
+          </p:cNvPr>
+          <p:cNvSpPr txBox="1"/>
+          <p:nvPr/>
+        </p:nvSpPr>
+        <p:spPr>
+          <a:xfrm>
+            <a:off x="6242267" y="4083619"/>
+            <a:ext cx="870751" cy="338554"/>
+          </a:xfrm>
+          <a:prstGeom prst="rect">
+            <a:avLst/>
+          </a:prstGeom>
+          <a:noFill/>
+        </p:spPr>
+        <p:txBody>
+          <a:bodyPr wrap="none" rtlCol="0">
+            <a:spAutoFit/>
+          </a:bodyPr>
+          <a:lstStyle/>
+          <a:p>
+            <a:r>
+              <a:rPr lang="en-US" altLang="ko-KR" sz="1600" dirty="0"/>
+              <a:t>memory</a:t>
+            </a:r>
+            <a:endParaRPr kumimoji="1" lang="ko-KR" altLang="en-US" sz="1600" dirty="0"/>
+          </a:p>
+        </p:txBody>
+      </p:sp>
       <p:grpSp>
         <p:nvGrpSpPr>
-          <p:cNvPr id="87" name="그룹 86">
-            <a:extLst>
-              <a:ext uri="{FF2B5EF4-FFF2-40B4-BE49-F238E27FC236}">
-                <a16:creationId xmlns:a16="http://schemas.microsoft.com/office/drawing/2014/main" id="{1C8ED552-B585-E5AE-387C-B9B862C202BA}"/>
+          <p:cNvPr id="26" name="그룹 25">
+            <a:extLst>
+              <a:ext uri="{FF2B5EF4-FFF2-40B4-BE49-F238E27FC236}">
+                <a16:creationId xmlns:a16="http://schemas.microsoft.com/office/drawing/2014/main" id="{C10E3585-20C6-4027-7C9C-ABCC1C054AC0}"/>
               </a:ext>
             </a:extLst>
           </p:cNvPr>
@@ -10372,35 +11917,71 @@
         </p:nvGrpSpPr>
         <p:grpSpPr>
           <a:xfrm>
-            <a:off x="1331640" y="1655177"/>
-            <a:ext cx="6562892" cy="2277879"/>
-            <a:chOff x="1331640" y="1655177"/>
-            <a:chExt cx="6562892" cy="2277879"/>
+            <a:off x="2459869" y="5355264"/>
+            <a:ext cx="832784" cy="811797"/>
+            <a:chOff x="1234324" y="4271472"/>
+            <a:chExt cx="832784" cy="811797"/>
           </a:xfrm>
         </p:grpSpPr>
         <p:sp>
           <p:nvSpPr>
-            <p:cNvPr id="5" name="모서리가 둥근 직사각형 4">
+            <p:cNvPr id="35" name="TextBox 34">
               <a:extLst>
                 <a:ext uri="{FF2B5EF4-FFF2-40B4-BE49-F238E27FC236}">
-                  <a16:creationId xmlns:a16="http://schemas.microsoft.com/office/drawing/2014/main" id="{A7272C6C-FBA2-1D74-4741-714300E96CDF}"/>
+                  <a16:creationId xmlns:a16="http://schemas.microsoft.com/office/drawing/2014/main" id="{5CE2A7C6-1D1B-2470-3277-A53D203D2746}"/>
                 </a:ext>
               </a:extLst>
             </p:cNvPr>
-            <p:cNvSpPr/>
+            <p:cNvSpPr txBox="1"/>
             <p:nvPr/>
           </p:nvSpPr>
           <p:spPr>
             <a:xfrm>
-              <a:off x="2594396" y="2696732"/>
-              <a:ext cx="966287" cy="510778"/>
+              <a:off x="1252461" y="4508093"/>
+              <a:ext cx="814647" cy="338554"/>
             </a:xfrm>
-            <a:prstGeom prst="roundRect">
+            <a:prstGeom prst="rect">
               <a:avLst/>
             </a:prstGeom>
-            <a:solidFill>
-              <a:schemeClr val="accent1"/>
-            </a:solidFill>
+            <a:noFill/>
+          </p:spPr>
+          <p:txBody>
+            <a:bodyPr wrap="none" rtlCol="0">
+              <a:spAutoFit/>
+            </a:bodyPr>
+            <a:lstStyle/>
+            <a:p>
+              <a:r>
+                <a:rPr kumimoji="1" lang="en-US" altLang="ko-KR" sz="1600"/>
+                <a:t>Input(t)</a:t>
+              </a:r>
+              <a:endParaRPr kumimoji="1" lang="ko-KR" altLang="en-US" sz="1600" dirty="0"/>
+            </a:p>
+          </p:txBody>
+        </p:sp>
+        <p:sp>
+          <p:nvSpPr>
+            <p:cNvPr id="36" name="순서도: 연결자 35">
+              <a:extLst>
+                <a:ext uri="{FF2B5EF4-FFF2-40B4-BE49-F238E27FC236}">
+                  <a16:creationId xmlns:a16="http://schemas.microsoft.com/office/drawing/2014/main" id="{644809EF-C386-D743-2C5C-BCE4F65FC276}"/>
+                </a:ext>
+              </a:extLst>
+            </p:cNvPr>
+            <p:cNvSpPr>
+              <a:spLocks noChangeAspect="1"/>
+            </p:cNvSpPr>
+            <p:nvPr/>
+          </p:nvSpPr>
+          <p:spPr>
+            <a:xfrm>
+              <a:off x="1234324" y="4271472"/>
+              <a:ext cx="811685" cy="811797"/>
+            </a:xfrm>
+            <a:prstGeom prst="flowChartConnector">
+              <a:avLst/>
+            </a:prstGeom>
+            <a:noFill/>
             <a:ln w="28575" cap="flat" cmpd="sng" algn="ctr">
               <a:solidFill>
                 <a:schemeClr val="tx1"/>
@@ -10431,10 +12012,6 @@
                 </a:spcAft>
                 <a:buNone/>
               </a:pPr>
-              <a:r>
-                <a:rPr lang="ko-KR" altLang="en-US" dirty="0"/>
-                <a:t>뉴런</a:t>
-              </a:r>
               <a:endParaRPr kumimoji="1" lang="ko-KR" altLang="en-US" sz="2400" b="0" i="0" u="none" strike="noStrike" cap="none" normalizeH="0" baseline="0" dirty="0">
                 <a:ln>
                   <a:noFill/>
@@ -10448,12 +12025,33 @@
             </a:p>
           </p:txBody>
         </p:sp>
+      </p:grpSp>
+      <p:grpSp>
+        <p:nvGrpSpPr>
+          <p:cNvPr id="37" name="그룹 36">
+            <a:extLst>
+              <a:ext uri="{FF2B5EF4-FFF2-40B4-BE49-F238E27FC236}">
+                <a16:creationId xmlns:a16="http://schemas.microsoft.com/office/drawing/2014/main" id="{3EDB1337-995A-5920-64E3-4B2AEA72686B}"/>
+              </a:ext>
+            </a:extLst>
+          </p:cNvPr>
+          <p:cNvGrpSpPr/>
+          <p:nvPr/>
+        </p:nvGrpSpPr>
+        <p:grpSpPr>
+          <a:xfrm>
+            <a:off x="5120066" y="5371709"/>
+            <a:ext cx="922047" cy="811797"/>
+            <a:chOff x="1202744" y="4271472"/>
+            <a:chExt cx="922047" cy="811797"/>
+          </a:xfrm>
+        </p:grpSpPr>
         <p:sp>
           <p:nvSpPr>
-            <p:cNvPr id="11" name="TextBox 10">
+            <p:cNvPr id="38" name="TextBox 37">
               <a:extLst>
                 <a:ext uri="{FF2B5EF4-FFF2-40B4-BE49-F238E27FC236}">
-                  <a16:creationId xmlns:a16="http://schemas.microsoft.com/office/drawing/2014/main" id="{DFA15460-09F1-A2FF-A03E-EAABA056C426}"/>
+                  <a16:creationId xmlns:a16="http://schemas.microsoft.com/office/drawing/2014/main" id="{3AF99BAE-E7FA-0CCC-0121-BEE314920BAC}"/>
                 </a:ext>
               </a:extLst>
             </p:cNvPr>
@@ -10462,8 +12060,8 @@
           </p:nvSpPr>
           <p:spPr>
             <a:xfrm>
-              <a:off x="2688140" y="1655177"/>
-              <a:ext cx="800219" cy="461665"/>
+              <a:off x="1202744" y="4508934"/>
+              <a:ext cx="922047" cy="307777"/>
             </a:xfrm>
             <a:prstGeom prst="rect">
               <a:avLst/>
@@ -10477,146 +12075,36 @@
             <a:lstStyle/>
             <a:p>
               <a:r>
-                <a:rPr lang="ko-KR" altLang="en-US" dirty="0"/>
-                <a:t>입력</a:t>
+                <a:rPr kumimoji="1" lang="en-US" altLang="ko-KR" sz="1400" dirty="0"/>
+                <a:t>Input(t+1)</a:t>
               </a:r>
-              <a:endParaRPr kumimoji="1" lang="ko-KR" altLang="en-US" dirty="0"/>
+              <a:endParaRPr kumimoji="1" lang="ko-KR" altLang="en-US" sz="1400" dirty="0"/>
             </a:p>
           </p:txBody>
         </p:sp>
         <p:sp>
           <p:nvSpPr>
-            <p:cNvPr id="14" name="TextBox 13">
+            <p:cNvPr id="39" name="순서도: 연결자 38">
               <a:extLst>
                 <a:ext uri="{FF2B5EF4-FFF2-40B4-BE49-F238E27FC236}">
-                  <a16:creationId xmlns:a16="http://schemas.microsoft.com/office/drawing/2014/main" id="{F9D66558-569E-10CD-0A78-AFF494345CB7}"/>
+                  <a16:creationId xmlns:a16="http://schemas.microsoft.com/office/drawing/2014/main" id="{E9CD14B0-0909-FC5A-2689-E24769B4A46A}"/>
                 </a:ext>
               </a:extLst>
             </p:cNvPr>
-            <p:cNvSpPr txBox="1"/>
+            <p:cNvSpPr>
+              <a:spLocks noChangeAspect="1"/>
+            </p:cNvSpPr>
             <p:nvPr/>
           </p:nvSpPr>
           <p:spPr>
             <a:xfrm>
-              <a:off x="2288031" y="3397089"/>
-              <a:ext cx="800219" cy="461665"/>
+              <a:off x="1234324" y="4271472"/>
+              <a:ext cx="811685" cy="811797"/>
             </a:xfrm>
-            <a:prstGeom prst="rect">
+            <a:prstGeom prst="flowChartConnector">
               <a:avLst/>
             </a:prstGeom>
             <a:noFill/>
-          </p:spPr>
-          <p:txBody>
-            <a:bodyPr wrap="none" rtlCol="0">
-              <a:spAutoFit/>
-            </a:bodyPr>
-            <a:lstStyle/>
-            <a:p>
-              <a:r>
-                <a:rPr lang="ko-KR" altLang="en-US" dirty="0"/>
-                <a:t>누수</a:t>
-              </a:r>
-              <a:endParaRPr kumimoji="1" lang="ko-KR" altLang="en-US" dirty="0"/>
-            </a:p>
-          </p:txBody>
-        </p:sp>
-        <p:cxnSp>
-          <p:nvCxnSpPr>
-            <p:cNvPr id="16" name="직선 화살표 연결선 15">
-              <a:extLst>
-                <a:ext uri="{FF2B5EF4-FFF2-40B4-BE49-F238E27FC236}">
-                  <a16:creationId xmlns:a16="http://schemas.microsoft.com/office/drawing/2014/main" id="{27785CD9-9844-1488-B04D-489554B450C4}"/>
-                </a:ext>
-              </a:extLst>
-            </p:cNvPr>
-            <p:cNvCxnSpPr>
-              <a:cxnSpLocks/>
-              <a:endCxn id="5" idx="1"/>
-            </p:cNvCxnSpPr>
-            <p:nvPr/>
-          </p:nvCxnSpPr>
-          <p:spPr>
-            <a:xfrm>
-              <a:off x="1331640" y="2952121"/>
-              <a:ext cx="1262756" cy="0"/>
-            </a:xfrm>
-            <a:prstGeom prst="straightConnector1">
-              <a:avLst/>
-            </a:prstGeom>
-            <a:solidFill>
-              <a:schemeClr val="accent1"/>
-            </a:solidFill>
-            <a:ln w="28575" cap="flat" cmpd="sng" algn="ctr">
-              <a:solidFill>
-                <a:schemeClr val="tx1"/>
-              </a:solidFill>
-              <a:prstDash val="solid"/>
-              <a:round/>
-              <a:tailEnd type="triangle"/>
-            </a:ln>
-            <a:effectLst/>
-          </p:spPr>
-        </p:cxnSp>
-        <p:cxnSp>
-          <p:nvCxnSpPr>
-            <p:cNvPr id="19" name="직선 화살표 연결선 18">
-              <a:extLst>
-                <a:ext uri="{FF2B5EF4-FFF2-40B4-BE49-F238E27FC236}">
-                  <a16:creationId xmlns:a16="http://schemas.microsoft.com/office/drawing/2014/main" id="{4D026F0B-1D6D-3837-0CD2-143B401E20BB}"/>
-                </a:ext>
-              </a:extLst>
-            </p:cNvPr>
-            <p:cNvCxnSpPr>
-              <a:cxnSpLocks/>
-              <a:stCxn id="5" idx="2"/>
-            </p:cNvCxnSpPr>
-            <p:nvPr/>
-          </p:nvCxnSpPr>
-          <p:spPr>
-            <a:xfrm>
-              <a:off x="3077540" y="3207510"/>
-              <a:ext cx="0" cy="725546"/>
-            </a:xfrm>
-            <a:prstGeom prst="straightConnector1">
-              <a:avLst/>
-            </a:prstGeom>
-            <a:solidFill>
-              <a:schemeClr val="accent1"/>
-            </a:solidFill>
-            <a:ln w="28575" cap="flat" cmpd="sng" algn="ctr">
-              <a:solidFill>
-                <a:schemeClr val="tx1"/>
-              </a:solidFill>
-              <a:prstDash val="solid"/>
-              <a:round/>
-              <a:tailEnd type="triangle"/>
-            </a:ln>
-            <a:effectLst/>
-          </p:spPr>
-        </p:cxnSp>
-        <p:sp>
-          <p:nvSpPr>
-            <p:cNvPr id="30" name="모서리가 둥근 직사각형 29">
-              <a:extLst>
-                <a:ext uri="{FF2B5EF4-FFF2-40B4-BE49-F238E27FC236}">
-                  <a16:creationId xmlns:a16="http://schemas.microsoft.com/office/drawing/2014/main" id="{5B8DE54F-03BB-7772-2B54-0FD95C05E2EC}"/>
-                </a:ext>
-              </a:extLst>
-            </p:cNvPr>
-            <p:cNvSpPr/>
-            <p:nvPr/>
-          </p:nvSpPr>
-          <p:spPr>
-            <a:xfrm>
-              <a:off x="5239834" y="2685070"/>
-              <a:ext cx="966287" cy="510778"/>
-            </a:xfrm>
-            <a:prstGeom prst="roundRect">
-              <a:avLst/>
-            </a:prstGeom>
-            <a:solidFill>
-              <a:schemeClr val="accent1"/>
-            </a:solidFill>
             <a:ln w="28575" cap="flat" cmpd="sng" algn="ctr">
               <a:solidFill>
                 <a:schemeClr val="tx1"/>
@@ -10647,10 +12135,6 @@
                 </a:spcAft>
                 <a:buNone/>
               </a:pPr>
-              <a:r>
-                <a:rPr lang="ko-KR" altLang="en-US" dirty="0"/>
-                <a:t>뉴런</a:t>
-              </a:r>
               <a:endParaRPr kumimoji="1" lang="ko-KR" altLang="en-US" sz="2400" b="0" i="0" u="none" strike="noStrike" cap="none" normalizeH="0" baseline="0" dirty="0">
                 <a:ln>
                   <a:noFill/>
@@ -10661,1322 +12145,6 @@
                 <a:latin typeface="Times New Roman"/>
                 <a:ea typeface="굴림"/>
               </a:endParaRPr>
-            </a:p>
-          </p:txBody>
-        </p:sp>
-        <p:cxnSp>
-          <p:nvCxnSpPr>
-            <p:cNvPr id="31" name="직선 화살표 연결선 30">
-              <a:extLst>
-                <a:ext uri="{FF2B5EF4-FFF2-40B4-BE49-F238E27FC236}">
-                  <a16:creationId xmlns:a16="http://schemas.microsoft.com/office/drawing/2014/main" id="{B127795D-95C7-D377-73E4-DC770235E0B9}"/>
-                </a:ext>
-              </a:extLst>
-            </p:cNvPr>
-            <p:cNvCxnSpPr>
-              <a:cxnSpLocks/>
-              <a:stCxn id="5" idx="3"/>
-              <a:endCxn id="30" idx="1"/>
-            </p:cNvCxnSpPr>
-            <p:nvPr/>
-          </p:nvCxnSpPr>
-          <p:spPr>
-            <a:xfrm flipV="1">
-              <a:off x="3560683" y="2940459"/>
-              <a:ext cx="1679151" cy="11662"/>
-            </a:xfrm>
-            <a:prstGeom prst="straightConnector1">
-              <a:avLst/>
-            </a:prstGeom>
-            <a:solidFill>
-              <a:schemeClr val="accent1"/>
-            </a:solidFill>
-            <a:ln w="28575" cap="flat" cmpd="sng" algn="ctr">
-              <a:solidFill>
-                <a:schemeClr val="tx1"/>
-              </a:solidFill>
-              <a:prstDash val="solid"/>
-              <a:round/>
-              <a:tailEnd type="triangle"/>
-            </a:ln>
-            <a:effectLst/>
-          </p:spPr>
-        </p:cxnSp>
-        <p:sp>
-          <p:nvSpPr>
-            <p:cNvPr id="35" name="TextBox 34">
-              <a:extLst>
-                <a:ext uri="{FF2B5EF4-FFF2-40B4-BE49-F238E27FC236}">
-                  <a16:creationId xmlns:a16="http://schemas.microsoft.com/office/drawing/2014/main" id="{D6DFE1A7-0496-3403-9FEB-5BBECE6C8604}"/>
-                </a:ext>
-              </a:extLst>
-            </p:cNvPr>
-            <p:cNvSpPr txBox="1"/>
-            <p:nvPr/>
-          </p:nvSpPr>
-          <p:spPr>
-            <a:xfrm>
-              <a:off x="3620216" y="2955975"/>
-              <a:ext cx="1415772" cy="461665"/>
-            </a:xfrm>
-            <a:prstGeom prst="rect">
-              <a:avLst/>
-            </a:prstGeom>
-            <a:noFill/>
-          </p:spPr>
-          <p:txBody>
-            <a:bodyPr wrap="none" rtlCol="0">
-              <a:spAutoFit/>
-            </a:bodyPr>
-            <a:lstStyle/>
-            <a:p>
-              <a:r>
-                <a:rPr lang="ko-KR" altLang="en-US" dirty="0"/>
-                <a:t>스파이크</a:t>
-              </a:r>
-              <a:endParaRPr kumimoji="1" lang="ko-KR" altLang="en-US" dirty="0"/>
-            </a:p>
-          </p:txBody>
-        </p:sp>
-        <p:cxnSp>
-          <p:nvCxnSpPr>
-            <p:cNvPr id="54" name="꺾인 연결선[E] 53">
-              <a:extLst>
-                <a:ext uri="{FF2B5EF4-FFF2-40B4-BE49-F238E27FC236}">
-                  <a16:creationId xmlns:a16="http://schemas.microsoft.com/office/drawing/2014/main" id="{A292ECBF-1965-BA00-C317-BD9DC1F88730}"/>
-                </a:ext>
-              </a:extLst>
-            </p:cNvPr>
-            <p:cNvCxnSpPr>
-              <a:cxnSpLocks/>
-              <a:stCxn id="35" idx="0"/>
-            </p:cNvCxnSpPr>
-            <p:nvPr/>
-          </p:nvCxnSpPr>
-          <p:spPr>
-            <a:xfrm rot="16200000" flipV="1">
-              <a:off x="3776824" y="2404697"/>
-              <a:ext cx="259243" cy="843314"/>
-            </a:xfrm>
-            <a:prstGeom prst="bentConnector2">
-              <a:avLst/>
-            </a:prstGeom>
-            <a:solidFill>
-              <a:schemeClr val="accent1"/>
-            </a:solidFill>
-            <a:ln w="28575" cap="flat" cmpd="sng" algn="ctr">
-              <a:solidFill>
-                <a:schemeClr val="tx1"/>
-              </a:solidFill>
-              <a:prstDash val="solid"/>
-              <a:round/>
-              <a:tailEnd type="triangle"/>
-            </a:ln>
-            <a:effectLst/>
-          </p:spPr>
-        </p:cxnSp>
-        <p:sp>
-          <p:nvSpPr>
-            <p:cNvPr id="57" name="TextBox 56">
-              <a:extLst>
-                <a:ext uri="{FF2B5EF4-FFF2-40B4-BE49-F238E27FC236}">
-                  <a16:creationId xmlns:a16="http://schemas.microsoft.com/office/drawing/2014/main" id="{13F6121E-7D85-4378-82D8-2D5C756E0B6C}"/>
-                </a:ext>
-              </a:extLst>
-            </p:cNvPr>
-            <p:cNvSpPr txBox="1"/>
-            <p:nvPr/>
-          </p:nvSpPr>
-          <p:spPr>
-            <a:xfrm>
-              <a:off x="3397089" y="2222172"/>
-              <a:ext cx="1338828" cy="461665"/>
-            </a:xfrm>
-            <a:prstGeom prst="rect">
-              <a:avLst/>
-            </a:prstGeom>
-            <a:noFill/>
-          </p:spPr>
-          <p:txBody>
-            <a:bodyPr wrap="none" rtlCol="0">
-              <a:spAutoFit/>
-            </a:bodyPr>
-            <a:lstStyle/>
-            <a:p>
-              <a:r>
-                <a:rPr lang="en-US" altLang="ko-KR" dirty="0"/>
-                <a:t>v </a:t>
-              </a:r>
-              <a:r>
-                <a:rPr lang="ko-KR" altLang="en-US" dirty="0"/>
-                <a:t>초기화</a:t>
-              </a:r>
-              <a:endParaRPr kumimoji="1" lang="ko-KR" altLang="en-US" dirty="0"/>
-            </a:p>
-          </p:txBody>
-        </p:sp>
-        <p:cxnSp>
-          <p:nvCxnSpPr>
-            <p:cNvPr id="60" name="직선 화살표 연결선 59">
-              <a:extLst>
-                <a:ext uri="{FF2B5EF4-FFF2-40B4-BE49-F238E27FC236}">
-                  <a16:creationId xmlns:a16="http://schemas.microsoft.com/office/drawing/2014/main" id="{F98111D2-73B3-A5E7-1178-7B5E66933B02}"/>
-                </a:ext>
-              </a:extLst>
-            </p:cNvPr>
-            <p:cNvCxnSpPr>
-              <a:cxnSpLocks/>
-              <a:endCxn id="5" idx="0"/>
-            </p:cNvCxnSpPr>
-            <p:nvPr/>
-          </p:nvCxnSpPr>
-          <p:spPr>
-            <a:xfrm flipH="1">
-              <a:off x="3077540" y="2157212"/>
-              <a:ext cx="10710" cy="539520"/>
-            </a:xfrm>
-            <a:prstGeom prst="straightConnector1">
-              <a:avLst/>
-            </a:prstGeom>
-            <a:solidFill>
-              <a:schemeClr val="accent1"/>
-            </a:solidFill>
-            <a:ln w="28575" cap="flat" cmpd="sng" algn="ctr">
-              <a:solidFill>
-                <a:schemeClr val="tx1"/>
-              </a:solidFill>
-              <a:prstDash val="solid"/>
-              <a:round/>
-              <a:tailEnd type="triangle"/>
-            </a:ln>
-            <a:effectLst/>
-          </p:spPr>
-        </p:cxnSp>
-        <p:cxnSp>
-          <p:nvCxnSpPr>
-            <p:cNvPr id="66" name="직선 화살표 연결선 65">
-              <a:extLst>
-                <a:ext uri="{FF2B5EF4-FFF2-40B4-BE49-F238E27FC236}">
-                  <a16:creationId xmlns:a16="http://schemas.microsoft.com/office/drawing/2014/main" id="{C6B29FD3-54DE-4B92-DBE2-BBA4FE876D27}"/>
-                </a:ext>
-              </a:extLst>
-            </p:cNvPr>
-            <p:cNvCxnSpPr>
-              <a:cxnSpLocks/>
-              <a:stCxn id="30" idx="2"/>
-            </p:cNvCxnSpPr>
-            <p:nvPr/>
-          </p:nvCxnSpPr>
-          <p:spPr>
-            <a:xfrm>
-              <a:off x="5722978" y="3195848"/>
-              <a:ext cx="0" cy="687383"/>
-            </a:xfrm>
-            <a:prstGeom prst="straightConnector1">
-              <a:avLst/>
-            </a:prstGeom>
-            <a:solidFill>
-              <a:schemeClr val="accent1"/>
-            </a:solidFill>
-            <a:ln w="28575" cap="flat" cmpd="sng" algn="ctr">
-              <a:solidFill>
-                <a:schemeClr val="tx1"/>
-              </a:solidFill>
-              <a:prstDash val="solid"/>
-              <a:round/>
-              <a:tailEnd type="triangle"/>
-            </a:ln>
-            <a:effectLst/>
-          </p:spPr>
-        </p:cxnSp>
-        <p:cxnSp>
-          <p:nvCxnSpPr>
-            <p:cNvPr id="69" name="직선 화살표 연결선 68">
-              <a:extLst>
-                <a:ext uri="{FF2B5EF4-FFF2-40B4-BE49-F238E27FC236}">
-                  <a16:creationId xmlns:a16="http://schemas.microsoft.com/office/drawing/2014/main" id="{B82ACC33-E2B9-A103-9A7F-49940885A27F}"/>
-                </a:ext>
-              </a:extLst>
-            </p:cNvPr>
-            <p:cNvCxnSpPr>
-              <a:cxnSpLocks/>
-            </p:cNvCxnSpPr>
-            <p:nvPr/>
-          </p:nvCxnSpPr>
-          <p:spPr>
-            <a:xfrm flipV="1">
-              <a:off x="6215381" y="2916933"/>
-              <a:ext cx="1679151" cy="11662"/>
-            </a:xfrm>
-            <a:prstGeom prst="straightConnector1">
-              <a:avLst/>
-            </a:prstGeom>
-            <a:solidFill>
-              <a:schemeClr val="accent1"/>
-            </a:solidFill>
-            <a:ln w="28575" cap="flat" cmpd="sng" algn="ctr">
-              <a:solidFill>
-                <a:schemeClr val="tx1"/>
-              </a:solidFill>
-              <a:prstDash val="solid"/>
-              <a:round/>
-              <a:tailEnd type="triangle"/>
-            </a:ln>
-            <a:effectLst/>
-          </p:spPr>
-        </p:cxnSp>
-        <p:cxnSp>
-          <p:nvCxnSpPr>
-            <p:cNvPr id="77" name="직선 화살표 연결선 76">
-              <a:extLst>
-                <a:ext uri="{FF2B5EF4-FFF2-40B4-BE49-F238E27FC236}">
-                  <a16:creationId xmlns:a16="http://schemas.microsoft.com/office/drawing/2014/main" id="{E04BE4BB-09C5-3EEC-DA2F-9BF82F56431B}"/>
-                </a:ext>
-              </a:extLst>
-            </p:cNvPr>
-            <p:cNvCxnSpPr>
-              <a:cxnSpLocks/>
-            </p:cNvCxnSpPr>
-            <p:nvPr/>
-          </p:nvCxnSpPr>
-          <p:spPr>
-            <a:xfrm flipH="1">
-              <a:off x="5722977" y="2144317"/>
-              <a:ext cx="10710" cy="539520"/>
-            </a:xfrm>
-            <a:prstGeom prst="straightConnector1">
-              <a:avLst/>
-            </a:prstGeom>
-            <a:solidFill>
-              <a:schemeClr val="accent1"/>
-            </a:solidFill>
-            <a:ln w="28575" cap="flat" cmpd="sng" algn="ctr">
-              <a:solidFill>
-                <a:schemeClr val="tx1"/>
-              </a:solidFill>
-              <a:prstDash val="solid"/>
-              <a:round/>
-              <a:tailEnd type="triangle"/>
-            </a:ln>
-            <a:effectLst/>
-          </p:spPr>
-        </p:cxnSp>
-        <p:sp>
-          <p:nvSpPr>
-            <p:cNvPr id="78" name="TextBox 77">
-              <a:extLst>
-                <a:ext uri="{FF2B5EF4-FFF2-40B4-BE49-F238E27FC236}">
-                  <a16:creationId xmlns:a16="http://schemas.microsoft.com/office/drawing/2014/main" id="{4E637206-BE91-FB32-0876-96C93602D372}"/>
-                </a:ext>
-              </a:extLst>
-            </p:cNvPr>
-            <p:cNvSpPr txBox="1"/>
-            <p:nvPr/>
-          </p:nvSpPr>
-          <p:spPr>
-            <a:xfrm>
-              <a:off x="5322867" y="1672750"/>
-              <a:ext cx="800219" cy="461665"/>
-            </a:xfrm>
-            <a:prstGeom prst="rect">
-              <a:avLst/>
-            </a:prstGeom>
-            <a:noFill/>
-          </p:spPr>
-          <p:txBody>
-            <a:bodyPr wrap="none" rtlCol="0">
-              <a:spAutoFit/>
-            </a:bodyPr>
-            <a:lstStyle/>
-            <a:p>
-              <a:r>
-                <a:rPr lang="ko-KR" altLang="en-US" dirty="0"/>
-                <a:t>입력</a:t>
-              </a:r>
-              <a:endParaRPr kumimoji="1" lang="ko-KR" altLang="en-US" dirty="0"/>
-            </a:p>
-          </p:txBody>
-        </p:sp>
-        <p:cxnSp>
-          <p:nvCxnSpPr>
-            <p:cNvPr id="80" name="꺾인 연결선[E] 79">
-              <a:extLst>
-                <a:ext uri="{FF2B5EF4-FFF2-40B4-BE49-F238E27FC236}">
-                  <a16:creationId xmlns:a16="http://schemas.microsoft.com/office/drawing/2014/main" id="{50DD57C5-27A7-4301-826B-6D02F80C75A6}"/>
-                </a:ext>
-              </a:extLst>
-            </p:cNvPr>
-            <p:cNvCxnSpPr>
-              <a:cxnSpLocks/>
-            </p:cNvCxnSpPr>
-            <p:nvPr/>
-          </p:nvCxnSpPr>
-          <p:spPr>
-            <a:xfrm rot="10800000">
-              <a:off x="6195410" y="2696732"/>
-              <a:ext cx="791356" cy="217666"/>
-            </a:xfrm>
-            <a:prstGeom prst="bentConnector3">
-              <a:avLst>
-                <a:gd name="adj1" fmla="val -1243"/>
-              </a:avLst>
-            </a:prstGeom>
-            <a:solidFill>
-              <a:schemeClr val="accent1"/>
-            </a:solidFill>
-            <a:ln w="28575" cap="flat" cmpd="sng" algn="ctr">
-              <a:solidFill>
-                <a:schemeClr val="tx1"/>
-              </a:solidFill>
-              <a:prstDash val="solid"/>
-              <a:round/>
-              <a:tailEnd type="triangle"/>
-            </a:ln>
-            <a:effectLst/>
-          </p:spPr>
-        </p:cxnSp>
-        <p:sp>
-          <p:nvSpPr>
-            <p:cNvPr id="81" name="TextBox 80">
-              <a:extLst>
-                <a:ext uri="{FF2B5EF4-FFF2-40B4-BE49-F238E27FC236}">
-                  <a16:creationId xmlns:a16="http://schemas.microsoft.com/office/drawing/2014/main" id="{CE6545E3-728A-5029-D61E-DDC0EB7BD98E}"/>
-                </a:ext>
-              </a:extLst>
-            </p:cNvPr>
-            <p:cNvSpPr txBox="1"/>
-            <p:nvPr/>
-          </p:nvSpPr>
-          <p:spPr>
-            <a:xfrm>
-              <a:off x="6055752" y="2180594"/>
-              <a:ext cx="1338828" cy="461665"/>
-            </a:xfrm>
-            <a:prstGeom prst="rect">
-              <a:avLst/>
-            </a:prstGeom>
-            <a:noFill/>
-          </p:spPr>
-          <p:txBody>
-            <a:bodyPr wrap="none" rtlCol="0">
-              <a:spAutoFit/>
-            </a:bodyPr>
-            <a:lstStyle/>
-            <a:p>
-              <a:r>
-                <a:rPr lang="en-US" altLang="ko-KR" dirty="0"/>
-                <a:t>v </a:t>
-              </a:r>
-              <a:r>
-                <a:rPr lang="ko-KR" altLang="en-US" dirty="0"/>
-                <a:t>초기화</a:t>
-              </a:r>
-              <a:endParaRPr kumimoji="1" lang="ko-KR" altLang="en-US" dirty="0"/>
-            </a:p>
-          </p:txBody>
-        </p:sp>
-        <p:sp>
-          <p:nvSpPr>
-            <p:cNvPr id="84" name="TextBox 83">
-              <a:extLst>
-                <a:ext uri="{FF2B5EF4-FFF2-40B4-BE49-F238E27FC236}">
-                  <a16:creationId xmlns:a16="http://schemas.microsoft.com/office/drawing/2014/main" id="{F798DB22-1537-7F0C-8F86-D9D74924D299}"/>
-                </a:ext>
-              </a:extLst>
-            </p:cNvPr>
-            <p:cNvSpPr txBox="1"/>
-            <p:nvPr/>
-          </p:nvSpPr>
-          <p:spPr>
-            <a:xfrm>
-              <a:off x="6346258" y="2940459"/>
-              <a:ext cx="1417396" cy="461665"/>
-            </a:xfrm>
-            <a:prstGeom prst="rect">
-              <a:avLst/>
-            </a:prstGeom>
-            <a:noFill/>
-          </p:spPr>
-          <p:txBody>
-            <a:bodyPr wrap="square" rtlCol="0">
-              <a:spAutoFit/>
-            </a:bodyPr>
-            <a:lstStyle/>
-            <a:p>
-              <a:r>
-                <a:rPr lang="ko-KR" altLang="en-US" dirty="0"/>
-                <a:t>스파이크</a:t>
-              </a:r>
-              <a:endParaRPr kumimoji="1" lang="ko-KR" altLang="en-US" dirty="0"/>
-            </a:p>
-          </p:txBody>
-        </p:sp>
-        <p:sp>
-          <p:nvSpPr>
-            <p:cNvPr id="86" name="TextBox 85">
-              <a:extLst>
-                <a:ext uri="{FF2B5EF4-FFF2-40B4-BE49-F238E27FC236}">
-                  <a16:creationId xmlns:a16="http://schemas.microsoft.com/office/drawing/2014/main" id="{5310FDF0-B95F-8D34-92D8-874E64045C2B}"/>
-                </a:ext>
-              </a:extLst>
-            </p:cNvPr>
-            <p:cNvSpPr txBox="1"/>
-            <p:nvPr/>
-          </p:nvSpPr>
-          <p:spPr>
-            <a:xfrm>
-              <a:off x="4933468" y="3339450"/>
-              <a:ext cx="800219" cy="461665"/>
-            </a:xfrm>
-            <a:prstGeom prst="rect">
-              <a:avLst/>
-            </a:prstGeom>
-            <a:noFill/>
-          </p:spPr>
-          <p:txBody>
-            <a:bodyPr wrap="none" rtlCol="0">
-              <a:spAutoFit/>
-            </a:bodyPr>
-            <a:lstStyle/>
-            <a:p>
-              <a:r>
-                <a:rPr lang="ko-KR" altLang="en-US" dirty="0"/>
-                <a:t>누수</a:t>
-              </a:r>
-              <a:endParaRPr kumimoji="1" lang="ko-KR" altLang="en-US" dirty="0"/>
-            </a:p>
-          </p:txBody>
-        </p:sp>
-      </p:grpSp>
-    </p:spTree>
-    <p:extLst>
-      <p:ext uri="{BB962C8B-B14F-4D97-AF65-F5344CB8AC3E}">
-        <p14:creationId xmlns:p14="http://schemas.microsoft.com/office/powerpoint/2010/main" val="2766897680"/>
-      </p:ext>
-    </p:extLst>
-  </p:cSld>
-  <p:clrMapOvr>
-    <a:masterClrMapping/>
-  </p:clrMapOvr>
-</p:sld>
-</file>
-
-<file path=ppt/slides/slide4.xml><?xml version="1.0" encoding="utf-8"?>
-<p:sld xmlns:a="http://schemas.openxmlformats.org/drawingml/2006/main" xmlns:r="http://schemas.openxmlformats.org/officeDocument/2006/relationships" xmlns:p="http://schemas.openxmlformats.org/presentationml/2006/main">
-  <p:cSld>
-    <p:spTree>
-      <p:nvGrpSpPr>
-        <p:cNvPr id="1" name=""/>
-        <p:cNvGrpSpPr/>
-        <p:nvPr/>
-      </p:nvGrpSpPr>
-      <p:grpSpPr>
-        <a:xfrm>
-          <a:off x="0" y="0"/>
-          <a:ext cx="0" cy="0"/>
-          <a:chOff x="0" y="0"/>
-          <a:chExt cx="0" cy="0"/>
-        </a:xfrm>
-      </p:grpSpPr>
-      <p:sp>
-        <p:nvSpPr>
-          <p:cNvPr id="2" name="제목 1">
-            <a:extLst>
-              <a:ext uri="{FF2B5EF4-FFF2-40B4-BE49-F238E27FC236}">
-                <a16:creationId xmlns:a16="http://schemas.microsoft.com/office/drawing/2014/main" id="{E807F801-4798-3351-84E3-43E45F0D04ED}"/>
-              </a:ext>
-            </a:extLst>
-          </p:cNvPr>
-          <p:cNvSpPr>
-            <a:spLocks noGrp="1"/>
-          </p:cNvSpPr>
-          <p:nvPr>
-            <p:ph type="title"/>
-          </p:nvPr>
-        </p:nvSpPr>
-        <p:spPr/>
-        <p:txBody>
-          <a:bodyPr/>
-          <a:lstStyle/>
-          <a:p>
-            <a:r>
-              <a:rPr lang="ko-KR" altLang="en-US" dirty="0"/>
-              <a:t>순환신경망</a:t>
-            </a:r>
-            <a:r>
-              <a:rPr kumimoji="1" lang="ko-KR" altLang="en-US" dirty="0"/>
-              <a:t> 모델</a:t>
-            </a:r>
-          </a:p>
-        </p:txBody>
-      </p:sp>
-      <p:sp>
-        <p:nvSpPr>
-          <p:cNvPr id="3" name="내용 개체 틀 2">
-            <a:extLst>
-              <a:ext uri="{FF2B5EF4-FFF2-40B4-BE49-F238E27FC236}">
-                <a16:creationId xmlns:a16="http://schemas.microsoft.com/office/drawing/2014/main" id="{293529A8-F96F-857A-F11E-6FD404F9DCCC}"/>
-              </a:ext>
-            </a:extLst>
-          </p:cNvPr>
-          <p:cNvSpPr>
-            <a:spLocks noGrp="1"/>
-          </p:cNvSpPr>
-          <p:nvPr>
-            <p:ph idx="1"/>
-          </p:nvPr>
-        </p:nvSpPr>
-        <p:spPr/>
-        <p:txBody>
-          <a:bodyPr/>
-          <a:lstStyle/>
-          <a:p>
-            <a:r>
-              <a:rPr lang="ko-KR" altLang="en-US" dirty="0"/>
-              <a:t>순환신경망</a:t>
-            </a:r>
-            <a:r>
-              <a:rPr lang="en-US" altLang="ko-KR" dirty="0"/>
-              <a:t>(Recurrent</a:t>
-            </a:r>
-            <a:r>
-              <a:rPr lang="ko-KR" altLang="en-US" dirty="0"/>
-              <a:t> </a:t>
-            </a:r>
-            <a:r>
-              <a:rPr lang="en-US" altLang="ko-KR" dirty="0"/>
-              <a:t>Neural Network)</a:t>
-            </a:r>
-            <a:r>
-              <a:rPr lang="ko-KR" altLang="en-US" dirty="0"/>
-              <a:t>은 </a:t>
-            </a:r>
-            <a:endParaRPr lang="en-US" altLang="ko-KR" dirty="0"/>
-          </a:p>
-          <a:p>
-            <a:r>
-              <a:rPr lang="ko-KR" altLang="en-US" dirty="0"/>
-              <a:t>메모리 개념을 가짐</a:t>
-            </a:r>
-            <a:endParaRPr lang="en-US" altLang="ko-KR" dirty="0"/>
-          </a:p>
-          <a:p>
-            <a:r>
-              <a:rPr lang="ko-KR" altLang="en-US" dirty="0"/>
-              <a:t>메모리는 다음 시간의 입력으로 사용</a:t>
-            </a:r>
-            <a:endParaRPr kumimoji="1" lang="ko-KR" altLang="en-US" dirty="0"/>
-          </a:p>
-        </p:txBody>
-      </p:sp>
-      <p:grpSp>
-        <p:nvGrpSpPr>
-          <p:cNvPr id="34" name="그룹 33">
-            <a:extLst>
-              <a:ext uri="{FF2B5EF4-FFF2-40B4-BE49-F238E27FC236}">
-                <a16:creationId xmlns:a16="http://schemas.microsoft.com/office/drawing/2014/main" id="{421A59F6-683E-1019-EDF9-3494C2A63A0F}"/>
-              </a:ext>
-            </a:extLst>
-          </p:cNvPr>
-          <p:cNvGrpSpPr/>
-          <p:nvPr/>
-        </p:nvGrpSpPr>
-        <p:grpSpPr>
-          <a:xfrm>
-            <a:off x="1547664" y="3276364"/>
-            <a:ext cx="6009211" cy="3023679"/>
-            <a:chOff x="1547664" y="3276364"/>
-            <a:chExt cx="6009211" cy="3023679"/>
-          </a:xfrm>
-        </p:grpSpPr>
-        <p:grpSp>
-          <p:nvGrpSpPr>
-            <p:cNvPr id="27" name="그룹 26">
-              <a:extLst>
-                <a:ext uri="{FF2B5EF4-FFF2-40B4-BE49-F238E27FC236}">
-                  <a16:creationId xmlns:a16="http://schemas.microsoft.com/office/drawing/2014/main" id="{15C3B89D-5424-AA86-7039-8F198BBEB545}"/>
-                </a:ext>
-              </a:extLst>
-            </p:cNvPr>
-            <p:cNvGrpSpPr/>
-            <p:nvPr/>
-          </p:nvGrpSpPr>
-          <p:grpSpPr>
-            <a:xfrm>
-              <a:off x="1547664" y="3285446"/>
-              <a:ext cx="4747889" cy="3014597"/>
-              <a:chOff x="1438470" y="2883513"/>
-              <a:chExt cx="4747889" cy="3014597"/>
-            </a:xfrm>
-          </p:grpSpPr>
-          <p:sp>
-            <p:nvSpPr>
-              <p:cNvPr id="5" name="모서리가 둥근 직사각형 4">
-                <a:extLst>
-                  <a:ext uri="{FF2B5EF4-FFF2-40B4-BE49-F238E27FC236}">
-                    <a16:creationId xmlns:a16="http://schemas.microsoft.com/office/drawing/2014/main" id="{A9D2FF32-2D03-6C2F-EA13-9837D8275A4E}"/>
-                  </a:ext>
-                </a:extLst>
-              </p:cNvPr>
-              <p:cNvSpPr/>
-              <p:nvPr/>
-            </p:nvSpPr>
-            <p:spPr>
-              <a:xfrm>
-                <a:off x="2699792" y="4143160"/>
-                <a:ext cx="966287" cy="510778"/>
-              </a:xfrm>
-              <a:prstGeom prst="roundRect">
-                <a:avLst/>
-              </a:prstGeom>
-              <a:solidFill>
-                <a:schemeClr val="accent1"/>
-              </a:solidFill>
-              <a:ln w="28575" cap="flat" cmpd="sng" algn="ctr">
-                <a:solidFill>
-                  <a:schemeClr val="tx1"/>
-                </a:solidFill>
-                <a:prstDash val="solid"/>
-                <a:round/>
-              </a:ln>
-              <a:effectLst/>
-            </p:spPr>
-            <p:txBody>
-              <a:bodyPr vert="horz" wrap="square" lIns="91440" tIns="45720" rIns="91440" bIns="45720" numCol="1" rtlCol="0" anchor="ctr" anchorCtr="0" compatLnSpc="1">
-                <a:prstTxWarp prst="textNoShape">
-                  <a:avLst/>
-                </a:prstTxWarp>
-                <a:spAutoFit/>
-              </a:bodyPr>
-              <a:lstStyle/>
-              <a:p>
-                <a:pPr marL="0" marR="0" indent="0" algn="ctr" defTabSz="914400" rtl="0" eaLnBrk="1" fontAlgn="base" latinLnBrk="1" hangingPunct="1">
-                  <a:lnSpc>
-                    <a:spcPct val="100000"/>
-                  </a:lnSpc>
-                  <a:spcBef>
-                    <a:spcPct val="0"/>
-                  </a:spcBef>
-                  <a:spcAft>
-                    <a:spcPct val="0"/>
-                  </a:spcAft>
-                  <a:buNone/>
-                </a:pPr>
-                <a:r>
-                  <a:rPr kumimoji="1" lang="en-US" altLang="ko-KR" sz="2400" b="0" i="0" u="none" strike="noStrike" cap="none" normalizeH="0" baseline="0" dirty="0">
-                    <a:ln>
-                      <a:noFill/>
-                    </a:ln>
-                    <a:solidFill>
-                      <a:schemeClr val="tx1"/>
-                    </a:solidFill>
-                    <a:latin typeface="Times New Roman"/>
-                    <a:ea typeface="굴림"/>
-                  </a:rPr>
-                  <a:t>t</a:t>
-                </a:r>
-                <a:endParaRPr kumimoji="1" lang="ko-KR" altLang="en-US" sz="2400" b="0" i="0" u="none" strike="noStrike" cap="none" normalizeH="0" baseline="0" dirty="0">
-                  <a:ln>
-                    <a:noFill/>
-                  </a:ln>
-                  <a:solidFill>
-                    <a:schemeClr val="tx1"/>
-                  </a:solidFill>
-                  <a:latin typeface="Times New Roman"/>
-                  <a:ea typeface="굴림"/>
-                </a:endParaRPr>
-              </a:p>
-            </p:txBody>
-          </p:sp>
-          <p:sp>
-            <p:nvSpPr>
-              <p:cNvPr id="6" name="모서리가 둥근 직사각형 5">
-                <a:extLst>
-                  <a:ext uri="{FF2B5EF4-FFF2-40B4-BE49-F238E27FC236}">
-                    <a16:creationId xmlns:a16="http://schemas.microsoft.com/office/drawing/2014/main" id="{3DEA9304-79BE-432D-4C38-55B603168990}"/>
-                  </a:ext>
-                </a:extLst>
-              </p:cNvPr>
-              <p:cNvSpPr/>
-              <p:nvPr/>
-            </p:nvSpPr>
-            <p:spPr>
-              <a:xfrm>
-                <a:off x="5220072" y="4143160"/>
-                <a:ext cx="966287" cy="510778"/>
-              </a:xfrm>
-              <a:prstGeom prst="roundRect">
-                <a:avLst/>
-              </a:prstGeom>
-              <a:solidFill>
-                <a:schemeClr val="accent1"/>
-              </a:solidFill>
-              <a:ln w="28575" cap="flat" cmpd="sng" algn="ctr">
-                <a:solidFill>
-                  <a:schemeClr val="tx1"/>
-                </a:solidFill>
-                <a:prstDash val="solid"/>
-                <a:round/>
-              </a:ln>
-              <a:effectLst/>
-            </p:spPr>
-            <p:txBody>
-              <a:bodyPr vert="horz" wrap="square" lIns="91440" tIns="45720" rIns="91440" bIns="45720" numCol="1" rtlCol="0" anchor="ctr" anchorCtr="0" compatLnSpc="1">
-                <a:prstTxWarp prst="textNoShape">
-                  <a:avLst/>
-                </a:prstTxWarp>
-                <a:spAutoFit/>
-              </a:bodyPr>
-              <a:lstStyle/>
-              <a:p>
-                <a:pPr marL="0" marR="0" indent="0" algn="ctr" defTabSz="914400" rtl="0" eaLnBrk="1" fontAlgn="base" latinLnBrk="1" hangingPunct="1">
-                  <a:lnSpc>
-                    <a:spcPct val="100000"/>
-                  </a:lnSpc>
-                  <a:spcBef>
-                    <a:spcPct val="0"/>
-                  </a:spcBef>
-                  <a:spcAft>
-                    <a:spcPct val="0"/>
-                  </a:spcAft>
-                  <a:buNone/>
-                </a:pPr>
-                <a:r>
-                  <a:rPr kumimoji="1" lang="en-US" altLang="ko-KR" sz="2400" b="0" i="0" u="none" strike="noStrike" cap="none" normalizeH="0" baseline="0" dirty="0">
-                    <a:ln>
-                      <a:noFill/>
-                    </a:ln>
-                    <a:solidFill>
-                      <a:schemeClr val="tx1"/>
-                    </a:solidFill>
-                    <a:latin typeface="Times New Roman"/>
-                    <a:ea typeface="굴림"/>
-                  </a:rPr>
-                  <a:t>t+1</a:t>
-                </a:r>
-                <a:endParaRPr kumimoji="1" lang="ko-KR" altLang="en-US" sz="2400" b="0" i="0" u="none" strike="noStrike" cap="none" normalizeH="0" baseline="0" dirty="0">
-                  <a:ln>
-                    <a:noFill/>
-                  </a:ln>
-                  <a:solidFill>
-                    <a:schemeClr val="tx1"/>
-                  </a:solidFill>
-                  <a:latin typeface="Times New Roman"/>
-                  <a:ea typeface="굴림"/>
-                </a:endParaRPr>
-              </a:p>
-            </p:txBody>
-          </p:sp>
-          <p:cxnSp>
-            <p:nvCxnSpPr>
-              <p:cNvPr id="8" name="직선 화살표 연결선 7">
-                <a:extLst>
-                  <a:ext uri="{FF2B5EF4-FFF2-40B4-BE49-F238E27FC236}">
-                    <a16:creationId xmlns:a16="http://schemas.microsoft.com/office/drawing/2014/main" id="{41DCA7B5-5021-D036-B368-C56809EE346F}"/>
-                  </a:ext>
-                </a:extLst>
-              </p:cNvPr>
-              <p:cNvCxnSpPr>
-                <a:cxnSpLocks/>
-                <a:stCxn id="5" idx="3"/>
-                <a:endCxn id="6" idx="1"/>
-              </p:cNvCxnSpPr>
-              <p:nvPr/>
-            </p:nvCxnSpPr>
-            <p:spPr>
-              <a:xfrm>
-                <a:off x="3666079" y="4398549"/>
-                <a:ext cx="1553993" cy="0"/>
-              </a:xfrm>
-              <a:prstGeom prst="straightConnector1">
-                <a:avLst/>
-              </a:prstGeom>
-              <a:solidFill>
-                <a:schemeClr val="accent1"/>
-              </a:solidFill>
-              <a:ln w="28575" cap="flat" cmpd="sng" algn="ctr">
-                <a:solidFill>
-                  <a:schemeClr val="tx1"/>
-                </a:solidFill>
-                <a:prstDash val="solid"/>
-                <a:round/>
-                <a:tailEnd type="triangle"/>
-              </a:ln>
-              <a:effectLst/>
-            </p:spPr>
-          </p:cxnSp>
-          <p:cxnSp>
-            <p:nvCxnSpPr>
-              <p:cNvPr id="11" name="직선 화살표 연결선 10">
-                <a:extLst>
-                  <a:ext uri="{FF2B5EF4-FFF2-40B4-BE49-F238E27FC236}">
-                    <a16:creationId xmlns:a16="http://schemas.microsoft.com/office/drawing/2014/main" id="{84917EBE-E0A8-1A6E-F968-53CAC77EB2E8}"/>
-                  </a:ext>
-                </a:extLst>
-              </p:cNvPr>
-              <p:cNvCxnSpPr>
-                <a:cxnSpLocks/>
-                <a:stCxn id="5" idx="0"/>
-              </p:cNvCxnSpPr>
-              <p:nvPr/>
-            </p:nvCxnSpPr>
-            <p:spPr>
-              <a:xfrm flipV="1">
-                <a:off x="3182936" y="3429000"/>
-                <a:ext cx="0" cy="714160"/>
-              </a:xfrm>
-              <a:prstGeom prst="straightConnector1">
-                <a:avLst/>
-              </a:prstGeom>
-              <a:solidFill>
-                <a:schemeClr val="accent1"/>
-              </a:solidFill>
-              <a:ln w="28575" cap="flat" cmpd="sng" algn="ctr">
-                <a:solidFill>
-                  <a:schemeClr val="tx1"/>
-                </a:solidFill>
-                <a:prstDash val="solid"/>
-                <a:round/>
-                <a:tailEnd type="triangle"/>
-              </a:ln>
-              <a:effectLst/>
-            </p:spPr>
-          </p:cxnSp>
-          <p:cxnSp>
-            <p:nvCxnSpPr>
-              <p:cNvPr id="18" name="직선 화살표 연결선 17">
-                <a:extLst>
-                  <a:ext uri="{FF2B5EF4-FFF2-40B4-BE49-F238E27FC236}">
-                    <a16:creationId xmlns:a16="http://schemas.microsoft.com/office/drawing/2014/main" id="{3039A8E8-60C7-6BC8-E577-F32996BCAA50}"/>
-                  </a:ext>
-                </a:extLst>
-              </p:cNvPr>
-              <p:cNvCxnSpPr>
-                <a:cxnSpLocks/>
-              </p:cNvCxnSpPr>
-              <p:nvPr/>
-            </p:nvCxnSpPr>
-            <p:spPr>
-              <a:xfrm flipV="1">
-                <a:off x="3182936" y="4653938"/>
-                <a:ext cx="0" cy="714160"/>
-              </a:xfrm>
-              <a:prstGeom prst="straightConnector1">
-                <a:avLst/>
-              </a:prstGeom>
-              <a:solidFill>
-                <a:schemeClr val="accent1"/>
-              </a:solidFill>
-              <a:ln w="28575" cap="flat" cmpd="sng" algn="ctr">
-                <a:solidFill>
-                  <a:schemeClr val="tx1"/>
-                </a:solidFill>
-                <a:prstDash val="solid"/>
-                <a:round/>
-                <a:tailEnd type="triangle"/>
-              </a:ln>
-              <a:effectLst/>
-            </p:spPr>
-          </p:cxnSp>
-          <p:cxnSp>
-            <p:nvCxnSpPr>
-              <p:cNvPr id="19" name="직선 화살표 연결선 18">
-                <a:extLst>
-                  <a:ext uri="{FF2B5EF4-FFF2-40B4-BE49-F238E27FC236}">
-                    <a16:creationId xmlns:a16="http://schemas.microsoft.com/office/drawing/2014/main" id="{E8E0F6AB-F9BC-3BB7-DBEE-D406159C45C0}"/>
-                  </a:ext>
-                </a:extLst>
-              </p:cNvPr>
-              <p:cNvCxnSpPr>
-                <a:cxnSpLocks/>
-                <a:endCxn id="5" idx="1"/>
-              </p:cNvCxnSpPr>
-              <p:nvPr/>
-            </p:nvCxnSpPr>
-            <p:spPr>
-              <a:xfrm>
-                <a:off x="1438470" y="4398549"/>
-                <a:ext cx="1261322" cy="0"/>
-              </a:xfrm>
-              <a:prstGeom prst="straightConnector1">
-                <a:avLst/>
-              </a:prstGeom>
-              <a:solidFill>
-                <a:schemeClr val="accent1"/>
-              </a:solidFill>
-              <a:ln w="28575" cap="flat" cmpd="sng" algn="ctr">
-                <a:solidFill>
-                  <a:schemeClr val="tx1"/>
-                </a:solidFill>
-                <a:prstDash val="solid"/>
-                <a:round/>
-                <a:tailEnd type="triangle"/>
-              </a:ln>
-              <a:effectLst/>
-            </p:spPr>
-          </p:cxnSp>
-          <p:sp>
-            <p:nvSpPr>
-              <p:cNvPr id="22" name="TextBox 21">
-                <a:extLst>
-                  <a:ext uri="{FF2B5EF4-FFF2-40B4-BE49-F238E27FC236}">
-                    <a16:creationId xmlns:a16="http://schemas.microsoft.com/office/drawing/2014/main" id="{8472E098-433E-FE8D-7D5D-FA2FF33901BB}"/>
-                  </a:ext>
-                </a:extLst>
-              </p:cNvPr>
-              <p:cNvSpPr txBox="1"/>
-              <p:nvPr/>
-            </p:nvSpPr>
-            <p:spPr>
-              <a:xfrm>
-                <a:off x="1438470" y="3912327"/>
-                <a:ext cx="1208985" cy="461665"/>
-              </a:xfrm>
-              <a:prstGeom prst="rect">
-                <a:avLst/>
-              </a:prstGeom>
-              <a:noFill/>
-            </p:spPr>
-            <p:txBody>
-              <a:bodyPr wrap="none" rtlCol="0">
-                <a:spAutoFit/>
-              </a:bodyPr>
-              <a:lstStyle/>
-              <a:p>
-                <a:r>
-                  <a:rPr lang="en-US" altLang="ko-KR" dirty="0"/>
-                  <a:t>memory</a:t>
-                </a:r>
-                <a:endParaRPr kumimoji="1" lang="ko-KR" altLang="en-US" dirty="0"/>
-              </a:p>
-            </p:txBody>
-          </p:sp>
-          <p:sp>
-            <p:nvSpPr>
-              <p:cNvPr id="23" name="TextBox 22">
-                <a:extLst>
-                  <a:ext uri="{FF2B5EF4-FFF2-40B4-BE49-F238E27FC236}">
-                    <a16:creationId xmlns:a16="http://schemas.microsoft.com/office/drawing/2014/main" id="{FB3CCDCD-238B-13DC-1981-4AC0561D8433}"/>
-                  </a:ext>
-                </a:extLst>
-              </p:cNvPr>
-              <p:cNvSpPr txBox="1"/>
-              <p:nvPr/>
-            </p:nvSpPr>
-            <p:spPr>
-              <a:xfrm>
-                <a:off x="3873066" y="3936884"/>
-                <a:ext cx="1208985" cy="461665"/>
-              </a:xfrm>
-              <a:prstGeom prst="rect">
-                <a:avLst/>
-              </a:prstGeom>
-              <a:noFill/>
-            </p:spPr>
-            <p:txBody>
-              <a:bodyPr wrap="none" rtlCol="0">
-                <a:spAutoFit/>
-              </a:bodyPr>
-              <a:lstStyle/>
-              <a:p>
-                <a:r>
-                  <a:rPr lang="en-US" altLang="ko-KR" dirty="0"/>
-                  <a:t>memory</a:t>
-                </a:r>
-                <a:endParaRPr kumimoji="1" lang="ko-KR" altLang="en-US" dirty="0"/>
-              </a:p>
-            </p:txBody>
-          </p:sp>
-          <p:sp>
-            <p:nvSpPr>
-              <p:cNvPr id="24" name="TextBox 23">
-                <a:extLst>
-                  <a:ext uri="{FF2B5EF4-FFF2-40B4-BE49-F238E27FC236}">
-                    <a16:creationId xmlns:a16="http://schemas.microsoft.com/office/drawing/2014/main" id="{34692125-A492-29C8-E76A-5D6CA4AD032B}"/>
-                  </a:ext>
-                </a:extLst>
-              </p:cNvPr>
-              <p:cNvSpPr txBox="1"/>
-              <p:nvPr/>
-            </p:nvSpPr>
-            <p:spPr>
-              <a:xfrm>
-                <a:off x="2552793" y="2883513"/>
-                <a:ext cx="1260281" cy="461665"/>
-              </a:xfrm>
-              <a:prstGeom prst="rect">
-                <a:avLst/>
-              </a:prstGeom>
-              <a:noFill/>
-            </p:spPr>
-            <p:txBody>
-              <a:bodyPr wrap="none" rtlCol="0">
-                <a:spAutoFit/>
-              </a:bodyPr>
-              <a:lstStyle/>
-              <a:p>
-                <a:r>
-                  <a:rPr kumimoji="1" lang="en-US" altLang="ko-KR" dirty="0"/>
-                  <a:t>output(</a:t>
-                </a:r>
-                <a:r>
-                  <a:rPr lang="en-US" altLang="ko-KR" dirty="0"/>
-                  <a:t>t)</a:t>
-                </a:r>
-                <a:endParaRPr kumimoji="1" lang="ko-KR" altLang="en-US" dirty="0"/>
-              </a:p>
-            </p:txBody>
-          </p:sp>
-          <p:sp>
-            <p:nvSpPr>
-              <p:cNvPr id="25" name="TextBox 24">
-                <a:extLst>
-                  <a:ext uri="{FF2B5EF4-FFF2-40B4-BE49-F238E27FC236}">
-                    <a16:creationId xmlns:a16="http://schemas.microsoft.com/office/drawing/2014/main" id="{554E2938-9599-3A77-4671-9CB6ECBF379E}"/>
-                  </a:ext>
-                </a:extLst>
-              </p:cNvPr>
-              <p:cNvSpPr txBox="1"/>
-              <p:nvPr/>
-            </p:nvSpPr>
-            <p:spPr>
-              <a:xfrm>
-                <a:off x="2629738" y="5436445"/>
-                <a:ext cx="1106393" cy="461665"/>
-              </a:xfrm>
-              <a:prstGeom prst="rect">
-                <a:avLst/>
-              </a:prstGeom>
-              <a:noFill/>
-            </p:spPr>
-            <p:txBody>
-              <a:bodyPr wrap="none" rtlCol="0">
-                <a:spAutoFit/>
-              </a:bodyPr>
-              <a:lstStyle/>
-              <a:p>
-                <a:r>
-                  <a:rPr kumimoji="1" lang="en-US" altLang="ko-KR" dirty="0"/>
-                  <a:t>input(t)</a:t>
-                </a:r>
-                <a:endParaRPr kumimoji="1" lang="ko-KR" altLang="en-US" dirty="0"/>
-              </a:p>
-            </p:txBody>
-          </p:sp>
-        </p:grpSp>
-        <p:cxnSp>
-          <p:nvCxnSpPr>
-            <p:cNvPr id="28" name="직선 화살표 연결선 27">
-              <a:extLst>
-                <a:ext uri="{FF2B5EF4-FFF2-40B4-BE49-F238E27FC236}">
-                  <a16:creationId xmlns:a16="http://schemas.microsoft.com/office/drawing/2014/main" id="{7008C03A-91C9-49FB-C008-7081CAAB4846}"/>
-                </a:ext>
-              </a:extLst>
-            </p:cNvPr>
-            <p:cNvCxnSpPr>
-              <a:cxnSpLocks/>
-            </p:cNvCxnSpPr>
-            <p:nvPr/>
-          </p:nvCxnSpPr>
-          <p:spPr>
-            <a:xfrm flipV="1">
-              <a:off x="5830602" y="3830933"/>
-              <a:ext cx="0" cy="714160"/>
-            </a:xfrm>
-            <a:prstGeom prst="straightConnector1">
-              <a:avLst/>
-            </a:prstGeom>
-            <a:solidFill>
-              <a:schemeClr val="accent1"/>
-            </a:solidFill>
-            <a:ln w="28575" cap="flat" cmpd="sng" algn="ctr">
-              <a:solidFill>
-                <a:schemeClr val="tx1"/>
-              </a:solidFill>
-              <a:prstDash val="solid"/>
-              <a:round/>
-              <a:tailEnd type="triangle"/>
-            </a:ln>
-            <a:effectLst/>
-          </p:spPr>
-        </p:cxnSp>
-        <p:cxnSp>
-          <p:nvCxnSpPr>
-            <p:cNvPr id="29" name="직선 화살표 연결선 28">
-              <a:extLst>
-                <a:ext uri="{FF2B5EF4-FFF2-40B4-BE49-F238E27FC236}">
-                  <a16:creationId xmlns:a16="http://schemas.microsoft.com/office/drawing/2014/main" id="{0C5C3AD8-726E-7126-6290-BAE50756FF61}"/>
-                </a:ext>
-              </a:extLst>
-            </p:cNvPr>
-            <p:cNvCxnSpPr>
-              <a:cxnSpLocks/>
-            </p:cNvCxnSpPr>
-            <p:nvPr/>
-          </p:nvCxnSpPr>
-          <p:spPr>
-            <a:xfrm flipV="1">
-              <a:off x="5830602" y="5055871"/>
-              <a:ext cx="0" cy="714160"/>
-            </a:xfrm>
-            <a:prstGeom prst="straightConnector1">
-              <a:avLst/>
-            </a:prstGeom>
-            <a:solidFill>
-              <a:schemeClr val="accent1"/>
-            </a:solidFill>
-            <a:ln w="28575" cap="flat" cmpd="sng" algn="ctr">
-              <a:solidFill>
-                <a:schemeClr val="tx1"/>
-              </a:solidFill>
-              <a:prstDash val="solid"/>
-              <a:round/>
-              <a:tailEnd type="triangle"/>
-            </a:ln>
-            <a:effectLst/>
-          </p:spPr>
-        </p:cxnSp>
-        <p:sp>
-          <p:nvSpPr>
-            <p:cNvPr id="30" name="TextBox 29">
-              <a:extLst>
-                <a:ext uri="{FF2B5EF4-FFF2-40B4-BE49-F238E27FC236}">
-                  <a16:creationId xmlns:a16="http://schemas.microsoft.com/office/drawing/2014/main" id="{84099F9B-A2F9-0724-DDF1-58A188EC78AD}"/>
-                </a:ext>
-              </a:extLst>
-            </p:cNvPr>
-            <p:cNvSpPr txBox="1"/>
-            <p:nvPr/>
-          </p:nvSpPr>
-          <p:spPr>
-            <a:xfrm>
-              <a:off x="5035028" y="3276364"/>
-              <a:ext cx="1587294" cy="461665"/>
-            </a:xfrm>
-            <a:prstGeom prst="rect">
-              <a:avLst/>
-            </a:prstGeom>
-            <a:noFill/>
-          </p:spPr>
-          <p:txBody>
-            <a:bodyPr wrap="none" rtlCol="0">
-              <a:spAutoFit/>
-            </a:bodyPr>
-            <a:lstStyle/>
-            <a:p>
-              <a:r>
-                <a:rPr kumimoji="1" lang="en-US" altLang="ko-KR" dirty="0"/>
-                <a:t>output(t+1)</a:t>
-              </a:r>
-              <a:endParaRPr kumimoji="1" lang="ko-KR" altLang="en-US" dirty="0"/>
-            </a:p>
-          </p:txBody>
-        </p:sp>
-        <p:sp>
-          <p:nvSpPr>
-            <p:cNvPr id="31" name="TextBox 30">
-              <a:extLst>
-                <a:ext uri="{FF2B5EF4-FFF2-40B4-BE49-F238E27FC236}">
-                  <a16:creationId xmlns:a16="http://schemas.microsoft.com/office/drawing/2014/main" id="{1383BC54-AE3F-F89C-EBE3-CFC063769EF7}"/>
-                </a:ext>
-              </a:extLst>
-            </p:cNvPr>
-            <p:cNvSpPr txBox="1"/>
-            <p:nvPr/>
-          </p:nvSpPr>
-          <p:spPr>
-            <a:xfrm>
-              <a:off x="5111972" y="5838378"/>
-              <a:ext cx="1433406" cy="461665"/>
-            </a:xfrm>
-            <a:prstGeom prst="rect">
-              <a:avLst/>
-            </a:prstGeom>
-            <a:noFill/>
-          </p:spPr>
-          <p:txBody>
-            <a:bodyPr wrap="none" rtlCol="0">
-              <a:spAutoFit/>
-            </a:bodyPr>
-            <a:lstStyle/>
-            <a:p>
-              <a:r>
-                <a:rPr kumimoji="1" lang="en-US" altLang="ko-KR" dirty="0"/>
-                <a:t>input(t+1)</a:t>
-              </a:r>
-              <a:endParaRPr kumimoji="1" lang="ko-KR" altLang="en-US" dirty="0"/>
-            </a:p>
-          </p:txBody>
-        </p:sp>
-        <p:cxnSp>
-          <p:nvCxnSpPr>
-            <p:cNvPr id="32" name="직선 화살표 연결선 31">
-              <a:extLst>
-                <a:ext uri="{FF2B5EF4-FFF2-40B4-BE49-F238E27FC236}">
-                  <a16:creationId xmlns:a16="http://schemas.microsoft.com/office/drawing/2014/main" id="{9397EEEA-0911-8C9F-EA34-C55C4E841797}"/>
-                </a:ext>
-              </a:extLst>
-            </p:cNvPr>
-            <p:cNvCxnSpPr>
-              <a:cxnSpLocks/>
-            </p:cNvCxnSpPr>
-            <p:nvPr/>
-          </p:nvCxnSpPr>
-          <p:spPr>
-            <a:xfrm>
-              <a:off x="6295553" y="4791989"/>
-              <a:ext cx="1261322" cy="0"/>
-            </a:xfrm>
-            <a:prstGeom prst="straightConnector1">
-              <a:avLst/>
-            </a:prstGeom>
-            <a:solidFill>
-              <a:schemeClr val="accent1"/>
-            </a:solidFill>
-            <a:ln w="28575" cap="flat" cmpd="sng" algn="ctr">
-              <a:solidFill>
-                <a:schemeClr val="tx1"/>
-              </a:solidFill>
-              <a:prstDash val="solid"/>
-              <a:round/>
-              <a:tailEnd type="triangle"/>
-            </a:ln>
-            <a:effectLst/>
-          </p:spPr>
-        </p:cxnSp>
-        <p:sp>
-          <p:nvSpPr>
-            <p:cNvPr id="33" name="TextBox 32">
-              <a:extLst>
-                <a:ext uri="{FF2B5EF4-FFF2-40B4-BE49-F238E27FC236}">
-                  <a16:creationId xmlns:a16="http://schemas.microsoft.com/office/drawing/2014/main" id="{CC9E8CFE-F69F-A75B-3198-7831FA2DE19C}"/>
-                </a:ext>
-              </a:extLst>
-            </p:cNvPr>
-            <p:cNvSpPr txBox="1"/>
-            <p:nvPr/>
-          </p:nvSpPr>
-          <p:spPr>
-            <a:xfrm>
-              <a:off x="6295553" y="4305767"/>
-              <a:ext cx="1208985" cy="461665"/>
-            </a:xfrm>
-            <a:prstGeom prst="rect">
-              <a:avLst/>
-            </a:prstGeom>
-            <a:noFill/>
-          </p:spPr>
-          <p:txBody>
-            <a:bodyPr wrap="none" rtlCol="0">
-              <a:spAutoFit/>
-            </a:bodyPr>
-            <a:lstStyle/>
-            <a:p>
-              <a:r>
-                <a:rPr lang="en-US" altLang="ko-KR" dirty="0"/>
-                <a:t>memory</a:t>
-              </a:r>
-              <a:endParaRPr kumimoji="1" lang="ko-KR" altLang="en-US" dirty="0"/>
             </a:p>
           </p:txBody>
         </p:sp>

--- a/cs semina/졸업 논문 심사.pptx
+++ b/cs semina/졸업 논문 심사.pptx
@@ -10912,8 +10912,8 @@
         </p:nvSpPr>
         <p:spPr>
           <a:xfrm>
-            <a:off x="2879112" y="3108953"/>
-            <a:ext cx="902811" cy="307777"/>
+            <a:off x="2378213" y="3066667"/>
+            <a:ext cx="1890261" cy="307777"/>
           </a:xfrm>
           <a:prstGeom prst="rect">
             <a:avLst/>
@@ -10928,7 +10928,7 @@
           <a:p>
             <a:r>
               <a:rPr lang="ko-KR" altLang="en-US" sz="1400" dirty="0"/>
-              <a:t>스파이크</a:t>
+              <a:t>이전 뉴런의 스파이크</a:t>
             </a:r>
             <a:endParaRPr kumimoji="1" lang="ko-KR" altLang="en-US" sz="1400" dirty="0"/>
           </a:p>
